--- a/Module 4 - Asynchronous Programing And Collection in Dart/Student/Yadhu/PPT/Module4_chapter1.pptx
+++ b/Module 4 - Asynchronous Programing And Collection in Dart/Student/Yadhu/PPT/Module4_chapter1.pptx
@@ -1,90 +1,90 @@
 
 <file path=ppt/presentation.xml><?xml version="1.0" encoding="utf-8"?>
-<p:presentation xmlns:a="http://schemas.openxmlformats.org/drawingml/2006/main" xmlns:r="http://schemas.openxmlformats.org/officeDocument/2006/relationships" xmlns:mc="http://schemas.openxmlformats.org/markup-compatibility/2006" xmlns:mv="urn:schemas-microsoft-com:mac:vml" xmlns:p="http://schemas.openxmlformats.org/presentationml/2006/main" xmlns:c="http://schemas.openxmlformats.org/drawingml/2006/chart" xmlns:dgm="http://schemas.openxmlformats.org/drawingml/2006/diagram" xmlns:o="urn:schemas-microsoft-com:office:office" xmlns:v="urn:schemas-microsoft-com:vml" xmlns:pvml="urn:schemas-microsoft-com:office:powerpoint" xmlns:com="http://schemas.openxmlformats.org/drawingml/2006/compatibility" xmlns:p14="http://schemas.microsoft.com/office/powerpoint/2010/main" xmlns:p15="http://schemas.microsoft.com/office/powerpoint/2012/main" xmlns:ahyp="http://schemas.microsoft.com/office/drawing/2018/hyperlinkcolor" autoCompressPictures="0" embedTrueTypeFonts="1" strictFirstAndLastChars="0" saveSubsetFonts="1">
+<p:presentation xmlns:a="http://schemas.openxmlformats.org/drawingml/2006/main" xmlns:r="http://schemas.openxmlformats.org/officeDocument/2006/relationships" xmlns:p="http://schemas.openxmlformats.org/presentationml/2006/main" strictFirstAndLastChars="0" embedTrueTypeFonts="1" saveSubsetFonts="1" autoCompressPictures="0">
   <p:sldMasterIdLst>
-    <p:sldMasterId id="2147483659" r:id="rId4"/>
+    <p:sldMasterId id="2147483659" r:id="rId1"/>
   </p:sldMasterIdLst>
   <p:notesMasterIdLst>
-    <p:notesMasterId r:id="rId5"/>
+    <p:notesMasterId r:id="rId22"/>
   </p:notesMasterIdLst>
   <p:sldIdLst>
-    <p:sldId id="256" r:id="rId6"/>
-    <p:sldId id="257" r:id="rId7"/>
-    <p:sldId id="258" r:id="rId8"/>
-    <p:sldId id="259" r:id="rId9"/>
-    <p:sldId id="260" r:id="rId10"/>
-    <p:sldId id="261" r:id="rId11"/>
-    <p:sldId id="262" r:id="rId12"/>
-    <p:sldId id="263" r:id="rId13"/>
-    <p:sldId id="264" r:id="rId14"/>
-    <p:sldId id="265" r:id="rId15"/>
-    <p:sldId id="266" r:id="rId16"/>
-    <p:sldId id="267" r:id="rId17"/>
-    <p:sldId id="268" r:id="rId18"/>
-    <p:sldId id="269" r:id="rId19"/>
-    <p:sldId id="270" r:id="rId20"/>
-    <p:sldId id="271" r:id="rId21"/>
-    <p:sldId id="272" r:id="rId22"/>
-    <p:sldId id="273" r:id="rId23"/>
-    <p:sldId id="274" r:id="rId24"/>
-    <p:sldId id="275" r:id="rId25"/>
+    <p:sldId id="256" r:id="rId2"/>
+    <p:sldId id="257" r:id="rId3"/>
+    <p:sldId id="258" r:id="rId4"/>
+    <p:sldId id="259" r:id="rId5"/>
+    <p:sldId id="260" r:id="rId6"/>
+    <p:sldId id="261" r:id="rId7"/>
+    <p:sldId id="262" r:id="rId8"/>
+    <p:sldId id="263" r:id="rId9"/>
+    <p:sldId id="264" r:id="rId10"/>
+    <p:sldId id="265" r:id="rId11"/>
+    <p:sldId id="266" r:id="rId12"/>
+    <p:sldId id="267" r:id="rId13"/>
+    <p:sldId id="268" r:id="rId14"/>
+    <p:sldId id="269" r:id="rId15"/>
+    <p:sldId id="270" r:id="rId16"/>
+    <p:sldId id="271" r:id="rId17"/>
+    <p:sldId id="272" r:id="rId18"/>
+    <p:sldId id="273" r:id="rId19"/>
+    <p:sldId id="274" r:id="rId20"/>
+    <p:sldId id="275" r:id="rId21"/>
   </p:sldIdLst>
-  <p:sldSz cy="5143500" cx="9144000"/>
+  <p:sldSz cx="9144000" cy="5143500" type="screen16x9"/>
   <p:notesSz cx="6858000" cy="9144000"/>
   <p:embeddedFontLst>
     <p:embeddedFont>
-      <p:font typeface="Lexend ExtraBold"/>
-      <p:bold r:id="rId26"/>
+      <p:font typeface="Cinzel" panose="020B0604020202020204" charset="0"/>
+      <p:regular r:id="rId23"/>
+      <p:bold r:id="rId24"/>
     </p:embeddedFont>
     <p:embeddedFont>
-      <p:font typeface="Roboto"/>
-      <p:regular r:id="rId27"/>
-      <p:bold r:id="rId28"/>
-      <p:italic r:id="rId29"/>
-      <p:boldItalic r:id="rId30"/>
+      <p:font typeface="Fugaz One" panose="020B0604020202020204" charset="0"/>
+      <p:regular r:id="rId25"/>
     </p:embeddedFont>
     <p:embeddedFont>
-      <p:font typeface="Lora"/>
-      <p:regular r:id="rId31"/>
-      <p:bold r:id="rId32"/>
-      <p:italic r:id="rId33"/>
-      <p:boldItalic r:id="rId34"/>
+      <p:font typeface="Josefin Sans" panose="020F0502020204030204" pitchFamily="2" charset="0"/>
+      <p:regular r:id="rId26"/>
+      <p:bold r:id="rId27"/>
+      <p:italic r:id="rId28"/>
+      <p:boldItalic r:id="rId29"/>
     </p:embeddedFont>
     <p:embeddedFont>
-      <p:font typeface="Fugaz One"/>
-      <p:regular r:id="rId35"/>
+      <p:font typeface="Josefin Sans SemiBold" pitchFamily="2" charset="0"/>
+      <p:regular r:id="rId30"/>
+      <p:bold r:id="rId31"/>
+      <p:italic r:id="rId32"/>
+      <p:boldItalic r:id="rId33"/>
     </p:embeddedFont>
     <p:embeddedFont>
-      <p:font typeface="Cinzel"/>
-      <p:regular r:id="rId36"/>
-      <p:bold r:id="rId37"/>
+      <p:font typeface="Lexend ExtraBold" panose="020B0604020202020204" charset="0"/>
+      <p:bold r:id="rId34"/>
     </p:embeddedFont>
     <p:embeddedFont>
-      <p:font typeface="Josefin Sans"/>
-      <p:regular r:id="rId38"/>
-      <p:bold r:id="rId39"/>
-      <p:italic r:id="rId40"/>
-      <p:boldItalic r:id="rId41"/>
+      <p:font typeface="Lora" pitchFamily="2" charset="0"/>
+      <p:regular r:id="rId35"/>
+      <p:bold r:id="rId36"/>
+      <p:italic r:id="rId37"/>
+      <p:boldItalic r:id="rId38"/>
     </p:embeddedFont>
     <p:embeddedFont>
-      <p:font typeface="Josefin Sans SemiBold"/>
-      <p:regular r:id="rId42"/>
-      <p:bold r:id="rId43"/>
-      <p:italic r:id="rId44"/>
-      <p:boldItalic r:id="rId45"/>
+      <p:font typeface="Merriweather ExtraBold" panose="020B0604020202020204" charset="0"/>
+      <p:bold r:id="rId39"/>
+      <p:boldItalic r:id="rId40"/>
     </p:embeddedFont>
     <p:embeddedFont>
-      <p:font typeface="Unbounded ExtraBold"/>
-      <p:bold r:id="rId46"/>
+      <p:font typeface="Roboto" panose="02000000000000000000" pitchFamily="2" charset="0"/>
+      <p:regular r:id="rId41"/>
+      <p:bold r:id="rId42"/>
+      <p:italic r:id="rId43"/>
+      <p:boldItalic r:id="rId44"/>
     </p:embeddedFont>
     <p:embeddedFont>
-      <p:font typeface="Merriweather ExtraBold"/>
-      <p:bold r:id="rId47"/>
-      <p:boldItalic r:id="rId48"/>
+      <p:font typeface="Unbounded ExtraBold" panose="020B0604020202020204" charset="0"/>
+      <p:bold r:id="rId45"/>
     </p:embeddedFont>
   </p:embeddedFontLst>
   <p:defaultTextStyle>
-    <a:defPPr lvl="0" marR="0" rtl="0" algn="l">
+    <a:defPPr marR="0" lvl="0" algn="l" rtl="0">
       <a:lnSpc>
         <a:spcPct val="100000"/>
       </a:lnSpc>
@@ -95,7 +95,7 @@
         <a:spcPts val="0"/>
       </a:spcAft>
     </a:defPPr>
-    <a:lvl1pPr lvl="0" marR="0" rtl="0" algn="l">
+    <a:lvl1pPr marR="0" lvl="0" algn="l" rtl="0">
       <a:lnSpc>
         <a:spcPct val="100000"/>
       </a:lnSpc>
@@ -109,7 +109,7 @@
         <a:srgbClr val="000000"/>
       </a:buClr>
       <a:buFont typeface="Arial"/>
-      <a:defRPr b="0" i="0" sz="1400" u="none" cap="none" strike="noStrike">
+      <a:defRPr sz="1400" b="0" i="0" u="none" strike="noStrike" cap="none">
         <a:solidFill>
           <a:srgbClr val="000000"/>
         </a:solidFill>
@@ -119,7 +119,7 @@
         <a:sym typeface="Arial"/>
       </a:defRPr>
     </a:lvl1pPr>
-    <a:lvl2pPr lvl="1" marR="0" rtl="0" algn="l">
+    <a:lvl2pPr marR="0" lvl="1" algn="l" rtl="0">
       <a:lnSpc>
         <a:spcPct val="100000"/>
       </a:lnSpc>
@@ -133,7 +133,7 @@
         <a:srgbClr val="000000"/>
       </a:buClr>
       <a:buFont typeface="Arial"/>
-      <a:defRPr b="0" i="0" sz="1400" u="none" cap="none" strike="noStrike">
+      <a:defRPr sz="1400" b="0" i="0" u="none" strike="noStrike" cap="none">
         <a:solidFill>
           <a:srgbClr val="000000"/>
         </a:solidFill>
@@ -143,7 +143,7 @@
         <a:sym typeface="Arial"/>
       </a:defRPr>
     </a:lvl2pPr>
-    <a:lvl3pPr lvl="2" marR="0" rtl="0" algn="l">
+    <a:lvl3pPr marR="0" lvl="2" algn="l" rtl="0">
       <a:lnSpc>
         <a:spcPct val="100000"/>
       </a:lnSpc>
@@ -157,7 +157,7 @@
         <a:srgbClr val="000000"/>
       </a:buClr>
       <a:buFont typeface="Arial"/>
-      <a:defRPr b="0" i="0" sz="1400" u="none" cap="none" strike="noStrike">
+      <a:defRPr sz="1400" b="0" i="0" u="none" strike="noStrike" cap="none">
         <a:solidFill>
           <a:srgbClr val="000000"/>
         </a:solidFill>
@@ -167,7 +167,7 @@
         <a:sym typeface="Arial"/>
       </a:defRPr>
     </a:lvl3pPr>
-    <a:lvl4pPr lvl="3" marR="0" rtl="0" algn="l">
+    <a:lvl4pPr marR="0" lvl="3" algn="l" rtl="0">
       <a:lnSpc>
         <a:spcPct val="100000"/>
       </a:lnSpc>
@@ -181,7 +181,7 @@
         <a:srgbClr val="000000"/>
       </a:buClr>
       <a:buFont typeface="Arial"/>
-      <a:defRPr b="0" i="0" sz="1400" u="none" cap="none" strike="noStrike">
+      <a:defRPr sz="1400" b="0" i="0" u="none" strike="noStrike" cap="none">
         <a:solidFill>
           <a:srgbClr val="000000"/>
         </a:solidFill>
@@ -191,7 +191,7 @@
         <a:sym typeface="Arial"/>
       </a:defRPr>
     </a:lvl4pPr>
-    <a:lvl5pPr lvl="4" marR="0" rtl="0" algn="l">
+    <a:lvl5pPr marR="0" lvl="4" algn="l" rtl="0">
       <a:lnSpc>
         <a:spcPct val="100000"/>
       </a:lnSpc>
@@ -205,7 +205,7 @@
         <a:srgbClr val="000000"/>
       </a:buClr>
       <a:buFont typeface="Arial"/>
-      <a:defRPr b="0" i="0" sz="1400" u="none" cap="none" strike="noStrike">
+      <a:defRPr sz="1400" b="0" i="0" u="none" strike="noStrike" cap="none">
         <a:solidFill>
           <a:srgbClr val="000000"/>
         </a:solidFill>
@@ -215,7 +215,7 @@
         <a:sym typeface="Arial"/>
       </a:defRPr>
     </a:lvl5pPr>
-    <a:lvl6pPr lvl="5" marR="0" rtl="0" algn="l">
+    <a:lvl6pPr marR="0" lvl="5" algn="l" rtl="0">
       <a:lnSpc>
         <a:spcPct val="100000"/>
       </a:lnSpc>
@@ -229,7 +229,7 @@
         <a:srgbClr val="000000"/>
       </a:buClr>
       <a:buFont typeface="Arial"/>
-      <a:defRPr b="0" i="0" sz="1400" u="none" cap="none" strike="noStrike">
+      <a:defRPr sz="1400" b="0" i="0" u="none" strike="noStrike" cap="none">
         <a:solidFill>
           <a:srgbClr val="000000"/>
         </a:solidFill>
@@ -239,7 +239,7 @@
         <a:sym typeface="Arial"/>
       </a:defRPr>
     </a:lvl6pPr>
-    <a:lvl7pPr lvl="6" marR="0" rtl="0" algn="l">
+    <a:lvl7pPr marR="0" lvl="6" algn="l" rtl="0">
       <a:lnSpc>
         <a:spcPct val="100000"/>
       </a:lnSpc>
@@ -253,7 +253,7 @@
         <a:srgbClr val="000000"/>
       </a:buClr>
       <a:buFont typeface="Arial"/>
-      <a:defRPr b="0" i="0" sz="1400" u="none" cap="none" strike="noStrike">
+      <a:defRPr sz="1400" b="0" i="0" u="none" strike="noStrike" cap="none">
         <a:solidFill>
           <a:srgbClr val="000000"/>
         </a:solidFill>
@@ -263,7 +263,7 @@
         <a:sym typeface="Arial"/>
       </a:defRPr>
     </a:lvl7pPr>
-    <a:lvl8pPr lvl="7" marR="0" rtl="0" algn="l">
+    <a:lvl8pPr marR="0" lvl="7" algn="l" rtl="0">
       <a:lnSpc>
         <a:spcPct val="100000"/>
       </a:lnSpc>
@@ -277,7 +277,7 @@
         <a:srgbClr val="000000"/>
       </a:buClr>
       <a:buFont typeface="Arial"/>
-      <a:defRPr b="0" i="0" sz="1400" u="none" cap="none" strike="noStrike">
+      <a:defRPr sz="1400" b="0" i="0" u="none" strike="noStrike" cap="none">
         <a:solidFill>
           <a:srgbClr val="000000"/>
         </a:solidFill>
@@ -287,7 +287,7 @@
         <a:sym typeface="Arial"/>
       </a:defRPr>
     </a:lvl8pPr>
-    <a:lvl9pPr lvl="8" marR="0" rtl="0" algn="l">
+    <a:lvl9pPr marR="0" lvl="8" algn="l" rtl="0">
       <a:lnSpc>
         <a:spcPct val="100000"/>
       </a:lnSpc>
@@ -301,7 +301,7 @@
         <a:srgbClr val="000000"/>
       </a:buClr>
       <a:buFont typeface="Arial"/>
-      <a:defRPr b="0" i="0" sz="1400" u="none" cap="none" strike="noStrike">
+      <a:defRPr sz="1400" b="0" i="0" u="none" strike="noStrike" cap="none">
         <a:solidFill>
           <a:srgbClr val="000000"/>
         </a:solidFill>
@@ -314,7 +314,7 @@
   </p:defaultTextStyle>
   <p:extLst>
     <p:ext uri="{EFAFB233-063F-42B5-8137-9DF3F51BA10A}">
-      <p15:sldGuideLst>
+      <p15:sldGuideLst xmlns:p15="http://schemas.microsoft.com/office/powerpoint/2012/main">
         <p15:guide id="1" orient="horz" pos="1620">
           <p15:clr>
             <a:srgbClr val="747775"/>
@@ -332,11 +332,16 @@
 </file>
 
 <file path=ppt/notesMasters/notesMaster1.xml><?xml version="1.0" encoding="utf-8"?>
-<p:notesMaster xmlns:a="http://schemas.openxmlformats.org/drawingml/2006/main" xmlns:r="http://schemas.openxmlformats.org/officeDocument/2006/relationships" xmlns:mc="http://schemas.openxmlformats.org/markup-compatibility/2006" xmlns:mv="urn:schemas-microsoft-com:mac:vml" xmlns:p="http://schemas.openxmlformats.org/presentationml/2006/main" xmlns:c="http://schemas.openxmlformats.org/drawingml/2006/chart" xmlns:dgm="http://schemas.openxmlformats.org/drawingml/2006/diagram" xmlns:o="urn:schemas-microsoft-com:office:office" xmlns:v="urn:schemas-microsoft-com:vml" xmlns:pvml="urn:schemas-microsoft-com:office:powerpoint" xmlns:com="http://schemas.openxmlformats.org/drawingml/2006/compatibility" xmlns:p14="http://schemas.microsoft.com/office/powerpoint/2010/main" xmlns:p15="http://schemas.microsoft.com/office/powerpoint/2012/main" xmlns:ahyp="http://schemas.microsoft.com/office/drawing/2018/hyperlinkcolor">
+<p:notesMaster xmlns:a="http://schemas.openxmlformats.org/drawingml/2006/main" xmlns:r="http://schemas.openxmlformats.org/officeDocument/2006/relationships" xmlns:p="http://schemas.openxmlformats.org/presentationml/2006/main">
   <p:cSld>
+    <p:bg>
+      <p:bgRef idx="1001">
+        <a:schemeClr val="bg1"/>
+      </p:bgRef>
+    </p:bg>
     <p:spTree>
       <p:nvGrpSpPr>
-        <p:cNvPr id="2" name="Shape 2"/>
+        <p:cNvPr id="1" name="Shape 2"/>
         <p:cNvGrpSpPr/>
         <p:nvPr/>
       </p:nvGrpSpPr>
@@ -351,9 +356,11 @@
       <p:sp>
         <p:nvSpPr>
           <p:cNvPr id="3" name="Google Shape;3;n"/>
-          <p:cNvSpPr/>
+          <p:cNvSpPr>
+            <a:spLocks noGrp="1" noRot="1" noChangeAspect="1"/>
+          </p:cNvSpPr>
           <p:nvPr>
-            <p:ph idx="2" type="sldImg"/>
+            <p:ph type="sldImg" idx="2"/>
           </p:nvPr>
         </p:nvSpPr>
         <p:spPr>
@@ -362,9 +369,13 @@
             <a:ext cx="6096075" cy="3429000"/>
           </a:xfrm>
           <a:custGeom>
-            <a:rect b="b" l="l" r="r" t="t"/>
+            <a:avLst/>
+            <a:gdLst/>
+            <a:ahLst/>
+            <a:cxnLst/>
+            <a:rect l="l" t="t" r="r" b="b"/>
             <a:pathLst>
-              <a:path extrusionOk="0" h="120000" w="120000">
+              <a:path w="120000" h="120000" extrusionOk="0">
                 <a:moveTo>
                   <a:pt x="0" y="0"/>
                 </a:moveTo>
@@ -382,23 +393,25 @@
             </a:pathLst>
           </a:custGeom>
           <a:noFill/>
-          <a:ln cap="flat" cmpd="sng" w="9525">
+          <a:ln w="9525" cap="flat" cmpd="sng">
             <a:solidFill>
               <a:srgbClr val="000000"/>
             </a:solidFill>
             <a:prstDash val="solid"/>
             <a:round/>
-            <a:headEnd len="sm" w="sm" type="none"/>
-            <a:tailEnd len="sm" w="sm" type="none"/>
+            <a:headEnd type="none" w="sm" len="sm"/>
+            <a:tailEnd type="none" w="sm" len="sm"/>
           </a:ln>
         </p:spPr>
       </p:sp>
       <p:sp>
         <p:nvSpPr>
           <p:cNvPr id="4" name="Google Shape;4;n"/>
-          <p:cNvSpPr txBox="1"/>
+          <p:cNvSpPr txBox="1">
+            <a:spLocks noGrp="1"/>
+          </p:cNvSpPr>
           <p:nvPr>
-            <p:ph idx="1" type="body"/>
+            <p:ph type="body" idx="1"/>
           </p:nvPr>
         </p:nvSpPr>
         <p:spPr>
@@ -415,11 +428,11 @@
           </a:ln>
         </p:spPr>
         <p:txBody>
-          <a:bodyPr anchorCtr="0" anchor="t" bIns="91425" lIns="91425" spcFirstLastPara="1" rIns="91425" wrap="square" tIns="91425">
+          <a:bodyPr spcFirstLastPara="1" wrap="square" lIns="91425" tIns="91425" rIns="91425" bIns="91425" anchor="t" anchorCtr="0">
             <a:noAutofit/>
           </a:bodyPr>
           <a:lstStyle>
-            <a:lvl1pPr indent="-298450" lvl="0" marL="457200">
+            <a:lvl1pPr marL="457200" lvl="0" indent="-298450">
               <a:spcBef>
                 <a:spcPts val="0"/>
               </a:spcBef>
@@ -430,7 +443,7 @@
               <a:buChar char="●"/>
               <a:defRPr sz="1100"/>
             </a:lvl1pPr>
-            <a:lvl2pPr indent="-298450" lvl="1" marL="914400">
+            <a:lvl2pPr marL="914400" lvl="1" indent="-298450">
               <a:spcBef>
                 <a:spcPts val="0"/>
               </a:spcBef>
@@ -441,7 +454,7 @@
               <a:buChar char="○"/>
               <a:defRPr sz="1100"/>
             </a:lvl2pPr>
-            <a:lvl3pPr indent="-298450" lvl="2" marL="1371600">
+            <a:lvl3pPr marL="1371600" lvl="2" indent="-298450">
               <a:spcBef>
                 <a:spcPts val="0"/>
               </a:spcBef>
@@ -452,7 +465,7 @@
               <a:buChar char="■"/>
               <a:defRPr sz="1100"/>
             </a:lvl3pPr>
-            <a:lvl4pPr indent="-298450" lvl="3" marL="1828800">
+            <a:lvl4pPr marL="1828800" lvl="3" indent="-298450">
               <a:spcBef>
                 <a:spcPts val="0"/>
               </a:spcBef>
@@ -463,7 +476,7 @@
               <a:buChar char="●"/>
               <a:defRPr sz="1100"/>
             </a:lvl4pPr>
-            <a:lvl5pPr indent="-298450" lvl="4" marL="2286000">
+            <a:lvl5pPr marL="2286000" lvl="4" indent="-298450">
               <a:spcBef>
                 <a:spcPts val="0"/>
               </a:spcBef>
@@ -474,7 +487,7 @@
               <a:buChar char="○"/>
               <a:defRPr sz="1100"/>
             </a:lvl5pPr>
-            <a:lvl6pPr indent="-298450" lvl="5" marL="2743200">
+            <a:lvl6pPr marL="2743200" lvl="5" indent="-298450">
               <a:spcBef>
                 <a:spcPts val="0"/>
               </a:spcBef>
@@ -485,7 +498,7 @@
               <a:buChar char="■"/>
               <a:defRPr sz="1100"/>
             </a:lvl6pPr>
-            <a:lvl7pPr indent="-298450" lvl="6" marL="3200400">
+            <a:lvl7pPr marL="3200400" lvl="6" indent="-298450">
               <a:spcBef>
                 <a:spcPts val="0"/>
               </a:spcBef>
@@ -496,7 +509,7 @@
               <a:buChar char="●"/>
               <a:defRPr sz="1100"/>
             </a:lvl7pPr>
-            <a:lvl8pPr indent="-298450" lvl="7" marL="3657600">
+            <a:lvl8pPr marL="3657600" lvl="7" indent="-298450">
               <a:spcBef>
                 <a:spcPts val="0"/>
               </a:spcBef>
@@ -507,7 +520,7 @@
               <a:buChar char="○"/>
               <a:defRPr sz="1100"/>
             </a:lvl8pPr>
-            <a:lvl9pPr indent="-298450" lvl="8" marL="4114800">
+            <a:lvl9pPr marL="4114800" lvl="8" indent="-298450">
               <a:spcBef>
                 <a:spcPts val="0"/>
               </a:spcBef>
@@ -519,14 +532,16 @@
               <a:defRPr sz="1100"/>
             </a:lvl9pPr>
           </a:lstStyle>
-          <a:p/>
+          <a:p>
+            <a:endParaRPr/>
+          </a:p>
         </p:txBody>
       </p:sp>
     </p:spTree>
   </p:cSld>
-  <p:clrMap accent1="accent1" accent2="accent2" accent3="accent3" accent4="accent4" accent5="accent5" accent6="accent6" bg1="lt1" bg2="dk2" tx1="dk1" tx2="lt2" folHlink="folHlink" hlink="hlink"/>
+  <p:clrMap bg1="lt1" tx1="dk1" bg2="dk2" tx2="lt2" accent1="accent1" accent2="accent2" accent3="accent3" accent4="accent4" accent5="accent5" accent6="accent6" hlink="hlink" folHlink="folHlink"/>
   <p:notesStyle>
-    <a:defPPr lvl="0" marR="0" rtl="0" algn="l">
+    <a:defPPr marR="0" lvl="0" algn="l" rtl="0">
       <a:lnSpc>
         <a:spcPct val="100000"/>
       </a:lnSpc>
@@ -537,7 +552,7 @@
         <a:spcPts val="0"/>
       </a:spcAft>
     </a:defPPr>
-    <a:lvl1pPr lvl="0" marR="0" rtl="0" algn="l">
+    <a:lvl1pPr marR="0" lvl="0" algn="l" rtl="0">
       <a:lnSpc>
         <a:spcPct val="100000"/>
       </a:lnSpc>
@@ -551,7 +566,7 @@
         <a:srgbClr val="000000"/>
       </a:buClr>
       <a:buFont typeface="Arial"/>
-      <a:defRPr b="0" i="0" sz="1400" u="none" cap="none" strike="noStrike">
+      <a:defRPr sz="1400" b="0" i="0" u="none" strike="noStrike" cap="none">
         <a:solidFill>
           <a:srgbClr val="000000"/>
         </a:solidFill>
@@ -561,7 +576,7 @@
         <a:sym typeface="Arial"/>
       </a:defRPr>
     </a:lvl1pPr>
-    <a:lvl2pPr lvl="1" marR="0" rtl="0" algn="l">
+    <a:lvl2pPr marR="0" lvl="1" algn="l" rtl="0">
       <a:lnSpc>
         <a:spcPct val="100000"/>
       </a:lnSpc>
@@ -575,7 +590,7 @@
         <a:srgbClr val="000000"/>
       </a:buClr>
       <a:buFont typeface="Arial"/>
-      <a:defRPr b="0" i="0" sz="1400" u="none" cap="none" strike="noStrike">
+      <a:defRPr sz="1400" b="0" i="0" u="none" strike="noStrike" cap="none">
         <a:solidFill>
           <a:srgbClr val="000000"/>
         </a:solidFill>
@@ -585,7 +600,7 @@
         <a:sym typeface="Arial"/>
       </a:defRPr>
     </a:lvl2pPr>
-    <a:lvl3pPr lvl="2" marR="0" rtl="0" algn="l">
+    <a:lvl3pPr marR="0" lvl="2" algn="l" rtl="0">
       <a:lnSpc>
         <a:spcPct val="100000"/>
       </a:lnSpc>
@@ -599,7 +614,7 @@
         <a:srgbClr val="000000"/>
       </a:buClr>
       <a:buFont typeface="Arial"/>
-      <a:defRPr b="0" i="0" sz="1400" u="none" cap="none" strike="noStrike">
+      <a:defRPr sz="1400" b="0" i="0" u="none" strike="noStrike" cap="none">
         <a:solidFill>
           <a:srgbClr val="000000"/>
         </a:solidFill>
@@ -609,7 +624,7 @@
         <a:sym typeface="Arial"/>
       </a:defRPr>
     </a:lvl3pPr>
-    <a:lvl4pPr lvl="3" marR="0" rtl="0" algn="l">
+    <a:lvl4pPr marR="0" lvl="3" algn="l" rtl="0">
       <a:lnSpc>
         <a:spcPct val="100000"/>
       </a:lnSpc>
@@ -623,7 +638,7 @@
         <a:srgbClr val="000000"/>
       </a:buClr>
       <a:buFont typeface="Arial"/>
-      <a:defRPr b="0" i="0" sz="1400" u="none" cap="none" strike="noStrike">
+      <a:defRPr sz="1400" b="0" i="0" u="none" strike="noStrike" cap="none">
         <a:solidFill>
           <a:srgbClr val="000000"/>
         </a:solidFill>
@@ -633,7 +648,7 @@
         <a:sym typeface="Arial"/>
       </a:defRPr>
     </a:lvl4pPr>
-    <a:lvl5pPr lvl="4" marR="0" rtl="0" algn="l">
+    <a:lvl5pPr marR="0" lvl="4" algn="l" rtl="0">
       <a:lnSpc>
         <a:spcPct val="100000"/>
       </a:lnSpc>
@@ -647,7 +662,7 @@
         <a:srgbClr val="000000"/>
       </a:buClr>
       <a:buFont typeface="Arial"/>
-      <a:defRPr b="0" i="0" sz="1400" u="none" cap="none" strike="noStrike">
+      <a:defRPr sz="1400" b="0" i="0" u="none" strike="noStrike" cap="none">
         <a:solidFill>
           <a:srgbClr val="000000"/>
         </a:solidFill>
@@ -657,7 +672,7 @@
         <a:sym typeface="Arial"/>
       </a:defRPr>
     </a:lvl5pPr>
-    <a:lvl6pPr lvl="5" marR="0" rtl="0" algn="l">
+    <a:lvl6pPr marR="0" lvl="5" algn="l" rtl="0">
       <a:lnSpc>
         <a:spcPct val="100000"/>
       </a:lnSpc>
@@ -671,7 +686,7 @@
         <a:srgbClr val="000000"/>
       </a:buClr>
       <a:buFont typeface="Arial"/>
-      <a:defRPr b="0" i="0" sz="1400" u="none" cap="none" strike="noStrike">
+      <a:defRPr sz="1400" b="0" i="0" u="none" strike="noStrike" cap="none">
         <a:solidFill>
           <a:srgbClr val="000000"/>
         </a:solidFill>
@@ -681,7 +696,7 @@
         <a:sym typeface="Arial"/>
       </a:defRPr>
     </a:lvl6pPr>
-    <a:lvl7pPr lvl="6" marR="0" rtl="0" algn="l">
+    <a:lvl7pPr marR="0" lvl="6" algn="l" rtl="0">
       <a:lnSpc>
         <a:spcPct val="100000"/>
       </a:lnSpc>
@@ -695,7 +710,7 @@
         <a:srgbClr val="000000"/>
       </a:buClr>
       <a:buFont typeface="Arial"/>
-      <a:defRPr b="0" i="0" sz="1400" u="none" cap="none" strike="noStrike">
+      <a:defRPr sz="1400" b="0" i="0" u="none" strike="noStrike" cap="none">
         <a:solidFill>
           <a:srgbClr val="000000"/>
         </a:solidFill>
@@ -705,7 +720,7 @@
         <a:sym typeface="Arial"/>
       </a:defRPr>
     </a:lvl7pPr>
-    <a:lvl8pPr lvl="7" marR="0" rtl="0" algn="l">
+    <a:lvl8pPr marR="0" lvl="7" algn="l" rtl="0">
       <a:lnSpc>
         <a:spcPct val="100000"/>
       </a:lnSpc>
@@ -719,7 +734,7 @@
         <a:srgbClr val="000000"/>
       </a:buClr>
       <a:buFont typeface="Arial"/>
-      <a:defRPr b="0" i="0" sz="1400" u="none" cap="none" strike="noStrike">
+      <a:defRPr sz="1400" b="0" i="0" u="none" strike="noStrike" cap="none">
         <a:solidFill>
           <a:srgbClr val="000000"/>
         </a:solidFill>
@@ -729,7 +744,7 @@
         <a:sym typeface="Arial"/>
       </a:defRPr>
     </a:lvl8pPr>
-    <a:lvl9pPr lvl="8" marR="0" rtl="0" algn="l">
+    <a:lvl9pPr marR="0" lvl="8" algn="l" rtl="0">
       <a:lnSpc>
         <a:spcPct val="100000"/>
       </a:lnSpc>
@@ -743,7 +758,7 @@
         <a:srgbClr val="000000"/>
       </a:buClr>
       <a:buFont typeface="Arial"/>
-      <a:defRPr b="0" i="0" sz="1400" u="none" cap="none" strike="noStrike">
+      <a:defRPr sz="1400" b="0" i="0" u="none" strike="noStrike" cap="none">
         <a:solidFill>
           <a:srgbClr val="000000"/>
         </a:solidFill>
@@ -758,11 +773,11 @@
 </file>
 
 <file path=ppt/notesSlides/notesSlide1.xml><?xml version="1.0" encoding="utf-8"?>
-<p:notes xmlns:a="http://schemas.openxmlformats.org/drawingml/2006/main" xmlns:r="http://schemas.openxmlformats.org/officeDocument/2006/relationships" xmlns:mc="http://schemas.openxmlformats.org/markup-compatibility/2006" xmlns:mv="urn:schemas-microsoft-com:mac:vml" xmlns:p="http://schemas.openxmlformats.org/presentationml/2006/main" xmlns:c="http://schemas.openxmlformats.org/drawingml/2006/chart" xmlns:dgm="http://schemas.openxmlformats.org/drawingml/2006/diagram" xmlns:o="urn:schemas-microsoft-com:office:office" xmlns:v="urn:schemas-microsoft-com:vml" xmlns:pvml="urn:schemas-microsoft-com:office:powerpoint" xmlns:com="http://schemas.openxmlformats.org/drawingml/2006/compatibility" xmlns:p14="http://schemas.microsoft.com/office/powerpoint/2010/main" xmlns:p15="http://schemas.microsoft.com/office/powerpoint/2012/main" xmlns:ahyp="http://schemas.microsoft.com/office/drawing/2018/hyperlinkcolor" showMasterPhAnim="0" showMasterSp="0">
+<p:notes xmlns:a="http://schemas.openxmlformats.org/drawingml/2006/main" xmlns:r="http://schemas.openxmlformats.org/officeDocument/2006/relationships" xmlns:p="http://schemas.openxmlformats.org/presentationml/2006/main" showMasterSp="0" showMasterPhAnim="0">
   <p:cSld>
     <p:spTree>
       <p:nvGrpSpPr>
-        <p:cNvPr id="81" name="Shape 81"/>
+        <p:cNvPr id="1" name="Shape 81"/>
         <p:cNvGrpSpPr/>
         <p:nvPr/>
       </p:nvGrpSpPr>
@@ -777,9 +792,11 @@
       <p:sp>
         <p:nvSpPr>
           <p:cNvPr id="82" name="Google Shape;82;p:notes"/>
-          <p:cNvSpPr/>
+          <p:cNvSpPr>
+            <a:spLocks noGrp="1" noRot="1" noChangeAspect="1"/>
+          </p:cNvSpPr>
           <p:nvPr>
-            <p:ph idx="2" type="sldImg"/>
+            <p:ph type="sldImg" idx="2"/>
           </p:nvPr>
         </p:nvSpPr>
         <p:spPr>
@@ -788,9 +805,13 @@
             <a:ext cx="6096075" cy="3429000"/>
           </a:xfrm>
           <a:custGeom>
-            <a:rect b="b" l="l" r="r" t="t"/>
+            <a:avLst/>
+            <a:gdLst/>
+            <a:ahLst/>
+            <a:cxnLst/>
+            <a:rect l="l" t="t" r="r" b="b"/>
             <a:pathLst>
-              <a:path extrusionOk="0" h="120000" w="120000">
+              <a:path w="120000" h="120000" extrusionOk="0">
                 <a:moveTo>
                   <a:pt x="0" y="0"/>
                 </a:moveTo>
@@ -812,9 +833,11 @@
       <p:sp>
         <p:nvSpPr>
           <p:cNvPr id="83" name="Google Shape;83;p:notes"/>
-          <p:cNvSpPr txBox="1"/>
+          <p:cNvSpPr txBox="1">
+            <a:spLocks noGrp="1"/>
+          </p:cNvSpPr>
           <p:nvPr>
-            <p:ph idx="1" type="body"/>
+            <p:ph type="body" idx="1"/>
           </p:nvPr>
         </p:nvSpPr>
         <p:spPr>
@@ -827,12 +850,12 @@
           </a:prstGeom>
         </p:spPr>
         <p:txBody>
-          <a:bodyPr anchorCtr="0" anchor="t" bIns="91425" lIns="91425" spcFirstLastPara="1" rIns="91425" wrap="square" tIns="91425">
+          <a:bodyPr spcFirstLastPara="1" wrap="square" lIns="91425" tIns="91425" rIns="91425" bIns="91425" anchor="t" anchorCtr="0">
             <a:noAutofit/>
           </a:bodyPr>
           <a:lstStyle/>
           <a:p>
-            <a:pPr indent="0" lvl="0" marL="0" rtl="0" algn="l">
+            <a:pPr marL="0" lvl="0" indent="0" algn="l" rtl="0">
               <a:spcBef>
                 <a:spcPts val="0"/>
               </a:spcBef>
@@ -841,9 +864,6 @@
               </a:spcAft>
               <a:buNone/>
             </a:pPr>
-            <a:r>
-              <a:t/>
-            </a:r>
             <a:endParaRPr/>
           </a:p>
         </p:txBody>
@@ -857,11 +877,11 @@
 </file>
 
 <file path=ppt/notesSlides/notesSlide10.xml><?xml version="1.0" encoding="utf-8"?>
-<p:notes xmlns:a="http://schemas.openxmlformats.org/drawingml/2006/main" xmlns:r="http://schemas.openxmlformats.org/officeDocument/2006/relationships" xmlns:mc="http://schemas.openxmlformats.org/markup-compatibility/2006" xmlns:mv="urn:schemas-microsoft-com:mac:vml" xmlns:p="http://schemas.openxmlformats.org/presentationml/2006/main" xmlns:c="http://schemas.openxmlformats.org/drawingml/2006/chart" xmlns:dgm="http://schemas.openxmlformats.org/drawingml/2006/diagram" xmlns:o="urn:schemas-microsoft-com:office:office" xmlns:v="urn:schemas-microsoft-com:vml" xmlns:pvml="urn:schemas-microsoft-com:office:powerpoint" xmlns:com="http://schemas.openxmlformats.org/drawingml/2006/compatibility" xmlns:p14="http://schemas.microsoft.com/office/powerpoint/2010/main" xmlns:p15="http://schemas.microsoft.com/office/powerpoint/2012/main" xmlns:ahyp="http://schemas.microsoft.com/office/drawing/2018/hyperlinkcolor" showMasterPhAnim="0" showMasterSp="0">
+<p:notes xmlns:a="http://schemas.openxmlformats.org/drawingml/2006/main" xmlns:r="http://schemas.openxmlformats.org/officeDocument/2006/relationships" xmlns:p="http://schemas.openxmlformats.org/presentationml/2006/main" showMasterSp="0" showMasterPhAnim="0">
   <p:cSld>
     <p:spTree>
       <p:nvGrpSpPr>
-        <p:cNvPr id="164" name="Shape 164"/>
+        <p:cNvPr id="1" name="Shape 164"/>
         <p:cNvGrpSpPr/>
         <p:nvPr/>
       </p:nvGrpSpPr>
@@ -876,9 +896,11 @@
       <p:sp>
         <p:nvSpPr>
           <p:cNvPr id="165" name="Google Shape;165;g39f5bd7fc88_0_48:notes"/>
-          <p:cNvSpPr/>
+          <p:cNvSpPr>
+            <a:spLocks noGrp="1" noRot="1" noChangeAspect="1"/>
+          </p:cNvSpPr>
           <p:nvPr>
-            <p:ph idx="2" type="sldImg"/>
+            <p:ph type="sldImg" idx="2"/>
           </p:nvPr>
         </p:nvSpPr>
         <p:spPr>
@@ -887,9 +909,13 @@
             <a:ext cx="6096000" cy="3429000"/>
           </a:xfrm>
           <a:custGeom>
-            <a:rect b="b" l="l" r="r" t="t"/>
+            <a:avLst/>
+            <a:gdLst/>
+            <a:ahLst/>
+            <a:cxnLst/>
+            <a:rect l="l" t="t" r="r" b="b"/>
             <a:pathLst>
-              <a:path extrusionOk="0" h="120000" w="120000">
+              <a:path w="120000" h="120000" extrusionOk="0">
                 <a:moveTo>
                   <a:pt x="0" y="0"/>
                 </a:moveTo>
@@ -911,9 +937,11 @@
       <p:sp>
         <p:nvSpPr>
           <p:cNvPr id="166" name="Google Shape;166;g39f5bd7fc88_0_48:notes"/>
-          <p:cNvSpPr txBox="1"/>
+          <p:cNvSpPr txBox="1">
+            <a:spLocks noGrp="1"/>
+          </p:cNvSpPr>
           <p:nvPr>
-            <p:ph idx="1" type="body"/>
+            <p:ph type="body" idx="1"/>
           </p:nvPr>
         </p:nvSpPr>
         <p:spPr>
@@ -926,12 +954,12 @@
           </a:prstGeom>
         </p:spPr>
         <p:txBody>
-          <a:bodyPr anchorCtr="0" anchor="t" bIns="91425" lIns="91425" spcFirstLastPara="1" rIns="91425" wrap="square" tIns="91425">
+          <a:bodyPr spcFirstLastPara="1" wrap="square" lIns="91425" tIns="91425" rIns="91425" bIns="91425" anchor="t" anchorCtr="0">
             <a:noAutofit/>
           </a:bodyPr>
           <a:lstStyle/>
           <a:p>
-            <a:pPr indent="0" lvl="0" marL="0" rtl="0" algn="l">
+            <a:pPr marL="0" lvl="0" indent="0" algn="l" rtl="0">
               <a:spcBef>
                 <a:spcPts val="0"/>
               </a:spcBef>
@@ -940,9 +968,6 @@
               </a:spcAft>
               <a:buNone/>
             </a:pPr>
-            <a:r>
-              <a:t/>
-            </a:r>
             <a:endParaRPr/>
           </a:p>
         </p:txBody>
@@ -956,11 +981,11 @@
 </file>
 
 <file path=ppt/notesSlides/notesSlide11.xml><?xml version="1.0" encoding="utf-8"?>
-<p:notes xmlns:a="http://schemas.openxmlformats.org/drawingml/2006/main" xmlns:r="http://schemas.openxmlformats.org/officeDocument/2006/relationships" xmlns:mc="http://schemas.openxmlformats.org/markup-compatibility/2006" xmlns:mv="urn:schemas-microsoft-com:mac:vml" xmlns:p="http://schemas.openxmlformats.org/presentationml/2006/main" xmlns:c="http://schemas.openxmlformats.org/drawingml/2006/chart" xmlns:dgm="http://schemas.openxmlformats.org/drawingml/2006/diagram" xmlns:o="urn:schemas-microsoft-com:office:office" xmlns:v="urn:schemas-microsoft-com:vml" xmlns:pvml="urn:schemas-microsoft-com:office:powerpoint" xmlns:com="http://schemas.openxmlformats.org/drawingml/2006/compatibility" xmlns:p14="http://schemas.microsoft.com/office/powerpoint/2010/main" xmlns:p15="http://schemas.microsoft.com/office/powerpoint/2012/main" xmlns:ahyp="http://schemas.microsoft.com/office/drawing/2018/hyperlinkcolor" showMasterPhAnim="0" showMasterSp="0">
+<p:notes xmlns:a="http://schemas.openxmlformats.org/drawingml/2006/main" xmlns:r="http://schemas.openxmlformats.org/officeDocument/2006/relationships" xmlns:p="http://schemas.openxmlformats.org/presentationml/2006/main" showMasterSp="0" showMasterPhAnim="0">
   <p:cSld>
     <p:spTree>
       <p:nvGrpSpPr>
-        <p:cNvPr id="170" name="Shape 170"/>
+        <p:cNvPr id="1" name="Shape 170"/>
         <p:cNvGrpSpPr/>
         <p:nvPr/>
       </p:nvGrpSpPr>
@@ -975,9 +1000,11 @@
       <p:sp>
         <p:nvSpPr>
           <p:cNvPr id="171" name="Google Shape;171;g39ee38c5285_0_1077:notes"/>
-          <p:cNvSpPr/>
+          <p:cNvSpPr>
+            <a:spLocks noGrp="1" noRot="1" noChangeAspect="1"/>
+          </p:cNvSpPr>
           <p:nvPr>
-            <p:ph idx="2" type="sldImg"/>
+            <p:ph type="sldImg" idx="2"/>
           </p:nvPr>
         </p:nvSpPr>
         <p:spPr>
@@ -986,9 +1013,13 @@
             <a:ext cx="6096000" cy="3429000"/>
           </a:xfrm>
           <a:custGeom>
-            <a:rect b="b" l="l" r="r" t="t"/>
+            <a:avLst/>
+            <a:gdLst/>
+            <a:ahLst/>
+            <a:cxnLst/>
+            <a:rect l="l" t="t" r="r" b="b"/>
             <a:pathLst>
-              <a:path extrusionOk="0" h="120000" w="120000">
+              <a:path w="120000" h="120000" extrusionOk="0">
                 <a:moveTo>
                   <a:pt x="0" y="0"/>
                 </a:moveTo>
@@ -1010,9 +1041,11 @@
       <p:sp>
         <p:nvSpPr>
           <p:cNvPr id="172" name="Google Shape;172;g39ee38c5285_0_1077:notes"/>
-          <p:cNvSpPr txBox="1"/>
+          <p:cNvSpPr txBox="1">
+            <a:spLocks noGrp="1"/>
+          </p:cNvSpPr>
           <p:nvPr>
-            <p:ph idx="1" type="body"/>
+            <p:ph type="body" idx="1"/>
           </p:nvPr>
         </p:nvSpPr>
         <p:spPr>
@@ -1025,12 +1058,12 @@
           </a:prstGeom>
         </p:spPr>
         <p:txBody>
-          <a:bodyPr anchorCtr="0" anchor="t" bIns="91425" lIns="91425" spcFirstLastPara="1" rIns="91425" wrap="square" tIns="91425">
+          <a:bodyPr spcFirstLastPara="1" wrap="square" lIns="91425" tIns="91425" rIns="91425" bIns="91425" anchor="t" anchorCtr="0">
             <a:noAutofit/>
           </a:bodyPr>
           <a:lstStyle/>
           <a:p>
-            <a:pPr indent="0" lvl="0" marL="0" rtl="0" algn="l">
+            <a:pPr marL="0" lvl="0" indent="0" algn="l" rtl="0">
               <a:spcBef>
                 <a:spcPts val="0"/>
               </a:spcBef>
@@ -1039,9 +1072,6 @@
               </a:spcAft>
               <a:buNone/>
             </a:pPr>
-            <a:r>
-              <a:t/>
-            </a:r>
             <a:endParaRPr/>
           </a:p>
         </p:txBody>
@@ -1055,11 +1085,11 @@
 </file>
 
 <file path=ppt/notesSlides/notesSlide12.xml><?xml version="1.0" encoding="utf-8"?>
-<p:notes xmlns:a="http://schemas.openxmlformats.org/drawingml/2006/main" xmlns:r="http://schemas.openxmlformats.org/officeDocument/2006/relationships" xmlns:mc="http://schemas.openxmlformats.org/markup-compatibility/2006" xmlns:mv="urn:schemas-microsoft-com:mac:vml" xmlns:p="http://schemas.openxmlformats.org/presentationml/2006/main" xmlns:c="http://schemas.openxmlformats.org/drawingml/2006/chart" xmlns:dgm="http://schemas.openxmlformats.org/drawingml/2006/diagram" xmlns:o="urn:schemas-microsoft-com:office:office" xmlns:v="urn:schemas-microsoft-com:vml" xmlns:pvml="urn:schemas-microsoft-com:office:powerpoint" xmlns:com="http://schemas.openxmlformats.org/drawingml/2006/compatibility" xmlns:p14="http://schemas.microsoft.com/office/powerpoint/2010/main" xmlns:p15="http://schemas.microsoft.com/office/powerpoint/2012/main" xmlns:ahyp="http://schemas.microsoft.com/office/drawing/2018/hyperlinkcolor" showMasterPhAnim="0" showMasterSp="0">
+<p:notes xmlns:a="http://schemas.openxmlformats.org/drawingml/2006/main" xmlns:r="http://schemas.openxmlformats.org/officeDocument/2006/relationships" xmlns:p="http://schemas.openxmlformats.org/presentationml/2006/main" showMasterSp="0" showMasterPhAnim="0">
   <p:cSld>
     <p:spTree>
       <p:nvGrpSpPr>
-        <p:cNvPr id="182" name="Shape 182"/>
+        <p:cNvPr id="1" name="Shape 182"/>
         <p:cNvGrpSpPr/>
         <p:nvPr/>
       </p:nvGrpSpPr>
@@ -1074,9 +1104,11 @@
       <p:sp>
         <p:nvSpPr>
           <p:cNvPr id="183" name="Google Shape;183;g39f5bd7fc88_0_68:notes"/>
-          <p:cNvSpPr/>
+          <p:cNvSpPr>
+            <a:spLocks noGrp="1" noRot="1" noChangeAspect="1"/>
+          </p:cNvSpPr>
           <p:nvPr>
-            <p:ph idx="2" type="sldImg"/>
+            <p:ph type="sldImg" idx="2"/>
           </p:nvPr>
         </p:nvSpPr>
         <p:spPr>
@@ -1085,9 +1117,13 @@
             <a:ext cx="6096000" cy="3429000"/>
           </a:xfrm>
           <a:custGeom>
-            <a:rect b="b" l="l" r="r" t="t"/>
+            <a:avLst/>
+            <a:gdLst/>
+            <a:ahLst/>
+            <a:cxnLst/>
+            <a:rect l="l" t="t" r="r" b="b"/>
             <a:pathLst>
-              <a:path extrusionOk="0" h="120000" w="120000">
+              <a:path w="120000" h="120000" extrusionOk="0">
                 <a:moveTo>
                   <a:pt x="0" y="0"/>
                 </a:moveTo>
@@ -1109,9 +1145,11 @@
       <p:sp>
         <p:nvSpPr>
           <p:cNvPr id="184" name="Google Shape;184;g39f5bd7fc88_0_68:notes"/>
-          <p:cNvSpPr txBox="1"/>
+          <p:cNvSpPr txBox="1">
+            <a:spLocks noGrp="1"/>
+          </p:cNvSpPr>
           <p:nvPr>
-            <p:ph idx="1" type="body"/>
+            <p:ph type="body" idx="1"/>
           </p:nvPr>
         </p:nvSpPr>
         <p:spPr>
@@ -1124,12 +1162,12 @@
           </a:prstGeom>
         </p:spPr>
         <p:txBody>
-          <a:bodyPr anchorCtr="0" anchor="t" bIns="91425" lIns="91425" spcFirstLastPara="1" rIns="91425" wrap="square" tIns="91425">
+          <a:bodyPr spcFirstLastPara="1" wrap="square" lIns="91425" tIns="91425" rIns="91425" bIns="91425" anchor="t" anchorCtr="0">
             <a:noAutofit/>
           </a:bodyPr>
           <a:lstStyle/>
           <a:p>
-            <a:pPr indent="0" lvl="0" marL="0" rtl="0" algn="l">
+            <a:pPr marL="0" lvl="0" indent="0" algn="l" rtl="0">
               <a:spcBef>
                 <a:spcPts val="0"/>
               </a:spcBef>
@@ -1138,9 +1176,6 @@
               </a:spcAft>
               <a:buNone/>
             </a:pPr>
-            <a:r>
-              <a:t/>
-            </a:r>
             <a:endParaRPr/>
           </a:p>
         </p:txBody>
@@ -1154,11 +1189,11 @@
 </file>
 
 <file path=ppt/notesSlides/notesSlide13.xml><?xml version="1.0" encoding="utf-8"?>
-<p:notes xmlns:a="http://schemas.openxmlformats.org/drawingml/2006/main" xmlns:r="http://schemas.openxmlformats.org/officeDocument/2006/relationships" xmlns:mc="http://schemas.openxmlformats.org/markup-compatibility/2006" xmlns:mv="urn:schemas-microsoft-com:mac:vml" xmlns:p="http://schemas.openxmlformats.org/presentationml/2006/main" xmlns:c="http://schemas.openxmlformats.org/drawingml/2006/chart" xmlns:dgm="http://schemas.openxmlformats.org/drawingml/2006/diagram" xmlns:o="urn:schemas-microsoft-com:office:office" xmlns:v="urn:schemas-microsoft-com:vml" xmlns:pvml="urn:schemas-microsoft-com:office:powerpoint" xmlns:com="http://schemas.openxmlformats.org/drawingml/2006/compatibility" xmlns:p14="http://schemas.microsoft.com/office/powerpoint/2010/main" xmlns:p15="http://schemas.microsoft.com/office/powerpoint/2012/main" xmlns:ahyp="http://schemas.microsoft.com/office/drawing/2018/hyperlinkcolor" showMasterPhAnim="0" showMasterSp="0">
+<p:notes xmlns:a="http://schemas.openxmlformats.org/drawingml/2006/main" xmlns:r="http://schemas.openxmlformats.org/officeDocument/2006/relationships" xmlns:p="http://schemas.openxmlformats.org/presentationml/2006/main" showMasterSp="0" showMasterPhAnim="0">
   <p:cSld>
     <p:spTree>
       <p:nvGrpSpPr>
-        <p:cNvPr id="190" name="Shape 190"/>
+        <p:cNvPr id="1" name="Shape 190"/>
         <p:cNvGrpSpPr/>
         <p:nvPr/>
       </p:nvGrpSpPr>
@@ -1173,9 +1208,11 @@
       <p:sp>
         <p:nvSpPr>
           <p:cNvPr id="191" name="Google Shape;191;g39f5bd7fc88_0_74:notes"/>
-          <p:cNvSpPr/>
+          <p:cNvSpPr>
+            <a:spLocks noGrp="1" noRot="1" noChangeAspect="1"/>
+          </p:cNvSpPr>
           <p:nvPr>
-            <p:ph idx="2" type="sldImg"/>
+            <p:ph type="sldImg" idx="2"/>
           </p:nvPr>
         </p:nvSpPr>
         <p:spPr>
@@ -1184,9 +1221,13 @@
             <a:ext cx="6096000" cy="3429000"/>
           </a:xfrm>
           <a:custGeom>
-            <a:rect b="b" l="l" r="r" t="t"/>
+            <a:avLst/>
+            <a:gdLst/>
+            <a:ahLst/>
+            <a:cxnLst/>
+            <a:rect l="l" t="t" r="r" b="b"/>
             <a:pathLst>
-              <a:path extrusionOk="0" h="120000" w="120000">
+              <a:path w="120000" h="120000" extrusionOk="0">
                 <a:moveTo>
                   <a:pt x="0" y="0"/>
                 </a:moveTo>
@@ -1208,9 +1249,11 @@
       <p:sp>
         <p:nvSpPr>
           <p:cNvPr id="192" name="Google Shape;192;g39f5bd7fc88_0_74:notes"/>
-          <p:cNvSpPr txBox="1"/>
+          <p:cNvSpPr txBox="1">
+            <a:spLocks noGrp="1"/>
+          </p:cNvSpPr>
           <p:nvPr>
-            <p:ph idx="1" type="body"/>
+            <p:ph type="body" idx="1"/>
           </p:nvPr>
         </p:nvSpPr>
         <p:spPr>
@@ -1223,12 +1266,12 @@
           </a:prstGeom>
         </p:spPr>
         <p:txBody>
-          <a:bodyPr anchorCtr="0" anchor="t" bIns="91425" lIns="91425" spcFirstLastPara="1" rIns="91425" wrap="square" tIns="91425">
+          <a:bodyPr spcFirstLastPara="1" wrap="square" lIns="91425" tIns="91425" rIns="91425" bIns="91425" anchor="t" anchorCtr="0">
             <a:noAutofit/>
           </a:bodyPr>
           <a:lstStyle/>
           <a:p>
-            <a:pPr indent="0" lvl="0" marL="0" rtl="0" algn="l">
+            <a:pPr marL="0" lvl="0" indent="0" algn="l" rtl="0">
               <a:spcBef>
                 <a:spcPts val="0"/>
               </a:spcBef>
@@ -1237,9 +1280,6 @@
               </a:spcAft>
               <a:buNone/>
             </a:pPr>
-            <a:r>
-              <a:t/>
-            </a:r>
             <a:endParaRPr/>
           </a:p>
         </p:txBody>
@@ -1253,11 +1293,11 @@
 </file>
 
 <file path=ppt/notesSlides/notesSlide14.xml><?xml version="1.0" encoding="utf-8"?>
-<p:notes xmlns:a="http://schemas.openxmlformats.org/drawingml/2006/main" xmlns:r="http://schemas.openxmlformats.org/officeDocument/2006/relationships" xmlns:mc="http://schemas.openxmlformats.org/markup-compatibility/2006" xmlns:mv="urn:schemas-microsoft-com:mac:vml" xmlns:p="http://schemas.openxmlformats.org/presentationml/2006/main" xmlns:c="http://schemas.openxmlformats.org/drawingml/2006/chart" xmlns:dgm="http://schemas.openxmlformats.org/drawingml/2006/diagram" xmlns:o="urn:schemas-microsoft-com:office:office" xmlns:v="urn:schemas-microsoft-com:vml" xmlns:pvml="urn:schemas-microsoft-com:office:powerpoint" xmlns:com="http://schemas.openxmlformats.org/drawingml/2006/compatibility" xmlns:p14="http://schemas.microsoft.com/office/powerpoint/2010/main" xmlns:p15="http://schemas.microsoft.com/office/powerpoint/2012/main" xmlns:ahyp="http://schemas.microsoft.com/office/drawing/2018/hyperlinkcolor" showMasterPhAnim="0" showMasterSp="0">
+<p:notes xmlns:a="http://schemas.openxmlformats.org/drawingml/2006/main" xmlns:r="http://schemas.openxmlformats.org/officeDocument/2006/relationships" xmlns:p="http://schemas.openxmlformats.org/presentationml/2006/main" showMasterSp="0" showMasterPhAnim="0">
   <p:cSld>
     <p:spTree>
       <p:nvGrpSpPr>
-        <p:cNvPr id="196" name="Shape 196"/>
+        <p:cNvPr id="1" name="Shape 196"/>
         <p:cNvGrpSpPr/>
         <p:nvPr/>
       </p:nvGrpSpPr>
@@ -1272,9 +1312,11 @@
       <p:sp>
         <p:nvSpPr>
           <p:cNvPr id="197" name="Google Shape;197;g39fadbb3898_0_0:notes"/>
-          <p:cNvSpPr/>
+          <p:cNvSpPr>
+            <a:spLocks noGrp="1" noRot="1" noChangeAspect="1"/>
+          </p:cNvSpPr>
           <p:nvPr>
-            <p:ph idx="2" type="sldImg"/>
+            <p:ph type="sldImg" idx="2"/>
           </p:nvPr>
         </p:nvSpPr>
         <p:spPr>
@@ -1283,9 +1325,13 @@
             <a:ext cx="6096000" cy="3429000"/>
           </a:xfrm>
           <a:custGeom>
-            <a:rect b="b" l="l" r="r" t="t"/>
+            <a:avLst/>
+            <a:gdLst/>
+            <a:ahLst/>
+            <a:cxnLst/>
+            <a:rect l="l" t="t" r="r" b="b"/>
             <a:pathLst>
-              <a:path extrusionOk="0" h="120000" w="120000">
+              <a:path w="120000" h="120000" extrusionOk="0">
                 <a:moveTo>
                   <a:pt x="0" y="0"/>
                 </a:moveTo>
@@ -1307,9 +1353,11 @@
       <p:sp>
         <p:nvSpPr>
           <p:cNvPr id="198" name="Google Shape;198;g39fadbb3898_0_0:notes"/>
-          <p:cNvSpPr txBox="1"/>
+          <p:cNvSpPr txBox="1">
+            <a:spLocks noGrp="1"/>
+          </p:cNvSpPr>
           <p:nvPr>
-            <p:ph idx="1" type="body"/>
+            <p:ph type="body" idx="1"/>
           </p:nvPr>
         </p:nvSpPr>
         <p:spPr>
@@ -1322,12 +1370,12 @@
           </a:prstGeom>
         </p:spPr>
         <p:txBody>
-          <a:bodyPr anchorCtr="0" anchor="t" bIns="91425" lIns="91425" spcFirstLastPara="1" rIns="91425" wrap="square" tIns="91425">
+          <a:bodyPr spcFirstLastPara="1" wrap="square" lIns="91425" tIns="91425" rIns="91425" bIns="91425" anchor="t" anchorCtr="0">
             <a:noAutofit/>
           </a:bodyPr>
           <a:lstStyle/>
           <a:p>
-            <a:pPr indent="0" lvl="0" marL="0" rtl="0" algn="l">
+            <a:pPr marL="0" lvl="0" indent="0" algn="l" rtl="0">
               <a:spcBef>
                 <a:spcPts val="0"/>
               </a:spcBef>
@@ -1336,9 +1384,6 @@
               </a:spcAft>
               <a:buNone/>
             </a:pPr>
-            <a:r>
-              <a:t/>
-            </a:r>
             <a:endParaRPr/>
           </a:p>
         </p:txBody>
@@ -1352,11 +1397,11 @@
 </file>
 
 <file path=ppt/notesSlides/notesSlide15.xml><?xml version="1.0" encoding="utf-8"?>
-<p:notes xmlns:a="http://schemas.openxmlformats.org/drawingml/2006/main" xmlns:r="http://schemas.openxmlformats.org/officeDocument/2006/relationships" xmlns:mc="http://schemas.openxmlformats.org/markup-compatibility/2006" xmlns:mv="urn:schemas-microsoft-com:mac:vml" xmlns:p="http://schemas.openxmlformats.org/presentationml/2006/main" xmlns:c="http://schemas.openxmlformats.org/drawingml/2006/chart" xmlns:dgm="http://schemas.openxmlformats.org/drawingml/2006/diagram" xmlns:o="urn:schemas-microsoft-com:office:office" xmlns:v="urn:schemas-microsoft-com:vml" xmlns:pvml="urn:schemas-microsoft-com:office:powerpoint" xmlns:com="http://schemas.openxmlformats.org/drawingml/2006/compatibility" xmlns:p14="http://schemas.microsoft.com/office/powerpoint/2010/main" xmlns:p15="http://schemas.microsoft.com/office/powerpoint/2012/main" xmlns:ahyp="http://schemas.microsoft.com/office/drawing/2018/hyperlinkcolor" showMasterPhAnim="0" showMasterSp="0">
+<p:notes xmlns:a="http://schemas.openxmlformats.org/drawingml/2006/main" xmlns:r="http://schemas.openxmlformats.org/officeDocument/2006/relationships" xmlns:p="http://schemas.openxmlformats.org/presentationml/2006/main" showMasterSp="0" showMasterPhAnim="0">
   <p:cSld>
     <p:spTree>
       <p:nvGrpSpPr>
-        <p:cNvPr id="207" name="Shape 207"/>
+        <p:cNvPr id="1" name="Shape 207"/>
         <p:cNvGrpSpPr/>
         <p:nvPr/>
       </p:nvGrpSpPr>
@@ -1371,9 +1416,11 @@
       <p:sp>
         <p:nvSpPr>
           <p:cNvPr id="208" name="Google Shape;208;g39f5bd7fc88_0_27:notes"/>
-          <p:cNvSpPr/>
+          <p:cNvSpPr>
+            <a:spLocks noGrp="1" noRot="1" noChangeAspect="1"/>
+          </p:cNvSpPr>
           <p:nvPr>
-            <p:ph idx="2" type="sldImg"/>
+            <p:ph type="sldImg" idx="2"/>
           </p:nvPr>
         </p:nvSpPr>
         <p:spPr>
@@ -1382,9 +1429,13 @@
             <a:ext cx="6096000" cy="3429000"/>
           </a:xfrm>
           <a:custGeom>
-            <a:rect b="b" l="l" r="r" t="t"/>
+            <a:avLst/>
+            <a:gdLst/>
+            <a:ahLst/>
+            <a:cxnLst/>
+            <a:rect l="l" t="t" r="r" b="b"/>
             <a:pathLst>
-              <a:path extrusionOk="0" h="120000" w="120000">
+              <a:path w="120000" h="120000" extrusionOk="0">
                 <a:moveTo>
                   <a:pt x="0" y="0"/>
                 </a:moveTo>
@@ -1406,9 +1457,11 @@
       <p:sp>
         <p:nvSpPr>
           <p:cNvPr id="209" name="Google Shape;209;g39f5bd7fc88_0_27:notes"/>
-          <p:cNvSpPr txBox="1"/>
+          <p:cNvSpPr txBox="1">
+            <a:spLocks noGrp="1"/>
+          </p:cNvSpPr>
           <p:nvPr>
-            <p:ph idx="1" type="body"/>
+            <p:ph type="body" idx="1"/>
           </p:nvPr>
         </p:nvSpPr>
         <p:spPr>
@@ -1421,12 +1474,12 @@
           </a:prstGeom>
         </p:spPr>
         <p:txBody>
-          <a:bodyPr anchorCtr="0" anchor="t" bIns="91425" lIns="91425" spcFirstLastPara="1" rIns="91425" wrap="square" tIns="91425">
+          <a:bodyPr spcFirstLastPara="1" wrap="square" lIns="91425" tIns="91425" rIns="91425" bIns="91425" anchor="t" anchorCtr="0">
             <a:noAutofit/>
           </a:bodyPr>
           <a:lstStyle/>
           <a:p>
-            <a:pPr indent="0" lvl="0" marL="0" rtl="0" algn="l">
+            <a:pPr marL="0" lvl="0" indent="0" algn="l" rtl="0">
               <a:spcBef>
                 <a:spcPts val="0"/>
               </a:spcBef>
@@ -1435,9 +1488,6 @@
               </a:spcAft>
               <a:buNone/>
             </a:pPr>
-            <a:r>
-              <a:t/>
-            </a:r>
             <a:endParaRPr/>
           </a:p>
         </p:txBody>
@@ -1451,11 +1501,11 @@
 </file>
 
 <file path=ppt/notesSlides/notesSlide16.xml><?xml version="1.0" encoding="utf-8"?>
-<p:notes xmlns:a="http://schemas.openxmlformats.org/drawingml/2006/main" xmlns:r="http://schemas.openxmlformats.org/officeDocument/2006/relationships" xmlns:mc="http://schemas.openxmlformats.org/markup-compatibility/2006" xmlns:mv="urn:schemas-microsoft-com:mac:vml" xmlns:p="http://schemas.openxmlformats.org/presentationml/2006/main" xmlns:c="http://schemas.openxmlformats.org/drawingml/2006/chart" xmlns:dgm="http://schemas.openxmlformats.org/drawingml/2006/diagram" xmlns:o="urn:schemas-microsoft-com:office:office" xmlns:v="urn:schemas-microsoft-com:vml" xmlns:pvml="urn:schemas-microsoft-com:office:powerpoint" xmlns:com="http://schemas.openxmlformats.org/drawingml/2006/compatibility" xmlns:p14="http://schemas.microsoft.com/office/powerpoint/2010/main" xmlns:p15="http://schemas.microsoft.com/office/powerpoint/2012/main" xmlns:ahyp="http://schemas.microsoft.com/office/drawing/2018/hyperlinkcolor" showMasterPhAnim="0" showMasterSp="0">
+<p:notes xmlns:a="http://schemas.openxmlformats.org/drawingml/2006/main" xmlns:r="http://schemas.openxmlformats.org/officeDocument/2006/relationships" xmlns:p="http://schemas.openxmlformats.org/presentationml/2006/main" showMasterSp="0" showMasterPhAnim="0">
   <p:cSld>
     <p:spTree>
       <p:nvGrpSpPr>
-        <p:cNvPr id="214" name="Shape 214"/>
+        <p:cNvPr id="1" name="Shape 214"/>
         <p:cNvGrpSpPr/>
         <p:nvPr/>
       </p:nvGrpSpPr>
@@ -1470,9 +1520,11 @@
       <p:sp>
         <p:nvSpPr>
           <p:cNvPr id="215" name="Google Shape;215;g39f5bd7fc88_0_30:notes"/>
-          <p:cNvSpPr/>
+          <p:cNvSpPr>
+            <a:spLocks noGrp="1" noRot="1" noChangeAspect="1"/>
+          </p:cNvSpPr>
           <p:nvPr>
-            <p:ph idx="2" type="sldImg"/>
+            <p:ph type="sldImg" idx="2"/>
           </p:nvPr>
         </p:nvSpPr>
         <p:spPr>
@@ -1481,9 +1533,13 @@
             <a:ext cx="6096000" cy="3429000"/>
           </a:xfrm>
           <a:custGeom>
-            <a:rect b="b" l="l" r="r" t="t"/>
+            <a:avLst/>
+            <a:gdLst/>
+            <a:ahLst/>
+            <a:cxnLst/>
+            <a:rect l="l" t="t" r="r" b="b"/>
             <a:pathLst>
-              <a:path extrusionOk="0" h="120000" w="120000">
+              <a:path w="120000" h="120000" extrusionOk="0">
                 <a:moveTo>
                   <a:pt x="0" y="0"/>
                 </a:moveTo>
@@ -1505,9 +1561,11 @@
       <p:sp>
         <p:nvSpPr>
           <p:cNvPr id="216" name="Google Shape;216;g39f5bd7fc88_0_30:notes"/>
-          <p:cNvSpPr txBox="1"/>
+          <p:cNvSpPr txBox="1">
+            <a:spLocks noGrp="1"/>
+          </p:cNvSpPr>
           <p:nvPr>
-            <p:ph idx="1" type="body"/>
+            <p:ph type="body" idx="1"/>
           </p:nvPr>
         </p:nvSpPr>
         <p:spPr>
@@ -1520,12 +1578,12 @@
           </a:prstGeom>
         </p:spPr>
         <p:txBody>
-          <a:bodyPr anchorCtr="0" anchor="t" bIns="91425" lIns="91425" spcFirstLastPara="1" rIns="91425" wrap="square" tIns="91425">
+          <a:bodyPr spcFirstLastPara="1" wrap="square" lIns="91425" tIns="91425" rIns="91425" bIns="91425" anchor="t" anchorCtr="0">
             <a:noAutofit/>
           </a:bodyPr>
           <a:lstStyle/>
           <a:p>
-            <a:pPr indent="0" lvl="0" marL="0" rtl="0" algn="l">
+            <a:pPr marL="0" lvl="0" indent="0" algn="l" rtl="0">
               <a:spcBef>
                 <a:spcPts val="0"/>
               </a:spcBef>
@@ -1534,9 +1592,6 @@
               </a:spcAft>
               <a:buNone/>
             </a:pPr>
-            <a:r>
-              <a:t/>
-            </a:r>
             <a:endParaRPr/>
           </a:p>
         </p:txBody>
@@ -1550,11 +1605,11 @@
 </file>
 
 <file path=ppt/notesSlides/notesSlide17.xml><?xml version="1.0" encoding="utf-8"?>
-<p:notes xmlns:a="http://schemas.openxmlformats.org/drawingml/2006/main" xmlns:r="http://schemas.openxmlformats.org/officeDocument/2006/relationships" xmlns:mc="http://schemas.openxmlformats.org/markup-compatibility/2006" xmlns:mv="urn:schemas-microsoft-com:mac:vml" xmlns:p="http://schemas.openxmlformats.org/presentationml/2006/main" xmlns:c="http://schemas.openxmlformats.org/drawingml/2006/chart" xmlns:dgm="http://schemas.openxmlformats.org/drawingml/2006/diagram" xmlns:o="urn:schemas-microsoft-com:office:office" xmlns:v="urn:schemas-microsoft-com:vml" xmlns:pvml="urn:schemas-microsoft-com:office:powerpoint" xmlns:com="http://schemas.openxmlformats.org/drawingml/2006/compatibility" xmlns:p14="http://schemas.microsoft.com/office/powerpoint/2010/main" xmlns:p15="http://schemas.microsoft.com/office/powerpoint/2012/main" xmlns:ahyp="http://schemas.microsoft.com/office/drawing/2018/hyperlinkcolor" showMasterPhAnim="0" showMasterSp="0">
+<p:notes xmlns:a="http://schemas.openxmlformats.org/drawingml/2006/main" xmlns:r="http://schemas.openxmlformats.org/officeDocument/2006/relationships" xmlns:p="http://schemas.openxmlformats.org/presentationml/2006/main" showMasterSp="0" showMasterPhAnim="0">
   <p:cSld>
     <p:spTree>
       <p:nvGrpSpPr>
-        <p:cNvPr id="221" name="Shape 221"/>
+        <p:cNvPr id="1" name="Shape 221"/>
         <p:cNvGrpSpPr/>
         <p:nvPr/>
       </p:nvGrpSpPr>
@@ -1569,9 +1624,11 @@
       <p:sp>
         <p:nvSpPr>
           <p:cNvPr id="222" name="Google Shape;222;g39f5bd7fc88_0_33:notes"/>
-          <p:cNvSpPr/>
+          <p:cNvSpPr>
+            <a:spLocks noGrp="1" noRot="1" noChangeAspect="1"/>
+          </p:cNvSpPr>
           <p:nvPr>
-            <p:ph idx="2" type="sldImg"/>
+            <p:ph type="sldImg" idx="2"/>
           </p:nvPr>
         </p:nvSpPr>
         <p:spPr>
@@ -1580,9 +1637,13 @@
             <a:ext cx="6096000" cy="3429000"/>
           </a:xfrm>
           <a:custGeom>
-            <a:rect b="b" l="l" r="r" t="t"/>
+            <a:avLst/>
+            <a:gdLst/>
+            <a:ahLst/>
+            <a:cxnLst/>
+            <a:rect l="l" t="t" r="r" b="b"/>
             <a:pathLst>
-              <a:path extrusionOk="0" h="120000" w="120000">
+              <a:path w="120000" h="120000" extrusionOk="0">
                 <a:moveTo>
                   <a:pt x="0" y="0"/>
                 </a:moveTo>
@@ -1604,9 +1665,11 @@
       <p:sp>
         <p:nvSpPr>
           <p:cNvPr id="223" name="Google Shape;223;g39f5bd7fc88_0_33:notes"/>
-          <p:cNvSpPr txBox="1"/>
+          <p:cNvSpPr txBox="1">
+            <a:spLocks noGrp="1"/>
+          </p:cNvSpPr>
           <p:nvPr>
-            <p:ph idx="1" type="body"/>
+            <p:ph type="body" idx="1"/>
           </p:nvPr>
         </p:nvSpPr>
         <p:spPr>
@@ -1619,12 +1682,12 @@
           </a:prstGeom>
         </p:spPr>
         <p:txBody>
-          <a:bodyPr anchorCtr="0" anchor="t" bIns="91425" lIns="91425" spcFirstLastPara="1" rIns="91425" wrap="square" tIns="91425">
+          <a:bodyPr spcFirstLastPara="1" wrap="square" lIns="91425" tIns="91425" rIns="91425" bIns="91425" anchor="t" anchorCtr="0">
             <a:noAutofit/>
           </a:bodyPr>
           <a:lstStyle/>
           <a:p>
-            <a:pPr indent="0" lvl="0" marL="0" rtl="0" algn="l">
+            <a:pPr marL="0" lvl="0" indent="0" algn="l" rtl="0">
               <a:spcBef>
                 <a:spcPts val="0"/>
               </a:spcBef>
@@ -1633,9 +1696,6 @@
               </a:spcAft>
               <a:buNone/>
             </a:pPr>
-            <a:r>
-              <a:t/>
-            </a:r>
             <a:endParaRPr/>
           </a:p>
         </p:txBody>
@@ -1649,11 +1709,11 @@
 </file>
 
 <file path=ppt/notesSlides/notesSlide18.xml><?xml version="1.0" encoding="utf-8"?>
-<p:notes xmlns:a="http://schemas.openxmlformats.org/drawingml/2006/main" xmlns:r="http://schemas.openxmlformats.org/officeDocument/2006/relationships" xmlns:mc="http://schemas.openxmlformats.org/markup-compatibility/2006" xmlns:mv="urn:schemas-microsoft-com:mac:vml" xmlns:p="http://schemas.openxmlformats.org/presentationml/2006/main" xmlns:c="http://schemas.openxmlformats.org/drawingml/2006/chart" xmlns:dgm="http://schemas.openxmlformats.org/drawingml/2006/diagram" xmlns:o="urn:schemas-microsoft-com:office:office" xmlns:v="urn:schemas-microsoft-com:vml" xmlns:pvml="urn:schemas-microsoft-com:office:powerpoint" xmlns:com="http://schemas.openxmlformats.org/drawingml/2006/compatibility" xmlns:p14="http://schemas.microsoft.com/office/powerpoint/2010/main" xmlns:p15="http://schemas.microsoft.com/office/powerpoint/2012/main" xmlns:ahyp="http://schemas.microsoft.com/office/drawing/2018/hyperlinkcolor" showMasterPhAnim="0" showMasterSp="0">
+<p:notes xmlns:a="http://schemas.openxmlformats.org/drawingml/2006/main" xmlns:r="http://schemas.openxmlformats.org/officeDocument/2006/relationships" xmlns:p="http://schemas.openxmlformats.org/presentationml/2006/main" showMasterSp="0" showMasterPhAnim="0">
   <p:cSld>
     <p:spTree>
       <p:nvGrpSpPr>
-        <p:cNvPr id="228" name="Shape 228"/>
+        <p:cNvPr id="1" name="Shape 228"/>
         <p:cNvGrpSpPr/>
         <p:nvPr/>
       </p:nvGrpSpPr>
@@ -1668,9 +1728,11 @@
       <p:sp>
         <p:nvSpPr>
           <p:cNvPr id="229" name="Google Shape;229;g39f5bd7fc88_0_36:notes"/>
-          <p:cNvSpPr/>
+          <p:cNvSpPr>
+            <a:spLocks noGrp="1" noRot="1" noChangeAspect="1"/>
+          </p:cNvSpPr>
           <p:nvPr>
-            <p:ph idx="2" type="sldImg"/>
+            <p:ph type="sldImg" idx="2"/>
           </p:nvPr>
         </p:nvSpPr>
         <p:spPr>
@@ -1679,9 +1741,13 @@
             <a:ext cx="6096000" cy="3429000"/>
           </a:xfrm>
           <a:custGeom>
-            <a:rect b="b" l="l" r="r" t="t"/>
+            <a:avLst/>
+            <a:gdLst/>
+            <a:ahLst/>
+            <a:cxnLst/>
+            <a:rect l="l" t="t" r="r" b="b"/>
             <a:pathLst>
-              <a:path extrusionOk="0" h="120000" w="120000">
+              <a:path w="120000" h="120000" extrusionOk="0">
                 <a:moveTo>
                   <a:pt x="0" y="0"/>
                 </a:moveTo>
@@ -1703,9 +1769,11 @@
       <p:sp>
         <p:nvSpPr>
           <p:cNvPr id="230" name="Google Shape;230;g39f5bd7fc88_0_36:notes"/>
-          <p:cNvSpPr txBox="1"/>
+          <p:cNvSpPr txBox="1">
+            <a:spLocks noGrp="1"/>
+          </p:cNvSpPr>
           <p:nvPr>
-            <p:ph idx="1" type="body"/>
+            <p:ph type="body" idx="1"/>
           </p:nvPr>
         </p:nvSpPr>
         <p:spPr>
@@ -1718,12 +1786,12 @@
           </a:prstGeom>
         </p:spPr>
         <p:txBody>
-          <a:bodyPr anchorCtr="0" anchor="t" bIns="91425" lIns="91425" spcFirstLastPara="1" rIns="91425" wrap="square" tIns="91425">
+          <a:bodyPr spcFirstLastPara="1" wrap="square" lIns="91425" tIns="91425" rIns="91425" bIns="91425" anchor="t" anchorCtr="0">
             <a:noAutofit/>
           </a:bodyPr>
           <a:lstStyle/>
           <a:p>
-            <a:pPr indent="0" lvl="0" marL="0" rtl="0" algn="l">
+            <a:pPr marL="0" lvl="0" indent="0" algn="l" rtl="0">
               <a:spcBef>
                 <a:spcPts val="0"/>
               </a:spcBef>
@@ -1732,9 +1800,6 @@
               </a:spcAft>
               <a:buNone/>
             </a:pPr>
-            <a:r>
-              <a:t/>
-            </a:r>
             <a:endParaRPr/>
           </a:p>
         </p:txBody>
@@ -1748,11 +1813,11 @@
 </file>
 
 <file path=ppt/notesSlides/notesSlide19.xml><?xml version="1.0" encoding="utf-8"?>
-<p:notes xmlns:a="http://schemas.openxmlformats.org/drawingml/2006/main" xmlns:r="http://schemas.openxmlformats.org/officeDocument/2006/relationships" xmlns:mc="http://schemas.openxmlformats.org/markup-compatibility/2006" xmlns:mv="urn:schemas-microsoft-com:mac:vml" xmlns:p="http://schemas.openxmlformats.org/presentationml/2006/main" xmlns:c="http://schemas.openxmlformats.org/drawingml/2006/chart" xmlns:dgm="http://schemas.openxmlformats.org/drawingml/2006/diagram" xmlns:o="urn:schemas-microsoft-com:office:office" xmlns:v="urn:schemas-microsoft-com:vml" xmlns:pvml="urn:schemas-microsoft-com:office:powerpoint" xmlns:com="http://schemas.openxmlformats.org/drawingml/2006/compatibility" xmlns:p14="http://schemas.microsoft.com/office/powerpoint/2010/main" xmlns:p15="http://schemas.microsoft.com/office/powerpoint/2012/main" xmlns:ahyp="http://schemas.microsoft.com/office/drawing/2018/hyperlinkcolor" showMasterPhAnim="0" showMasterSp="0">
+<p:notes xmlns:a="http://schemas.openxmlformats.org/drawingml/2006/main" xmlns:r="http://schemas.openxmlformats.org/officeDocument/2006/relationships" xmlns:p="http://schemas.openxmlformats.org/presentationml/2006/main" showMasterSp="0" showMasterPhAnim="0">
   <p:cSld>
     <p:spTree>
       <p:nvGrpSpPr>
-        <p:cNvPr id="235" name="Shape 235"/>
+        <p:cNvPr id="1" name="Shape 235"/>
         <p:cNvGrpSpPr/>
         <p:nvPr/>
       </p:nvGrpSpPr>
@@ -1767,9 +1832,11 @@
       <p:sp>
         <p:nvSpPr>
           <p:cNvPr id="236" name="Google Shape;236;g39f5bd7fc88_0_45:notes"/>
-          <p:cNvSpPr/>
+          <p:cNvSpPr>
+            <a:spLocks noGrp="1" noRot="1" noChangeAspect="1"/>
+          </p:cNvSpPr>
           <p:nvPr>
-            <p:ph idx="2" type="sldImg"/>
+            <p:ph type="sldImg" idx="2"/>
           </p:nvPr>
         </p:nvSpPr>
         <p:spPr>
@@ -1778,9 +1845,13 @@
             <a:ext cx="6096000" cy="3429000"/>
           </a:xfrm>
           <a:custGeom>
-            <a:rect b="b" l="l" r="r" t="t"/>
+            <a:avLst/>
+            <a:gdLst/>
+            <a:ahLst/>
+            <a:cxnLst/>
+            <a:rect l="l" t="t" r="r" b="b"/>
             <a:pathLst>
-              <a:path extrusionOk="0" h="120000" w="120000">
+              <a:path w="120000" h="120000" extrusionOk="0">
                 <a:moveTo>
                   <a:pt x="0" y="0"/>
                 </a:moveTo>
@@ -1802,9 +1873,11 @@
       <p:sp>
         <p:nvSpPr>
           <p:cNvPr id="237" name="Google Shape;237;g39f5bd7fc88_0_45:notes"/>
-          <p:cNvSpPr txBox="1"/>
+          <p:cNvSpPr txBox="1">
+            <a:spLocks noGrp="1"/>
+          </p:cNvSpPr>
           <p:nvPr>
-            <p:ph idx="1" type="body"/>
+            <p:ph type="body" idx="1"/>
           </p:nvPr>
         </p:nvSpPr>
         <p:spPr>
@@ -1817,12 +1890,12 @@
           </a:prstGeom>
         </p:spPr>
         <p:txBody>
-          <a:bodyPr anchorCtr="0" anchor="t" bIns="91425" lIns="91425" spcFirstLastPara="1" rIns="91425" wrap="square" tIns="91425">
+          <a:bodyPr spcFirstLastPara="1" wrap="square" lIns="91425" tIns="91425" rIns="91425" bIns="91425" anchor="t" anchorCtr="0">
             <a:noAutofit/>
           </a:bodyPr>
           <a:lstStyle/>
           <a:p>
-            <a:pPr indent="0" lvl="0" marL="0" rtl="0" algn="l">
+            <a:pPr marL="0" lvl="0" indent="0" algn="l" rtl="0">
               <a:spcBef>
                 <a:spcPts val="0"/>
               </a:spcBef>
@@ -1831,9 +1904,6 @@
               </a:spcAft>
               <a:buNone/>
             </a:pPr>
-            <a:r>
-              <a:t/>
-            </a:r>
             <a:endParaRPr/>
           </a:p>
         </p:txBody>
@@ -1847,11 +1917,11 @@
 </file>
 
 <file path=ppt/notesSlides/notesSlide2.xml><?xml version="1.0" encoding="utf-8"?>
-<p:notes xmlns:a="http://schemas.openxmlformats.org/drawingml/2006/main" xmlns:r="http://schemas.openxmlformats.org/officeDocument/2006/relationships" xmlns:mc="http://schemas.openxmlformats.org/markup-compatibility/2006" xmlns:mv="urn:schemas-microsoft-com:mac:vml" xmlns:p="http://schemas.openxmlformats.org/presentationml/2006/main" xmlns:c="http://schemas.openxmlformats.org/drawingml/2006/chart" xmlns:dgm="http://schemas.openxmlformats.org/drawingml/2006/diagram" xmlns:o="urn:schemas-microsoft-com:office:office" xmlns:v="urn:schemas-microsoft-com:vml" xmlns:pvml="urn:schemas-microsoft-com:office:powerpoint" xmlns:com="http://schemas.openxmlformats.org/drawingml/2006/compatibility" xmlns:p14="http://schemas.microsoft.com/office/powerpoint/2010/main" xmlns:p15="http://schemas.microsoft.com/office/powerpoint/2012/main" xmlns:ahyp="http://schemas.microsoft.com/office/drawing/2018/hyperlinkcolor" showMasterPhAnim="0" showMasterSp="0">
+<p:notes xmlns:a="http://schemas.openxmlformats.org/drawingml/2006/main" xmlns:r="http://schemas.openxmlformats.org/officeDocument/2006/relationships" xmlns:p="http://schemas.openxmlformats.org/presentationml/2006/main" showMasterSp="0" showMasterPhAnim="0">
   <p:cSld>
     <p:spTree>
       <p:nvGrpSpPr>
-        <p:cNvPr id="87" name="Shape 87"/>
+        <p:cNvPr id="1" name="Shape 87"/>
         <p:cNvGrpSpPr/>
         <p:nvPr/>
       </p:nvGrpSpPr>
@@ -1866,9 +1936,11 @@
       <p:sp>
         <p:nvSpPr>
           <p:cNvPr id="88" name="Google Shape;88;g39ee38c5285_0_1060:notes"/>
-          <p:cNvSpPr/>
+          <p:cNvSpPr>
+            <a:spLocks noGrp="1" noRot="1" noChangeAspect="1"/>
+          </p:cNvSpPr>
           <p:nvPr>
-            <p:ph idx="2" type="sldImg"/>
+            <p:ph type="sldImg" idx="2"/>
           </p:nvPr>
         </p:nvSpPr>
         <p:spPr>
@@ -1877,9 +1949,13 @@
             <a:ext cx="6096000" cy="3429000"/>
           </a:xfrm>
           <a:custGeom>
-            <a:rect b="b" l="l" r="r" t="t"/>
+            <a:avLst/>
+            <a:gdLst/>
+            <a:ahLst/>
+            <a:cxnLst/>
+            <a:rect l="l" t="t" r="r" b="b"/>
             <a:pathLst>
-              <a:path extrusionOk="0" h="120000" w="120000">
+              <a:path w="120000" h="120000" extrusionOk="0">
                 <a:moveTo>
                   <a:pt x="0" y="0"/>
                 </a:moveTo>
@@ -1901,9 +1977,11 @@
       <p:sp>
         <p:nvSpPr>
           <p:cNvPr id="89" name="Google Shape;89;g39ee38c5285_0_1060:notes"/>
-          <p:cNvSpPr txBox="1"/>
+          <p:cNvSpPr txBox="1">
+            <a:spLocks noGrp="1"/>
+          </p:cNvSpPr>
           <p:nvPr>
-            <p:ph idx="1" type="body"/>
+            <p:ph type="body" idx="1"/>
           </p:nvPr>
         </p:nvSpPr>
         <p:spPr>
@@ -1916,12 +1994,12 @@
           </a:prstGeom>
         </p:spPr>
         <p:txBody>
-          <a:bodyPr anchorCtr="0" anchor="t" bIns="91425" lIns="91425" spcFirstLastPara="1" rIns="91425" wrap="square" tIns="91425">
+          <a:bodyPr spcFirstLastPara="1" wrap="square" lIns="91425" tIns="91425" rIns="91425" bIns="91425" anchor="t" anchorCtr="0">
             <a:noAutofit/>
           </a:bodyPr>
           <a:lstStyle/>
           <a:p>
-            <a:pPr indent="0" lvl="0" marL="0" rtl="0" algn="l">
+            <a:pPr marL="0" lvl="0" indent="0" algn="l" rtl="0">
               <a:spcBef>
                 <a:spcPts val="0"/>
               </a:spcBef>
@@ -1930,9 +2008,6 @@
               </a:spcAft>
               <a:buNone/>
             </a:pPr>
-            <a:r>
-              <a:t/>
-            </a:r>
             <a:endParaRPr/>
           </a:p>
         </p:txBody>
@@ -1946,11 +2021,11 @@
 </file>
 
 <file path=ppt/notesSlides/notesSlide20.xml><?xml version="1.0" encoding="utf-8"?>
-<p:notes xmlns:a="http://schemas.openxmlformats.org/drawingml/2006/main" xmlns:r="http://schemas.openxmlformats.org/officeDocument/2006/relationships" xmlns:mc="http://schemas.openxmlformats.org/markup-compatibility/2006" xmlns:mv="urn:schemas-microsoft-com:mac:vml" xmlns:p="http://schemas.openxmlformats.org/presentationml/2006/main" xmlns:c="http://schemas.openxmlformats.org/drawingml/2006/chart" xmlns:dgm="http://schemas.openxmlformats.org/drawingml/2006/diagram" xmlns:o="urn:schemas-microsoft-com:office:office" xmlns:v="urn:schemas-microsoft-com:vml" xmlns:pvml="urn:schemas-microsoft-com:office:powerpoint" xmlns:com="http://schemas.openxmlformats.org/drawingml/2006/compatibility" xmlns:p14="http://schemas.microsoft.com/office/powerpoint/2010/main" xmlns:p15="http://schemas.microsoft.com/office/powerpoint/2012/main" xmlns:ahyp="http://schemas.microsoft.com/office/drawing/2018/hyperlinkcolor" showMasterPhAnim="0" showMasterSp="0">
+<p:notes xmlns:a="http://schemas.openxmlformats.org/drawingml/2006/main" xmlns:r="http://schemas.openxmlformats.org/officeDocument/2006/relationships" xmlns:p="http://schemas.openxmlformats.org/presentationml/2006/main" showMasterSp="0" showMasterPhAnim="0">
   <p:cSld>
     <p:spTree>
       <p:nvGrpSpPr>
-        <p:cNvPr id="243" name="Shape 243"/>
+        <p:cNvPr id="1" name="Shape 243"/>
         <p:cNvGrpSpPr/>
         <p:nvPr/>
       </p:nvGrpSpPr>
@@ -1965,9 +2040,11 @@
       <p:sp>
         <p:nvSpPr>
           <p:cNvPr id="244" name="Google Shape;244;g39f8c47fad4_0_87:notes"/>
-          <p:cNvSpPr/>
+          <p:cNvSpPr>
+            <a:spLocks noGrp="1" noRot="1" noChangeAspect="1"/>
+          </p:cNvSpPr>
           <p:nvPr>
-            <p:ph idx="2" type="sldImg"/>
+            <p:ph type="sldImg" idx="2"/>
           </p:nvPr>
         </p:nvSpPr>
         <p:spPr>
@@ -1976,9 +2053,13 @@
             <a:ext cx="6096000" cy="3429000"/>
           </a:xfrm>
           <a:custGeom>
-            <a:rect b="b" l="l" r="r" t="t"/>
+            <a:avLst/>
+            <a:gdLst/>
+            <a:ahLst/>
+            <a:cxnLst/>
+            <a:rect l="l" t="t" r="r" b="b"/>
             <a:pathLst>
-              <a:path extrusionOk="0" h="120000" w="120000">
+              <a:path w="120000" h="120000" extrusionOk="0">
                 <a:moveTo>
                   <a:pt x="0" y="0"/>
                 </a:moveTo>
@@ -2000,9 +2081,11 @@
       <p:sp>
         <p:nvSpPr>
           <p:cNvPr id="245" name="Google Shape;245;g39f8c47fad4_0_87:notes"/>
-          <p:cNvSpPr txBox="1"/>
+          <p:cNvSpPr txBox="1">
+            <a:spLocks noGrp="1"/>
+          </p:cNvSpPr>
           <p:nvPr>
-            <p:ph idx="1" type="body"/>
+            <p:ph type="body" idx="1"/>
           </p:nvPr>
         </p:nvSpPr>
         <p:spPr>
@@ -2015,12 +2098,12 @@
           </a:prstGeom>
         </p:spPr>
         <p:txBody>
-          <a:bodyPr anchorCtr="0" anchor="t" bIns="91425" lIns="91425" spcFirstLastPara="1" rIns="91425" wrap="square" tIns="91425">
+          <a:bodyPr spcFirstLastPara="1" wrap="square" lIns="91425" tIns="91425" rIns="91425" bIns="91425" anchor="t" anchorCtr="0">
             <a:noAutofit/>
           </a:bodyPr>
           <a:lstStyle/>
           <a:p>
-            <a:pPr indent="0" lvl="0" marL="0" rtl="0" algn="l">
+            <a:pPr marL="0" lvl="0" indent="0" algn="l" rtl="0">
               <a:spcBef>
                 <a:spcPts val="0"/>
               </a:spcBef>
@@ -2029,9 +2112,6 @@
               </a:spcAft>
               <a:buNone/>
             </a:pPr>
-            <a:r>
-              <a:t/>
-            </a:r>
             <a:endParaRPr/>
           </a:p>
         </p:txBody>
@@ -2045,11 +2125,11 @@
 </file>
 
 <file path=ppt/notesSlides/notesSlide3.xml><?xml version="1.0" encoding="utf-8"?>
-<p:notes xmlns:a="http://schemas.openxmlformats.org/drawingml/2006/main" xmlns:r="http://schemas.openxmlformats.org/officeDocument/2006/relationships" xmlns:mc="http://schemas.openxmlformats.org/markup-compatibility/2006" xmlns:mv="urn:schemas-microsoft-com:mac:vml" xmlns:p="http://schemas.openxmlformats.org/presentationml/2006/main" xmlns:c="http://schemas.openxmlformats.org/drawingml/2006/chart" xmlns:dgm="http://schemas.openxmlformats.org/drawingml/2006/diagram" xmlns:o="urn:schemas-microsoft-com:office:office" xmlns:v="urn:schemas-microsoft-com:vml" xmlns:pvml="urn:schemas-microsoft-com:office:powerpoint" xmlns:com="http://schemas.openxmlformats.org/drawingml/2006/compatibility" xmlns:p14="http://schemas.microsoft.com/office/powerpoint/2010/main" xmlns:p15="http://schemas.microsoft.com/office/powerpoint/2012/main" xmlns:ahyp="http://schemas.microsoft.com/office/drawing/2018/hyperlinkcolor" showMasterPhAnim="0" showMasterSp="0">
+<p:notes xmlns:a="http://schemas.openxmlformats.org/drawingml/2006/main" xmlns:r="http://schemas.openxmlformats.org/officeDocument/2006/relationships" xmlns:p="http://schemas.openxmlformats.org/presentationml/2006/main" showMasterSp="0" showMasterPhAnim="0">
   <p:cSld>
     <p:spTree>
       <p:nvGrpSpPr>
-        <p:cNvPr id="94" name="Shape 94"/>
+        <p:cNvPr id="1" name="Shape 94"/>
         <p:cNvGrpSpPr/>
         <p:nvPr/>
       </p:nvGrpSpPr>
@@ -2064,9 +2144,11 @@
       <p:sp>
         <p:nvSpPr>
           <p:cNvPr id="95" name="Google Shape;95;g39ee38c5285_0_1065:notes"/>
-          <p:cNvSpPr/>
+          <p:cNvSpPr>
+            <a:spLocks noGrp="1" noRot="1" noChangeAspect="1"/>
+          </p:cNvSpPr>
           <p:nvPr>
-            <p:ph idx="2" type="sldImg"/>
+            <p:ph type="sldImg" idx="2"/>
           </p:nvPr>
         </p:nvSpPr>
         <p:spPr>
@@ -2075,9 +2157,13 @@
             <a:ext cx="6096000" cy="3429000"/>
           </a:xfrm>
           <a:custGeom>
-            <a:rect b="b" l="l" r="r" t="t"/>
+            <a:avLst/>
+            <a:gdLst/>
+            <a:ahLst/>
+            <a:cxnLst/>
+            <a:rect l="l" t="t" r="r" b="b"/>
             <a:pathLst>
-              <a:path extrusionOk="0" h="120000" w="120000">
+              <a:path w="120000" h="120000" extrusionOk="0">
                 <a:moveTo>
                   <a:pt x="0" y="0"/>
                 </a:moveTo>
@@ -2099,9 +2185,11 @@
       <p:sp>
         <p:nvSpPr>
           <p:cNvPr id="96" name="Google Shape;96;g39ee38c5285_0_1065:notes"/>
-          <p:cNvSpPr txBox="1"/>
+          <p:cNvSpPr txBox="1">
+            <a:spLocks noGrp="1"/>
+          </p:cNvSpPr>
           <p:nvPr>
-            <p:ph idx="1" type="body"/>
+            <p:ph type="body" idx="1"/>
           </p:nvPr>
         </p:nvSpPr>
         <p:spPr>
@@ -2114,12 +2202,12 @@
           </a:prstGeom>
         </p:spPr>
         <p:txBody>
-          <a:bodyPr anchorCtr="0" anchor="t" bIns="91425" lIns="91425" spcFirstLastPara="1" rIns="91425" wrap="square" tIns="91425">
+          <a:bodyPr spcFirstLastPara="1" wrap="square" lIns="91425" tIns="91425" rIns="91425" bIns="91425" anchor="t" anchorCtr="0">
             <a:noAutofit/>
           </a:bodyPr>
           <a:lstStyle/>
           <a:p>
-            <a:pPr indent="0" lvl="0" marL="0" rtl="0" algn="l">
+            <a:pPr marL="0" lvl="0" indent="0" algn="l" rtl="0">
               <a:spcBef>
                 <a:spcPts val="0"/>
               </a:spcBef>
@@ -2128,9 +2216,6 @@
               </a:spcAft>
               <a:buNone/>
             </a:pPr>
-            <a:r>
-              <a:t/>
-            </a:r>
             <a:endParaRPr/>
           </a:p>
         </p:txBody>
@@ -2144,11 +2229,11 @@
 </file>
 
 <file path=ppt/notesSlides/notesSlide4.xml><?xml version="1.0" encoding="utf-8"?>
-<p:notes xmlns:a="http://schemas.openxmlformats.org/drawingml/2006/main" xmlns:r="http://schemas.openxmlformats.org/officeDocument/2006/relationships" xmlns:mc="http://schemas.openxmlformats.org/markup-compatibility/2006" xmlns:mv="urn:schemas-microsoft-com:mac:vml" xmlns:p="http://schemas.openxmlformats.org/presentationml/2006/main" xmlns:c="http://schemas.openxmlformats.org/drawingml/2006/chart" xmlns:dgm="http://schemas.openxmlformats.org/drawingml/2006/diagram" xmlns:o="urn:schemas-microsoft-com:office:office" xmlns:v="urn:schemas-microsoft-com:vml" xmlns:pvml="urn:schemas-microsoft-com:office:powerpoint" xmlns:com="http://schemas.openxmlformats.org/drawingml/2006/compatibility" xmlns:p14="http://schemas.microsoft.com/office/powerpoint/2010/main" xmlns:p15="http://schemas.microsoft.com/office/powerpoint/2012/main" xmlns:ahyp="http://schemas.microsoft.com/office/drawing/2018/hyperlinkcolor" showMasterPhAnim="0" showMasterSp="0">
+<p:notes xmlns:a="http://schemas.openxmlformats.org/drawingml/2006/main" xmlns:r="http://schemas.openxmlformats.org/officeDocument/2006/relationships" xmlns:p="http://schemas.openxmlformats.org/presentationml/2006/main" showMasterSp="0" showMasterPhAnim="0">
   <p:cSld>
     <p:spTree>
       <p:nvGrpSpPr>
-        <p:cNvPr id="105" name="Shape 105"/>
+        <p:cNvPr id="1" name="Shape 105"/>
         <p:cNvGrpSpPr/>
         <p:nvPr/>
       </p:nvGrpSpPr>
@@ -2163,9 +2248,11 @@
       <p:sp>
         <p:nvSpPr>
           <p:cNvPr id="106" name="Google Shape;106;g39ee38c5285_0_1068:notes"/>
-          <p:cNvSpPr/>
+          <p:cNvSpPr>
+            <a:spLocks noGrp="1" noRot="1" noChangeAspect="1"/>
+          </p:cNvSpPr>
           <p:nvPr>
-            <p:ph idx="2" type="sldImg"/>
+            <p:ph type="sldImg" idx="2"/>
           </p:nvPr>
         </p:nvSpPr>
         <p:spPr>
@@ -2174,9 +2261,13 @@
             <a:ext cx="6096000" cy="3429000"/>
           </a:xfrm>
           <a:custGeom>
-            <a:rect b="b" l="l" r="r" t="t"/>
+            <a:avLst/>
+            <a:gdLst/>
+            <a:ahLst/>
+            <a:cxnLst/>
+            <a:rect l="l" t="t" r="r" b="b"/>
             <a:pathLst>
-              <a:path extrusionOk="0" h="120000" w="120000">
+              <a:path w="120000" h="120000" extrusionOk="0">
                 <a:moveTo>
                   <a:pt x="0" y="0"/>
                 </a:moveTo>
@@ -2198,9 +2289,11 @@
       <p:sp>
         <p:nvSpPr>
           <p:cNvPr id="107" name="Google Shape;107;g39ee38c5285_0_1068:notes"/>
-          <p:cNvSpPr txBox="1"/>
+          <p:cNvSpPr txBox="1">
+            <a:spLocks noGrp="1"/>
+          </p:cNvSpPr>
           <p:nvPr>
-            <p:ph idx="1" type="body"/>
+            <p:ph type="body" idx="1"/>
           </p:nvPr>
         </p:nvSpPr>
         <p:spPr>
@@ -2213,12 +2306,12 @@
           </a:prstGeom>
         </p:spPr>
         <p:txBody>
-          <a:bodyPr anchorCtr="0" anchor="t" bIns="91425" lIns="91425" spcFirstLastPara="1" rIns="91425" wrap="square" tIns="91425">
+          <a:bodyPr spcFirstLastPara="1" wrap="square" lIns="91425" tIns="91425" rIns="91425" bIns="91425" anchor="t" anchorCtr="0">
             <a:noAutofit/>
           </a:bodyPr>
           <a:lstStyle/>
           <a:p>
-            <a:pPr indent="0" lvl="0" marL="0" rtl="0" algn="l">
+            <a:pPr marL="0" lvl="0" indent="0" algn="l" rtl="0">
               <a:spcBef>
                 <a:spcPts val="0"/>
               </a:spcBef>
@@ -2227,9 +2320,6 @@
               </a:spcAft>
               <a:buNone/>
             </a:pPr>
-            <a:r>
-              <a:t/>
-            </a:r>
             <a:endParaRPr/>
           </a:p>
         </p:txBody>
@@ -2243,11 +2333,11 @@
 </file>
 
 <file path=ppt/notesSlides/notesSlide5.xml><?xml version="1.0" encoding="utf-8"?>
-<p:notes xmlns:a="http://schemas.openxmlformats.org/drawingml/2006/main" xmlns:r="http://schemas.openxmlformats.org/officeDocument/2006/relationships" xmlns:mc="http://schemas.openxmlformats.org/markup-compatibility/2006" xmlns:mv="urn:schemas-microsoft-com:mac:vml" xmlns:p="http://schemas.openxmlformats.org/presentationml/2006/main" xmlns:c="http://schemas.openxmlformats.org/drawingml/2006/chart" xmlns:dgm="http://schemas.openxmlformats.org/drawingml/2006/diagram" xmlns:o="urn:schemas-microsoft-com:office:office" xmlns:v="urn:schemas-microsoft-com:vml" xmlns:pvml="urn:schemas-microsoft-com:office:powerpoint" xmlns:com="http://schemas.openxmlformats.org/drawingml/2006/compatibility" xmlns:p14="http://schemas.microsoft.com/office/powerpoint/2010/main" xmlns:p15="http://schemas.microsoft.com/office/powerpoint/2012/main" xmlns:ahyp="http://schemas.microsoft.com/office/drawing/2018/hyperlinkcolor" showMasterPhAnim="0" showMasterSp="0">
+<p:notes xmlns:a="http://schemas.openxmlformats.org/drawingml/2006/main" xmlns:r="http://schemas.openxmlformats.org/officeDocument/2006/relationships" xmlns:p="http://schemas.openxmlformats.org/presentationml/2006/main" showMasterSp="0" showMasterPhAnim="0">
   <p:cSld>
     <p:spTree>
       <p:nvGrpSpPr>
-        <p:cNvPr id="111" name="Shape 111"/>
+        <p:cNvPr id="1" name="Shape 111"/>
         <p:cNvGrpSpPr/>
         <p:nvPr/>
       </p:nvGrpSpPr>
@@ -2262,9 +2352,11 @@
       <p:sp>
         <p:nvSpPr>
           <p:cNvPr id="112" name="Google Shape;112;g39ee38c5285_0_1071:notes"/>
-          <p:cNvSpPr/>
+          <p:cNvSpPr>
+            <a:spLocks noGrp="1" noRot="1" noChangeAspect="1"/>
+          </p:cNvSpPr>
           <p:nvPr>
-            <p:ph idx="2" type="sldImg"/>
+            <p:ph type="sldImg" idx="2"/>
           </p:nvPr>
         </p:nvSpPr>
         <p:spPr>
@@ -2273,9 +2365,13 @@
             <a:ext cx="6096000" cy="3429000"/>
           </a:xfrm>
           <a:custGeom>
-            <a:rect b="b" l="l" r="r" t="t"/>
+            <a:avLst/>
+            <a:gdLst/>
+            <a:ahLst/>
+            <a:cxnLst/>
+            <a:rect l="l" t="t" r="r" b="b"/>
             <a:pathLst>
-              <a:path extrusionOk="0" h="120000" w="120000">
+              <a:path w="120000" h="120000" extrusionOk="0">
                 <a:moveTo>
                   <a:pt x="0" y="0"/>
                 </a:moveTo>
@@ -2297,9 +2393,11 @@
       <p:sp>
         <p:nvSpPr>
           <p:cNvPr id="113" name="Google Shape;113;g39ee38c5285_0_1071:notes"/>
-          <p:cNvSpPr txBox="1"/>
+          <p:cNvSpPr txBox="1">
+            <a:spLocks noGrp="1"/>
+          </p:cNvSpPr>
           <p:nvPr>
-            <p:ph idx="1" type="body"/>
+            <p:ph type="body" idx="1"/>
           </p:nvPr>
         </p:nvSpPr>
         <p:spPr>
@@ -2312,12 +2410,12 @@
           </a:prstGeom>
         </p:spPr>
         <p:txBody>
-          <a:bodyPr anchorCtr="0" anchor="t" bIns="91425" lIns="91425" spcFirstLastPara="1" rIns="91425" wrap="square" tIns="91425">
+          <a:bodyPr spcFirstLastPara="1" wrap="square" lIns="91425" tIns="91425" rIns="91425" bIns="91425" anchor="t" anchorCtr="0">
             <a:noAutofit/>
           </a:bodyPr>
           <a:lstStyle/>
           <a:p>
-            <a:pPr indent="0" lvl="0" marL="0" rtl="0" algn="l">
+            <a:pPr marL="0" lvl="0" indent="0" algn="l" rtl="0">
               <a:spcBef>
                 <a:spcPts val="0"/>
               </a:spcBef>
@@ -2326,9 +2424,6 @@
               </a:spcAft>
               <a:buNone/>
             </a:pPr>
-            <a:r>
-              <a:t/>
-            </a:r>
             <a:endParaRPr/>
           </a:p>
         </p:txBody>
@@ -2342,11 +2437,11 @@
 </file>
 
 <file path=ppt/notesSlides/notesSlide6.xml><?xml version="1.0" encoding="utf-8"?>
-<p:notes xmlns:a="http://schemas.openxmlformats.org/drawingml/2006/main" xmlns:r="http://schemas.openxmlformats.org/officeDocument/2006/relationships" xmlns:mc="http://schemas.openxmlformats.org/markup-compatibility/2006" xmlns:mv="urn:schemas-microsoft-com:mac:vml" xmlns:p="http://schemas.openxmlformats.org/presentationml/2006/main" xmlns:c="http://schemas.openxmlformats.org/drawingml/2006/chart" xmlns:dgm="http://schemas.openxmlformats.org/drawingml/2006/diagram" xmlns:o="urn:schemas-microsoft-com:office:office" xmlns:v="urn:schemas-microsoft-com:vml" xmlns:pvml="urn:schemas-microsoft-com:office:powerpoint" xmlns:com="http://schemas.openxmlformats.org/drawingml/2006/compatibility" xmlns:p14="http://schemas.microsoft.com/office/powerpoint/2010/main" xmlns:p15="http://schemas.microsoft.com/office/powerpoint/2012/main" xmlns:ahyp="http://schemas.microsoft.com/office/drawing/2018/hyperlinkcolor" showMasterPhAnim="0" showMasterSp="0">
+<p:notes xmlns:a="http://schemas.openxmlformats.org/drawingml/2006/main" xmlns:r="http://schemas.openxmlformats.org/officeDocument/2006/relationships" xmlns:p="http://schemas.openxmlformats.org/presentationml/2006/main" showMasterSp="0" showMasterPhAnim="0">
   <p:cSld>
     <p:spTree>
       <p:nvGrpSpPr>
-        <p:cNvPr id="117" name="Shape 117"/>
+        <p:cNvPr id="1" name="Shape 117"/>
         <p:cNvGrpSpPr/>
         <p:nvPr/>
       </p:nvGrpSpPr>
@@ -2361,20 +2456,26 @@
       <p:sp>
         <p:nvSpPr>
           <p:cNvPr id="118" name="Google Shape;118;g39ee38c5285_0_1074:notes"/>
-          <p:cNvSpPr/>
+          <p:cNvSpPr>
+            <a:spLocks noGrp="1" noRot="1" noChangeAspect="1"/>
+          </p:cNvSpPr>
           <p:nvPr>
-            <p:ph idx="2" type="sldImg"/>
+            <p:ph type="sldImg" idx="2"/>
           </p:nvPr>
         </p:nvSpPr>
         <p:spPr>
           <a:xfrm>
-            <a:off x="381300" y="685800"/>
+            <a:off x="381000" y="685800"/>
             <a:ext cx="6096000" cy="3429000"/>
           </a:xfrm>
           <a:custGeom>
-            <a:rect b="b" l="l" r="r" t="t"/>
+            <a:avLst/>
+            <a:gdLst/>
+            <a:ahLst/>
+            <a:cxnLst/>
+            <a:rect l="l" t="t" r="r" b="b"/>
             <a:pathLst>
-              <a:path extrusionOk="0" h="120000" w="120000">
+              <a:path w="120000" h="120000" extrusionOk="0">
                 <a:moveTo>
                   <a:pt x="0" y="0"/>
                 </a:moveTo>
@@ -2396,9 +2497,11 @@
       <p:sp>
         <p:nvSpPr>
           <p:cNvPr id="119" name="Google Shape;119;g39ee38c5285_0_1074:notes"/>
-          <p:cNvSpPr txBox="1"/>
+          <p:cNvSpPr txBox="1">
+            <a:spLocks noGrp="1"/>
+          </p:cNvSpPr>
           <p:nvPr>
-            <p:ph idx="1" type="body"/>
+            <p:ph type="body" idx="1"/>
           </p:nvPr>
         </p:nvSpPr>
         <p:spPr>
@@ -2411,12 +2514,12 @@
           </a:prstGeom>
         </p:spPr>
         <p:txBody>
-          <a:bodyPr anchorCtr="0" anchor="t" bIns="91425" lIns="91425" spcFirstLastPara="1" rIns="91425" wrap="square" tIns="91425">
+          <a:bodyPr spcFirstLastPara="1" wrap="square" lIns="91425" tIns="91425" rIns="91425" bIns="91425" anchor="t" anchorCtr="0">
             <a:noAutofit/>
           </a:bodyPr>
           <a:lstStyle/>
           <a:p>
-            <a:pPr indent="0" lvl="0" marL="0" rtl="0" algn="l">
+            <a:pPr marL="0" lvl="0" indent="0" algn="l" rtl="0">
               <a:spcBef>
                 <a:spcPts val="0"/>
               </a:spcBef>
@@ -2425,9 +2528,6 @@
               </a:spcAft>
               <a:buNone/>
             </a:pPr>
-            <a:r>
-              <a:t/>
-            </a:r>
             <a:endParaRPr/>
           </a:p>
         </p:txBody>
@@ -2441,11 +2541,11 @@
 </file>
 
 <file path=ppt/notesSlides/notesSlide7.xml><?xml version="1.0" encoding="utf-8"?>
-<p:notes xmlns:a="http://schemas.openxmlformats.org/drawingml/2006/main" xmlns:r="http://schemas.openxmlformats.org/officeDocument/2006/relationships" xmlns:mc="http://schemas.openxmlformats.org/markup-compatibility/2006" xmlns:mv="urn:schemas-microsoft-com:mac:vml" xmlns:p="http://schemas.openxmlformats.org/presentationml/2006/main" xmlns:c="http://schemas.openxmlformats.org/drawingml/2006/chart" xmlns:dgm="http://schemas.openxmlformats.org/drawingml/2006/diagram" xmlns:o="urn:schemas-microsoft-com:office:office" xmlns:v="urn:schemas-microsoft-com:vml" xmlns:pvml="urn:schemas-microsoft-com:office:powerpoint" xmlns:com="http://schemas.openxmlformats.org/drawingml/2006/compatibility" xmlns:p14="http://schemas.microsoft.com/office/powerpoint/2010/main" xmlns:p15="http://schemas.microsoft.com/office/powerpoint/2012/main" xmlns:ahyp="http://schemas.microsoft.com/office/drawing/2018/hyperlinkcolor" showMasterPhAnim="0" showMasterSp="0">
+<p:notes xmlns:a="http://schemas.openxmlformats.org/drawingml/2006/main" xmlns:r="http://schemas.openxmlformats.org/officeDocument/2006/relationships" xmlns:p="http://schemas.openxmlformats.org/presentationml/2006/main" showMasterSp="0" showMasterPhAnim="0">
   <p:cSld>
     <p:spTree>
       <p:nvGrpSpPr>
-        <p:cNvPr id="128" name="Shape 128"/>
+        <p:cNvPr id="1" name="Shape 128"/>
         <p:cNvGrpSpPr/>
         <p:nvPr/>
       </p:nvGrpSpPr>
@@ -2460,9 +2560,11 @@
       <p:sp>
         <p:nvSpPr>
           <p:cNvPr id="129" name="Google Shape;129;g39f8c47fad4_0_0:notes"/>
-          <p:cNvSpPr/>
+          <p:cNvSpPr>
+            <a:spLocks noGrp="1" noRot="1" noChangeAspect="1"/>
+          </p:cNvSpPr>
           <p:nvPr>
-            <p:ph idx="2" type="sldImg"/>
+            <p:ph type="sldImg" idx="2"/>
           </p:nvPr>
         </p:nvSpPr>
         <p:spPr>
@@ -2471,9 +2573,13 @@
             <a:ext cx="6096000" cy="3429000"/>
           </a:xfrm>
           <a:custGeom>
-            <a:rect b="b" l="l" r="r" t="t"/>
+            <a:avLst/>
+            <a:gdLst/>
+            <a:ahLst/>
+            <a:cxnLst/>
+            <a:rect l="l" t="t" r="r" b="b"/>
             <a:pathLst>
-              <a:path extrusionOk="0" h="120000" w="120000">
+              <a:path w="120000" h="120000" extrusionOk="0">
                 <a:moveTo>
                   <a:pt x="0" y="0"/>
                 </a:moveTo>
@@ -2495,9 +2601,11 @@
       <p:sp>
         <p:nvSpPr>
           <p:cNvPr id="130" name="Google Shape;130;g39f8c47fad4_0_0:notes"/>
-          <p:cNvSpPr txBox="1"/>
+          <p:cNvSpPr txBox="1">
+            <a:spLocks noGrp="1"/>
+          </p:cNvSpPr>
           <p:nvPr>
-            <p:ph idx="1" type="body"/>
+            <p:ph type="body" idx="1"/>
           </p:nvPr>
         </p:nvSpPr>
         <p:spPr>
@@ -2510,12 +2618,12 @@
           </a:prstGeom>
         </p:spPr>
         <p:txBody>
-          <a:bodyPr anchorCtr="0" anchor="t" bIns="91425" lIns="91425" spcFirstLastPara="1" rIns="91425" wrap="square" tIns="91425">
+          <a:bodyPr spcFirstLastPara="1" wrap="square" lIns="91425" tIns="91425" rIns="91425" bIns="91425" anchor="t" anchorCtr="0">
             <a:noAutofit/>
           </a:bodyPr>
           <a:lstStyle/>
           <a:p>
-            <a:pPr indent="0" lvl="0" marL="0" rtl="0" algn="l">
+            <a:pPr marL="0" lvl="0" indent="0" algn="l" rtl="0">
               <a:spcBef>
                 <a:spcPts val="0"/>
               </a:spcBef>
@@ -2524,9 +2632,6 @@
               </a:spcAft>
               <a:buNone/>
             </a:pPr>
-            <a:r>
-              <a:t/>
-            </a:r>
             <a:endParaRPr/>
           </a:p>
         </p:txBody>
@@ -2540,11 +2645,11 @@
 </file>
 
 <file path=ppt/notesSlides/notesSlide8.xml><?xml version="1.0" encoding="utf-8"?>
-<p:notes xmlns:a="http://schemas.openxmlformats.org/drawingml/2006/main" xmlns:r="http://schemas.openxmlformats.org/officeDocument/2006/relationships" xmlns:mc="http://schemas.openxmlformats.org/markup-compatibility/2006" xmlns:mv="urn:schemas-microsoft-com:mac:vml" xmlns:p="http://schemas.openxmlformats.org/presentationml/2006/main" xmlns:c="http://schemas.openxmlformats.org/drawingml/2006/chart" xmlns:dgm="http://schemas.openxmlformats.org/drawingml/2006/diagram" xmlns:o="urn:schemas-microsoft-com:office:office" xmlns:v="urn:schemas-microsoft-com:vml" xmlns:pvml="urn:schemas-microsoft-com:office:powerpoint" xmlns:com="http://schemas.openxmlformats.org/drawingml/2006/compatibility" xmlns:p14="http://schemas.microsoft.com/office/powerpoint/2010/main" xmlns:p15="http://schemas.microsoft.com/office/powerpoint/2012/main" xmlns:ahyp="http://schemas.microsoft.com/office/drawing/2018/hyperlinkcolor" showMasterPhAnim="0" showMasterSp="0">
+<p:notes xmlns:a="http://schemas.openxmlformats.org/drawingml/2006/main" xmlns:r="http://schemas.openxmlformats.org/officeDocument/2006/relationships" xmlns:p="http://schemas.openxmlformats.org/presentationml/2006/main" showMasterSp="0" showMasterPhAnim="0">
   <p:cSld>
     <p:spTree>
       <p:nvGrpSpPr>
-        <p:cNvPr id="145" name="Shape 145"/>
+        <p:cNvPr id="1" name="Shape 145"/>
         <p:cNvGrpSpPr/>
         <p:nvPr/>
       </p:nvGrpSpPr>
@@ -2559,9 +2664,11 @@
       <p:sp>
         <p:nvSpPr>
           <p:cNvPr id="146" name="Google Shape;146;g39f8c47fad4_0_39:notes"/>
-          <p:cNvSpPr/>
+          <p:cNvSpPr>
+            <a:spLocks noGrp="1" noRot="1" noChangeAspect="1"/>
+          </p:cNvSpPr>
           <p:nvPr>
-            <p:ph idx="2" type="sldImg"/>
+            <p:ph type="sldImg" idx="2"/>
           </p:nvPr>
         </p:nvSpPr>
         <p:spPr>
@@ -2570,9 +2677,13 @@
             <a:ext cx="6096000" cy="3429000"/>
           </a:xfrm>
           <a:custGeom>
-            <a:rect b="b" l="l" r="r" t="t"/>
+            <a:avLst/>
+            <a:gdLst/>
+            <a:ahLst/>
+            <a:cxnLst/>
+            <a:rect l="l" t="t" r="r" b="b"/>
             <a:pathLst>
-              <a:path extrusionOk="0" h="120000" w="120000">
+              <a:path w="120000" h="120000" extrusionOk="0">
                 <a:moveTo>
                   <a:pt x="0" y="0"/>
                 </a:moveTo>
@@ -2594,9 +2705,11 @@
       <p:sp>
         <p:nvSpPr>
           <p:cNvPr id="147" name="Google Shape;147;g39f8c47fad4_0_39:notes"/>
-          <p:cNvSpPr txBox="1"/>
+          <p:cNvSpPr txBox="1">
+            <a:spLocks noGrp="1"/>
+          </p:cNvSpPr>
           <p:nvPr>
-            <p:ph idx="1" type="body"/>
+            <p:ph type="body" idx="1"/>
           </p:nvPr>
         </p:nvSpPr>
         <p:spPr>
@@ -2609,12 +2722,12 @@
           </a:prstGeom>
         </p:spPr>
         <p:txBody>
-          <a:bodyPr anchorCtr="0" anchor="t" bIns="91425" lIns="91425" spcFirstLastPara="1" rIns="91425" wrap="square" tIns="91425">
+          <a:bodyPr spcFirstLastPara="1" wrap="square" lIns="91425" tIns="91425" rIns="91425" bIns="91425" anchor="t" anchorCtr="0">
             <a:noAutofit/>
           </a:bodyPr>
           <a:lstStyle/>
           <a:p>
-            <a:pPr indent="0" lvl="0" marL="0" rtl="0" algn="l">
+            <a:pPr marL="0" lvl="0" indent="0" algn="l" rtl="0">
               <a:spcBef>
                 <a:spcPts val="0"/>
               </a:spcBef>
@@ -2623,9 +2736,6 @@
               </a:spcAft>
               <a:buNone/>
             </a:pPr>
-            <a:r>
-              <a:t/>
-            </a:r>
             <a:endParaRPr/>
           </a:p>
         </p:txBody>
@@ -2639,11 +2749,11 @@
 </file>
 
 <file path=ppt/notesSlides/notesSlide9.xml><?xml version="1.0" encoding="utf-8"?>
-<p:notes xmlns:a="http://schemas.openxmlformats.org/drawingml/2006/main" xmlns:r="http://schemas.openxmlformats.org/officeDocument/2006/relationships" xmlns:mc="http://schemas.openxmlformats.org/markup-compatibility/2006" xmlns:mv="urn:schemas-microsoft-com:mac:vml" xmlns:p="http://schemas.openxmlformats.org/presentationml/2006/main" xmlns:c="http://schemas.openxmlformats.org/drawingml/2006/chart" xmlns:dgm="http://schemas.openxmlformats.org/drawingml/2006/diagram" xmlns:o="urn:schemas-microsoft-com:office:office" xmlns:v="urn:schemas-microsoft-com:vml" xmlns:pvml="urn:schemas-microsoft-com:office:powerpoint" xmlns:com="http://schemas.openxmlformats.org/drawingml/2006/compatibility" xmlns:p14="http://schemas.microsoft.com/office/powerpoint/2010/main" xmlns:p15="http://schemas.microsoft.com/office/powerpoint/2012/main" xmlns:ahyp="http://schemas.microsoft.com/office/drawing/2018/hyperlinkcolor" showMasterPhAnim="0" showMasterSp="0">
+<p:notes xmlns:a="http://schemas.openxmlformats.org/drawingml/2006/main" xmlns:r="http://schemas.openxmlformats.org/officeDocument/2006/relationships" xmlns:p="http://schemas.openxmlformats.org/presentationml/2006/main" showMasterSp="0" showMasterPhAnim="0">
   <p:cSld>
     <p:spTree>
       <p:nvGrpSpPr>
-        <p:cNvPr id="156" name="Shape 156"/>
+        <p:cNvPr id="1" name="Shape 156"/>
         <p:cNvGrpSpPr/>
         <p:nvPr/>
       </p:nvGrpSpPr>
@@ -2658,9 +2768,11 @@
       <p:sp>
         <p:nvSpPr>
           <p:cNvPr id="157" name="Google Shape;157;g39f5bd7fc88_0_24:notes"/>
-          <p:cNvSpPr/>
+          <p:cNvSpPr>
+            <a:spLocks noGrp="1" noRot="1" noChangeAspect="1"/>
+          </p:cNvSpPr>
           <p:nvPr>
-            <p:ph idx="2" type="sldImg"/>
+            <p:ph type="sldImg" idx="2"/>
           </p:nvPr>
         </p:nvSpPr>
         <p:spPr>
@@ -2669,9 +2781,13 @@
             <a:ext cx="6096000" cy="3429000"/>
           </a:xfrm>
           <a:custGeom>
-            <a:rect b="b" l="l" r="r" t="t"/>
+            <a:avLst/>
+            <a:gdLst/>
+            <a:ahLst/>
+            <a:cxnLst/>
+            <a:rect l="l" t="t" r="r" b="b"/>
             <a:pathLst>
-              <a:path extrusionOk="0" h="120000" w="120000">
+              <a:path w="120000" h="120000" extrusionOk="0">
                 <a:moveTo>
                   <a:pt x="0" y="0"/>
                 </a:moveTo>
@@ -2693,9 +2809,11 @@
       <p:sp>
         <p:nvSpPr>
           <p:cNvPr id="158" name="Google Shape;158;g39f5bd7fc88_0_24:notes"/>
-          <p:cNvSpPr txBox="1"/>
+          <p:cNvSpPr txBox="1">
+            <a:spLocks noGrp="1"/>
+          </p:cNvSpPr>
           <p:nvPr>
-            <p:ph idx="1" type="body"/>
+            <p:ph type="body" idx="1"/>
           </p:nvPr>
         </p:nvSpPr>
         <p:spPr>
@@ -2708,12 +2826,12 @@
           </a:prstGeom>
         </p:spPr>
         <p:txBody>
-          <a:bodyPr anchorCtr="0" anchor="t" bIns="91425" lIns="91425" spcFirstLastPara="1" rIns="91425" wrap="square" tIns="91425">
+          <a:bodyPr spcFirstLastPara="1" wrap="square" lIns="91425" tIns="91425" rIns="91425" bIns="91425" anchor="t" anchorCtr="0">
             <a:noAutofit/>
           </a:bodyPr>
           <a:lstStyle/>
           <a:p>
-            <a:pPr indent="0" lvl="0" marL="0" rtl="0" algn="l">
+            <a:pPr marL="0" lvl="0" indent="0" algn="l" rtl="0">
               <a:spcBef>
                 <a:spcPts val="0"/>
               </a:spcBef>
@@ -2722,9 +2840,6 @@
               </a:spcAft>
               <a:buNone/>
             </a:pPr>
-            <a:r>
-              <a:t/>
-            </a:r>
             <a:endParaRPr/>
           </a:p>
         </p:txBody>
@@ -2738,11 +2853,11 @@
 </file>
 
 <file path=ppt/slideLayouts/slideLayout1.xml><?xml version="1.0" encoding="utf-8"?>
-<p:sldLayout xmlns:a="http://schemas.openxmlformats.org/drawingml/2006/main" xmlns:r="http://schemas.openxmlformats.org/officeDocument/2006/relationships" xmlns:mc="http://schemas.openxmlformats.org/markup-compatibility/2006" xmlns:mv="urn:schemas-microsoft-com:mac:vml" xmlns:p="http://schemas.openxmlformats.org/presentationml/2006/main" xmlns:c="http://schemas.openxmlformats.org/drawingml/2006/chart" xmlns:dgm="http://schemas.openxmlformats.org/drawingml/2006/diagram" xmlns:o="urn:schemas-microsoft-com:office:office" xmlns:v="urn:schemas-microsoft-com:vml" xmlns:pvml="urn:schemas-microsoft-com:office:powerpoint" xmlns:com="http://schemas.openxmlformats.org/drawingml/2006/compatibility" xmlns:p14="http://schemas.microsoft.com/office/powerpoint/2010/main" xmlns:p15="http://schemas.microsoft.com/office/powerpoint/2012/main" xmlns:ahyp="http://schemas.microsoft.com/office/drawing/2018/hyperlinkcolor" matchingName="Title slide" type="title">
+<p:sldLayout xmlns:a="http://schemas.openxmlformats.org/drawingml/2006/main" xmlns:r="http://schemas.openxmlformats.org/officeDocument/2006/relationships" xmlns:p="http://schemas.openxmlformats.org/presentationml/2006/main" matchingName="Title slide" type="title">
   <p:cSld name="TITLE">
     <p:spTree>
       <p:nvGrpSpPr>
-        <p:cNvPr id="9" name="Shape 9"/>
+        <p:cNvPr id="1" name="Shape 9"/>
         <p:cNvGrpSpPr/>
         <p:nvPr/>
       </p:nvGrpSpPr>
@@ -2790,12 +2905,12 @@
             </a:ln>
           </p:spPr>
           <p:txBody>
-            <a:bodyPr anchorCtr="0" anchor="ctr" bIns="91425" lIns="91425" spcFirstLastPara="1" rIns="91425" wrap="square" tIns="91425">
+            <a:bodyPr spcFirstLastPara="1" wrap="square" lIns="91425" tIns="91425" rIns="91425" bIns="91425" anchor="ctr" anchorCtr="0">
               <a:noAutofit/>
             </a:bodyPr>
             <a:lstStyle/>
             <a:p>
-              <a:pPr indent="0" lvl="0" marL="0" rtl="0" algn="l">
+              <a:pPr marL="0" lvl="0" indent="0" algn="l" rtl="0">
                 <a:spcBef>
                   <a:spcPts val="0"/>
                 </a:spcBef>
@@ -2804,9 +2919,6 @@
                 </a:spcAft>
                 <a:buNone/>
               </a:pPr>
-              <a:r>
-                <a:t/>
-              </a:r>
               <a:endParaRPr/>
             </a:p>
           </p:txBody>
@@ -2833,12 +2945,12 @@
             </a:ln>
           </p:spPr>
           <p:txBody>
-            <a:bodyPr anchorCtr="0" anchor="ctr" bIns="91425" lIns="91425" spcFirstLastPara="1" rIns="91425" wrap="square" tIns="91425">
+            <a:bodyPr spcFirstLastPara="1" wrap="square" lIns="91425" tIns="91425" rIns="91425" bIns="91425" anchor="ctr" anchorCtr="0">
               <a:noAutofit/>
             </a:bodyPr>
             <a:lstStyle/>
             <a:p>
-              <a:pPr indent="0" lvl="0" marL="0" rtl="0" algn="l">
+              <a:pPr marL="0" lvl="0" indent="0" algn="l" rtl="0">
                 <a:spcBef>
                   <a:spcPts val="0"/>
                 </a:spcBef>
@@ -2847,9 +2959,6 @@
                 </a:spcAft>
                 <a:buNone/>
               </a:pPr>
-              <a:r>
-                <a:t/>
-              </a:r>
               <a:endParaRPr/>
             </a:p>
           </p:txBody>
@@ -2861,7 +2970,7 @@
             <p:nvPr/>
           </p:nvSpPr>
           <p:spPr>
-            <a:xfrm flipH="1" rot="10800000">
+            <a:xfrm rot="10800000" flipH="1">
               <a:off x="7113588" y="107"/>
               <a:ext cx="1015200" cy="1015200"/>
             </a:xfrm>
@@ -2876,12 +2985,12 @@
             </a:ln>
           </p:spPr>
           <p:txBody>
-            <a:bodyPr anchorCtr="0" anchor="ctr" bIns="91425" lIns="91425" spcFirstLastPara="1" rIns="91425" wrap="square" tIns="91425">
+            <a:bodyPr spcFirstLastPara="1" wrap="square" lIns="91425" tIns="91425" rIns="91425" bIns="91425" anchor="ctr" anchorCtr="0">
               <a:noAutofit/>
             </a:bodyPr>
             <a:lstStyle/>
             <a:p>
-              <a:pPr indent="0" lvl="0" marL="0" rtl="0" algn="l">
+              <a:pPr marL="0" lvl="0" indent="0" algn="l" rtl="0">
                 <a:spcBef>
                   <a:spcPts val="0"/>
                 </a:spcBef>
@@ -2890,9 +2999,6 @@
                 </a:spcAft>
                 <a:buNone/>
               </a:pPr>
-              <a:r>
-                <a:t/>
-              </a:r>
               <a:endParaRPr/>
             </a:p>
           </p:txBody>
@@ -2919,12 +3025,12 @@
             </a:ln>
           </p:spPr>
           <p:txBody>
-            <a:bodyPr anchorCtr="0" anchor="ctr" bIns="91425" lIns="91425" spcFirstLastPara="1" rIns="91425" wrap="square" tIns="91425">
+            <a:bodyPr spcFirstLastPara="1" wrap="square" lIns="91425" tIns="91425" rIns="91425" bIns="91425" anchor="ctr" anchorCtr="0">
               <a:noAutofit/>
             </a:bodyPr>
             <a:lstStyle/>
             <a:p>
-              <a:pPr indent="0" lvl="0" marL="0" rtl="0" algn="l">
+              <a:pPr marL="0" lvl="0" indent="0" algn="l" rtl="0">
                 <a:spcBef>
                   <a:spcPts val="0"/>
                 </a:spcBef>
@@ -2933,9 +3039,6 @@
                 </a:spcAft>
                 <a:buNone/>
               </a:pPr>
-              <a:r>
-                <a:t/>
-              </a:r>
               <a:endParaRPr/>
             </a:p>
           </p:txBody>
@@ -2962,12 +3065,12 @@
             </a:ln>
           </p:spPr>
           <p:txBody>
-            <a:bodyPr anchorCtr="0" anchor="ctr" bIns="91425" lIns="91425" spcFirstLastPara="1" rIns="91425" wrap="square" tIns="91425">
+            <a:bodyPr spcFirstLastPara="1" wrap="square" lIns="91425" tIns="91425" rIns="91425" bIns="91425" anchor="ctr" anchorCtr="0">
               <a:noAutofit/>
             </a:bodyPr>
             <a:lstStyle/>
             <a:p>
-              <a:pPr indent="0" lvl="0" marL="0" rtl="0" algn="l">
+              <a:pPr marL="0" lvl="0" indent="0" algn="l" rtl="0">
                 <a:spcBef>
                   <a:spcPts val="0"/>
                 </a:spcBef>
@@ -2976,9 +3079,6 @@
                 </a:spcAft>
                 <a:buNone/>
               </a:pPr>
-              <a:r>
-                <a:t/>
-              </a:r>
               <a:endParaRPr/>
             </a:p>
           </p:txBody>
@@ -2987,7 +3087,9 @@
       <p:sp>
         <p:nvSpPr>
           <p:cNvPr id="16" name="Google Shape;16;p2"/>
-          <p:cNvSpPr txBox="1"/>
+          <p:cNvSpPr txBox="1">
+            <a:spLocks noGrp="1"/>
+          </p:cNvSpPr>
           <p:nvPr>
             <p:ph type="ctrTitle"/>
           </p:nvPr>
@@ -3002,7 +3104,7 @@
           </a:prstGeom>
         </p:spPr>
         <p:txBody>
-          <a:bodyPr anchorCtr="0" anchor="b" bIns="91425" lIns="91425" spcFirstLastPara="1" rIns="91425" wrap="square" tIns="91425">
+          <a:bodyPr spcFirstLastPara="1" wrap="square" lIns="91425" tIns="91425" rIns="91425" bIns="91425" anchor="b" anchorCtr="0">
             <a:normAutofit/>
           </a:bodyPr>
           <a:lstStyle>
@@ -3169,15 +3271,19 @@
               </a:defRPr>
             </a:lvl9pPr>
           </a:lstStyle>
-          <a:p/>
+          <a:p>
+            <a:endParaRPr/>
+          </a:p>
         </p:txBody>
       </p:sp>
       <p:sp>
         <p:nvSpPr>
           <p:cNvPr id="17" name="Google Shape;17;p2"/>
-          <p:cNvSpPr txBox="1"/>
+          <p:cNvSpPr txBox="1">
+            <a:spLocks noGrp="1"/>
+          </p:cNvSpPr>
           <p:nvPr>
-            <p:ph idx="1" type="subTitle"/>
+            <p:ph type="subTitle" idx="1"/>
           </p:nvPr>
         </p:nvSpPr>
         <p:spPr>
@@ -3190,7 +3296,7 @@
           </a:prstGeom>
         </p:spPr>
         <p:txBody>
-          <a:bodyPr anchorCtr="0" anchor="t" bIns="91425" lIns="91425" spcFirstLastPara="1" rIns="91425" wrap="square" tIns="91425">
+          <a:bodyPr spcFirstLastPara="1" wrap="square" lIns="91425" tIns="91425" rIns="91425" bIns="91425" anchor="t" anchorCtr="0">
             <a:normAutofit/>
           </a:bodyPr>
           <a:lstStyle>
@@ -3384,15 +3490,19 @@
               </a:defRPr>
             </a:lvl9pPr>
           </a:lstStyle>
-          <a:p/>
+          <a:p>
+            <a:endParaRPr/>
+          </a:p>
         </p:txBody>
       </p:sp>
       <p:sp>
         <p:nvSpPr>
           <p:cNvPr id="18" name="Google Shape;18;p2"/>
-          <p:cNvSpPr txBox="1"/>
+          <p:cNvSpPr txBox="1">
+            <a:spLocks noGrp="1"/>
+          </p:cNvSpPr>
           <p:nvPr>
-            <p:ph idx="12" type="sldNum"/>
+            <p:ph type="sldNum" idx="12"/>
           </p:nvPr>
         </p:nvSpPr>
         <p:spPr>
@@ -3405,7 +3515,7 @@
           </a:prstGeom>
         </p:spPr>
         <p:txBody>
-          <a:bodyPr anchorCtr="0" anchor="ctr" bIns="91425" lIns="91425" spcFirstLastPara="1" rIns="91425" wrap="square" tIns="91425">
+          <a:bodyPr spcFirstLastPara="1" wrap="square" lIns="91425" tIns="91425" rIns="91425" bIns="91425" anchor="ctr" anchorCtr="0">
             <a:normAutofit/>
           </a:bodyPr>
           <a:lstStyle>
@@ -3447,7 +3557,7 @@
             </a:lvl9pPr>
           </a:lstStyle>
           <a:p>
-            <a:pPr indent="0" lvl="0" marL="0" rtl="0" algn="r">
+            <a:pPr marL="0" lvl="0" indent="0" algn="r" rtl="0">
               <a:spcBef>
                 <a:spcPts val="0"/>
               </a:spcBef>
@@ -3473,11 +3583,11 @@
 </file>
 
 <file path=ppt/slideLayouts/slideLayout10.xml><?xml version="1.0" encoding="utf-8"?>
-<p:sldLayout xmlns:a="http://schemas.openxmlformats.org/drawingml/2006/main" xmlns:r="http://schemas.openxmlformats.org/officeDocument/2006/relationships" xmlns:mc="http://schemas.openxmlformats.org/markup-compatibility/2006" xmlns:mv="urn:schemas-microsoft-com:mac:vml" xmlns:p="http://schemas.openxmlformats.org/presentationml/2006/main" xmlns:c="http://schemas.openxmlformats.org/drawingml/2006/chart" xmlns:dgm="http://schemas.openxmlformats.org/drawingml/2006/diagram" xmlns:o="urn:schemas-microsoft-com:office:office" xmlns:v="urn:schemas-microsoft-com:vml" xmlns:pvml="urn:schemas-microsoft-com:office:powerpoint" xmlns:com="http://schemas.openxmlformats.org/drawingml/2006/compatibility" xmlns:p14="http://schemas.microsoft.com/office/powerpoint/2010/main" xmlns:p15="http://schemas.microsoft.com/office/powerpoint/2012/main" xmlns:ahyp="http://schemas.microsoft.com/office/drawing/2018/hyperlinkcolor" matchingName="Big number">
+<p:sldLayout xmlns:a="http://schemas.openxmlformats.org/drawingml/2006/main" xmlns:r="http://schemas.openxmlformats.org/officeDocument/2006/relationships" xmlns:p="http://schemas.openxmlformats.org/presentationml/2006/main" matchingName="Big number">
   <p:cSld name="BIG_NUMBER">
     <p:spTree>
       <p:nvGrpSpPr>
-        <p:cNvPr id="69" name="Shape 69"/>
+        <p:cNvPr id="1" name="Shape 69"/>
         <p:cNvGrpSpPr/>
         <p:nvPr/>
       </p:nvGrpSpPr>
@@ -3525,12 +3635,12 @@
             </a:ln>
           </p:spPr>
           <p:txBody>
-            <a:bodyPr anchorCtr="0" anchor="ctr" bIns="91425" lIns="91425" spcFirstLastPara="1" rIns="91425" wrap="square" tIns="91425">
+            <a:bodyPr spcFirstLastPara="1" wrap="square" lIns="91425" tIns="91425" rIns="91425" bIns="91425" anchor="ctr" anchorCtr="0">
               <a:noAutofit/>
             </a:bodyPr>
             <a:lstStyle/>
             <a:p>
-              <a:pPr indent="0" lvl="0" marL="0" rtl="0" algn="l">
+              <a:pPr marL="0" lvl="0" indent="0" algn="l" rtl="0">
                 <a:spcBef>
                   <a:spcPts val="0"/>
                 </a:spcBef>
@@ -3539,9 +3649,6 @@
                 </a:spcAft>
                 <a:buNone/>
               </a:pPr>
-              <a:r>
-                <a:t/>
-              </a:r>
               <a:endParaRPr/>
             </a:p>
           </p:txBody>
@@ -3568,12 +3675,12 @@
             </a:ln>
           </p:spPr>
           <p:txBody>
-            <a:bodyPr anchorCtr="0" anchor="ctr" bIns="91425" lIns="91425" spcFirstLastPara="1" rIns="91425" wrap="square" tIns="91425">
+            <a:bodyPr spcFirstLastPara="1" wrap="square" lIns="91425" tIns="91425" rIns="91425" bIns="91425" anchor="ctr" anchorCtr="0">
               <a:noAutofit/>
             </a:bodyPr>
             <a:lstStyle/>
             <a:p>
-              <a:pPr indent="0" lvl="0" marL="0" rtl="0" algn="l">
+              <a:pPr marL="0" lvl="0" indent="0" algn="l" rtl="0">
                 <a:spcBef>
                   <a:spcPts val="0"/>
                 </a:spcBef>
@@ -3582,9 +3689,6 @@
                 </a:spcAft>
                 <a:buNone/>
               </a:pPr>
-              <a:r>
-                <a:t/>
-              </a:r>
               <a:endParaRPr/>
             </a:p>
           </p:txBody>
@@ -3596,7 +3700,7 @@
             <p:nvPr/>
           </p:nvSpPr>
           <p:spPr>
-            <a:xfrm flipH="1" rot="10800000">
+            <a:xfrm rot="10800000" flipH="1">
               <a:off x="7113588" y="107"/>
               <a:ext cx="1015200" cy="1015200"/>
             </a:xfrm>
@@ -3611,12 +3715,12 @@
             </a:ln>
           </p:spPr>
           <p:txBody>
-            <a:bodyPr anchorCtr="0" anchor="ctr" bIns="91425" lIns="91425" spcFirstLastPara="1" rIns="91425" wrap="square" tIns="91425">
+            <a:bodyPr spcFirstLastPara="1" wrap="square" lIns="91425" tIns="91425" rIns="91425" bIns="91425" anchor="ctr" anchorCtr="0">
               <a:noAutofit/>
             </a:bodyPr>
             <a:lstStyle/>
             <a:p>
-              <a:pPr indent="0" lvl="0" marL="0" rtl="0" algn="l">
+              <a:pPr marL="0" lvl="0" indent="0" algn="l" rtl="0">
                 <a:spcBef>
                   <a:spcPts val="0"/>
                 </a:spcBef>
@@ -3625,9 +3729,6 @@
                 </a:spcAft>
                 <a:buNone/>
               </a:pPr>
-              <a:r>
-                <a:t/>
-              </a:r>
               <a:endParaRPr/>
             </a:p>
           </p:txBody>
@@ -3654,12 +3755,12 @@
             </a:ln>
           </p:spPr>
           <p:txBody>
-            <a:bodyPr anchorCtr="0" anchor="ctr" bIns="91425" lIns="91425" spcFirstLastPara="1" rIns="91425" wrap="square" tIns="91425">
+            <a:bodyPr spcFirstLastPara="1" wrap="square" lIns="91425" tIns="91425" rIns="91425" bIns="91425" anchor="ctr" anchorCtr="0">
               <a:noAutofit/>
             </a:bodyPr>
             <a:lstStyle/>
             <a:p>
-              <a:pPr indent="0" lvl="0" marL="0" rtl="0" algn="l">
+              <a:pPr marL="0" lvl="0" indent="0" algn="l" rtl="0">
                 <a:spcBef>
                   <a:spcPts val="0"/>
                 </a:spcBef>
@@ -3668,9 +3769,6 @@
                 </a:spcAft>
                 <a:buNone/>
               </a:pPr>
-              <a:r>
-                <a:t/>
-              </a:r>
               <a:endParaRPr/>
             </a:p>
           </p:txBody>
@@ -3697,12 +3795,12 @@
             </a:ln>
           </p:spPr>
           <p:txBody>
-            <a:bodyPr anchorCtr="0" anchor="ctr" bIns="91425" lIns="91425" spcFirstLastPara="1" rIns="91425" wrap="square" tIns="91425">
+            <a:bodyPr spcFirstLastPara="1" wrap="square" lIns="91425" tIns="91425" rIns="91425" bIns="91425" anchor="ctr" anchorCtr="0">
               <a:noAutofit/>
             </a:bodyPr>
             <a:lstStyle/>
             <a:p>
-              <a:pPr indent="0" lvl="0" marL="0" rtl="0" algn="l">
+              <a:pPr marL="0" lvl="0" indent="0" algn="l" rtl="0">
                 <a:spcBef>
                   <a:spcPts val="0"/>
                 </a:spcBef>
@@ -3711,9 +3809,6 @@
                 </a:spcAft>
                 <a:buNone/>
               </a:pPr>
-              <a:r>
-                <a:t/>
-              </a:r>
               <a:endParaRPr/>
             </a:p>
           </p:txBody>
@@ -3722,9 +3817,11 @@
       <p:sp>
         <p:nvSpPr>
           <p:cNvPr id="76" name="Google Shape;76;p11"/>
-          <p:cNvSpPr txBox="1"/>
+          <p:cNvSpPr txBox="1">
+            <a:spLocks noGrp="1"/>
+          </p:cNvSpPr>
           <p:nvPr>
-            <p:ph hasCustomPrompt="1" type="title"/>
+            <p:ph type="title" hasCustomPrompt="1"/>
           </p:nvPr>
         </p:nvSpPr>
         <p:spPr>
@@ -3737,7 +3834,7 @@
           </a:prstGeom>
         </p:spPr>
         <p:txBody>
-          <a:bodyPr anchorCtr="0" anchor="b" bIns="91425" lIns="91425" spcFirstLastPara="1" rIns="91425" wrap="square" tIns="91425">
+          <a:bodyPr spcFirstLastPara="1" wrap="square" lIns="91425" tIns="91425" rIns="91425" bIns="91425" anchor="b" anchorCtr="0">
             <a:normAutofit/>
           </a:bodyPr>
           <a:lstStyle>
@@ -3914,9 +4011,11 @@
       <p:sp>
         <p:nvSpPr>
           <p:cNvPr id="77" name="Google Shape;77;p11"/>
-          <p:cNvSpPr txBox="1"/>
+          <p:cNvSpPr txBox="1">
+            <a:spLocks noGrp="1"/>
+          </p:cNvSpPr>
           <p:nvPr>
-            <p:ph idx="1" type="body"/>
+            <p:ph type="body" idx="1"/>
           </p:nvPr>
         </p:nvSpPr>
         <p:spPr>
@@ -3929,11 +4028,11 @@
           </a:prstGeom>
         </p:spPr>
         <p:txBody>
-          <a:bodyPr anchorCtr="0" anchor="t" bIns="91425" lIns="91425" spcFirstLastPara="1" rIns="91425" wrap="square" tIns="91425">
+          <a:bodyPr spcFirstLastPara="1" wrap="square" lIns="91425" tIns="91425" rIns="91425" bIns="91425" anchor="t" anchorCtr="0">
             <a:normAutofit/>
           </a:bodyPr>
           <a:lstStyle>
-            <a:lvl1pPr indent="-342900" lvl="0" marL="457200" algn="ctr">
+            <a:lvl1pPr marL="457200" lvl="0" indent="-342900" algn="ctr">
               <a:spcBef>
                 <a:spcPts val="0"/>
               </a:spcBef>
@@ -3951,7 +4050,7 @@
                 </a:solidFill>
               </a:defRPr>
             </a:lvl1pPr>
-            <a:lvl2pPr indent="-317500" lvl="1" marL="914400" algn="ctr">
+            <a:lvl2pPr marL="914400" lvl="1" indent="-317500" algn="ctr">
               <a:spcBef>
                 <a:spcPts val="0"/>
               </a:spcBef>
@@ -3969,7 +4068,7 @@
                 </a:solidFill>
               </a:defRPr>
             </a:lvl2pPr>
-            <a:lvl3pPr indent="-317500" lvl="2" marL="1371600" algn="ctr">
+            <a:lvl3pPr marL="1371600" lvl="2" indent="-317500" algn="ctr">
               <a:spcBef>
                 <a:spcPts val="0"/>
               </a:spcBef>
@@ -3987,7 +4086,7 @@
                 </a:solidFill>
               </a:defRPr>
             </a:lvl3pPr>
-            <a:lvl4pPr indent="-317500" lvl="3" marL="1828800" algn="ctr">
+            <a:lvl4pPr marL="1828800" lvl="3" indent="-317500" algn="ctr">
               <a:spcBef>
                 <a:spcPts val="0"/>
               </a:spcBef>
@@ -4005,7 +4104,7 @@
                 </a:solidFill>
               </a:defRPr>
             </a:lvl4pPr>
-            <a:lvl5pPr indent="-317500" lvl="4" marL="2286000" algn="ctr">
+            <a:lvl5pPr marL="2286000" lvl="4" indent="-317500" algn="ctr">
               <a:spcBef>
                 <a:spcPts val="0"/>
               </a:spcBef>
@@ -4023,7 +4122,7 @@
                 </a:solidFill>
               </a:defRPr>
             </a:lvl5pPr>
-            <a:lvl6pPr indent="-317500" lvl="5" marL="2743200" algn="ctr">
+            <a:lvl6pPr marL="2743200" lvl="5" indent="-317500" algn="ctr">
               <a:spcBef>
                 <a:spcPts val="0"/>
               </a:spcBef>
@@ -4041,7 +4140,7 @@
                 </a:solidFill>
               </a:defRPr>
             </a:lvl6pPr>
-            <a:lvl7pPr indent="-317500" lvl="6" marL="3200400" algn="ctr">
+            <a:lvl7pPr marL="3200400" lvl="6" indent="-317500" algn="ctr">
               <a:spcBef>
                 <a:spcPts val="0"/>
               </a:spcBef>
@@ -4059,7 +4158,7 @@
                 </a:solidFill>
               </a:defRPr>
             </a:lvl7pPr>
-            <a:lvl8pPr indent="-317500" lvl="7" marL="3657600" algn="ctr">
+            <a:lvl8pPr marL="3657600" lvl="7" indent="-317500" algn="ctr">
               <a:spcBef>
                 <a:spcPts val="0"/>
               </a:spcBef>
@@ -4077,7 +4176,7 @@
                 </a:solidFill>
               </a:defRPr>
             </a:lvl8pPr>
-            <a:lvl9pPr indent="-317500" lvl="8" marL="4114800" algn="ctr">
+            <a:lvl9pPr marL="4114800" lvl="8" indent="-317500" algn="ctr">
               <a:spcBef>
                 <a:spcPts val="0"/>
               </a:spcBef>
@@ -4096,15 +4195,19 @@
               </a:defRPr>
             </a:lvl9pPr>
           </a:lstStyle>
-          <a:p/>
+          <a:p>
+            <a:endParaRPr/>
+          </a:p>
         </p:txBody>
       </p:sp>
       <p:sp>
         <p:nvSpPr>
           <p:cNvPr id="78" name="Google Shape;78;p11"/>
-          <p:cNvSpPr txBox="1"/>
+          <p:cNvSpPr txBox="1">
+            <a:spLocks noGrp="1"/>
+          </p:cNvSpPr>
           <p:nvPr>
-            <p:ph idx="12" type="sldNum"/>
+            <p:ph type="sldNum" idx="12"/>
           </p:nvPr>
         </p:nvSpPr>
         <p:spPr>
@@ -4117,7 +4220,7 @@
           </a:prstGeom>
         </p:spPr>
         <p:txBody>
-          <a:bodyPr anchorCtr="0" anchor="ctr" bIns="91425" lIns="91425" spcFirstLastPara="1" rIns="91425" wrap="square" tIns="91425">
+          <a:bodyPr spcFirstLastPara="1" wrap="square" lIns="91425" tIns="91425" rIns="91425" bIns="91425" anchor="ctr" anchorCtr="0">
             <a:normAutofit/>
           </a:bodyPr>
           <a:lstStyle>
@@ -4159,7 +4262,7 @@
             </a:lvl9pPr>
           </a:lstStyle>
           <a:p>
-            <a:pPr indent="0" lvl="0" marL="0" rtl="0" algn="r">
+            <a:pPr marL="0" lvl="0" indent="0" algn="r" rtl="0">
               <a:spcBef>
                 <a:spcPts val="0"/>
               </a:spcBef>
@@ -4185,11 +4288,11 @@
 </file>
 
 <file path=ppt/slideLayouts/slideLayout11.xml><?xml version="1.0" encoding="utf-8"?>
-<p:sldLayout xmlns:a="http://schemas.openxmlformats.org/drawingml/2006/main" xmlns:r="http://schemas.openxmlformats.org/officeDocument/2006/relationships" xmlns:mc="http://schemas.openxmlformats.org/markup-compatibility/2006" xmlns:mv="urn:schemas-microsoft-com:mac:vml" xmlns:p="http://schemas.openxmlformats.org/presentationml/2006/main" xmlns:c="http://schemas.openxmlformats.org/drawingml/2006/chart" xmlns:dgm="http://schemas.openxmlformats.org/drawingml/2006/diagram" xmlns:o="urn:schemas-microsoft-com:office:office" xmlns:v="urn:schemas-microsoft-com:vml" xmlns:pvml="urn:schemas-microsoft-com:office:powerpoint" xmlns:com="http://schemas.openxmlformats.org/drawingml/2006/compatibility" xmlns:p14="http://schemas.microsoft.com/office/powerpoint/2010/main" xmlns:p15="http://schemas.microsoft.com/office/powerpoint/2012/main" xmlns:ahyp="http://schemas.microsoft.com/office/drawing/2018/hyperlinkcolor" matchingName="Blank" type="blank">
+<p:sldLayout xmlns:a="http://schemas.openxmlformats.org/drawingml/2006/main" xmlns:r="http://schemas.openxmlformats.org/officeDocument/2006/relationships" xmlns:p="http://schemas.openxmlformats.org/presentationml/2006/main" matchingName="Blank" type="blank">
   <p:cSld name="BLANK">
     <p:spTree>
       <p:nvGrpSpPr>
-        <p:cNvPr id="79" name="Shape 79"/>
+        <p:cNvPr id="1" name="Shape 79"/>
         <p:cNvGrpSpPr/>
         <p:nvPr/>
       </p:nvGrpSpPr>
@@ -4204,9 +4307,11 @@
       <p:sp>
         <p:nvSpPr>
           <p:cNvPr id="80" name="Google Shape;80;p12"/>
-          <p:cNvSpPr txBox="1"/>
+          <p:cNvSpPr txBox="1">
+            <a:spLocks noGrp="1"/>
+          </p:cNvSpPr>
           <p:nvPr>
-            <p:ph idx="12" type="sldNum"/>
+            <p:ph type="sldNum" idx="12"/>
           </p:nvPr>
         </p:nvSpPr>
         <p:spPr>
@@ -4219,7 +4324,7 @@
           </a:prstGeom>
         </p:spPr>
         <p:txBody>
-          <a:bodyPr anchorCtr="0" anchor="ctr" bIns="91425" lIns="91425" spcFirstLastPara="1" rIns="91425" wrap="square" tIns="91425">
+          <a:bodyPr spcFirstLastPara="1" wrap="square" lIns="91425" tIns="91425" rIns="91425" bIns="91425" anchor="ctr" anchorCtr="0">
             <a:normAutofit/>
           </a:bodyPr>
           <a:lstStyle>
@@ -4297,7 +4402,7 @@
             </a:lvl9pPr>
           </a:lstStyle>
           <a:p>
-            <a:pPr indent="0" lvl="0" marL="0" rtl="0" algn="r">
+            <a:pPr marL="0" lvl="0" indent="0" algn="r" rtl="0">
               <a:spcBef>
                 <a:spcPts val="0"/>
               </a:spcBef>
@@ -4323,11 +4428,11 @@
 </file>
 
 <file path=ppt/slideLayouts/slideLayout2.xml><?xml version="1.0" encoding="utf-8"?>
-<p:sldLayout xmlns:a="http://schemas.openxmlformats.org/drawingml/2006/main" xmlns:r="http://schemas.openxmlformats.org/officeDocument/2006/relationships" xmlns:mc="http://schemas.openxmlformats.org/markup-compatibility/2006" xmlns:mv="urn:schemas-microsoft-com:mac:vml" xmlns:p="http://schemas.openxmlformats.org/presentationml/2006/main" xmlns:c="http://schemas.openxmlformats.org/drawingml/2006/chart" xmlns:dgm="http://schemas.openxmlformats.org/drawingml/2006/diagram" xmlns:o="urn:schemas-microsoft-com:office:office" xmlns:v="urn:schemas-microsoft-com:vml" xmlns:pvml="urn:schemas-microsoft-com:office:powerpoint" xmlns:com="http://schemas.openxmlformats.org/drawingml/2006/compatibility" xmlns:p14="http://schemas.microsoft.com/office/powerpoint/2010/main" xmlns:p15="http://schemas.microsoft.com/office/powerpoint/2012/main" xmlns:ahyp="http://schemas.microsoft.com/office/drawing/2018/hyperlinkcolor" matchingName="Section header" type="secHead">
+<p:sldLayout xmlns:a="http://schemas.openxmlformats.org/drawingml/2006/main" xmlns:r="http://schemas.openxmlformats.org/officeDocument/2006/relationships" xmlns:p="http://schemas.openxmlformats.org/presentationml/2006/main" matchingName="Section header" type="secHead">
   <p:cSld name="SECTION_HEADER">
     <p:spTree>
       <p:nvGrpSpPr>
-        <p:cNvPr id="19" name="Shape 19"/>
+        <p:cNvPr id="1" name="Shape 19"/>
         <p:cNvGrpSpPr/>
         <p:nvPr/>
       </p:nvGrpSpPr>
@@ -4375,12 +4480,12 @@
             </a:ln>
           </p:spPr>
           <p:txBody>
-            <a:bodyPr anchorCtr="0" anchor="ctr" bIns="91425" lIns="91425" spcFirstLastPara="1" rIns="91425" wrap="square" tIns="91425">
+            <a:bodyPr spcFirstLastPara="1" wrap="square" lIns="91425" tIns="91425" rIns="91425" bIns="91425" anchor="ctr" anchorCtr="0">
               <a:noAutofit/>
             </a:bodyPr>
             <a:lstStyle/>
             <a:p>
-              <a:pPr indent="0" lvl="0" marL="0" rtl="0" algn="l">
+              <a:pPr marL="0" lvl="0" indent="0" algn="l" rtl="0">
                 <a:spcBef>
                   <a:spcPts val="0"/>
                 </a:spcBef>
@@ -4389,9 +4494,6 @@
                 </a:spcAft>
                 <a:buNone/>
               </a:pPr>
-              <a:r>
-                <a:t/>
-              </a:r>
               <a:endParaRPr/>
             </a:p>
           </p:txBody>
@@ -4418,12 +4520,12 @@
             </a:ln>
           </p:spPr>
           <p:txBody>
-            <a:bodyPr anchorCtr="0" anchor="ctr" bIns="91425" lIns="91425" spcFirstLastPara="1" rIns="91425" wrap="square" tIns="91425">
+            <a:bodyPr spcFirstLastPara="1" wrap="square" lIns="91425" tIns="91425" rIns="91425" bIns="91425" anchor="ctr" anchorCtr="0">
               <a:noAutofit/>
             </a:bodyPr>
             <a:lstStyle/>
             <a:p>
-              <a:pPr indent="0" lvl="0" marL="0" rtl="0" algn="l">
+              <a:pPr marL="0" lvl="0" indent="0" algn="l" rtl="0">
                 <a:spcBef>
                   <a:spcPts val="0"/>
                 </a:spcBef>
@@ -4432,9 +4534,6 @@
                 </a:spcAft>
                 <a:buNone/>
               </a:pPr>
-              <a:r>
-                <a:t/>
-              </a:r>
               <a:endParaRPr/>
             </a:p>
           </p:txBody>
@@ -4446,7 +4545,7 @@
             <p:nvPr/>
           </p:nvSpPr>
           <p:spPr>
-            <a:xfrm flipH="1" rot="10800000">
+            <a:xfrm rot="10800000" flipH="1">
               <a:off x="7113588" y="107"/>
               <a:ext cx="1015200" cy="1015200"/>
             </a:xfrm>
@@ -4461,12 +4560,12 @@
             </a:ln>
           </p:spPr>
           <p:txBody>
-            <a:bodyPr anchorCtr="0" anchor="ctr" bIns="91425" lIns="91425" spcFirstLastPara="1" rIns="91425" wrap="square" tIns="91425">
+            <a:bodyPr spcFirstLastPara="1" wrap="square" lIns="91425" tIns="91425" rIns="91425" bIns="91425" anchor="ctr" anchorCtr="0">
               <a:noAutofit/>
             </a:bodyPr>
             <a:lstStyle/>
             <a:p>
-              <a:pPr indent="0" lvl="0" marL="0" rtl="0" algn="l">
+              <a:pPr marL="0" lvl="0" indent="0" algn="l" rtl="0">
                 <a:spcBef>
                   <a:spcPts val="0"/>
                 </a:spcBef>
@@ -4475,9 +4574,6 @@
                 </a:spcAft>
                 <a:buNone/>
               </a:pPr>
-              <a:r>
-                <a:t/>
-              </a:r>
               <a:endParaRPr/>
             </a:p>
           </p:txBody>
@@ -4504,12 +4600,12 @@
             </a:ln>
           </p:spPr>
           <p:txBody>
-            <a:bodyPr anchorCtr="0" anchor="ctr" bIns="91425" lIns="91425" spcFirstLastPara="1" rIns="91425" wrap="square" tIns="91425">
+            <a:bodyPr spcFirstLastPara="1" wrap="square" lIns="91425" tIns="91425" rIns="91425" bIns="91425" anchor="ctr" anchorCtr="0">
               <a:noAutofit/>
             </a:bodyPr>
             <a:lstStyle/>
             <a:p>
-              <a:pPr indent="0" lvl="0" marL="0" rtl="0" algn="l">
+              <a:pPr marL="0" lvl="0" indent="0" algn="l" rtl="0">
                 <a:spcBef>
                   <a:spcPts val="0"/>
                 </a:spcBef>
@@ -4518,9 +4614,6 @@
                 </a:spcAft>
                 <a:buNone/>
               </a:pPr>
-              <a:r>
-                <a:t/>
-              </a:r>
               <a:endParaRPr/>
             </a:p>
           </p:txBody>
@@ -4547,12 +4640,12 @@
             </a:ln>
           </p:spPr>
           <p:txBody>
-            <a:bodyPr anchorCtr="0" anchor="ctr" bIns="91425" lIns="91425" spcFirstLastPara="1" rIns="91425" wrap="square" tIns="91425">
+            <a:bodyPr spcFirstLastPara="1" wrap="square" lIns="91425" tIns="91425" rIns="91425" bIns="91425" anchor="ctr" anchorCtr="0">
               <a:noAutofit/>
             </a:bodyPr>
             <a:lstStyle/>
             <a:p>
-              <a:pPr indent="0" lvl="0" marL="0" rtl="0" algn="l">
+              <a:pPr marL="0" lvl="0" indent="0" algn="l" rtl="0">
                 <a:spcBef>
                   <a:spcPts val="0"/>
                 </a:spcBef>
@@ -4561,9 +4654,6 @@
                 </a:spcAft>
                 <a:buNone/>
               </a:pPr>
-              <a:r>
-                <a:t/>
-              </a:r>
               <a:endParaRPr/>
             </a:p>
           </p:txBody>
@@ -4572,7 +4662,9 @@
       <p:sp>
         <p:nvSpPr>
           <p:cNvPr id="26" name="Google Shape;26;p3"/>
-          <p:cNvSpPr txBox="1"/>
+          <p:cNvSpPr txBox="1">
+            <a:spLocks noGrp="1"/>
+          </p:cNvSpPr>
           <p:nvPr>
             <p:ph type="title"/>
           </p:nvPr>
@@ -4587,7 +4679,7 @@
           </a:prstGeom>
         </p:spPr>
         <p:txBody>
-          <a:bodyPr anchorCtr="0" anchor="ctr" bIns="91425" lIns="91425" spcFirstLastPara="1" rIns="91425" wrap="square" tIns="91425">
+          <a:bodyPr spcFirstLastPara="1" wrap="square" lIns="91425" tIns="91425" rIns="91425" bIns="91425" anchor="ctr" anchorCtr="0">
             <a:normAutofit/>
           </a:bodyPr>
           <a:lstStyle>
@@ -4754,15 +4846,19 @@
               </a:defRPr>
             </a:lvl9pPr>
           </a:lstStyle>
-          <a:p/>
+          <a:p>
+            <a:endParaRPr/>
+          </a:p>
         </p:txBody>
       </p:sp>
       <p:sp>
         <p:nvSpPr>
           <p:cNvPr id="27" name="Google Shape;27;p3"/>
-          <p:cNvSpPr txBox="1"/>
+          <p:cNvSpPr txBox="1">
+            <a:spLocks noGrp="1"/>
+          </p:cNvSpPr>
           <p:nvPr>
-            <p:ph idx="12" type="sldNum"/>
+            <p:ph type="sldNum" idx="12"/>
           </p:nvPr>
         </p:nvSpPr>
         <p:spPr>
@@ -4775,7 +4871,7 @@
           </a:prstGeom>
         </p:spPr>
         <p:txBody>
-          <a:bodyPr anchorCtr="0" anchor="ctr" bIns="91425" lIns="91425" spcFirstLastPara="1" rIns="91425" wrap="square" tIns="91425">
+          <a:bodyPr spcFirstLastPara="1" wrap="square" lIns="91425" tIns="91425" rIns="91425" bIns="91425" anchor="ctr" anchorCtr="0">
             <a:normAutofit/>
           </a:bodyPr>
           <a:lstStyle>
@@ -4817,7 +4913,7 @@
             </a:lvl9pPr>
           </a:lstStyle>
           <a:p>
-            <a:pPr indent="0" lvl="0" marL="0" rtl="0" algn="r">
+            <a:pPr marL="0" lvl="0" indent="0" algn="r" rtl="0">
               <a:spcBef>
                 <a:spcPts val="0"/>
               </a:spcBef>
@@ -4843,11 +4939,11 @@
 </file>
 
 <file path=ppt/slideLayouts/slideLayout3.xml><?xml version="1.0" encoding="utf-8"?>
-<p:sldLayout xmlns:a="http://schemas.openxmlformats.org/drawingml/2006/main" xmlns:r="http://schemas.openxmlformats.org/officeDocument/2006/relationships" xmlns:mc="http://schemas.openxmlformats.org/markup-compatibility/2006" xmlns:mv="urn:schemas-microsoft-com:mac:vml" xmlns:p="http://schemas.openxmlformats.org/presentationml/2006/main" xmlns:c="http://schemas.openxmlformats.org/drawingml/2006/chart" xmlns:dgm="http://schemas.openxmlformats.org/drawingml/2006/diagram" xmlns:o="urn:schemas-microsoft-com:office:office" xmlns:v="urn:schemas-microsoft-com:vml" xmlns:pvml="urn:schemas-microsoft-com:office:powerpoint" xmlns:com="http://schemas.openxmlformats.org/drawingml/2006/compatibility" xmlns:p14="http://schemas.microsoft.com/office/powerpoint/2010/main" xmlns:p15="http://schemas.microsoft.com/office/powerpoint/2012/main" xmlns:ahyp="http://schemas.microsoft.com/office/drawing/2018/hyperlinkcolor" matchingName="Title and body" type="tx">
+<p:sldLayout xmlns:a="http://schemas.openxmlformats.org/drawingml/2006/main" xmlns:r="http://schemas.openxmlformats.org/officeDocument/2006/relationships" xmlns:p="http://schemas.openxmlformats.org/presentationml/2006/main" matchingName="Title and body" type="tx">
   <p:cSld name="TITLE_AND_BODY">
     <p:spTree>
       <p:nvGrpSpPr>
-        <p:cNvPr id="28" name="Shape 28"/>
+        <p:cNvPr id="1" name="Shape 28"/>
         <p:cNvGrpSpPr/>
         <p:nvPr/>
       </p:nvGrpSpPr>
@@ -4895,12 +4991,12 @@
             </a:ln>
           </p:spPr>
           <p:txBody>
-            <a:bodyPr anchorCtr="0" anchor="ctr" bIns="91425" lIns="91425" spcFirstLastPara="1" rIns="91425" wrap="square" tIns="91425">
+            <a:bodyPr spcFirstLastPara="1" wrap="square" lIns="91425" tIns="91425" rIns="91425" bIns="91425" anchor="ctr" anchorCtr="0">
               <a:noAutofit/>
             </a:bodyPr>
             <a:lstStyle/>
             <a:p>
-              <a:pPr indent="0" lvl="0" marL="0" rtl="0" algn="l">
+              <a:pPr marL="0" lvl="0" indent="0" algn="l" rtl="0">
                 <a:spcBef>
                   <a:spcPts val="0"/>
                 </a:spcBef>
@@ -4909,9 +5005,6 @@
                 </a:spcAft>
                 <a:buNone/>
               </a:pPr>
-              <a:r>
-                <a:t/>
-              </a:r>
               <a:endParaRPr/>
             </a:p>
           </p:txBody>
@@ -4938,12 +5031,12 @@
             </a:ln>
           </p:spPr>
           <p:txBody>
-            <a:bodyPr anchorCtr="0" anchor="ctr" bIns="91425" lIns="91425" spcFirstLastPara="1" rIns="91425" wrap="square" tIns="91425">
+            <a:bodyPr spcFirstLastPara="1" wrap="square" lIns="91425" tIns="91425" rIns="91425" bIns="91425" anchor="ctr" anchorCtr="0">
               <a:noAutofit/>
             </a:bodyPr>
             <a:lstStyle/>
             <a:p>
-              <a:pPr indent="0" lvl="0" marL="0" rtl="0" algn="l">
+              <a:pPr marL="0" lvl="0" indent="0" algn="l" rtl="0">
                 <a:spcBef>
                   <a:spcPts val="0"/>
                 </a:spcBef>
@@ -4952,9 +5045,6 @@
                 </a:spcAft>
                 <a:buNone/>
               </a:pPr>
-              <a:r>
-                <a:t/>
-              </a:r>
               <a:endParaRPr/>
             </a:p>
           </p:txBody>
@@ -4981,12 +5071,12 @@
             </a:ln>
           </p:spPr>
           <p:txBody>
-            <a:bodyPr anchorCtr="0" anchor="ctr" bIns="91425" lIns="91425" spcFirstLastPara="1" rIns="91425" wrap="square" tIns="91425">
+            <a:bodyPr spcFirstLastPara="1" wrap="square" lIns="91425" tIns="91425" rIns="91425" bIns="91425" anchor="ctr" anchorCtr="0">
               <a:noAutofit/>
             </a:bodyPr>
             <a:lstStyle/>
             <a:p>
-              <a:pPr indent="0" lvl="0" marL="0" rtl="0" algn="l">
+              <a:pPr marL="0" lvl="0" indent="0" algn="l" rtl="0">
                 <a:spcBef>
                   <a:spcPts val="0"/>
                 </a:spcBef>
@@ -4995,9 +5085,6 @@
                 </a:spcAft>
                 <a:buNone/>
               </a:pPr>
-              <a:r>
-                <a:t/>
-              </a:r>
               <a:endParaRPr/>
             </a:p>
           </p:txBody>
@@ -5024,12 +5111,12 @@
             </a:ln>
           </p:spPr>
           <p:txBody>
-            <a:bodyPr anchorCtr="0" anchor="ctr" bIns="91425" lIns="91425" spcFirstLastPara="1" rIns="91425" wrap="square" tIns="91425">
+            <a:bodyPr spcFirstLastPara="1" wrap="square" lIns="91425" tIns="91425" rIns="91425" bIns="91425" anchor="ctr" anchorCtr="0">
               <a:noAutofit/>
             </a:bodyPr>
             <a:lstStyle/>
             <a:p>
-              <a:pPr indent="0" lvl="0" marL="0" rtl="0" algn="l">
+              <a:pPr marL="0" lvl="0" indent="0" algn="l" rtl="0">
                 <a:spcBef>
                   <a:spcPts val="0"/>
                 </a:spcBef>
@@ -5038,9 +5125,6 @@
                 </a:spcAft>
                 <a:buNone/>
               </a:pPr>
-              <a:r>
-                <a:t/>
-              </a:r>
               <a:endParaRPr/>
             </a:p>
           </p:txBody>
@@ -5067,12 +5151,12 @@
             </a:ln>
           </p:spPr>
           <p:txBody>
-            <a:bodyPr anchorCtr="0" anchor="ctr" bIns="91425" lIns="91425" spcFirstLastPara="1" rIns="91425" wrap="square" tIns="91425">
+            <a:bodyPr spcFirstLastPara="1" wrap="square" lIns="91425" tIns="91425" rIns="91425" bIns="91425" anchor="ctr" anchorCtr="0">
               <a:noAutofit/>
             </a:bodyPr>
             <a:lstStyle/>
             <a:p>
-              <a:pPr indent="0" lvl="0" marL="0" rtl="0" algn="l">
+              <a:pPr marL="0" lvl="0" indent="0" algn="l" rtl="0">
                 <a:spcBef>
                   <a:spcPts val="0"/>
                 </a:spcBef>
@@ -5081,9 +5165,6 @@
                 </a:spcAft>
                 <a:buNone/>
               </a:pPr>
-              <a:r>
-                <a:t/>
-              </a:r>
               <a:endParaRPr/>
             </a:p>
           </p:txBody>
@@ -5092,7 +5173,9 @@
       <p:sp>
         <p:nvSpPr>
           <p:cNvPr id="35" name="Google Shape;35;p4"/>
-          <p:cNvSpPr txBox="1"/>
+          <p:cNvSpPr txBox="1">
+            <a:spLocks noGrp="1"/>
+          </p:cNvSpPr>
           <p:nvPr>
             <p:ph type="title"/>
           </p:nvPr>
@@ -5107,7 +5190,7 @@
           </a:prstGeom>
         </p:spPr>
         <p:txBody>
-          <a:bodyPr anchorCtr="0" anchor="t" bIns="91425" lIns="91425" spcFirstLastPara="1" rIns="91425" wrap="square" tIns="91425">
+          <a:bodyPr spcFirstLastPara="1" wrap="square" lIns="91425" tIns="91425" rIns="91425" bIns="91425" anchor="t" anchorCtr="0">
             <a:normAutofit/>
           </a:bodyPr>
           <a:lstStyle>
@@ -5211,15 +5294,19 @@
               <a:defRPr/>
             </a:lvl9pPr>
           </a:lstStyle>
-          <a:p/>
+          <a:p>
+            <a:endParaRPr/>
+          </a:p>
         </p:txBody>
       </p:sp>
       <p:sp>
         <p:nvSpPr>
           <p:cNvPr id="36" name="Google Shape;36;p4"/>
-          <p:cNvSpPr txBox="1"/>
+          <p:cNvSpPr txBox="1">
+            <a:spLocks noGrp="1"/>
+          </p:cNvSpPr>
           <p:nvPr>
-            <p:ph idx="1" type="body"/>
+            <p:ph type="body" idx="1"/>
           </p:nvPr>
         </p:nvSpPr>
         <p:spPr>
@@ -5232,11 +5319,11 @@
           </a:prstGeom>
         </p:spPr>
         <p:txBody>
-          <a:bodyPr anchorCtr="0" anchor="t" bIns="91425" lIns="91425" spcFirstLastPara="1" rIns="91425" wrap="square" tIns="91425">
+          <a:bodyPr spcFirstLastPara="1" wrap="square" lIns="91425" tIns="91425" rIns="91425" bIns="91425" anchor="t" anchorCtr="0">
             <a:normAutofit/>
           </a:bodyPr>
           <a:lstStyle>
-            <a:lvl1pPr indent="-342900" lvl="0" marL="457200">
+            <a:lvl1pPr marL="457200" lvl="0" indent="-342900">
               <a:spcBef>
                 <a:spcPts val="0"/>
               </a:spcBef>
@@ -5247,7 +5334,7 @@
               <a:buChar char="●"/>
               <a:defRPr/>
             </a:lvl1pPr>
-            <a:lvl2pPr indent="-317500" lvl="1" marL="914400">
+            <a:lvl2pPr marL="914400" lvl="1" indent="-317500">
               <a:spcBef>
                 <a:spcPts val="0"/>
               </a:spcBef>
@@ -5258,7 +5345,7 @@
               <a:buChar char="○"/>
               <a:defRPr/>
             </a:lvl2pPr>
-            <a:lvl3pPr indent="-317500" lvl="2" marL="1371600">
+            <a:lvl3pPr marL="1371600" lvl="2" indent="-317500">
               <a:spcBef>
                 <a:spcPts val="0"/>
               </a:spcBef>
@@ -5269,7 +5356,7 @@
               <a:buChar char="■"/>
               <a:defRPr/>
             </a:lvl3pPr>
-            <a:lvl4pPr indent="-317500" lvl="3" marL="1828800">
+            <a:lvl4pPr marL="1828800" lvl="3" indent="-317500">
               <a:spcBef>
                 <a:spcPts val="0"/>
               </a:spcBef>
@@ -5280,7 +5367,7 @@
               <a:buChar char="●"/>
               <a:defRPr/>
             </a:lvl4pPr>
-            <a:lvl5pPr indent="-317500" lvl="4" marL="2286000">
+            <a:lvl5pPr marL="2286000" lvl="4" indent="-317500">
               <a:spcBef>
                 <a:spcPts val="0"/>
               </a:spcBef>
@@ -5291,7 +5378,7 @@
               <a:buChar char="○"/>
               <a:defRPr/>
             </a:lvl5pPr>
-            <a:lvl6pPr indent="-317500" lvl="5" marL="2743200">
+            <a:lvl6pPr marL="2743200" lvl="5" indent="-317500">
               <a:spcBef>
                 <a:spcPts val="0"/>
               </a:spcBef>
@@ -5302,7 +5389,7 @@
               <a:buChar char="■"/>
               <a:defRPr/>
             </a:lvl6pPr>
-            <a:lvl7pPr indent="-317500" lvl="6" marL="3200400">
+            <a:lvl7pPr marL="3200400" lvl="6" indent="-317500">
               <a:spcBef>
                 <a:spcPts val="0"/>
               </a:spcBef>
@@ -5313,7 +5400,7 @@
               <a:buChar char="●"/>
               <a:defRPr/>
             </a:lvl7pPr>
-            <a:lvl8pPr indent="-317500" lvl="7" marL="3657600">
+            <a:lvl8pPr marL="3657600" lvl="7" indent="-317500">
               <a:spcBef>
                 <a:spcPts val="0"/>
               </a:spcBef>
@@ -5324,7 +5411,7 @@
               <a:buChar char="○"/>
               <a:defRPr/>
             </a:lvl8pPr>
-            <a:lvl9pPr indent="-317500" lvl="8" marL="4114800">
+            <a:lvl9pPr marL="4114800" lvl="8" indent="-317500">
               <a:spcBef>
                 <a:spcPts val="0"/>
               </a:spcBef>
@@ -5336,15 +5423,19 @@
               <a:defRPr/>
             </a:lvl9pPr>
           </a:lstStyle>
-          <a:p/>
+          <a:p>
+            <a:endParaRPr/>
+          </a:p>
         </p:txBody>
       </p:sp>
       <p:sp>
         <p:nvSpPr>
           <p:cNvPr id="37" name="Google Shape;37;p4"/>
-          <p:cNvSpPr txBox="1"/>
+          <p:cNvSpPr txBox="1">
+            <a:spLocks noGrp="1"/>
+          </p:cNvSpPr>
           <p:nvPr>
-            <p:ph idx="12" type="sldNum"/>
+            <p:ph type="sldNum" idx="12"/>
           </p:nvPr>
         </p:nvSpPr>
         <p:spPr>
@@ -5357,7 +5448,7 @@
           </a:prstGeom>
         </p:spPr>
         <p:txBody>
-          <a:bodyPr anchorCtr="0" anchor="ctr" bIns="91425" lIns="91425" spcFirstLastPara="1" rIns="91425" wrap="square" tIns="91425">
+          <a:bodyPr spcFirstLastPara="1" wrap="square" lIns="91425" tIns="91425" rIns="91425" bIns="91425" anchor="ctr" anchorCtr="0">
             <a:normAutofit/>
           </a:bodyPr>
           <a:lstStyle>
@@ -5399,7 +5490,7 @@
             </a:lvl9pPr>
           </a:lstStyle>
           <a:p>
-            <a:pPr indent="0" lvl="0" marL="0" rtl="0" algn="r">
+            <a:pPr marL="0" lvl="0" indent="0" algn="r" rtl="0">
               <a:spcBef>
                 <a:spcPts val="0"/>
               </a:spcBef>
@@ -5425,11 +5516,11 @@
 </file>
 
 <file path=ppt/slideLayouts/slideLayout4.xml><?xml version="1.0" encoding="utf-8"?>
-<p:sldLayout xmlns:a="http://schemas.openxmlformats.org/drawingml/2006/main" xmlns:r="http://schemas.openxmlformats.org/officeDocument/2006/relationships" xmlns:mc="http://schemas.openxmlformats.org/markup-compatibility/2006" xmlns:mv="urn:schemas-microsoft-com:mac:vml" xmlns:p="http://schemas.openxmlformats.org/presentationml/2006/main" xmlns:c="http://schemas.openxmlformats.org/drawingml/2006/chart" xmlns:dgm="http://schemas.openxmlformats.org/drawingml/2006/diagram" xmlns:o="urn:schemas-microsoft-com:office:office" xmlns:v="urn:schemas-microsoft-com:vml" xmlns:pvml="urn:schemas-microsoft-com:office:powerpoint" xmlns:com="http://schemas.openxmlformats.org/drawingml/2006/compatibility" xmlns:p14="http://schemas.microsoft.com/office/powerpoint/2010/main" xmlns:p15="http://schemas.microsoft.com/office/powerpoint/2012/main" xmlns:ahyp="http://schemas.microsoft.com/office/drawing/2018/hyperlinkcolor" matchingName="Title and two columns" type="twoColTx">
+<p:sldLayout xmlns:a="http://schemas.openxmlformats.org/drawingml/2006/main" xmlns:r="http://schemas.openxmlformats.org/officeDocument/2006/relationships" xmlns:p="http://schemas.openxmlformats.org/presentationml/2006/main" matchingName="Title and two columns" type="twoColTx">
   <p:cSld name="TITLE_AND_TWO_COLUMNS">
     <p:spTree>
       <p:nvGrpSpPr>
-        <p:cNvPr id="38" name="Shape 38"/>
+        <p:cNvPr id="1" name="Shape 38"/>
         <p:cNvGrpSpPr/>
         <p:nvPr/>
       </p:nvGrpSpPr>
@@ -5444,7 +5535,9 @@
       <p:sp>
         <p:nvSpPr>
           <p:cNvPr id="39" name="Google Shape;39;p5"/>
-          <p:cNvSpPr txBox="1"/>
+          <p:cNvSpPr txBox="1">
+            <a:spLocks noGrp="1"/>
+          </p:cNvSpPr>
           <p:nvPr>
             <p:ph type="title"/>
           </p:nvPr>
@@ -5459,7 +5552,7 @@
           </a:prstGeom>
         </p:spPr>
         <p:txBody>
-          <a:bodyPr anchorCtr="0" anchor="t" bIns="91425" lIns="91425" spcFirstLastPara="1" rIns="91425" wrap="square" tIns="91425">
+          <a:bodyPr spcFirstLastPara="1" wrap="square" lIns="91425" tIns="91425" rIns="91425" bIns="91425" anchor="t" anchorCtr="0">
             <a:normAutofit/>
           </a:bodyPr>
           <a:lstStyle>
@@ -5563,15 +5656,19 @@
               <a:defRPr/>
             </a:lvl9pPr>
           </a:lstStyle>
-          <a:p/>
+          <a:p>
+            <a:endParaRPr/>
+          </a:p>
         </p:txBody>
       </p:sp>
       <p:sp>
         <p:nvSpPr>
           <p:cNvPr id="40" name="Google Shape;40;p5"/>
-          <p:cNvSpPr txBox="1"/>
+          <p:cNvSpPr txBox="1">
+            <a:spLocks noGrp="1"/>
+          </p:cNvSpPr>
           <p:nvPr>
-            <p:ph idx="1" type="body"/>
+            <p:ph type="body" idx="1"/>
           </p:nvPr>
         </p:nvSpPr>
         <p:spPr>
@@ -5584,11 +5681,11 @@
           </a:prstGeom>
         </p:spPr>
         <p:txBody>
-          <a:bodyPr anchorCtr="0" anchor="t" bIns="91425" lIns="91425" spcFirstLastPara="1" rIns="91425" wrap="square" tIns="91425">
+          <a:bodyPr spcFirstLastPara="1" wrap="square" lIns="91425" tIns="91425" rIns="91425" bIns="91425" anchor="t" anchorCtr="0">
             <a:normAutofit/>
           </a:bodyPr>
           <a:lstStyle>
-            <a:lvl1pPr indent="-317500" lvl="0" marL="457200">
+            <a:lvl1pPr marL="457200" lvl="0" indent="-317500">
               <a:spcBef>
                 <a:spcPts val="0"/>
               </a:spcBef>
@@ -5599,7 +5696,7 @@
               <a:buChar char="●"/>
               <a:defRPr sz="1400"/>
             </a:lvl1pPr>
-            <a:lvl2pPr indent="-304800" lvl="1" marL="914400">
+            <a:lvl2pPr marL="914400" lvl="1" indent="-304800">
               <a:spcBef>
                 <a:spcPts val="0"/>
               </a:spcBef>
@@ -5610,7 +5707,7 @@
               <a:buChar char="○"/>
               <a:defRPr sz="1200"/>
             </a:lvl2pPr>
-            <a:lvl3pPr indent="-304800" lvl="2" marL="1371600">
+            <a:lvl3pPr marL="1371600" lvl="2" indent="-304800">
               <a:spcBef>
                 <a:spcPts val="0"/>
               </a:spcBef>
@@ -5621,7 +5718,7 @@
               <a:buChar char="■"/>
               <a:defRPr sz="1200"/>
             </a:lvl3pPr>
-            <a:lvl4pPr indent="-304800" lvl="3" marL="1828800">
+            <a:lvl4pPr marL="1828800" lvl="3" indent="-304800">
               <a:spcBef>
                 <a:spcPts val="0"/>
               </a:spcBef>
@@ -5632,7 +5729,7 @@
               <a:buChar char="●"/>
               <a:defRPr sz="1200"/>
             </a:lvl4pPr>
-            <a:lvl5pPr indent="-304800" lvl="4" marL="2286000">
+            <a:lvl5pPr marL="2286000" lvl="4" indent="-304800">
               <a:spcBef>
                 <a:spcPts val="0"/>
               </a:spcBef>
@@ -5643,7 +5740,7 @@
               <a:buChar char="○"/>
               <a:defRPr sz="1200"/>
             </a:lvl5pPr>
-            <a:lvl6pPr indent="-304800" lvl="5" marL="2743200">
+            <a:lvl6pPr marL="2743200" lvl="5" indent="-304800">
               <a:spcBef>
                 <a:spcPts val="0"/>
               </a:spcBef>
@@ -5654,7 +5751,7 @@
               <a:buChar char="■"/>
               <a:defRPr sz="1200"/>
             </a:lvl6pPr>
-            <a:lvl7pPr indent="-304800" lvl="6" marL="3200400">
+            <a:lvl7pPr marL="3200400" lvl="6" indent="-304800">
               <a:spcBef>
                 <a:spcPts val="0"/>
               </a:spcBef>
@@ -5665,7 +5762,7 @@
               <a:buChar char="●"/>
               <a:defRPr sz="1200"/>
             </a:lvl7pPr>
-            <a:lvl8pPr indent="-304800" lvl="7" marL="3657600">
+            <a:lvl8pPr marL="3657600" lvl="7" indent="-304800">
               <a:spcBef>
                 <a:spcPts val="0"/>
               </a:spcBef>
@@ -5676,7 +5773,7 @@
               <a:buChar char="○"/>
               <a:defRPr sz="1200"/>
             </a:lvl8pPr>
-            <a:lvl9pPr indent="-304800" lvl="8" marL="4114800">
+            <a:lvl9pPr marL="4114800" lvl="8" indent="-304800">
               <a:spcBef>
                 <a:spcPts val="0"/>
               </a:spcBef>
@@ -5688,15 +5785,19 @@
               <a:defRPr sz="1200"/>
             </a:lvl9pPr>
           </a:lstStyle>
-          <a:p/>
+          <a:p>
+            <a:endParaRPr/>
+          </a:p>
         </p:txBody>
       </p:sp>
       <p:sp>
         <p:nvSpPr>
           <p:cNvPr id="41" name="Google Shape;41;p5"/>
-          <p:cNvSpPr txBox="1"/>
+          <p:cNvSpPr txBox="1">
+            <a:spLocks noGrp="1"/>
+          </p:cNvSpPr>
           <p:nvPr>
-            <p:ph idx="2" type="body"/>
+            <p:ph type="body" idx="2"/>
           </p:nvPr>
         </p:nvSpPr>
         <p:spPr>
@@ -5709,11 +5810,11 @@
           </a:prstGeom>
         </p:spPr>
         <p:txBody>
-          <a:bodyPr anchorCtr="0" anchor="t" bIns="91425" lIns="91425" spcFirstLastPara="1" rIns="91425" wrap="square" tIns="91425">
+          <a:bodyPr spcFirstLastPara="1" wrap="square" lIns="91425" tIns="91425" rIns="91425" bIns="91425" anchor="t" anchorCtr="0">
             <a:normAutofit/>
           </a:bodyPr>
           <a:lstStyle>
-            <a:lvl1pPr indent="-317500" lvl="0" marL="457200">
+            <a:lvl1pPr marL="457200" lvl="0" indent="-317500">
               <a:spcBef>
                 <a:spcPts val="0"/>
               </a:spcBef>
@@ -5724,7 +5825,7 @@
               <a:buChar char="●"/>
               <a:defRPr sz="1400"/>
             </a:lvl1pPr>
-            <a:lvl2pPr indent="-304800" lvl="1" marL="914400">
+            <a:lvl2pPr marL="914400" lvl="1" indent="-304800">
               <a:spcBef>
                 <a:spcPts val="0"/>
               </a:spcBef>
@@ -5735,7 +5836,7 @@
               <a:buChar char="○"/>
               <a:defRPr sz="1200"/>
             </a:lvl2pPr>
-            <a:lvl3pPr indent="-304800" lvl="2" marL="1371600">
+            <a:lvl3pPr marL="1371600" lvl="2" indent="-304800">
               <a:spcBef>
                 <a:spcPts val="0"/>
               </a:spcBef>
@@ -5746,7 +5847,7 @@
               <a:buChar char="■"/>
               <a:defRPr sz="1200"/>
             </a:lvl3pPr>
-            <a:lvl4pPr indent="-304800" lvl="3" marL="1828800">
+            <a:lvl4pPr marL="1828800" lvl="3" indent="-304800">
               <a:spcBef>
                 <a:spcPts val="0"/>
               </a:spcBef>
@@ -5757,7 +5858,7 @@
               <a:buChar char="●"/>
               <a:defRPr sz="1200"/>
             </a:lvl4pPr>
-            <a:lvl5pPr indent="-304800" lvl="4" marL="2286000">
+            <a:lvl5pPr marL="2286000" lvl="4" indent="-304800">
               <a:spcBef>
                 <a:spcPts val="0"/>
               </a:spcBef>
@@ -5768,7 +5869,7 @@
               <a:buChar char="○"/>
               <a:defRPr sz="1200"/>
             </a:lvl5pPr>
-            <a:lvl6pPr indent="-304800" lvl="5" marL="2743200">
+            <a:lvl6pPr marL="2743200" lvl="5" indent="-304800">
               <a:spcBef>
                 <a:spcPts val="0"/>
               </a:spcBef>
@@ -5779,7 +5880,7 @@
               <a:buChar char="■"/>
               <a:defRPr sz="1200"/>
             </a:lvl6pPr>
-            <a:lvl7pPr indent="-304800" lvl="6" marL="3200400">
+            <a:lvl7pPr marL="3200400" lvl="6" indent="-304800">
               <a:spcBef>
                 <a:spcPts val="0"/>
               </a:spcBef>
@@ -5790,7 +5891,7 @@
               <a:buChar char="●"/>
               <a:defRPr sz="1200"/>
             </a:lvl7pPr>
-            <a:lvl8pPr indent="-304800" lvl="7" marL="3657600">
+            <a:lvl8pPr marL="3657600" lvl="7" indent="-304800">
               <a:spcBef>
                 <a:spcPts val="0"/>
               </a:spcBef>
@@ -5801,7 +5902,7 @@
               <a:buChar char="○"/>
               <a:defRPr sz="1200"/>
             </a:lvl8pPr>
-            <a:lvl9pPr indent="-304800" lvl="8" marL="4114800">
+            <a:lvl9pPr marL="4114800" lvl="8" indent="-304800">
               <a:spcBef>
                 <a:spcPts val="0"/>
               </a:spcBef>
@@ -5813,15 +5914,19 @@
               <a:defRPr sz="1200"/>
             </a:lvl9pPr>
           </a:lstStyle>
-          <a:p/>
+          <a:p>
+            <a:endParaRPr/>
+          </a:p>
         </p:txBody>
       </p:sp>
       <p:sp>
         <p:nvSpPr>
           <p:cNvPr id="42" name="Google Shape;42;p5"/>
-          <p:cNvSpPr txBox="1"/>
+          <p:cNvSpPr txBox="1">
+            <a:spLocks noGrp="1"/>
+          </p:cNvSpPr>
           <p:nvPr>
-            <p:ph idx="12" type="sldNum"/>
+            <p:ph type="sldNum" idx="12"/>
           </p:nvPr>
         </p:nvSpPr>
         <p:spPr>
@@ -5834,7 +5939,7 @@
           </a:prstGeom>
         </p:spPr>
         <p:txBody>
-          <a:bodyPr anchorCtr="0" anchor="ctr" bIns="91425" lIns="91425" spcFirstLastPara="1" rIns="91425" wrap="square" tIns="91425">
+          <a:bodyPr spcFirstLastPara="1" wrap="square" lIns="91425" tIns="91425" rIns="91425" bIns="91425" anchor="ctr" anchorCtr="0">
             <a:normAutofit/>
           </a:bodyPr>
           <a:lstStyle>
@@ -5912,7 +6017,7 @@
             </a:lvl9pPr>
           </a:lstStyle>
           <a:p>
-            <a:pPr indent="0" lvl="0" marL="0" rtl="0" algn="r">
+            <a:pPr marL="0" lvl="0" indent="0" algn="r" rtl="0">
               <a:spcBef>
                 <a:spcPts val="0"/>
               </a:spcBef>
@@ -5938,11 +6043,11 @@
 </file>
 
 <file path=ppt/slideLayouts/slideLayout5.xml><?xml version="1.0" encoding="utf-8"?>
-<p:sldLayout xmlns:a="http://schemas.openxmlformats.org/drawingml/2006/main" xmlns:r="http://schemas.openxmlformats.org/officeDocument/2006/relationships" xmlns:mc="http://schemas.openxmlformats.org/markup-compatibility/2006" xmlns:mv="urn:schemas-microsoft-com:mac:vml" xmlns:p="http://schemas.openxmlformats.org/presentationml/2006/main" xmlns:c="http://schemas.openxmlformats.org/drawingml/2006/chart" xmlns:dgm="http://schemas.openxmlformats.org/drawingml/2006/diagram" xmlns:o="urn:schemas-microsoft-com:office:office" xmlns:v="urn:schemas-microsoft-com:vml" xmlns:pvml="urn:schemas-microsoft-com:office:powerpoint" xmlns:com="http://schemas.openxmlformats.org/drawingml/2006/compatibility" xmlns:p14="http://schemas.microsoft.com/office/powerpoint/2010/main" xmlns:p15="http://schemas.microsoft.com/office/powerpoint/2012/main" xmlns:ahyp="http://schemas.microsoft.com/office/drawing/2018/hyperlinkcolor" matchingName="Title only" type="titleOnly">
+<p:sldLayout xmlns:a="http://schemas.openxmlformats.org/drawingml/2006/main" xmlns:r="http://schemas.openxmlformats.org/officeDocument/2006/relationships" xmlns:p="http://schemas.openxmlformats.org/presentationml/2006/main" matchingName="Title only" type="titleOnly">
   <p:cSld name="TITLE_ONLY">
     <p:spTree>
       <p:nvGrpSpPr>
-        <p:cNvPr id="43" name="Shape 43"/>
+        <p:cNvPr id="1" name="Shape 43"/>
         <p:cNvGrpSpPr/>
         <p:nvPr/>
       </p:nvGrpSpPr>
@@ -5957,7 +6062,9 @@
       <p:sp>
         <p:nvSpPr>
           <p:cNvPr id="44" name="Google Shape;44;p6"/>
-          <p:cNvSpPr txBox="1"/>
+          <p:cNvSpPr txBox="1">
+            <a:spLocks noGrp="1"/>
+          </p:cNvSpPr>
           <p:nvPr>
             <p:ph type="title"/>
           </p:nvPr>
@@ -5972,7 +6079,7 @@
           </a:prstGeom>
         </p:spPr>
         <p:txBody>
-          <a:bodyPr anchorCtr="0" anchor="t" bIns="91425" lIns="91425" spcFirstLastPara="1" rIns="91425" wrap="square" tIns="91425">
+          <a:bodyPr spcFirstLastPara="1" wrap="square" lIns="91425" tIns="91425" rIns="91425" bIns="91425" anchor="t" anchorCtr="0">
             <a:normAutofit/>
           </a:bodyPr>
           <a:lstStyle>
@@ -6076,15 +6183,19 @@
               <a:defRPr/>
             </a:lvl9pPr>
           </a:lstStyle>
-          <a:p/>
+          <a:p>
+            <a:endParaRPr/>
+          </a:p>
         </p:txBody>
       </p:sp>
       <p:sp>
         <p:nvSpPr>
           <p:cNvPr id="45" name="Google Shape;45;p6"/>
-          <p:cNvSpPr txBox="1"/>
+          <p:cNvSpPr txBox="1">
+            <a:spLocks noGrp="1"/>
+          </p:cNvSpPr>
           <p:nvPr>
-            <p:ph idx="12" type="sldNum"/>
+            <p:ph type="sldNum" idx="12"/>
           </p:nvPr>
         </p:nvSpPr>
         <p:spPr>
@@ -6097,7 +6208,7 @@
           </a:prstGeom>
         </p:spPr>
         <p:txBody>
-          <a:bodyPr anchorCtr="0" anchor="ctr" bIns="91425" lIns="91425" spcFirstLastPara="1" rIns="91425" wrap="square" tIns="91425">
+          <a:bodyPr spcFirstLastPara="1" wrap="square" lIns="91425" tIns="91425" rIns="91425" bIns="91425" anchor="ctr" anchorCtr="0">
             <a:normAutofit/>
           </a:bodyPr>
           <a:lstStyle>
@@ -6175,7 +6286,7 @@
             </a:lvl9pPr>
           </a:lstStyle>
           <a:p>
-            <a:pPr indent="0" lvl="0" marL="0" rtl="0" algn="r">
+            <a:pPr marL="0" lvl="0" indent="0" algn="r" rtl="0">
               <a:spcBef>
                 <a:spcPts val="0"/>
               </a:spcBef>
@@ -6201,11 +6312,11 @@
 </file>
 
 <file path=ppt/slideLayouts/slideLayout6.xml><?xml version="1.0" encoding="utf-8"?>
-<p:sldLayout xmlns:a="http://schemas.openxmlformats.org/drawingml/2006/main" xmlns:r="http://schemas.openxmlformats.org/officeDocument/2006/relationships" xmlns:mc="http://schemas.openxmlformats.org/markup-compatibility/2006" xmlns:mv="urn:schemas-microsoft-com:mac:vml" xmlns:p="http://schemas.openxmlformats.org/presentationml/2006/main" xmlns:c="http://schemas.openxmlformats.org/drawingml/2006/chart" xmlns:dgm="http://schemas.openxmlformats.org/drawingml/2006/diagram" xmlns:o="urn:schemas-microsoft-com:office:office" xmlns:v="urn:schemas-microsoft-com:vml" xmlns:pvml="urn:schemas-microsoft-com:office:powerpoint" xmlns:com="http://schemas.openxmlformats.org/drawingml/2006/compatibility" xmlns:p14="http://schemas.microsoft.com/office/powerpoint/2010/main" xmlns:p15="http://schemas.microsoft.com/office/powerpoint/2012/main" xmlns:ahyp="http://schemas.microsoft.com/office/drawing/2018/hyperlinkcolor" matchingName="One column text">
+<p:sldLayout xmlns:a="http://schemas.openxmlformats.org/drawingml/2006/main" xmlns:r="http://schemas.openxmlformats.org/officeDocument/2006/relationships" xmlns:p="http://schemas.openxmlformats.org/presentationml/2006/main" matchingName="One column text">
   <p:cSld name="ONE_COLUMN_TEXT">
     <p:spTree>
       <p:nvGrpSpPr>
-        <p:cNvPr id="46" name="Shape 46"/>
+        <p:cNvPr id="1" name="Shape 46"/>
         <p:cNvGrpSpPr/>
         <p:nvPr/>
       </p:nvGrpSpPr>
@@ -6220,7 +6331,9 @@
       <p:sp>
         <p:nvSpPr>
           <p:cNvPr id="47" name="Google Shape;47;p7"/>
-          <p:cNvSpPr txBox="1"/>
+          <p:cNvSpPr txBox="1">
+            <a:spLocks noGrp="1"/>
+          </p:cNvSpPr>
           <p:nvPr>
             <p:ph type="title"/>
           </p:nvPr>
@@ -6235,7 +6348,7 @@
           </a:prstGeom>
         </p:spPr>
         <p:txBody>
-          <a:bodyPr anchorCtr="0" anchor="b" bIns="91425" lIns="91425" spcFirstLastPara="1" rIns="91425" wrap="square" tIns="91425">
+          <a:bodyPr spcFirstLastPara="1" wrap="square" lIns="91425" tIns="91425" rIns="91425" bIns="91425" anchor="b" anchorCtr="0">
             <a:normAutofit/>
           </a:bodyPr>
           <a:lstStyle>
@@ -6339,15 +6452,19 @@
               <a:defRPr sz="2400"/>
             </a:lvl9pPr>
           </a:lstStyle>
-          <a:p/>
+          <a:p>
+            <a:endParaRPr/>
+          </a:p>
         </p:txBody>
       </p:sp>
       <p:sp>
         <p:nvSpPr>
           <p:cNvPr id="48" name="Google Shape;48;p7"/>
-          <p:cNvSpPr txBox="1"/>
+          <p:cNvSpPr txBox="1">
+            <a:spLocks noGrp="1"/>
+          </p:cNvSpPr>
           <p:nvPr>
-            <p:ph idx="1" type="body"/>
+            <p:ph type="body" idx="1"/>
           </p:nvPr>
         </p:nvSpPr>
         <p:spPr>
@@ -6360,11 +6477,11 @@
           </a:prstGeom>
         </p:spPr>
         <p:txBody>
-          <a:bodyPr anchorCtr="0" anchor="t" bIns="91425" lIns="91425" spcFirstLastPara="1" rIns="91425" wrap="square" tIns="91425">
+          <a:bodyPr spcFirstLastPara="1" wrap="square" lIns="91425" tIns="91425" rIns="91425" bIns="91425" anchor="t" anchorCtr="0">
             <a:normAutofit/>
           </a:bodyPr>
           <a:lstStyle>
-            <a:lvl1pPr indent="-304800" lvl="0" marL="457200">
+            <a:lvl1pPr marL="457200" lvl="0" indent="-304800">
               <a:spcBef>
                 <a:spcPts val="0"/>
               </a:spcBef>
@@ -6375,7 +6492,7 @@
               <a:buChar char="●"/>
               <a:defRPr sz="1200"/>
             </a:lvl1pPr>
-            <a:lvl2pPr indent="-304800" lvl="1" marL="914400">
+            <a:lvl2pPr marL="914400" lvl="1" indent="-304800">
               <a:spcBef>
                 <a:spcPts val="0"/>
               </a:spcBef>
@@ -6386,7 +6503,7 @@
               <a:buChar char="○"/>
               <a:defRPr sz="1200"/>
             </a:lvl2pPr>
-            <a:lvl3pPr indent="-304800" lvl="2" marL="1371600">
+            <a:lvl3pPr marL="1371600" lvl="2" indent="-304800">
               <a:spcBef>
                 <a:spcPts val="0"/>
               </a:spcBef>
@@ -6397,7 +6514,7 @@
               <a:buChar char="■"/>
               <a:defRPr sz="1200"/>
             </a:lvl3pPr>
-            <a:lvl4pPr indent="-304800" lvl="3" marL="1828800">
+            <a:lvl4pPr marL="1828800" lvl="3" indent="-304800">
               <a:spcBef>
                 <a:spcPts val="0"/>
               </a:spcBef>
@@ -6408,7 +6525,7 @@
               <a:buChar char="●"/>
               <a:defRPr sz="1200"/>
             </a:lvl4pPr>
-            <a:lvl5pPr indent="-304800" lvl="4" marL="2286000">
+            <a:lvl5pPr marL="2286000" lvl="4" indent="-304800">
               <a:spcBef>
                 <a:spcPts val="0"/>
               </a:spcBef>
@@ -6419,7 +6536,7 @@
               <a:buChar char="○"/>
               <a:defRPr sz="1200"/>
             </a:lvl5pPr>
-            <a:lvl6pPr indent="-304800" lvl="5" marL="2743200">
+            <a:lvl6pPr marL="2743200" lvl="5" indent="-304800">
               <a:spcBef>
                 <a:spcPts val="0"/>
               </a:spcBef>
@@ -6430,7 +6547,7 @@
               <a:buChar char="■"/>
               <a:defRPr sz="1200"/>
             </a:lvl6pPr>
-            <a:lvl7pPr indent="-304800" lvl="6" marL="3200400">
+            <a:lvl7pPr marL="3200400" lvl="6" indent="-304800">
               <a:spcBef>
                 <a:spcPts val="0"/>
               </a:spcBef>
@@ -6441,7 +6558,7 @@
               <a:buChar char="●"/>
               <a:defRPr sz="1200"/>
             </a:lvl7pPr>
-            <a:lvl8pPr indent="-304800" lvl="7" marL="3657600">
+            <a:lvl8pPr marL="3657600" lvl="7" indent="-304800">
               <a:spcBef>
                 <a:spcPts val="0"/>
               </a:spcBef>
@@ -6452,7 +6569,7 @@
               <a:buChar char="○"/>
               <a:defRPr sz="1200"/>
             </a:lvl8pPr>
-            <a:lvl9pPr indent="-304800" lvl="8" marL="4114800">
+            <a:lvl9pPr marL="4114800" lvl="8" indent="-304800">
               <a:spcBef>
                 <a:spcPts val="0"/>
               </a:spcBef>
@@ -6464,15 +6581,19 @@
               <a:defRPr sz="1200"/>
             </a:lvl9pPr>
           </a:lstStyle>
-          <a:p/>
+          <a:p>
+            <a:endParaRPr/>
+          </a:p>
         </p:txBody>
       </p:sp>
       <p:sp>
         <p:nvSpPr>
           <p:cNvPr id="49" name="Google Shape;49;p7"/>
-          <p:cNvSpPr txBox="1"/>
+          <p:cNvSpPr txBox="1">
+            <a:spLocks noGrp="1"/>
+          </p:cNvSpPr>
           <p:nvPr>
-            <p:ph idx="12" type="sldNum"/>
+            <p:ph type="sldNum" idx="12"/>
           </p:nvPr>
         </p:nvSpPr>
         <p:spPr>
@@ -6485,7 +6606,7 @@
           </a:prstGeom>
         </p:spPr>
         <p:txBody>
-          <a:bodyPr anchorCtr="0" anchor="ctr" bIns="91425" lIns="91425" spcFirstLastPara="1" rIns="91425" wrap="square" tIns="91425">
+          <a:bodyPr spcFirstLastPara="1" wrap="square" lIns="91425" tIns="91425" rIns="91425" bIns="91425" anchor="ctr" anchorCtr="0">
             <a:normAutofit/>
           </a:bodyPr>
           <a:lstStyle>
@@ -6563,7 +6684,7 @@
             </a:lvl9pPr>
           </a:lstStyle>
           <a:p>
-            <a:pPr indent="0" lvl="0" marL="0" rtl="0" algn="r">
+            <a:pPr marL="0" lvl="0" indent="0" algn="r" rtl="0">
               <a:spcBef>
                 <a:spcPts val="0"/>
               </a:spcBef>
@@ -6589,11 +6710,11 @@
 </file>
 
 <file path=ppt/slideLayouts/slideLayout7.xml><?xml version="1.0" encoding="utf-8"?>
-<p:sldLayout xmlns:a="http://schemas.openxmlformats.org/drawingml/2006/main" xmlns:r="http://schemas.openxmlformats.org/officeDocument/2006/relationships" xmlns:mc="http://schemas.openxmlformats.org/markup-compatibility/2006" xmlns:mv="urn:schemas-microsoft-com:mac:vml" xmlns:p="http://schemas.openxmlformats.org/presentationml/2006/main" xmlns:c="http://schemas.openxmlformats.org/drawingml/2006/chart" xmlns:dgm="http://schemas.openxmlformats.org/drawingml/2006/diagram" xmlns:o="urn:schemas-microsoft-com:office:office" xmlns:v="urn:schemas-microsoft-com:vml" xmlns:pvml="urn:schemas-microsoft-com:office:powerpoint" xmlns:com="http://schemas.openxmlformats.org/drawingml/2006/compatibility" xmlns:p14="http://schemas.microsoft.com/office/powerpoint/2010/main" xmlns:p15="http://schemas.microsoft.com/office/powerpoint/2012/main" xmlns:ahyp="http://schemas.microsoft.com/office/drawing/2018/hyperlinkcolor" matchingName="Main point">
+<p:sldLayout xmlns:a="http://schemas.openxmlformats.org/drawingml/2006/main" xmlns:r="http://schemas.openxmlformats.org/officeDocument/2006/relationships" xmlns:p="http://schemas.openxmlformats.org/presentationml/2006/main" matchingName="Main point">
   <p:cSld name="MAIN_POINT">
     <p:spTree>
       <p:nvGrpSpPr>
-        <p:cNvPr id="50" name="Shape 50"/>
+        <p:cNvPr id="1" name="Shape 50"/>
         <p:cNvGrpSpPr/>
         <p:nvPr/>
       </p:nvGrpSpPr>
@@ -6641,12 +6762,12 @@
             </a:ln>
           </p:spPr>
           <p:txBody>
-            <a:bodyPr anchorCtr="0" anchor="ctr" bIns="91425" lIns="91425" spcFirstLastPara="1" rIns="91425" wrap="square" tIns="91425">
+            <a:bodyPr spcFirstLastPara="1" wrap="square" lIns="91425" tIns="91425" rIns="91425" bIns="91425" anchor="ctr" anchorCtr="0">
               <a:noAutofit/>
             </a:bodyPr>
             <a:lstStyle/>
             <a:p>
-              <a:pPr indent="0" lvl="0" marL="0" rtl="0" algn="l">
+              <a:pPr marL="0" lvl="0" indent="0" algn="l" rtl="0">
                 <a:spcBef>
                   <a:spcPts val="0"/>
                 </a:spcBef>
@@ -6655,9 +6776,6 @@
                 </a:spcAft>
                 <a:buNone/>
               </a:pPr>
-              <a:r>
-                <a:t/>
-              </a:r>
               <a:endParaRPr/>
             </a:p>
           </p:txBody>
@@ -6684,12 +6802,12 @@
             </a:ln>
           </p:spPr>
           <p:txBody>
-            <a:bodyPr anchorCtr="0" anchor="ctr" bIns="91425" lIns="91425" spcFirstLastPara="1" rIns="91425" wrap="square" tIns="91425">
+            <a:bodyPr spcFirstLastPara="1" wrap="square" lIns="91425" tIns="91425" rIns="91425" bIns="91425" anchor="ctr" anchorCtr="0">
               <a:noAutofit/>
             </a:bodyPr>
             <a:lstStyle/>
             <a:p>
-              <a:pPr indent="0" lvl="0" marL="0" rtl="0" algn="l">
+              <a:pPr marL="0" lvl="0" indent="0" algn="l" rtl="0">
                 <a:spcBef>
                   <a:spcPts val="0"/>
                 </a:spcBef>
@@ -6698,9 +6816,6 @@
                 </a:spcAft>
                 <a:buNone/>
               </a:pPr>
-              <a:r>
-                <a:t/>
-              </a:r>
               <a:endParaRPr/>
             </a:p>
           </p:txBody>
@@ -6712,7 +6827,7 @@
             <p:nvPr/>
           </p:nvSpPr>
           <p:spPr>
-            <a:xfrm flipH="1" rot="10800000">
+            <a:xfrm rot="10800000" flipH="1">
               <a:off x="7113588" y="107"/>
               <a:ext cx="1015200" cy="1015200"/>
             </a:xfrm>
@@ -6727,12 +6842,12 @@
             </a:ln>
           </p:spPr>
           <p:txBody>
-            <a:bodyPr anchorCtr="0" anchor="ctr" bIns="91425" lIns="91425" spcFirstLastPara="1" rIns="91425" wrap="square" tIns="91425">
+            <a:bodyPr spcFirstLastPara="1" wrap="square" lIns="91425" tIns="91425" rIns="91425" bIns="91425" anchor="ctr" anchorCtr="0">
               <a:noAutofit/>
             </a:bodyPr>
             <a:lstStyle/>
             <a:p>
-              <a:pPr indent="0" lvl="0" marL="0" rtl="0" algn="l">
+              <a:pPr marL="0" lvl="0" indent="0" algn="l" rtl="0">
                 <a:spcBef>
                   <a:spcPts val="0"/>
                 </a:spcBef>
@@ -6741,9 +6856,6 @@
                 </a:spcAft>
                 <a:buNone/>
               </a:pPr>
-              <a:r>
-                <a:t/>
-              </a:r>
               <a:endParaRPr/>
             </a:p>
           </p:txBody>
@@ -6770,12 +6882,12 @@
             </a:ln>
           </p:spPr>
           <p:txBody>
-            <a:bodyPr anchorCtr="0" anchor="ctr" bIns="91425" lIns="91425" spcFirstLastPara="1" rIns="91425" wrap="square" tIns="91425">
+            <a:bodyPr spcFirstLastPara="1" wrap="square" lIns="91425" tIns="91425" rIns="91425" bIns="91425" anchor="ctr" anchorCtr="0">
               <a:noAutofit/>
             </a:bodyPr>
             <a:lstStyle/>
             <a:p>
-              <a:pPr indent="0" lvl="0" marL="0" rtl="0" algn="l">
+              <a:pPr marL="0" lvl="0" indent="0" algn="l" rtl="0">
                 <a:spcBef>
                   <a:spcPts val="0"/>
                 </a:spcBef>
@@ -6784,9 +6896,6 @@
                 </a:spcAft>
                 <a:buNone/>
               </a:pPr>
-              <a:r>
-                <a:t/>
-              </a:r>
               <a:endParaRPr/>
             </a:p>
           </p:txBody>
@@ -6813,12 +6922,12 @@
             </a:ln>
           </p:spPr>
           <p:txBody>
-            <a:bodyPr anchorCtr="0" anchor="ctr" bIns="91425" lIns="91425" spcFirstLastPara="1" rIns="91425" wrap="square" tIns="91425">
+            <a:bodyPr spcFirstLastPara="1" wrap="square" lIns="91425" tIns="91425" rIns="91425" bIns="91425" anchor="ctr" anchorCtr="0">
               <a:noAutofit/>
             </a:bodyPr>
             <a:lstStyle/>
             <a:p>
-              <a:pPr indent="0" lvl="0" marL="0" rtl="0" algn="l">
+              <a:pPr marL="0" lvl="0" indent="0" algn="l" rtl="0">
                 <a:spcBef>
                   <a:spcPts val="0"/>
                 </a:spcBef>
@@ -6827,9 +6936,6 @@
                 </a:spcAft>
                 <a:buNone/>
               </a:pPr>
-              <a:r>
-                <a:t/>
-              </a:r>
               <a:endParaRPr/>
             </a:p>
           </p:txBody>
@@ -6838,7 +6944,9 @@
       <p:sp>
         <p:nvSpPr>
           <p:cNvPr id="57" name="Google Shape;57;p8"/>
-          <p:cNvSpPr txBox="1"/>
+          <p:cNvSpPr txBox="1">
+            <a:spLocks noGrp="1"/>
+          </p:cNvSpPr>
           <p:nvPr>
             <p:ph type="title"/>
           </p:nvPr>
@@ -6853,7 +6961,7 @@
           </a:prstGeom>
         </p:spPr>
         <p:txBody>
-          <a:bodyPr anchorCtr="0" anchor="ctr" bIns="91425" lIns="91425" spcFirstLastPara="1" rIns="91425" wrap="square" tIns="91425">
+          <a:bodyPr spcFirstLastPara="1" wrap="square" lIns="91425" tIns="91425" rIns="91425" bIns="91425" anchor="ctr" anchorCtr="0">
             <a:normAutofit/>
           </a:bodyPr>
           <a:lstStyle>
@@ -7020,15 +7128,19 @@
               </a:defRPr>
             </a:lvl9pPr>
           </a:lstStyle>
-          <a:p/>
+          <a:p>
+            <a:endParaRPr/>
+          </a:p>
         </p:txBody>
       </p:sp>
       <p:sp>
         <p:nvSpPr>
           <p:cNvPr id="58" name="Google Shape;58;p8"/>
-          <p:cNvSpPr txBox="1"/>
+          <p:cNvSpPr txBox="1">
+            <a:spLocks noGrp="1"/>
+          </p:cNvSpPr>
           <p:nvPr>
-            <p:ph idx="12" type="sldNum"/>
+            <p:ph type="sldNum" idx="12"/>
           </p:nvPr>
         </p:nvSpPr>
         <p:spPr>
@@ -7041,7 +7153,7 @@
           </a:prstGeom>
         </p:spPr>
         <p:txBody>
-          <a:bodyPr anchorCtr="0" anchor="ctr" bIns="91425" lIns="91425" spcFirstLastPara="1" rIns="91425" wrap="square" tIns="91425">
+          <a:bodyPr spcFirstLastPara="1" wrap="square" lIns="91425" tIns="91425" rIns="91425" bIns="91425" anchor="ctr" anchorCtr="0">
             <a:normAutofit/>
           </a:bodyPr>
           <a:lstStyle>
@@ -7083,7 +7195,7 @@
             </a:lvl9pPr>
           </a:lstStyle>
           <a:p>
-            <a:pPr indent="0" lvl="0" marL="0" rtl="0" algn="r">
+            <a:pPr marL="0" lvl="0" indent="0" algn="r" rtl="0">
               <a:spcBef>
                 <a:spcPts val="0"/>
               </a:spcBef>
@@ -7109,11 +7221,11 @@
 </file>
 
 <file path=ppt/slideLayouts/slideLayout8.xml><?xml version="1.0" encoding="utf-8"?>
-<p:sldLayout xmlns:a="http://schemas.openxmlformats.org/drawingml/2006/main" xmlns:r="http://schemas.openxmlformats.org/officeDocument/2006/relationships" xmlns:mc="http://schemas.openxmlformats.org/markup-compatibility/2006" xmlns:mv="urn:schemas-microsoft-com:mac:vml" xmlns:p="http://schemas.openxmlformats.org/presentationml/2006/main" xmlns:c="http://schemas.openxmlformats.org/drawingml/2006/chart" xmlns:dgm="http://schemas.openxmlformats.org/drawingml/2006/diagram" xmlns:o="urn:schemas-microsoft-com:office:office" xmlns:v="urn:schemas-microsoft-com:vml" xmlns:pvml="urn:schemas-microsoft-com:office:powerpoint" xmlns:com="http://schemas.openxmlformats.org/drawingml/2006/compatibility" xmlns:p14="http://schemas.microsoft.com/office/powerpoint/2010/main" xmlns:p15="http://schemas.microsoft.com/office/powerpoint/2012/main" xmlns:ahyp="http://schemas.microsoft.com/office/drawing/2018/hyperlinkcolor" matchingName="Section title and description">
+<p:sldLayout xmlns:a="http://schemas.openxmlformats.org/drawingml/2006/main" xmlns:r="http://schemas.openxmlformats.org/officeDocument/2006/relationships" xmlns:p="http://schemas.openxmlformats.org/presentationml/2006/main" matchingName="Section title and description">
   <p:cSld name="SECTION_TITLE_AND_DESCRIPTION">
     <p:spTree>
       <p:nvGrpSpPr>
-        <p:cNvPr id="59" name="Shape 59"/>
+        <p:cNvPr id="1" name="Shape 59"/>
         <p:cNvGrpSpPr/>
         <p:nvPr/>
       </p:nvGrpSpPr>
@@ -7147,12 +7259,12 @@
           </a:ln>
         </p:spPr>
         <p:txBody>
-          <a:bodyPr anchorCtr="0" anchor="ctr" bIns="91425" lIns="91425" spcFirstLastPara="1" rIns="91425" wrap="square" tIns="91425">
+          <a:bodyPr spcFirstLastPara="1" wrap="square" lIns="91425" tIns="91425" rIns="91425" bIns="91425" anchor="ctr" anchorCtr="0">
             <a:noAutofit/>
           </a:bodyPr>
           <a:lstStyle/>
           <a:p>
-            <a:pPr indent="0" lvl="0" marL="0" rtl="0" algn="l">
+            <a:pPr marL="0" lvl="0" indent="0" algn="l" rtl="0">
               <a:spcBef>
                 <a:spcPts val="0"/>
               </a:spcBef>
@@ -7161,9 +7273,6 @@
               </a:spcAft>
               <a:buNone/>
             </a:pPr>
-            <a:r>
-              <a:t/>
-            </a:r>
             <a:endParaRPr/>
           </a:p>
         </p:txBody>
@@ -7183,21 +7292,23 @@
             <a:avLst/>
           </a:prstGeom>
           <a:noFill/>
-          <a:ln cap="flat" cmpd="sng" w="19050">
+          <a:ln w="19050" cap="flat" cmpd="sng">
             <a:solidFill>
               <a:schemeClr val="lt1"/>
             </a:solidFill>
             <a:prstDash val="solid"/>
             <a:round/>
-            <a:headEnd len="sm" w="sm" type="none"/>
-            <a:tailEnd len="sm" w="sm" type="none"/>
+            <a:headEnd type="none" w="sm" len="sm"/>
+            <a:tailEnd type="none" w="sm" len="sm"/>
           </a:ln>
         </p:spPr>
       </p:cxnSp>
       <p:sp>
         <p:nvSpPr>
           <p:cNvPr id="62" name="Google Shape;62;p9"/>
-          <p:cNvSpPr txBox="1"/>
+          <p:cNvSpPr txBox="1">
+            <a:spLocks noGrp="1"/>
+          </p:cNvSpPr>
           <p:nvPr>
             <p:ph type="title"/>
           </p:nvPr>
@@ -7212,7 +7323,7 @@
           </a:prstGeom>
         </p:spPr>
         <p:txBody>
-          <a:bodyPr anchorCtr="0" anchor="b" bIns="91425" lIns="91425" spcFirstLastPara="1" rIns="91425" wrap="square" tIns="91425">
+          <a:bodyPr spcFirstLastPara="1" wrap="square" lIns="91425" tIns="91425" rIns="91425" bIns="91425" anchor="b" anchorCtr="0">
             <a:normAutofit/>
           </a:bodyPr>
           <a:lstStyle>
@@ -7316,15 +7427,19 @@
               <a:defRPr sz="4200"/>
             </a:lvl9pPr>
           </a:lstStyle>
-          <a:p/>
+          <a:p>
+            <a:endParaRPr/>
+          </a:p>
         </p:txBody>
       </p:sp>
       <p:sp>
         <p:nvSpPr>
           <p:cNvPr id="63" name="Google Shape;63;p9"/>
-          <p:cNvSpPr txBox="1"/>
+          <p:cNvSpPr txBox="1">
+            <a:spLocks noGrp="1"/>
+          </p:cNvSpPr>
           <p:nvPr>
-            <p:ph idx="1" type="subTitle"/>
+            <p:ph type="subTitle" idx="1"/>
           </p:nvPr>
         </p:nvSpPr>
         <p:spPr>
@@ -7337,7 +7452,7 @@
           </a:prstGeom>
         </p:spPr>
         <p:txBody>
-          <a:bodyPr anchorCtr="0" anchor="t" bIns="91425" lIns="91425" spcFirstLastPara="1" rIns="91425" wrap="square" tIns="91425">
+          <a:bodyPr spcFirstLastPara="1" wrap="square" lIns="91425" tIns="91425" rIns="91425" bIns="91425" anchor="t" anchorCtr="0">
             <a:normAutofit/>
           </a:bodyPr>
           <a:lstStyle>
@@ -7468,15 +7583,19 @@
               <a:defRPr sz="2100"/>
             </a:lvl9pPr>
           </a:lstStyle>
-          <a:p/>
+          <a:p>
+            <a:endParaRPr/>
+          </a:p>
         </p:txBody>
       </p:sp>
       <p:sp>
         <p:nvSpPr>
           <p:cNvPr id="64" name="Google Shape;64;p9"/>
-          <p:cNvSpPr txBox="1"/>
+          <p:cNvSpPr txBox="1">
+            <a:spLocks noGrp="1"/>
+          </p:cNvSpPr>
           <p:nvPr>
-            <p:ph idx="2" type="body"/>
+            <p:ph type="body" idx="2"/>
           </p:nvPr>
         </p:nvSpPr>
         <p:spPr>
@@ -7489,11 +7608,11 @@
           </a:prstGeom>
         </p:spPr>
         <p:txBody>
-          <a:bodyPr anchorCtr="0" anchor="ctr" bIns="91425" lIns="91425" spcFirstLastPara="1" rIns="91425" wrap="square" tIns="91425">
+          <a:bodyPr spcFirstLastPara="1" wrap="square" lIns="91425" tIns="91425" rIns="91425" bIns="91425" anchor="ctr" anchorCtr="0">
             <a:normAutofit/>
           </a:bodyPr>
           <a:lstStyle>
-            <a:lvl1pPr indent="-342900" lvl="0" marL="457200">
+            <a:lvl1pPr marL="457200" lvl="0" indent="-342900">
               <a:spcBef>
                 <a:spcPts val="0"/>
               </a:spcBef>
@@ -7511,7 +7630,7 @@
                 </a:solidFill>
               </a:defRPr>
             </a:lvl1pPr>
-            <a:lvl2pPr indent="-317500" lvl="1" marL="914400">
+            <a:lvl2pPr marL="914400" lvl="1" indent="-317500">
               <a:spcBef>
                 <a:spcPts val="0"/>
               </a:spcBef>
@@ -7529,7 +7648,7 @@
                 </a:solidFill>
               </a:defRPr>
             </a:lvl2pPr>
-            <a:lvl3pPr indent="-317500" lvl="2" marL="1371600">
+            <a:lvl3pPr marL="1371600" lvl="2" indent="-317500">
               <a:spcBef>
                 <a:spcPts val="0"/>
               </a:spcBef>
@@ -7547,7 +7666,7 @@
                 </a:solidFill>
               </a:defRPr>
             </a:lvl3pPr>
-            <a:lvl4pPr indent="-317500" lvl="3" marL="1828800">
+            <a:lvl4pPr marL="1828800" lvl="3" indent="-317500">
               <a:spcBef>
                 <a:spcPts val="0"/>
               </a:spcBef>
@@ -7565,7 +7684,7 @@
                 </a:solidFill>
               </a:defRPr>
             </a:lvl4pPr>
-            <a:lvl5pPr indent="-317500" lvl="4" marL="2286000">
+            <a:lvl5pPr marL="2286000" lvl="4" indent="-317500">
               <a:spcBef>
                 <a:spcPts val="0"/>
               </a:spcBef>
@@ -7583,7 +7702,7 @@
                 </a:solidFill>
               </a:defRPr>
             </a:lvl5pPr>
-            <a:lvl6pPr indent="-317500" lvl="5" marL="2743200">
+            <a:lvl6pPr marL="2743200" lvl="5" indent="-317500">
               <a:spcBef>
                 <a:spcPts val="0"/>
               </a:spcBef>
@@ -7601,7 +7720,7 @@
                 </a:solidFill>
               </a:defRPr>
             </a:lvl6pPr>
-            <a:lvl7pPr indent="-317500" lvl="6" marL="3200400">
+            <a:lvl7pPr marL="3200400" lvl="6" indent="-317500">
               <a:spcBef>
                 <a:spcPts val="0"/>
               </a:spcBef>
@@ -7619,7 +7738,7 @@
                 </a:solidFill>
               </a:defRPr>
             </a:lvl7pPr>
-            <a:lvl8pPr indent="-317500" lvl="7" marL="3657600">
+            <a:lvl8pPr marL="3657600" lvl="7" indent="-317500">
               <a:spcBef>
                 <a:spcPts val="0"/>
               </a:spcBef>
@@ -7637,7 +7756,7 @@
                 </a:solidFill>
               </a:defRPr>
             </a:lvl8pPr>
-            <a:lvl9pPr indent="-317500" lvl="8" marL="4114800">
+            <a:lvl9pPr marL="4114800" lvl="8" indent="-317500">
               <a:spcBef>
                 <a:spcPts val="0"/>
               </a:spcBef>
@@ -7656,15 +7775,19 @@
               </a:defRPr>
             </a:lvl9pPr>
           </a:lstStyle>
-          <a:p/>
+          <a:p>
+            <a:endParaRPr/>
+          </a:p>
         </p:txBody>
       </p:sp>
       <p:sp>
         <p:nvSpPr>
           <p:cNvPr id="65" name="Google Shape;65;p9"/>
-          <p:cNvSpPr txBox="1"/>
+          <p:cNvSpPr txBox="1">
+            <a:spLocks noGrp="1"/>
+          </p:cNvSpPr>
           <p:nvPr>
-            <p:ph idx="12" type="sldNum"/>
+            <p:ph type="sldNum" idx="12"/>
           </p:nvPr>
         </p:nvSpPr>
         <p:spPr>
@@ -7677,7 +7800,7 @@
           </a:prstGeom>
         </p:spPr>
         <p:txBody>
-          <a:bodyPr anchorCtr="0" anchor="ctr" bIns="91425" lIns="91425" spcFirstLastPara="1" rIns="91425" wrap="square" tIns="91425">
+          <a:bodyPr spcFirstLastPara="1" wrap="square" lIns="91425" tIns="91425" rIns="91425" bIns="91425" anchor="ctr" anchorCtr="0">
             <a:normAutofit/>
           </a:bodyPr>
           <a:lstStyle>
@@ -7719,7 +7842,7 @@
             </a:lvl9pPr>
           </a:lstStyle>
           <a:p>
-            <a:pPr indent="0" lvl="0" marL="0" rtl="0" algn="r">
+            <a:pPr marL="0" lvl="0" indent="0" algn="r" rtl="0">
               <a:spcBef>
                 <a:spcPts val="0"/>
               </a:spcBef>
@@ -7745,11 +7868,11 @@
 </file>
 
 <file path=ppt/slideLayouts/slideLayout9.xml><?xml version="1.0" encoding="utf-8"?>
-<p:sldLayout xmlns:a="http://schemas.openxmlformats.org/drawingml/2006/main" xmlns:r="http://schemas.openxmlformats.org/officeDocument/2006/relationships" xmlns:mc="http://schemas.openxmlformats.org/markup-compatibility/2006" xmlns:mv="urn:schemas-microsoft-com:mac:vml" xmlns:p="http://schemas.openxmlformats.org/presentationml/2006/main" xmlns:c="http://schemas.openxmlformats.org/drawingml/2006/chart" xmlns:dgm="http://schemas.openxmlformats.org/drawingml/2006/diagram" xmlns:o="urn:schemas-microsoft-com:office:office" xmlns:v="urn:schemas-microsoft-com:vml" xmlns:pvml="urn:schemas-microsoft-com:office:powerpoint" xmlns:com="http://schemas.openxmlformats.org/drawingml/2006/compatibility" xmlns:p14="http://schemas.microsoft.com/office/powerpoint/2010/main" xmlns:p15="http://schemas.microsoft.com/office/powerpoint/2012/main" xmlns:ahyp="http://schemas.microsoft.com/office/drawing/2018/hyperlinkcolor" matchingName="Caption">
+<p:sldLayout xmlns:a="http://schemas.openxmlformats.org/drawingml/2006/main" xmlns:r="http://schemas.openxmlformats.org/officeDocument/2006/relationships" xmlns:p="http://schemas.openxmlformats.org/presentationml/2006/main" matchingName="Caption">
   <p:cSld name="CAPTION_ONLY">
     <p:spTree>
       <p:nvGrpSpPr>
-        <p:cNvPr id="66" name="Shape 66"/>
+        <p:cNvPr id="1" name="Shape 66"/>
         <p:cNvGrpSpPr/>
         <p:nvPr/>
       </p:nvGrpSpPr>
@@ -7764,9 +7887,11 @@
       <p:sp>
         <p:nvSpPr>
           <p:cNvPr id="67" name="Google Shape;67;p10"/>
-          <p:cNvSpPr txBox="1"/>
+          <p:cNvSpPr txBox="1">
+            <a:spLocks noGrp="1"/>
+          </p:cNvSpPr>
           <p:nvPr>
-            <p:ph idx="1" type="body"/>
+            <p:ph type="body" idx="1"/>
           </p:nvPr>
         </p:nvSpPr>
         <p:spPr>
@@ -7779,11 +7904,11 @@
           </a:prstGeom>
         </p:spPr>
         <p:txBody>
-          <a:bodyPr anchorCtr="0" anchor="ctr" bIns="91425" lIns="91425" spcFirstLastPara="1" rIns="91425" wrap="square" tIns="91425">
+          <a:bodyPr spcFirstLastPara="1" wrap="square" lIns="91425" tIns="91425" rIns="91425" bIns="91425" anchor="ctr" anchorCtr="0">
             <a:normAutofit/>
           </a:bodyPr>
           <a:lstStyle>
-            <a:lvl1pPr indent="-228600" lvl="0" marL="457200">
+            <a:lvl1pPr marL="457200" lvl="0" indent="-228600">
               <a:lnSpc>
                 <a:spcPct val="100000"/>
               </a:lnSpc>
@@ -7798,15 +7923,19 @@
               <a:defRPr/>
             </a:lvl1pPr>
           </a:lstStyle>
-          <a:p/>
+          <a:p>
+            <a:endParaRPr/>
+          </a:p>
         </p:txBody>
       </p:sp>
       <p:sp>
         <p:nvSpPr>
           <p:cNvPr id="68" name="Google Shape;68;p10"/>
-          <p:cNvSpPr txBox="1"/>
+          <p:cNvSpPr txBox="1">
+            <a:spLocks noGrp="1"/>
+          </p:cNvSpPr>
           <p:nvPr>
-            <p:ph idx="12" type="sldNum"/>
+            <p:ph type="sldNum" idx="12"/>
           </p:nvPr>
         </p:nvSpPr>
         <p:spPr>
@@ -7819,7 +7948,7 @@
           </a:prstGeom>
         </p:spPr>
         <p:txBody>
-          <a:bodyPr anchorCtr="0" anchor="ctr" bIns="91425" lIns="91425" spcFirstLastPara="1" rIns="91425" wrap="square" tIns="91425">
+          <a:bodyPr spcFirstLastPara="1" wrap="square" lIns="91425" tIns="91425" rIns="91425" bIns="91425" anchor="ctr" anchorCtr="0">
             <a:normAutofit/>
           </a:bodyPr>
           <a:lstStyle>
@@ -7897,7 +8026,7 @@
             </a:lvl9pPr>
           </a:lstStyle>
           <a:p>
-            <a:pPr indent="0" lvl="0" marL="0" rtl="0" algn="r">
+            <a:pPr marL="0" lvl="0" indent="0" algn="r" rtl="0">
               <a:spcBef>
                 <a:spcPts val="0"/>
               </a:spcBef>
@@ -7923,18 +8052,19 @@
 </file>
 
 <file path=ppt/slideMasters/slideMaster1.xml><?xml version="1.0" encoding="utf-8"?>
-<p:sldMaster xmlns:a="http://schemas.openxmlformats.org/drawingml/2006/main" xmlns:r="http://schemas.openxmlformats.org/officeDocument/2006/relationships" xmlns:mc="http://schemas.openxmlformats.org/markup-compatibility/2006" xmlns:mv="urn:schemas-microsoft-com:mac:vml" xmlns:p="http://schemas.openxmlformats.org/presentationml/2006/main" xmlns:c="http://schemas.openxmlformats.org/drawingml/2006/chart" xmlns:dgm="http://schemas.openxmlformats.org/drawingml/2006/diagram" xmlns:o="urn:schemas-microsoft-com:office:office" xmlns:v="urn:schemas-microsoft-com:vml" xmlns:pvml="urn:schemas-microsoft-com:office:powerpoint" xmlns:com="http://schemas.openxmlformats.org/drawingml/2006/compatibility" xmlns:p14="http://schemas.microsoft.com/office/powerpoint/2010/main" xmlns:p15="http://schemas.microsoft.com/office/powerpoint/2012/main" xmlns:ahyp="http://schemas.microsoft.com/office/drawing/2018/hyperlinkcolor">
+<p:sldMaster xmlns:a="http://schemas.openxmlformats.org/drawingml/2006/main" xmlns:r="http://schemas.openxmlformats.org/officeDocument/2006/relationships" xmlns:p="http://schemas.openxmlformats.org/presentationml/2006/main">
   <p:cSld name="geometric">
     <p:bg>
       <p:bgPr>
         <a:solidFill>
           <a:schemeClr val="dk1"/>
         </a:solidFill>
+        <a:effectLst/>
       </p:bgPr>
     </p:bg>
     <p:spTree>
       <p:nvGrpSpPr>
-        <p:cNvPr id="5" name="Shape 5"/>
+        <p:cNvPr id="1" name="Shape 5"/>
         <p:cNvGrpSpPr/>
         <p:nvPr/>
       </p:nvGrpSpPr>
@@ -7949,7 +8079,9 @@
       <p:sp>
         <p:nvSpPr>
           <p:cNvPr id="6" name="Google Shape;6;p1"/>
-          <p:cNvSpPr txBox="1"/>
+          <p:cNvSpPr txBox="1">
+            <a:spLocks noGrp="1"/>
+          </p:cNvSpPr>
           <p:nvPr>
             <p:ph type="title"/>
           </p:nvPr>
@@ -7968,7 +8100,7 @@
           </a:ln>
         </p:spPr>
         <p:txBody>
-          <a:bodyPr anchorCtr="0" anchor="t" bIns="91425" lIns="91425" spcFirstLastPara="1" rIns="91425" wrap="square" tIns="91425">
+          <a:bodyPr spcFirstLastPara="1" wrap="square" lIns="91425" tIns="91425" rIns="91425" bIns="91425" anchor="t" anchorCtr="0">
             <a:normAutofit/>
           </a:bodyPr>
           <a:lstStyle>
@@ -8180,15 +8312,19 @@
               </a:defRPr>
             </a:lvl9pPr>
           </a:lstStyle>
-          <a:p/>
+          <a:p>
+            <a:endParaRPr/>
+          </a:p>
         </p:txBody>
       </p:sp>
       <p:sp>
         <p:nvSpPr>
           <p:cNvPr id="7" name="Google Shape;7;p1"/>
-          <p:cNvSpPr txBox="1"/>
+          <p:cNvSpPr txBox="1">
+            <a:spLocks noGrp="1"/>
+          </p:cNvSpPr>
           <p:nvPr>
-            <p:ph idx="1" type="body"/>
+            <p:ph type="body" idx="1"/>
           </p:nvPr>
         </p:nvSpPr>
         <p:spPr>
@@ -8205,11 +8341,11 @@
           </a:ln>
         </p:spPr>
         <p:txBody>
-          <a:bodyPr anchorCtr="0" anchor="t" bIns="91425" lIns="91425" spcFirstLastPara="1" rIns="91425" wrap="square" tIns="91425">
+          <a:bodyPr spcFirstLastPara="1" wrap="square" lIns="91425" tIns="91425" rIns="91425" bIns="91425" anchor="t" anchorCtr="0">
             <a:normAutofit/>
           </a:bodyPr>
           <a:lstStyle>
-            <a:lvl1pPr indent="-342900" lvl="0" marL="457200">
+            <a:lvl1pPr marL="457200" lvl="0" indent="-342900">
               <a:lnSpc>
                 <a:spcPct val="115000"/>
               </a:lnSpc>
@@ -8235,7 +8371,7 @@
                 <a:sym typeface="Roboto"/>
               </a:defRPr>
             </a:lvl1pPr>
-            <a:lvl2pPr indent="-317500" lvl="1" marL="914400">
+            <a:lvl2pPr marL="914400" lvl="1" indent="-317500">
               <a:lnSpc>
                 <a:spcPct val="115000"/>
               </a:lnSpc>
@@ -8261,7 +8397,7 @@
                 <a:sym typeface="Roboto"/>
               </a:defRPr>
             </a:lvl2pPr>
-            <a:lvl3pPr indent="-317500" lvl="2" marL="1371600">
+            <a:lvl3pPr marL="1371600" lvl="2" indent="-317500">
               <a:lnSpc>
                 <a:spcPct val="115000"/>
               </a:lnSpc>
@@ -8287,7 +8423,7 @@
                 <a:sym typeface="Roboto"/>
               </a:defRPr>
             </a:lvl3pPr>
-            <a:lvl4pPr indent="-317500" lvl="3" marL="1828800">
+            <a:lvl4pPr marL="1828800" lvl="3" indent="-317500">
               <a:lnSpc>
                 <a:spcPct val="115000"/>
               </a:lnSpc>
@@ -8313,7 +8449,7 @@
                 <a:sym typeface="Roboto"/>
               </a:defRPr>
             </a:lvl4pPr>
-            <a:lvl5pPr indent="-317500" lvl="4" marL="2286000">
+            <a:lvl5pPr marL="2286000" lvl="4" indent="-317500">
               <a:lnSpc>
                 <a:spcPct val="115000"/>
               </a:lnSpc>
@@ -8339,7 +8475,7 @@
                 <a:sym typeface="Roboto"/>
               </a:defRPr>
             </a:lvl5pPr>
-            <a:lvl6pPr indent="-317500" lvl="5" marL="2743200">
+            <a:lvl6pPr marL="2743200" lvl="5" indent="-317500">
               <a:lnSpc>
                 <a:spcPct val="115000"/>
               </a:lnSpc>
@@ -8365,7 +8501,7 @@
                 <a:sym typeface="Roboto"/>
               </a:defRPr>
             </a:lvl6pPr>
-            <a:lvl7pPr indent="-317500" lvl="6" marL="3200400">
+            <a:lvl7pPr marL="3200400" lvl="6" indent="-317500">
               <a:lnSpc>
                 <a:spcPct val="115000"/>
               </a:lnSpc>
@@ -8391,7 +8527,7 @@
                 <a:sym typeface="Roboto"/>
               </a:defRPr>
             </a:lvl7pPr>
-            <a:lvl8pPr indent="-317500" lvl="7" marL="3657600">
+            <a:lvl8pPr marL="3657600" lvl="7" indent="-317500">
               <a:lnSpc>
                 <a:spcPct val="115000"/>
               </a:lnSpc>
@@ -8417,7 +8553,7 @@
                 <a:sym typeface="Roboto"/>
               </a:defRPr>
             </a:lvl8pPr>
-            <a:lvl9pPr indent="-317500" lvl="8" marL="4114800">
+            <a:lvl9pPr marL="4114800" lvl="8" indent="-317500">
               <a:lnSpc>
                 <a:spcPct val="115000"/>
               </a:lnSpc>
@@ -8444,15 +8580,19 @@
               </a:defRPr>
             </a:lvl9pPr>
           </a:lstStyle>
-          <a:p/>
+          <a:p>
+            <a:endParaRPr/>
+          </a:p>
         </p:txBody>
       </p:sp>
       <p:sp>
         <p:nvSpPr>
           <p:cNvPr id="8" name="Google Shape;8;p1"/>
-          <p:cNvSpPr txBox="1"/>
+          <p:cNvSpPr txBox="1">
+            <a:spLocks noGrp="1"/>
+          </p:cNvSpPr>
           <p:nvPr>
-            <p:ph idx="12" type="sldNum"/>
+            <p:ph type="sldNum" idx="12"/>
           </p:nvPr>
         </p:nvSpPr>
         <p:spPr>
@@ -8469,7 +8609,7 @@
           </a:ln>
         </p:spPr>
         <p:txBody>
-          <a:bodyPr anchorCtr="0" anchor="ctr" bIns="91425" lIns="91425" spcFirstLastPara="1" rIns="91425" wrap="square" tIns="91425">
+          <a:bodyPr spcFirstLastPara="1" wrap="square" lIns="91425" tIns="91425" rIns="91425" bIns="91425" anchor="ctr" anchorCtr="0">
             <a:normAutofit/>
           </a:bodyPr>
           <a:lstStyle>
@@ -8583,7 +8723,7 @@
             </a:lvl9pPr>
           </a:lstStyle>
           <a:p>
-            <a:pPr indent="0" lvl="0" marL="0" rtl="0" algn="r">
+            <a:pPr marL="0" lvl="0" indent="0" algn="r" rtl="0">
               <a:spcBef>
                 <a:spcPts val="0"/>
               </a:spcBef>
@@ -8602,7 +8742,7 @@
       </p:sp>
     </p:spTree>
   </p:cSld>
-  <p:clrMap accent1="accent1" accent2="accent2" accent3="accent3" accent4="accent4" accent5="accent5" accent6="accent6" bg1="lt1" bg2="dk2" tx1="dk1" tx2="lt2" folHlink="folHlink" hlink="hlink"/>
+  <p:clrMap bg1="lt1" tx1="dk1" bg2="dk2" tx2="lt2" accent1="accent1" accent2="accent2" accent3="accent3" accent4="accent4" accent5="accent5" accent6="accent6" hlink="hlink" folHlink="folHlink"/>
   <p:sldLayoutIdLst>
     <p:sldLayoutId id="2147483648" r:id="rId1"/>
     <p:sldLayoutId id="2147483649" r:id="rId2"/>
@@ -8616,10 +8756,10 @@
     <p:sldLayoutId id="2147483657" r:id="rId10"/>
     <p:sldLayoutId id="2147483658" r:id="rId11"/>
   </p:sldLayoutIdLst>
-  <p:hf dt="0" ftr="0" hdr="0" sldNum="0"/>
+  <p:hf sldNum="0" hdr="0" ftr="0" dt="0"/>
   <p:txStyles>
     <p:titleStyle>
-      <a:defPPr lvl="0" marR="0" rtl="0" algn="l">
+      <a:defPPr marR="0" lvl="0" algn="l" rtl="0">
         <a:lnSpc>
           <a:spcPct val="100000"/>
         </a:lnSpc>
@@ -8630,7 +8770,7 @@
           <a:spcPts val="0"/>
         </a:spcAft>
       </a:defPPr>
-      <a:lvl1pPr lvl="0" marR="0" rtl="0" algn="l">
+      <a:lvl1pPr marR="0" lvl="0" algn="l" rtl="0">
         <a:lnSpc>
           <a:spcPct val="100000"/>
         </a:lnSpc>
@@ -8644,7 +8784,7 @@
           <a:srgbClr val="000000"/>
         </a:buClr>
         <a:buFont typeface="Arial"/>
-        <a:defRPr b="0" i="0" sz="1400" u="none" cap="none" strike="noStrike">
+        <a:defRPr sz="1400" b="0" i="0" u="none" strike="noStrike" cap="none">
           <a:solidFill>
             <a:srgbClr val="000000"/>
           </a:solidFill>
@@ -8654,7 +8794,7 @@
           <a:sym typeface="Arial"/>
         </a:defRPr>
       </a:lvl1pPr>
-      <a:lvl2pPr lvl="1" marR="0" rtl="0" algn="l">
+      <a:lvl2pPr marR="0" lvl="1" algn="l" rtl="0">
         <a:lnSpc>
           <a:spcPct val="100000"/>
         </a:lnSpc>
@@ -8668,7 +8808,7 @@
           <a:srgbClr val="000000"/>
         </a:buClr>
         <a:buFont typeface="Arial"/>
-        <a:defRPr b="0" i="0" sz="1400" u="none" cap="none" strike="noStrike">
+        <a:defRPr sz="1400" b="0" i="0" u="none" strike="noStrike" cap="none">
           <a:solidFill>
             <a:srgbClr val="000000"/>
           </a:solidFill>
@@ -8678,7 +8818,7 @@
           <a:sym typeface="Arial"/>
         </a:defRPr>
       </a:lvl2pPr>
-      <a:lvl3pPr lvl="2" marR="0" rtl="0" algn="l">
+      <a:lvl3pPr marR="0" lvl="2" algn="l" rtl="0">
         <a:lnSpc>
           <a:spcPct val="100000"/>
         </a:lnSpc>
@@ -8692,7 +8832,7 @@
           <a:srgbClr val="000000"/>
         </a:buClr>
         <a:buFont typeface="Arial"/>
-        <a:defRPr b="0" i="0" sz="1400" u="none" cap="none" strike="noStrike">
+        <a:defRPr sz="1400" b="0" i="0" u="none" strike="noStrike" cap="none">
           <a:solidFill>
             <a:srgbClr val="000000"/>
           </a:solidFill>
@@ -8702,7 +8842,7 @@
           <a:sym typeface="Arial"/>
         </a:defRPr>
       </a:lvl3pPr>
-      <a:lvl4pPr lvl="3" marR="0" rtl="0" algn="l">
+      <a:lvl4pPr marR="0" lvl="3" algn="l" rtl="0">
         <a:lnSpc>
           <a:spcPct val="100000"/>
         </a:lnSpc>
@@ -8716,7 +8856,7 @@
           <a:srgbClr val="000000"/>
         </a:buClr>
         <a:buFont typeface="Arial"/>
-        <a:defRPr b="0" i="0" sz="1400" u="none" cap="none" strike="noStrike">
+        <a:defRPr sz="1400" b="0" i="0" u="none" strike="noStrike" cap="none">
           <a:solidFill>
             <a:srgbClr val="000000"/>
           </a:solidFill>
@@ -8726,7 +8866,7 @@
           <a:sym typeface="Arial"/>
         </a:defRPr>
       </a:lvl4pPr>
-      <a:lvl5pPr lvl="4" marR="0" rtl="0" algn="l">
+      <a:lvl5pPr marR="0" lvl="4" algn="l" rtl="0">
         <a:lnSpc>
           <a:spcPct val="100000"/>
         </a:lnSpc>
@@ -8740,7 +8880,7 @@
           <a:srgbClr val="000000"/>
         </a:buClr>
         <a:buFont typeface="Arial"/>
-        <a:defRPr b="0" i="0" sz="1400" u="none" cap="none" strike="noStrike">
+        <a:defRPr sz="1400" b="0" i="0" u="none" strike="noStrike" cap="none">
           <a:solidFill>
             <a:srgbClr val="000000"/>
           </a:solidFill>
@@ -8750,7 +8890,7 @@
           <a:sym typeface="Arial"/>
         </a:defRPr>
       </a:lvl5pPr>
-      <a:lvl6pPr lvl="5" marR="0" rtl="0" algn="l">
+      <a:lvl6pPr marR="0" lvl="5" algn="l" rtl="0">
         <a:lnSpc>
           <a:spcPct val="100000"/>
         </a:lnSpc>
@@ -8764,7 +8904,7 @@
           <a:srgbClr val="000000"/>
         </a:buClr>
         <a:buFont typeface="Arial"/>
-        <a:defRPr b="0" i="0" sz="1400" u="none" cap="none" strike="noStrike">
+        <a:defRPr sz="1400" b="0" i="0" u="none" strike="noStrike" cap="none">
           <a:solidFill>
             <a:srgbClr val="000000"/>
           </a:solidFill>
@@ -8774,7 +8914,7 @@
           <a:sym typeface="Arial"/>
         </a:defRPr>
       </a:lvl6pPr>
-      <a:lvl7pPr lvl="6" marR="0" rtl="0" algn="l">
+      <a:lvl7pPr marR="0" lvl="6" algn="l" rtl="0">
         <a:lnSpc>
           <a:spcPct val="100000"/>
         </a:lnSpc>
@@ -8788,7 +8928,7 @@
           <a:srgbClr val="000000"/>
         </a:buClr>
         <a:buFont typeface="Arial"/>
-        <a:defRPr b="0" i="0" sz="1400" u="none" cap="none" strike="noStrike">
+        <a:defRPr sz="1400" b="0" i="0" u="none" strike="noStrike" cap="none">
           <a:solidFill>
             <a:srgbClr val="000000"/>
           </a:solidFill>
@@ -8798,7 +8938,7 @@
           <a:sym typeface="Arial"/>
         </a:defRPr>
       </a:lvl7pPr>
-      <a:lvl8pPr lvl="7" marR="0" rtl="0" algn="l">
+      <a:lvl8pPr marR="0" lvl="7" algn="l" rtl="0">
         <a:lnSpc>
           <a:spcPct val="100000"/>
         </a:lnSpc>
@@ -8812,7 +8952,7 @@
           <a:srgbClr val="000000"/>
         </a:buClr>
         <a:buFont typeface="Arial"/>
-        <a:defRPr b="0" i="0" sz="1400" u="none" cap="none" strike="noStrike">
+        <a:defRPr sz="1400" b="0" i="0" u="none" strike="noStrike" cap="none">
           <a:solidFill>
             <a:srgbClr val="000000"/>
           </a:solidFill>
@@ -8822,7 +8962,7 @@
           <a:sym typeface="Arial"/>
         </a:defRPr>
       </a:lvl8pPr>
-      <a:lvl9pPr lvl="8" marR="0" rtl="0" algn="l">
+      <a:lvl9pPr marR="0" lvl="8" algn="l" rtl="0">
         <a:lnSpc>
           <a:spcPct val="100000"/>
         </a:lnSpc>
@@ -8836,7 +8976,7 @@
           <a:srgbClr val="000000"/>
         </a:buClr>
         <a:buFont typeface="Arial"/>
-        <a:defRPr b="0" i="0" sz="1400" u="none" cap="none" strike="noStrike">
+        <a:defRPr sz="1400" b="0" i="0" u="none" strike="noStrike" cap="none">
           <a:solidFill>
             <a:srgbClr val="000000"/>
           </a:solidFill>
@@ -8848,7 +8988,7 @@
       </a:lvl9pPr>
     </p:titleStyle>
     <p:bodyStyle>
-      <a:defPPr lvl="0" marR="0" rtl="0" algn="l">
+      <a:defPPr marR="0" lvl="0" algn="l" rtl="0">
         <a:lnSpc>
           <a:spcPct val="100000"/>
         </a:lnSpc>
@@ -8859,7 +8999,7 @@
           <a:spcPts val="0"/>
         </a:spcAft>
       </a:defPPr>
-      <a:lvl1pPr lvl="0" marR="0" rtl="0" algn="l">
+      <a:lvl1pPr marR="0" lvl="0" algn="l" rtl="0">
         <a:lnSpc>
           <a:spcPct val="100000"/>
         </a:lnSpc>
@@ -8873,7 +9013,7 @@
           <a:srgbClr val="000000"/>
         </a:buClr>
         <a:buFont typeface="Arial"/>
-        <a:defRPr b="0" i="0" sz="1400" u="none" cap="none" strike="noStrike">
+        <a:defRPr sz="1400" b="0" i="0" u="none" strike="noStrike" cap="none">
           <a:solidFill>
             <a:srgbClr val="000000"/>
           </a:solidFill>
@@ -8883,7 +9023,7 @@
           <a:sym typeface="Arial"/>
         </a:defRPr>
       </a:lvl1pPr>
-      <a:lvl2pPr lvl="1" marR="0" rtl="0" algn="l">
+      <a:lvl2pPr marR="0" lvl="1" algn="l" rtl="0">
         <a:lnSpc>
           <a:spcPct val="100000"/>
         </a:lnSpc>
@@ -8897,7 +9037,7 @@
           <a:srgbClr val="000000"/>
         </a:buClr>
         <a:buFont typeface="Arial"/>
-        <a:defRPr b="0" i="0" sz="1400" u="none" cap="none" strike="noStrike">
+        <a:defRPr sz="1400" b="0" i="0" u="none" strike="noStrike" cap="none">
           <a:solidFill>
             <a:srgbClr val="000000"/>
           </a:solidFill>
@@ -8907,7 +9047,7 @@
           <a:sym typeface="Arial"/>
         </a:defRPr>
       </a:lvl2pPr>
-      <a:lvl3pPr lvl="2" marR="0" rtl="0" algn="l">
+      <a:lvl3pPr marR="0" lvl="2" algn="l" rtl="0">
         <a:lnSpc>
           <a:spcPct val="100000"/>
         </a:lnSpc>
@@ -8921,7 +9061,7 @@
           <a:srgbClr val="000000"/>
         </a:buClr>
         <a:buFont typeface="Arial"/>
-        <a:defRPr b="0" i="0" sz="1400" u="none" cap="none" strike="noStrike">
+        <a:defRPr sz="1400" b="0" i="0" u="none" strike="noStrike" cap="none">
           <a:solidFill>
             <a:srgbClr val="000000"/>
           </a:solidFill>
@@ -8931,7 +9071,7 @@
           <a:sym typeface="Arial"/>
         </a:defRPr>
       </a:lvl3pPr>
-      <a:lvl4pPr lvl="3" marR="0" rtl="0" algn="l">
+      <a:lvl4pPr marR="0" lvl="3" algn="l" rtl="0">
         <a:lnSpc>
           <a:spcPct val="100000"/>
         </a:lnSpc>
@@ -8945,7 +9085,7 @@
           <a:srgbClr val="000000"/>
         </a:buClr>
         <a:buFont typeface="Arial"/>
-        <a:defRPr b="0" i="0" sz="1400" u="none" cap="none" strike="noStrike">
+        <a:defRPr sz="1400" b="0" i="0" u="none" strike="noStrike" cap="none">
           <a:solidFill>
             <a:srgbClr val="000000"/>
           </a:solidFill>
@@ -8955,7 +9095,7 @@
           <a:sym typeface="Arial"/>
         </a:defRPr>
       </a:lvl4pPr>
-      <a:lvl5pPr lvl="4" marR="0" rtl="0" algn="l">
+      <a:lvl5pPr marR="0" lvl="4" algn="l" rtl="0">
         <a:lnSpc>
           <a:spcPct val="100000"/>
         </a:lnSpc>
@@ -8969,7 +9109,7 @@
           <a:srgbClr val="000000"/>
         </a:buClr>
         <a:buFont typeface="Arial"/>
-        <a:defRPr b="0" i="0" sz="1400" u="none" cap="none" strike="noStrike">
+        <a:defRPr sz="1400" b="0" i="0" u="none" strike="noStrike" cap="none">
           <a:solidFill>
             <a:srgbClr val="000000"/>
           </a:solidFill>
@@ -8979,7 +9119,7 @@
           <a:sym typeface="Arial"/>
         </a:defRPr>
       </a:lvl5pPr>
-      <a:lvl6pPr lvl="5" marR="0" rtl="0" algn="l">
+      <a:lvl6pPr marR="0" lvl="5" algn="l" rtl="0">
         <a:lnSpc>
           <a:spcPct val="100000"/>
         </a:lnSpc>
@@ -8993,7 +9133,7 @@
           <a:srgbClr val="000000"/>
         </a:buClr>
         <a:buFont typeface="Arial"/>
-        <a:defRPr b="0" i="0" sz="1400" u="none" cap="none" strike="noStrike">
+        <a:defRPr sz="1400" b="0" i="0" u="none" strike="noStrike" cap="none">
           <a:solidFill>
             <a:srgbClr val="000000"/>
           </a:solidFill>
@@ -9003,7 +9143,7 @@
           <a:sym typeface="Arial"/>
         </a:defRPr>
       </a:lvl6pPr>
-      <a:lvl7pPr lvl="6" marR="0" rtl="0" algn="l">
+      <a:lvl7pPr marR="0" lvl="6" algn="l" rtl="0">
         <a:lnSpc>
           <a:spcPct val="100000"/>
         </a:lnSpc>
@@ -9017,7 +9157,7 @@
           <a:srgbClr val="000000"/>
         </a:buClr>
         <a:buFont typeface="Arial"/>
-        <a:defRPr b="0" i="0" sz="1400" u="none" cap="none" strike="noStrike">
+        <a:defRPr sz="1400" b="0" i="0" u="none" strike="noStrike" cap="none">
           <a:solidFill>
             <a:srgbClr val="000000"/>
           </a:solidFill>
@@ -9027,7 +9167,7 @@
           <a:sym typeface="Arial"/>
         </a:defRPr>
       </a:lvl7pPr>
-      <a:lvl8pPr lvl="7" marR="0" rtl="0" algn="l">
+      <a:lvl8pPr marR="0" lvl="7" algn="l" rtl="0">
         <a:lnSpc>
           <a:spcPct val="100000"/>
         </a:lnSpc>
@@ -9041,7 +9181,7 @@
           <a:srgbClr val="000000"/>
         </a:buClr>
         <a:buFont typeface="Arial"/>
-        <a:defRPr b="0" i="0" sz="1400" u="none" cap="none" strike="noStrike">
+        <a:defRPr sz="1400" b="0" i="0" u="none" strike="noStrike" cap="none">
           <a:solidFill>
             <a:srgbClr val="000000"/>
           </a:solidFill>
@@ -9051,7 +9191,7 @@
           <a:sym typeface="Arial"/>
         </a:defRPr>
       </a:lvl8pPr>
-      <a:lvl9pPr lvl="8" marR="0" rtl="0" algn="l">
+      <a:lvl9pPr marR="0" lvl="8" algn="l" rtl="0">
         <a:lnSpc>
           <a:spcPct val="100000"/>
         </a:lnSpc>
@@ -9065,7 +9205,7 @@
           <a:srgbClr val="000000"/>
         </a:buClr>
         <a:buFont typeface="Arial"/>
-        <a:defRPr b="0" i="0" sz="1400" u="none" cap="none" strike="noStrike">
+        <a:defRPr sz="1400" b="0" i="0" u="none" strike="noStrike" cap="none">
           <a:solidFill>
             <a:srgbClr val="000000"/>
           </a:solidFill>
@@ -9077,7 +9217,7 @@
       </a:lvl9pPr>
     </p:bodyStyle>
     <p:otherStyle>
-      <a:defPPr lvl="0" marR="0" rtl="0" algn="l">
+      <a:defPPr marR="0" lvl="0" algn="l" rtl="0">
         <a:lnSpc>
           <a:spcPct val="100000"/>
         </a:lnSpc>
@@ -9088,7 +9228,7 @@
           <a:spcPts val="0"/>
         </a:spcAft>
       </a:defPPr>
-      <a:lvl1pPr lvl="0" marR="0" rtl="0" algn="l">
+      <a:lvl1pPr marR="0" lvl="0" algn="l" rtl="0">
         <a:lnSpc>
           <a:spcPct val="100000"/>
         </a:lnSpc>
@@ -9102,7 +9242,7 @@
           <a:srgbClr val="000000"/>
         </a:buClr>
         <a:buFont typeface="Arial"/>
-        <a:defRPr b="0" i="0" sz="1400" u="none" cap="none" strike="noStrike">
+        <a:defRPr sz="1400" b="0" i="0" u="none" strike="noStrike" cap="none">
           <a:solidFill>
             <a:srgbClr val="000000"/>
           </a:solidFill>
@@ -9112,7 +9252,7 @@
           <a:sym typeface="Arial"/>
         </a:defRPr>
       </a:lvl1pPr>
-      <a:lvl2pPr lvl="1" marR="0" rtl="0" algn="l">
+      <a:lvl2pPr marR="0" lvl="1" algn="l" rtl="0">
         <a:lnSpc>
           <a:spcPct val="100000"/>
         </a:lnSpc>
@@ -9126,7 +9266,7 @@
           <a:srgbClr val="000000"/>
         </a:buClr>
         <a:buFont typeface="Arial"/>
-        <a:defRPr b="0" i="0" sz="1400" u="none" cap="none" strike="noStrike">
+        <a:defRPr sz="1400" b="0" i="0" u="none" strike="noStrike" cap="none">
           <a:solidFill>
             <a:srgbClr val="000000"/>
           </a:solidFill>
@@ -9136,7 +9276,7 @@
           <a:sym typeface="Arial"/>
         </a:defRPr>
       </a:lvl2pPr>
-      <a:lvl3pPr lvl="2" marR="0" rtl="0" algn="l">
+      <a:lvl3pPr marR="0" lvl="2" algn="l" rtl="0">
         <a:lnSpc>
           <a:spcPct val="100000"/>
         </a:lnSpc>
@@ -9150,7 +9290,7 @@
           <a:srgbClr val="000000"/>
         </a:buClr>
         <a:buFont typeface="Arial"/>
-        <a:defRPr b="0" i="0" sz="1400" u="none" cap="none" strike="noStrike">
+        <a:defRPr sz="1400" b="0" i="0" u="none" strike="noStrike" cap="none">
           <a:solidFill>
             <a:srgbClr val="000000"/>
           </a:solidFill>
@@ -9160,7 +9300,7 @@
           <a:sym typeface="Arial"/>
         </a:defRPr>
       </a:lvl3pPr>
-      <a:lvl4pPr lvl="3" marR="0" rtl="0" algn="l">
+      <a:lvl4pPr marR="0" lvl="3" algn="l" rtl="0">
         <a:lnSpc>
           <a:spcPct val="100000"/>
         </a:lnSpc>
@@ -9174,7 +9314,7 @@
           <a:srgbClr val="000000"/>
         </a:buClr>
         <a:buFont typeface="Arial"/>
-        <a:defRPr b="0" i="0" sz="1400" u="none" cap="none" strike="noStrike">
+        <a:defRPr sz="1400" b="0" i="0" u="none" strike="noStrike" cap="none">
           <a:solidFill>
             <a:srgbClr val="000000"/>
           </a:solidFill>
@@ -9184,7 +9324,7 @@
           <a:sym typeface="Arial"/>
         </a:defRPr>
       </a:lvl4pPr>
-      <a:lvl5pPr lvl="4" marR="0" rtl="0" algn="l">
+      <a:lvl5pPr marR="0" lvl="4" algn="l" rtl="0">
         <a:lnSpc>
           <a:spcPct val="100000"/>
         </a:lnSpc>
@@ -9198,7 +9338,7 @@
           <a:srgbClr val="000000"/>
         </a:buClr>
         <a:buFont typeface="Arial"/>
-        <a:defRPr b="0" i="0" sz="1400" u="none" cap="none" strike="noStrike">
+        <a:defRPr sz="1400" b="0" i="0" u="none" strike="noStrike" cap="none">
           <a:solidFill>
             <a:srgbClr val="000000"/>
           </a:solidFill>
@@ -9208,7 +9348,7 @@
           <a:sym typeface="Arial"/>
         </a:defRPr>
       </a:lvl5pPr>
-      <a:lvl6pPr lvl="5" marR="0" rtl="0" algn="l">
+      <a:lvl6pPr marR="0" lvl="5" algn="l" rtl="0">
         <a:lnSpc>
           <a:spcPct val="100000"/>
         </a:lnSpc>
@@ -9222,7 +9362,7 @@
           <a:srgbClr val="000000"/>
         </a:buClr>
         <a:buFont typeface="Arial"/>
-        <a:defRPr b="0" i="0" sz="1400" u="none" cap="none" strike="noStrike">
+        <a:defRPr sz="1400" b="0" i="0" u="none" strike="noStrike" cap="none">
           <a:solidFill>
             <a:srgbClr val="000000"/>
           </a:solidFill>
@@ -9232,7 +9372,7 @@
           <a:sym typeface="Arial"/>
         </a:defRPr>
       </a:lvl6pPr>
-      <a:lvl7pPr lvl="6" marR="0" rtl="0" algn="l">
+      <a:lvl7pPr marR="0" lvl="6" algn="l" rtl="0">
         <a:lnSpc>
           <a:spcPct val="100000"/>
         </a:lnSpc>
@@ -9246,7 +9386,7 @@
           <a:srgbClr val="000000"/>
         </a:buClr>
         <a:buFont typeface="Arial"/>
-        <a:defRPr b="0" i="0" sz="1400" u="none" cap="none" strike="noStrike">
+        <a:defRPr sz="1400" b="0" i="0" u="none" strike="noStrike" cap="none">
           <a:solidFill>
             <a:srgbClr val="000000"/>
           </a:solidFill>
@@ -9256,7 +9396,7 @@
           <a:sym typeface="Arial"/>
         </a:defRPr>
       </a:lvl7pPr>
-      <a:lvl8pPr lvl="7" marR="0" rtl="0" algn="l">
+      <a:lvl8pPr marR="0" lvl="7" algn="l" rtl="0">
         <a:lnSpc>
           <a:spcPct val="100000"/>
         </a:lnSpc>
@@ -9270,7 +9410,7 @@
           <a:srgbClr val="000000"/>
         </a:buClr>
         <a:buFont typeface="Arial"/>
-        <a:defRPr b="0" i="0" sz="1400" u="none" cap="none" strike="noStrike">
+        <a:defRPr sz="1400" b="0" i="0" u="none" strike="noStrike" cap="none">
           <a:solidFill>
             <a:srgbClr val="000000"/>
           </a:solidFill>
@@ -9280,7 +9420,7 @@
           <a:sym typeface="Arial"/>
         </a:defRPr>
       </a:lvl8pPr>
-      <a:lvl9pPr lvl="8" marR="0" rtl="0" algn="l">
+      <a:lvl9pPr marR="0" lvl="8" algn="l" rtl="0">
         <a:lnSpc>
           <a:spcPct val="100000"/>
         </a:lnSpc>
@@ -9294,7 +9434,7 @@
           <a:srgbClr val="000000"/>
         </a:buClr>
         <a:buFont typeface="Arial"/>
-        <a:defRPr b="0" i="0" sz="1400" u="none" cap="none" strike="noStrike">
+        <a:defRPr sz="1400" b="0" i="0" u="none" strike="noStrike" cap="none">
           <a:solidFill>
             <a:srgbClr val="000000"/>
           </a:solidFill>
@@ -9310,11 +9450,11 @@
 </file>
 
 <file path=ppt/slides/slide1.xml><?xml version="1.0" encoding="utf-8"?>
-<p:sld xmlns:a="http://schemas.openxmlformats.org/drawingml/2006/main" xmlns:r="http://schemas.openxmlformats.org/officeDocument/2006/relationships" xmlns:mc="http://schemas.openxmlformats.org/markup-compatibility/2006" xmlns:mv="urn:schemas-microsoft-com:mac:vml" xmlns:p="http://schemas.openxmlformats.org/presentationml/2006/main" xmlns:c="http://schemas.openxmlformats.org/drawingml/2006/chart" xmlns:dgm="http://schemas.openxmlformats.org/drawingml/2006/diagram" xmlns:o="urn:schemas-microsoft-com:office:office" xmlns:v="urn:schemas-microsoft-com:vml" xmlns:pvml="urn:schemas-microsoft-com:office:powerpoint" xmlns:com="http://schemas.openxmlformats.org/drawingml/2006/compatibility" xmlns:p14="http://schemas.microsoft.com/office/powerpoint/2010/main" xmlns:p15="http://schemas.microsoft.com/office/powerpoint/2012/main" xmlns:ahyp="http://schemas.microsoft.com/office/drawing/2018/hyperlinkcolor">
+<p:sld xmlns:a="http://schemas.openxmlformats.org/drawingml/2006/main" xmlns:r="http://schemas.openxmlformats.org/officeDocument/2006/relationships" xmlns:p="http://schemas.openxmlformats.org/presentationml/2006/main">
   <p:cSld>
     <p:spTree>
       <p:nvGrpSpPr>
-        <p:cNvPr id="84" name="Shape 84"/>
+        <p:cNvPr id="1" name="Shape 84"/>
         <p:cNvGrpSpPr/>
         <p:nvPr/>
       </p:nvGrpSpPr>
@@ -9329,7 +9469,9 @@
       <p:sp>
         <p:nvSpPr>
           <p:cNvPr id="85" name="Google Shape;85;p13"/>
-          <p:cNvSpPr txBox="1"/>
+          <p:cNvSpPr txBox="1">
+            <a:spLocks noGrp="1"/>
+          </p:cNvSpPr>
           <p:nvPr>
             <p:ph type="ctrTitle"/>
           </p:nvPr>
@@ -9344,12 +9486,12 @@
           </a:prstGeom>
         </p:spPr>
         <p:txBody>
-          <a:bodyPr anchorCtr="0" anchor="b" bIns="91425" lIns="91425" spcFirstLastPara="1" rIns="91425" wrap="square" tIns="91425">
+          <a:bodyPr spcFirstLastPara="1" wrap="square" lIns="91425" tIns="91425" rIns="91425" bIns="91425" anchor="b" anchorCtr="0">
             <a:normAutofit/>
           </a:bodyPr>
           <a:lstStyle/>
           <a:p>
-            <a:pPr indent="0" lvl="0" marL="0" rtl="0" algn="l">
+            <a:pPr marL="0" lvl="0" indent="0" algn="l" rtl="0">
               <a:spcBef>
                 <a:spcPts val="0"/>
               </a:spcBef>
@@ -9385,9 +9527,11 @@
       <p:sp>
         <p:nvSpPr>
           <p:cNvPr id="86" name="Google Shape;86;p13"/>
-          <p:cNvSpPr txBox="1"/>
+          <p:cNvSpPr txBox="1">
+            <a:spLocks noGrp="1"/>
+          </p:cNvSpPr>
           <p:nvPr>
-            <p:ph idx="1" type="subTitle"/>
+            <p:ph type="subTitle" idx="1"/>
           </p:nvPr>
         </p:nvSpPr>
         <p:spPr>
@@ -9400,12 +9544,12 @@
           </a:prstGeom>
         </p:spPr>
         <p:txBody>
-          <a:bodyPr anchorCtr="0" anchor="t" bIns="91425" lIns="91425" spcFirstLastPara="1" rIns="91425" wrap="square" tIns="91425">
+          <a:bodyPr spcFirstLastPara="1" wrap="square" lIns="91425" tIns="91425" rIns="91425" bIns="91425" anchor="t" anchorCtr="0">
             <a:normAutofit lnSpcReduction="20000"/>
           </a:bodyPr>
           <a:lstStyle/>
           <a:p>
-            <a:pPr indent="0" lvl="0" marL="0" rtl="0" algn="l">
+            <a:pPr marL="0" lvl="0" indent="0" algn="l" rtl="0">
               <a:spcBef>
                 <a:spcPts val="0"/>
               </a:spcBef>
@@ -9447,11 +9591,11 @@
 </file>
 
 <file path=ppt/slides/slide10.xml><?xml version="1.0" encoding="utf-8"?>
-<p:sld xmlns:a="http://schemas.openxmlformats.org/drawingml/2006/main" xmlns:r="http://schemas.openxmlformats.org/officeDocument/2006/relationships" xmlns:mc="http://schemas.openxmlformats.org/markup-compatibility/2006" xmlns:mv="urn:schemas-microsoft-com:mac:vml" xmlns:p="http://schemas.openxmlformats.org/presentationml/2006/main" xmlns:c="http://schemas.openxmlformats.org/drawingml/2006/chart" xmlns:dgm="http://schemas.openxmlformats.org/drawingml/2006/diagram" xmlns:o="urn:schemas-microsoft-com:office:office" xmlns:v="urn:schemas-microsoft-com:vml" xmlns:pvml="urn:schemas-microsoft-com:office:powerpoint" xmlns:com="http://schemas.openxmlformats.org/drawingml/2006/compatibility" xmlns:p14="http://schemas.microsoft.com/office/powerpoint/2010/main" xmlns:p15="http://schemas.microsoft.com/office/powerpoint/2012/main" xmlns:ahyp="http://schemas.microsoft.com/office/drawing/2018/hyperlinkcolor">
+<p:sld xmlns:a="http://schemas.openxmlformats.org/drawingml/2006/main" xmlns:r="http://schemas.openxmlformats.org/officeDocument/2006/relationships" xmlns:p="http://schemas.openxmlformats.org/presentationml/2006/main">
   <p:cSld>
     <p:spTree>
       <p:nvGrpSpPr>
-        <p:cNvPr id="167" name="Shape 167"/>
+        <p:cNvPr id="1" name="Shape 167"/>
         <p:cNvGrpSpPr/>
         <p:nvPr/>
       </p:nvGrpSpPr>
@@ -9483,12 +9627,12 @@
           </a:ln>
         </p:spPr>
         <p:txBody>
-          <a:bodyPr anchorCtr="0" anchor="t" bIns="91425" lIns="91425" spcFirstLastPara="1" rIns="91425" wrap="square" tIns="91425">
+          <a:bodyPr spcFirstLastPara="1" wrap="square" lIns="91425" tIns="91425" rIns="91425" bIns="91425" anchor="t" anchorCtr="0">
             <a:spAutoFit/>
           </a:bodyPr>
           <a:lstStyle/>
           <a:p>
-            <a:pPr indent="0" lvl="0" marL="0" rtl="0" algn="l">
+            <a:pPr marL="0" lvl="0" indent="0" algn="l" rtl="0">
               <a:spcBef>
                 <a:spcPts val="0"/>
               </a:spcBef>
@@ -9558,11 +9702,11 @@
 </file>
 
 <file path=ppt/slides/slide11.xml><?xml version="1.0" encoding="utf-8"?>
-<p:sld xmlns:a="http://schemas.openxmlformats.org/drawingml/2006/main" xmlns:r="http://schemas.openxmlformats.org/officeDocument/2006/relationships" xmlns:mc="http://schemas.openxmlformats.org/markup-compatibility/2006" xmlns:mv="urn:schemas-microsoft-com:mac:vml" xmlns:p="http://schemas.openxmlformats.org/presentationml/2006/main" xmlns:c="http://schemas.openxmlformats.org/drawingml/2006/chart" xmlns:dgm="http://schemas.openxmlformats.org/drawingml/2006/diagram" xmlns:o="urn:schemas-microsoft-com:office:office" xmlns:v="urn:schemas-microsoft-com:vml" xmlns:pvml="urn:schemas-microsoft-com:office:powerpoint" xmlns:com="http://schemas.openxmlformats.org/drawingml/2006/compatibility" xmlns:p14="http://schemas.microsoft.com/office/powerpoint/2010/main" xmlns:p15="http://schemas.microsoft.com/office/powerpoint/2012/main" xmlns:ahyp="http://schemas.microsoft.com/office/drawing/2018/hyperlinkcolor">
+<p:sld xmlns:a="http://schemas.openxmlformats.org/drawingml/2006/main" xmlns:r="http://schemas.openxmlformats.org/officeDocument/2006/relationships" xmlns:p="http://schemas.openxmlformats.org/presentationml/2006/main">
   <p:cSld>
     <p:spTree>
       <p:nvGrpSpPr>
-        <p:cNvPr id="173" name="Shape 173"/>
+        <p:cNvPr id="1" name="Shape 173"/>
         <p:cNvGrpSpPr/>
         <p:nvPr/>
       </p:nvGrpSpPr>
@@ -9594,12 +9738,12 @@
           </a:ln>
         </p:spPr>
         <p:txBody>
-          <a:bodyPr anchorCtr="0" anchor="t" bIns="91425" lIns="91425" spcFirstLastPara="1" rIns="91425" wrap="square" tIns="91425">
+          <a:bodyPr spcFirstLastPara="1" wrap="square" lIns="91425" tIns="91425" rIns="91425" bIns="91425" anchor="t" anchorCtr="0">
             <a:spAutoFit/>
           </a:bodyPr>
           <a:lstStyle/>
           <a:p>
-            <a:pPr indent="0" lvl="0" marL="0" rtl="0" algn="l">
+            <a:pPr marL="0" lvl="0" indent="0" algn="l" rtl="0">
               <a:spcBef>
                 <a:spcPts val="0"/>
               </a:spcBef>
@@ -9645,29 +9789,29 @@
           </a:xfrm>
           <a:prstGeom prst="roundRect">
             <a:avLst>
-              <a:gd fmla="val 16667" name="adj"/>
+              <a:gd name="adj" fmla="val 16667"/>
             </a:avLst>
           </a:prstGeom>
           <a:solidFill>
             <a:srgbClr val="F3F3F3"/>
           </a:solidFill>
-          <a:ln cap="flat" cmpd="sng" w="9525">
+          <a:ln w="9525" cap="flat" cmpd="sng">
             <a:solidFill>
               <a:schemeClr val="dk2"/>
             </a:solidFill>
             <a:prstDash val="solid"/>
             <a:round/>
-            <a:headEnd len="sm" w="sm" type="none"/>
-            <a:tailEnd len="sm" w="sm" type="none"/>
+            <a:headEnd type="none" w="sm" len="sm"/>
+            <a:tailEnd type="none" w="sm" len="sm"/>
           </a:ln>
         </p:spPr>
         <p:txBody>
-          <a:bodyPr anchorCtr="0" anchor="ctr" bIns="91425" lIns="91425" spcFirstLastPara="1" rIns="91425" wrap="square" tIns="91425">
+          <a:bodyPr spcFirstLastPara="1" wrap="square" lIns="91425" tIns="91425" rIns="91425" bIns="91425" anchor="ctr" anchorCtr="0">
             <a:noAutofit/>
           </a:bodyPr>
           <a:lstStyle/>
           <a:p>
-            <a:pPr indent="0" lvl="0" marL="0" rtl="0" algn="ctr">
+            <a:pPr marL="0" lvl="0" indent="0" algn="ctr" rtl="0">
               <a:spcBef>
                 <a:spcPts val="0"/>
               </a:spcBef>
@@ -9676,9 +9820,6 @@
               </a:spcAft>
               <a:buNone/>
             </a:pPr>
-            <a:r>
-              <a:t/>
-            </a:r>
             <a:endParaRPr>
               <a:latin typeface="Roboto"/>
               <a:ea typeface="Roboto"/>
@@ -9701,29 +9842,29 @@
           </a:xfrm>
           <a:prstGeom prst="roundRect">
             <a:avLst>
-              <a:gd fmla="val 16667" name="adj"/>
+              <a:gd name="adj" fmla="val 16667"/>
             </a:avLst>
           </a:prstGeom>
           <a:solidFill>
             <a:srgbClr val="F3F3F3"/>
           </a:solidFill>
-          <a:ln cap="flat" cmpd="sng" w="9525">
+          <a:ln w="9525" cap="flat" cmpd="sng">
             <a:solidFill>
               <a:schemeClr val="dk2"/>
             </a:solidFill>
             <a:prstDash val="solid"/>
             <a:round/>
-            <a:headEnd len="sm" w="sm" type="none"/>
-            <a:tailEnd len="sm" w="sm" type="none"/>
+            <a:headEnd type="none" w="sm" len="sm"/>
+            <a:tailEnd type="none" w="sm" len="sm"/>
           </a:ln>
         </p:spPr>
         <p:txBody>
-          <a:bodyPr anchorCtr="0" anchor="ctr" bIns="91425" lIns="91425" spcFirstLastPara="1" rIns="91425" wrap="square" tIns="91425">
+          <a:bodyPr spcFirstLastPara="1" wrap="square" lIns="91425" tIns="91425" rIns="91425" bIns="91425" anchor="ctr" anchorCtr="0">
             <a:noAutofit/>
           </a:bodyPr>
           <a:lstStyle/>
           <a:p>
-            <a:pPr indent="0" lvl="0" marL="0" rtl="0" algn="ctr">
+            <a:pPr marL="0" lvl="0" indent="0" algn="ctr" rtl="0">
               <a:spcBef>
                 <a:spcPts val="0"/>
               </a:spcBef>
@@ -9732,9 +9873,6 @@
               </a:spcAft>
               <a:buNone/>
             </a:pPr>
-            <a:r>
-              <a:t/>
-            </a:r>
             <a:endParaRPr>
               <a:latin typeface="Roboto"/>
               <a:ea typeface="Roboto"/>
@@ -9764,12 +9902,12 @@
           </a:ln>
         </p:spPr>
         <p:txBody>
-          <a:bodyPr anchorCtr="0" anchor="t" bIns="91425" lIns="91425" spcFirstLastPara="1" rIns="91425" wrap="square" tIns="91425">
+          <a:bodyPr spcFirstLastPara="1" wrap="square" lIns="91425" tIns="91425" rIns="91425" bIns="91425" anchor="t" anchorCtr="0">
             <a:spAutoFit/>
           </a:bodyPr>
           <a:lstStyle/>
           <a:p>
-            <a:pPr indent="0" lvl="0" marL="0" rtl="0" algn="l">
+            <a:pPr marL="0" lvl="0" indent="0" algn="l" rtl="0">
               <a:spcBef>
                 <a:spcPts val="0"/>
               </a:spcBef>
@@ -9779,7 +9917,7 @@
               <a:buNone/>
             </a:pPr>
             <a:r>
-              <a:rPr b="1" lang="en-GB" sz="1500" u="sng">
+              <a:rPr lang="en-GB" sz="1500" b="1" u="sng">
                 <a:solidFill>
                   <a:schemeClr val="dk2"/>
                 </a:solidFill>
@@ -9790,7 +9928,7 @@
               </a:rPr>
               <a:t>MAP LITERALS</a:t>
             </a:r>
-            <a:endParaRPr b="1" sz="1500" u="sng">
+            <a:endParaRPr sz="1500" b="1" u="sng">
               <a:solidFill>
                 <a:schemeClr val="dk2"/>
               </a:solidFill>
@@ -9822,12 +9960,12 @@
           </a:ln>
         </p:spPr>
         <p:txBody>
-          <a:bodyPr anchorCtr="0" anchor="t" bIns="91425" lIns="91425" spcFirstLastPara="1" rIns="91425" wrap="square" tIns="91425">
+          <a:bodyPr spcFirstLastPara="1" wrap="square" lIns="91425" tIns="91425" rIns="91425" bIns="91425" anchor="t" anchorCtr="0">
             <a:spAutoFit/>
           </a:bodyPr>
           <a:lstStyle/>
           <a:p>
-            <a:pPr indent="0" lvl="0" marL="0" rtl="0" algn="l">
+            <a:pPr marL="0" lvl="0" indent="0" algn="l" rtl="0">
               <a:spcBef>
                 <a:spcPts val="0"/>
               </a:spcBef>
@@ -9837,7 +9975,7 @@
               <a:buNone/>
             </a:pPr>
             <a:r>
-              <a:rPr b="1" lang="en-GB" sz="1500" u="sng">
+              <a:rPr lang="en-GB" sz="1500" b="1" u="sng">
                 <a:solidFill>
                   <a:schemeClr val="dk2"/>
                 </a:solidFill>
@@ -9848,7 +9986,7 @@
               </a:rPr>
               <a:t>MAP CONSTRUCTOR</a:t>
             </a:r>
-            <a:endParaRPr b="1" sz="1500" u="sng">
+            <a:endParaRPr sz="1500" b="1" u="sng">
               <a:solidFill>
                 <a:schemeClr val="dk2"/>
               </a:solidFill>
@@ -9880,12 +10018,12 @@
           </a:ln>
         </p:spPr>
         <p:txBody>
-          <a:bodyPr anchorCtr="0" anchor="t" bIns="91425" lIns="91425" spcFirstLastPara="1" rIns="91425" wrap="square" tIns="91425">
+          <a:bodyPr spcFirstLastPara="1" wrap="square" lIns="91425" tIns="91425" rIns="91425" bIns="91425" anchor="t" anchorCtr="0">
             <a:spAutoFit/>
           </a:bodyPr>
           <a:lstStyle/>
           <a:p>
-            <a:pPr indent="-317500" lvl="0" marL="457200" rtl="0" algn="just">
+            <a:pPr marL="457200" lvl="0" indent="-317500" algn="just" rtl="0">
               <a:lnSpc>
                 <a:spcPct val="150000"/>
               </a:lnSpc>
@@ -9925,7 +10063,7 @@
             </a:endParaRPr>
           </a:p>
           <a:p>
-            <a:pPr indent="-317500" lvl="0" marL="457200" rtl="0" algn="just">
+            <a:pPr marL="457200" lvl="0" indent="-317500" algn="just" rtl="0">
               <a:lnSpc>
                 <a:spcPct val="150000"/>
               </a:lnSpc>
@@ -9965,7 +10103,7 @@
             </a:endParaRPr>
           </a:p>
           <a:p>
-            <a:pPr indent="-317500" lvl="0" marL="457200" rtl="0" algn="just">
+            <a:pPr marL="457200" lvl="0" indent="-317500" algn="just" rtl="0">
               <a:lnSpc>
                 <a:spcPct val="150000"/>
               </a:lnSpc>
@@ -10026,12 +10164,12 @@
           </a:ln>
         </p:spPr>
         <p:txBody>
-          <a:bodyPr anchorCtr="0" anchor="t" bIns="91425" lIns="91425" spcFirstLastPara="1" rIns="91425" wrap="square" tIns="91425">
+          <a:bodyPr spcFirstLastPara="1" wrap="square" lIns="91425" tIns="91425" rIns="91425" bIns="91425" anchor="t" anchorCtr="0">
             <a:spAutoFit/>
           </a:bodyPr>
           <a:lstStyle/>
           <a:p>
-            <a:pPr indent="0" lvl="0" marL="0" rtl="0" algn="l">
+            <a:pPr marL="0" lvl="0" indent="0" algn="l" rtl="0">
               <a:spcBef>
                 <a:spcPts val="0"/>
               </a:spcBef>
@@ -10040,9 +10178,6 @@
               </a:spcAft>
               <a:buNone/>
             </a:pPr>
-            <a:r>
-              <a:t/>
-            </a:r>
             <a:endParaRPr sz="1800">
               <a:solidFill>
                 <a:schemeClr val="dk2"/>
@@ -10075,12 +10210,12 @@
           </a:ln>
         </p:spPr>
         <p:txBody>
-          <a:bodyPr anchorCtr="0" anchor="t" bIns="91425" lIns="91425" spcFirstLastPara="1" rIns="91425" wrap="square" tIns="91425">
+          <a:bodyPr spcFirstLastPara="1" wrap="square" lIns="91425" tIns="91425" rIns="91425" bIns="91425" anchor="t" anchorCtr="0">
             <a:spAutoFit/>
           </a:bodyPr>
           <a:lstStyle/>
           <a:p>
-            <a:pPr indent="-317500" lvl="0" marL="457200" rtl="0" algn="just">
+            <a:pPr marL="457200" lvl="0" indent="-317500" algn="just" rtl="0">
               <a:lnSpc>
                 <a:spcPct val="150000"/>
               </a:lnSpc>
@@ -10110,7 +10245,7 @@
               <a:t>A Map constructor uses the Map class to create a map using the </a:t>
             </a:r>
             <a:r>
-              <a:rPr b="1" lang="en-GB">
+              <a:rPr lang="en-GB" b="1">
                 <a:solidFill>
                   <a:srgbClr val="188038"/>
                 </a:solidFill>
@@ -10144,7 +10279,7 @@
             </a:endParaRPr>
           </a:p>
           <a:p>
-            <a:pPr indent="-317500" lvl="0" marL="457200" rtl="0" algn="just">
+            <a:pPr marL="457200" lvl="0" indent="-317500" algn="just" rtl="0">
               <a:lnSpc>
                 <a:spcPct val="150000"/>
               </a:lnSpc>
@@ -10184,7 +10319,7 @@
             </a:endParaRPr>
           </a:p>
           <a:p>
-            <a:pPr indent="-317500" lvl="0" marL="457200" rtl="0" algn="just">
+            <a:pPr marL="457200" lvl="0" indent="-317500" algn="just" rtl="0">
               <a:lnSpc>
                 <a:spcPct val="150000"/>
               </a:lnSpc>
@@ -10234,11 +10369,11 @@
 </file>
 
 <file path=ppt/slides/slide12.xml><?xml version="1.0" encoding="utf-8"?>
-<p:sld xmlns:a="http://schemas.openxmlformats.org/drawingml/2006/main" xmlns:r="http://schemas.openxmlformats.org/officeDocument/2006/relationships" xmlns:mc="http://schemas.openxmlformats.org/markup-compatibility/2006" xmlns:mv="urn:schemas-microsoft-com:mac:vml" xmlns:p="http://schemas.openxmlformats.org/presentationml/2006/main" xmlns:c="http://schemas.openxmlformats.org/drawingml/2006/chart" xmlns:dgm="http://schemas.openxmlformats.org/drawingml/2006/diagram" xmlns:o="urn:schemas-microsoft-com:office:office" xmlns:v="urn:schemas-microsoft-com:vml" xmlns:pvml="urn:schemas-microsoft-com:office:powerpoint" xmlns:com="http://schemas.openxmlformats.org/drawingml/2006/compatibility" xmlns:p14="http://schemas.microsoft.com/office/powerpoint/2010/main" xmlns:p15="http://schemas.microsoft.com/office/powerpoint/2012/main" xmlns:ahyp="http://schemas.microsoft.com/office/drawing/2018/hyperlinkcolor">
+<p:sld xmlns:a="http://schemas.openxmlformats.org/drawingml/2006/main" xmlns:r="http://schemas.openxmlformats.org/officeDocument/2006/relationships" xmlns:p="http://schemas.openxmlformats.org/presentationml/2006/main">
   <p:cSld>
     <p:spTree>
       <p:nvGrpSpPr>
-        <p:cNvPr id="185" name="Shape 185"/>
+        <p:cNvPr id="1" name="Shape 185"/>
         <p:cNvGrpSpPr/>
         <p:nvPr/>
       </p:nvGrpSpPr>
@@ -10270,12 +10405,12 @@
           </a:ln>
         </p:spPr>
         <p:txBody>
-          <a:bodyPr anchorCtr="0" anchor="t" bIns="91425" lIns="91425" spcFirstLastPara="1" rIns="91425" wrap="square" tIns="91425">
+          <a:bodyPr spcFirstLastPara="1" wrap="square" lIns="91425" tIns="91425" rIns="91425" bIns="91425" anchor="t" anchorCtr="0">
             <a:spAutoFit/>
           </a:bodyPr>
           <a:lstStyle/>
           <a:p>
-            <a:pPr indent="0" lvl="0" marL="0" rtl="0" algn="l">
+            <a:pPr marL="0" lvl="0" indent="0" algn="l" rtl="0">
               <a:spcBef>
                 <a:spcPts val="0"/>
               </a:spcBef>
@@ -10384,12 +10519,12 @@
           </a:ln>
         </p:spPr>
         <p:txBody>
-          <a:bodyPr anchorCtr="0" anchor="t" bIns="91425" lIns="91425" spcFirstLastPara="1" rIns="91425" wrap="square" tIns="91425">
+          <a:bodyPr spcFirstLastPara="1" wrap="square" lIns="91425" tIns="91425" rIns="91425" bIns="91425" anchor="t" anchorCtr="0">
             <a:spAutoFit/>
           </a:bodyPr>
           <a:lstStyle/>
           <a:p>
-            <a:pPr indent="0" lvl="0" marL="0" rtl="0" algn="l">
+            <a:pPr marL="0" lvl="0" indent="0" algn="l" rtl="0">
               <a:spcBef>
                 <a:spcPts val="0"/>
               </a:spcBef>
@@ -10431,11 +10566,11 @@
 </file>
 
 <file path=ppt/slides/slide13.xml><?xml version="1.0" encoding="utf-8"?>
-<p:sld xmlns:a="http://schemas.openxmlformats.org/drawingml/2006/main" xmlns:r="http://schemas.openxmlformats.org/officeDocument/2006/relationships" xmlns:mc="http://schemas.openxmlformats.org/markup-compatibility/2006" xmlns:mv="urn:schemas-microsoft-com:mac:vml" xmlns:p="http://schemas.openxmlformats.org/presentationml/2006/main" xmlns:c="http://schemas.openxmlformats.org/drawingml/2006/chart" xmlns:dgm="http://schemas.openxmlformats.org/drawingml/2006/diagram" xmlns:o="urn:schemas-microsoft-com:office:office" xmlns:v="urn:schemas-microsoft-com:vml" xmlns:pvml="urn:schemas-microsoft-com:office:powerpoint" xmlns:com="http://schemas.openxmlformats.org/drawingml/2006/compatibility" xmlns:p14="http://schemas.microsoft.com/office/powerpoint/2010/main" xmlns:p15="http://schemas.microsoft.com/office/powerpoint/2012/main" xmlns:ahyp="http://schemas.microsoft.com/office/drawing/2018/hyperlinkcolor">
+<p:sld xmlns:a="http://schemas.openxmlformats.org/drawingml/2006/main" xmlns:r="http://schemas.openxmlformats.org/officeDocument/2006/relationships" xmlns:p="http://schemas.openxmlformats.org/presentationml/2006/main">
   <p:cSld>
     <p:spTree>
       <p:nvGrpSpPr>
-        <p:cNvPr id="193" name="Shape 193"/>
+        <p:cNvPr id="1" name="Shape 193"/>
         <p:cNvGrpSpPr/>
         <p:nvPr/>
       </p:nvGrpSpPr>
@@ -10467,12 +10602,12 @@
           </a:ln>
         </p:spPr>
         <p:txBody>
-          <a:bodyPr anchorCtr="0" anchor="t" bIns="91425" lIns="91425" spcFirstLastPara="1" rIns="91425" wrap="square" tIns="91425">
+          <a:bodyPr spcFirstLastPara="1" wrap="square" lIns="91425" tIns="91425" rIns="91425" bIns="91425" anchor="t" anchorCtr="0">
             <a:spAutoFit/>
           </a:bodyPr>
           <a:lstStyle/>
           <a:p>
-            <a:pPr indent="0" lvl="0" marL="0" rtl="0" algn="l">
+            <a:pPr marL="0" lvl="0" indent="0" algn="l" rtl="0">
               <a:spcBef>
                 <a:spcPts val="0"/>
               </a:spcBef>
@@ -10542,11 +10677,11 @@
 </file>
 
 <file path=ppt/slides/slide14.xml><?xml version="1.0" encoding="utf-8"?>
-<p:sld xmlns:a="http://schemas.openxmlformats.org/drawingml/2006/main" xmlns:r="http://schemas.openxmlformats.org/officeDocument/2006/relationships" xmlns:mc="http://schemas.openxmlformats.org/markup-compatibility/2006" xmlns:mv="urn:schemas-microsoft-com:mac:vml" xmlns:p="http://schemas.openxmlformats.org/presentationml/2006/main" xmlns:c="http://schemas.openxmlformats.org/drawingml/2006/chart" xmlns:dgm="http://schemas.openxmlformats.org/drawingml/2006/diagram" xmlns:o="urn:schemas-microsoft-com:office:office" xmlns:v="urn:schemas-microsoft-com:vml" xmlns:pvml="urn:schemas-microsoft-com:office:powerpoint" xmlns:com="http://schemas.openxmlformats.org/drawingml/2006/compatibility" xmlns:p14="http://schemas.microsoft.com/office/powerpoint/2010/main" xmlns:p15="http://schemas.microsoft.com/office/powerpoint/2012/main" xmlns:ahyp="http://schemas.microsoft.com/office/drawing/2018/hyperlinkcolor">
+<p:sld xmlns:a="http://schemas.openxmlformats.org/drawingml/2006/main" xmlns:r="http://schemas.openxmlformats.org/officeDocument/2006/relationships" xmlns:p="http://schemas.openxmlformats.org/presentationml/2006/main">
   <p:cSld>
     <p:spTree>
       <p:nvGrpSpPr>
-        <p:cNvPr id="199" name="Shape 199"/>
+        <p:cNvPr id="1" name="Shape 199"/>
         <p:cNvGrpSpPr/>
         <p:nvPr/>
       </p:nvGrpSpPr>
@@ -10578,12 +10713,12 @@
           </a:ln>
         </p:spPr>
         <p:txBody>
-          <a:bodyPr anchorCtr="0" anchor="t" bIns="91425" lIns="91425" spcFirstLastPara="1" rIns="91425" wrap="square" tIns="91425">
+          <a:bodyPr spcFirstLastPara="1" wrap="square" lIns="91425" tIns="91425" rIns="91425" bIns="91425" anchor="t" anchorCtr="0">
             <a:spAutoFit/>
           </a:bodyPr>
           <a:lstStyle/>
           <a:p>
-            <a:pPr indent="0" lvl="0" marL="0" rtl="0" algn="l">
+            <a:pPr marL="0" lvl="0" indent="0" algn="l" rtl="0">
               <a:spcBef>
                 <a:spcPts val="0"/>
               </a:spcBef>
@@ -10633,23 +10768,23 @@
           <a:solidFill>
             <a:srgbClr val="F3F3F3"/>
           </a:solidFill>
-          <a:ln cap="flat" cmpd="sng" w="9525">
+          <a:ln w="9525" cap="flat" cmpd="sng">
             <a:solidFill>
               <a:schemeClr val="dk2"/>
             </a:solidFill>
             <a:prstDash val="solid"/>
             <a:round/>
-            <a:headEnd len="sm" w="sm" type="none"/>
-            <a:tailEnd len="sm" w="sm" type="none"/>
+            <a:headEnd type="none" w="sm" len="sm"/>
+            <a:tailEnd type="none" w="sm" len="sm"/>
           </a:ln>
         </p:spPr>
         <p:txBody>
-          <a:bodyPr anchorCtr="0" anchor="ctr" bIns="91425" lIns="91425" spcFirstLastPara="1" rIns="91425" wrap="square" tIns="91425">
+          <a:bodyPr spcFirstLastPara="1" wrap="square" lIns="91425" tIns="91425" rIns="91425" bIns="91425" anchor="ctr" anchorCtr="0">
             <a:noAutofit/>
           </a:bodyPr>
           <a:lstStyle/>
           <a:p>
-            <a:pPr indent="0" lvl="0" marL="0" rtl="0" algn="ctr">
+            <a:pPr marL="0" lvl="0" indent="0" algn="ctr" rtl="0">
               <a:spcBef>
                 <a:spcPts val="0"/>
               </a:spcBef>
@@ -10658,9 +10793,6 @@
               </a:spcAft>
               <a:buNone/>
             </a:pPr>
-            <a:r>
-              <a:t/>
-            </a:r>
             <a:endParaRPr>
               <a:latin typeface="Roboto"/>
               <a:ea typeface="Roboto"/>
@@ -10687,23 +10819,23 @@
           <a:solidFill>
             <a:srgbClr val="F3F3F3"/>
           </a:solidFill>
-          <a:ln cap="flat" cmpd="sng" w="9525">
+          <a:ln w="9525" cap="flat" cmpd="sng">
             <a:solidFill>
               <a:schemeClr val="dk2"/>
             </a:solidFill>
             <a:prstDash val="solid"/>
             <a:round/>
-            <a:headEnd len="sm" w="sm" type="none"/>
-            <a:tailEnd len="sm" w="sm" type="none"/>
+            <a:headEnd type="none" w="sm" len="sm"/>
+            <a:tailEnd type="none" w="sm" len="sm"/>
           </a:ln>
         </p:spPr>
         <p:txBody>
-          <a:bodyPr anchorCtr="0" anchor="ctr" bIns="91425" lIns="91425" spcFirstLastPara="1" rIns="91425" wrap="square" tIns="91425">
+          <a:bodyPr spcFirstLastPara="1" wrap="square" lIns="91425" tIns="91425" rIns="91425" bIns="91425" anchor="ctr" anchorCtr="0">
             <a:noAutofit/>
           </a:bodyPr>
           <a:lstStyle/>
           <a:p>
-            <a:pPr indent="0" lvl="0" marL="0" rtl="0" algn="ctr">
+            <a:pPr marL="0" lvl="0" indent="0" algn="ctr" rtl="0">
               <a:spcBef>
                 <a:spcPts val="0"/>
               </a:spcBef>
@@ -10712,9 +10844,6 @@
               </a:spcAft>
               <a:buNone/>
             </a:pPr>
-            <a:r>
-              <a:t/>
-            </a:r>
             <a:endParaRPr>
               <a:latin typeface="Roboto"/>
               <a:ea typeface="Roboto"/>
@@ -10744,12 +10873,12 @@
           </a:ln>
         </p:spPr>
         <p:txBody>
-          <a:bodyPr anchorCtr="0" anchor="t" bIns="91425" lIns="91425" spcFirstLastPara="1" rIns="91425" wrap="square" tIns="91425">
+          <a:bodyPr spcFirstLastPara="1" wrap="square" lIns="91425" tIns="91425" rIns="91425" bIns="91425" anchor="t" anchorCtr="0">
             <a:spAutoFit/>
           </a:bodyPr>
           <a:lstStyle/>
           <a:p>
-            <a:pPr indent="0" lvl="0" marL="0" rtl="0" algn="l">
+            <a:pPr marL="0" lvl="0" indent="0" algn="l" rtl="0">
               <a:spcBef>
                 <a:spcPts val="0"/>
               </a:spcBef>
@@ -10759,7 +10888,7 @@
               <a:buNone/>
             </a:pPr>
             <a:r>
-              <a:rPr b="1" lang="en-GB" sz="1500" u="sng">
+              <a:rPr lang="en-GB" sz="1500" b="1" u="sng">
                 <a:solidFill>
                   <a:schemeClr val="dk2"/>
                 </a:solidFill>
@@ -10770,7 +10899,7 @@
               </a:rPr>
               <a:t>TREE</a:t>
             </a:r>
-            <a:endParaRPr b="1" sz="1500" u="sng">
+            <a:endParaRPr sz="1500" b="1" u="sng">
               <a:solidFill>
                 <a:schemeClr val="dk2"/>
               </a:solidFill>
@@ -10802,12 +10931,12 @@
           </a:ln>
         </p:spPr>
         <p:txBody>
-          <a:bodyPr anchorCtr="0" anchor="t" bIns="91425" lIns="91425" spcFirstLastPara="1" rIns="91425" wrap="square" tIns="91425">
+          <a:bodyPr spcFirstLastPara="1" wrap="square" lIns="91425" tIns="91425" rIns="91425" bIns="91425" anchor="t" anchorCtr="0">
             <a:spAutoFit/>
           </a:bodyPr>
           <a:lstStyle/>
           <a:p>
-            <a:pPr indent="0" lvl="0" marL="0" rtl="0" algn="l">
+            <a:pPr marL="0" lvl="0" indent="0" algn="l" rtl="0">
               <a:spcBef>
                 <a:spcPts val="0"/>
               </a:spcBef>
@@ -10817,7 +10946,7 @@
               <a:buNone/>
             </a:pPr>
             <a:r>
-              <a:rPr b="1" lang="en-GB" sz="1500" u="sng">
+              <a:rPr lang="en-GB" sz="1500" b="1" u="sng">
                 <a:solidFill>
                   <a:schemeClr val="dk2"/>
                 </a:solidFill>
@@ -10828,7 +10957,7 @@
               </a:rPr>
               <a:t>GRAPH</a:t>
             </a:r>
-            <a:endParaRPr b="1" sz="1500" u="sng">
+            <a:endParaRPr sz="1500" b="1" u="sng">
               <a:solidFill>
                 <a:schemeClr val="dk2"/>
               </a:solidFill>
@@ -10860,12 +10989,12 @@
           </a:ln>
         </p:spPr>
         <p:txBody>
-          <a:bodyPr anchorCtr="0" anchor="t" bIns="91425" lIns="91425" spcFirstLastPara="1" rIns="91425" wrap="square" tIns="91425">
+          <a:bodyPr spcFirstLastPara="1" wrap="square" lIns="91425" tIns="91425" rIns="91425" bIns="91425" anchor="t" anchorCtr="0">
             <a:spAutoFit/>
           </a:bodyPr>
           <a:lstStyle/>
           <a:p>
-            <a:pPr indent="-317500" lvl="0" marL="457200" rtl="0" algn="just">
+            <a:pPr marL="457200" lvl="0" indent="-317500" algn="just" rtl="0">
               <a:lnSpc>
                 <a:spcPct val="150000"/>
               </a:lnSpc>
@@ -10905,7 +11034,7 @@
             </a:endParaRPr>
           </a:p>
           <a:p>
-            <a:pPr indent="-317500" lvl="0" marL="457200" rtl="0" algn="just">
+            <a:pPr marL="457200" lvl="0" indent="-317500" algn="just" rtl="0">
               <a:lnSpc>
                 <a:spcPct val="150000"/>
               </a:lnSpc>
@@ -10945,7 +11074,7 @@
             </a:endParaRPr>
           </a:p>
           <a:p>
-            <a:pPr indent="-317500" lvl="0" marL="457200" rtl="0" algn="just">
+            <a:pPr marL="457200" lvl="0" indent="-317500" algn="just" rtl="0">
               <a:lnSpc>
                 <a:spcPct val="150000"/>
               </a:lnSpc>
@@ -11006,12 +11135,12 @@
           </a:ln>
         </p:spPr>
         <p:txBody>
-          <a:bodyPr anchorCtr="0" anchor="t" bIns="91425" lIns="91425" spcFirstLastPara="1" rIns="91425" wrap="square" tIns="91425">
+          <a:bodyPr spcFirstLastPara="1" wrap="square" lIns="91425" tIns="91425" rIns="91425" bIns="91425" anchor="t" anchorCtr="0">
             <a:spAutoFit/>
           </a:bodyPr>
           <a:lstStyle/>
           <a:p>
-            <a:pPr indent="-317500" lvl="0" marL="457200" rtl="0" algn="just">
+            <a:pPr marL="457200" lvl="0" indent="-317500" algn="just" rtl="0">
               <a:lnSpc>
                 <a:spcPct val="150000"/>
               </a:lnSpc>
@@ -11051,7 +11180,7 @@
             </a:endParaRPr>
           </a:p>
           <a:p>
-            <a:pPr indent="-317500" lvl="0" marL="457200" rtl="0" algn="just">
+            <a:pPr marL="457200" lvl="0" indent="-317500" algn="just" rtl="0">
               <a:lnSpc>
                 <a:spcPct val="150000"/>
               </a:lnSpc>
@@ -11091,7 +11220,7 @@
             </a:endParaRPr>
           </a:p>
           <a:p>
-            <a:pPr indent="-317500" lvl="0" marL="457200" rtl="0" algn="just">
+            <a:pPr marL="457200" lvl="0" indent="-317500" algn="just" rtl="0">
               <a:lnSpc>
                 <a:spcPct val="150000"/>
               </a:lnSpc>
@@ -11141,11 +11270,11 @@
 </file>
 
 <file path=ppt/slides/slide15.xml><?xml version="1.0" encoding="utf-8"?>
-<p:sld xmlns:a="http://schemas.openxmlformats.org/drawingml/2006/main" xmlns:r="http://schemas.openxmlformats.org/officeDocument/2006/relationships" xmlns:mc="http://schemas.openxmlformats.org/markup-compatibility/2006" xmlns:mv="urn:schemas-microsoft-com:mac:vml" xmlns:p="http://schemas.openxmlformats.org/presentationml/2006/main" xmlns:c="http://schemas.openxmlformats.org/drawingml/2006/chart" xmlns:dgm="http://schemas.openxmlformats.org/drawingml/2006/diagram" xmlns:o="urn:schemas-microsoft-com:office:office" xmlns:v="urn:schemas-microsoft-com:vml" xmlns:pvml="urn:schemas-microsoft-com:office:powerpoint" xmlns:com="http://schemas.openxmlformats.org/drawingml/2006/compatibility" xmlns:p14="http://schemas.microsoft.com/office/powerpoint/2010/main" xmlns:p15="http://schemas.microsoft.com/office/powerpoint/2012/main" xmlns:ahyp="http://schemas.microsoft.com/office/drawing/2018/hyperlinkcolor">
+<p:sld xmlns:a="http://schemas.openxmlformats.org/drawingml/2006/main" xmlns:r="http://schemas.openxmlformats.org/officeDocument/2006/relationships" xmlns:p="http://schemas.openxmlformats.org/presentationml/2006/main">
   <p:cSld>
     <p:spTree>
       <p:nvGrpSpPr>
-        <p:cNvPr id="210" name="Shape 210"/>
+        <p:cNvPr id="1" name="Shape 210"/>
         <p:cNvGrpSpPr/>
         <p:nvPr/>
       </p:nvGrpSpPr>
@@ -11177,12 +11306,12 @@
           </a:ln>
         </p:spPr>
         <p:txBody>
-          <a:bodyPr anchorCtr="0" anchor="t" bIns="91425" lIns="91425" spcFirstLastPara="1" rIns="91425" wrap="square" tIns="91425">
+          <a:bodyPr spcFirstLastPara="1" wrap="square" lIns="91425" tIns="91425" rIns="91425" bIns="91425" anchor="t" anchorCtr="0">
             <a:spAutoFit/>
           </a:bodyPr>
           <a:lstStyle/>
           <a:p>
-            <a:pPr indent="0" lvl="0" marL="0" rtl="0" algn="l">
+            <a:pPr marL="0" lvl="0" indent="0" algn="l" rtl="0">
               <a:spcBef>
                 <a:spcPts val="0"/>
               </a:spcBef>
@@ -11263,12 +11392,12 @@
           </a:ln>
         </p:spPr>
         <p:txBody>
-          <a:bodyPr anchorCtr="0" anchor="t" bIns="91425" lIns="91425" spcFirstLastPara="1" rIns="91425" wrap="square" tIns="91425">
+          <a:bodyPr spcFirstLastPara="1" wrap="square" lIns="91425" tIns="91425" rIns="91425" bIns="91425" anchor="t" anchorCtr="0">
             <a:spAutoFit/>
           </a:bodyPr>
           <a:lstStyle/>
           <a:p>
-            <a:pPr indent="0" lvl="0" marL="0" rtl="0" algn="ctr">
+            <a:pPr marL="0" lvl="0" indent="0" algn="ctr" rtl="0">
               <a:lnSpc>
                 <a:spcPct val="115000"/>
               </a:lnSpc>
@@ -11303,7 +11432,7 @@
             </a:endParaRPr>
           </a:p>
           <a:p>
-            <a:pPr indent="0" lvl="0" marL="0" rtl="0" algn="ctr">
+            <a:pPr marL="0" lvl="0" indent="0" algn="ctr" rtl="0">
               <a:lnSpc>
                 <a:spcPct val="115000"/>
               </a:lnSpc>
@@ -11371,11 +11500,11 @@
 </file>
 
 <file path=ppt/slides/slide16.xml><?xml version="1.0" encoding="utf-8"?>
-<p:sld xmlns:a="http://schemas.openxmlformats.org/drawingml/2006/main" xmlns:r="http://schemas.openxmlformats.org/officeDocument/2006/relationships" xmlns:mc="http://schemas.openxmlformats.org/markup-compatibility/2006" xmlns:mv="urn:schemas-microsoft-com:mac:vml" xmlns:p="http://schemas.openxmlformats.org/presentationml/2006/main" xmlns:c="http://schemas.openxmlformats.org/drawingml/2006/chart" xmlns:dgm="http://schemas.openxmlformats.org/drawingml/2006/diagram" xmlns:o="urn:schemas-microsoft-com:office:office" xmlns:v="urn:schemas-microsoft-com:vml" xmlns:pvml="urn:schemas-microsoft-com:office:powerpoint" xmlns:com="http://schemas.openxmlformats.org/drawingml/2006/compatibility" xmlns:p14="http://schemas.microsoft.com/office/powerpoint/2010/main" xmlns:p15="http://schemas.microsoft.com/office/powerpoint/2012/main" xmlns:ahyp="http://schemas.microsoft.com/office/drawing/2018/hyperlinkcolor">
+<p:sld xmlns:a="http://schemas.openxmlformats.org/drawingml/2006/main" xmlns:r="http://schemas.openxmlformats.org/officeDocument/2006/relationships" xmlns:p="http://schemas.openxmlformats.org/presentationml/2006/main">
   <p:cSld>
     <p:spTree>
       <p:nvGrpSpPr>
-        <p:cNvPr id="217" name="Shape 217"/>
+        <p:cNvPr id="1" name="Shape 217"/>
         <p:cNvGrpSpPr/>
         <p:nvPr/>
       </p:nvGrpSpPr>
@@ -11407,12 +11536,12 @@
           </a:ln>
         </p:spPr>
         <p:txBody>
-          <a:bodyPr anchorCtr="0" anchor="t" bIns="91425" lIns="91425" spcFirstLastPara="1" rIns="91425" wrap="square" tIns="91425">
+          <a:bodyPr spcFirstLastPara="1" wrap="square" lIns="91425" tIns="91425" rIns="91425" bIns="91425" anchor="t" anchorCtr="0">
             <a:spAutoFit/>
           </a:bodyPr>
           <a:lstStyle/>
           <a:p>
-            <a:pPr indent="0" lvl="0" marL="0" rtl="0" algn="l">
+            <a:pPr marL="0" lvl="0" indent="0" algn="l" rtl="0">
               <a:spcBef>
                 <a:spcPts val="0"/>
               </a:spcBef>
@@ -11493,12 +11622,12 @@
           </a:ln>
         </p:spPr>
         <p:txBody>
-          <a:bodyPr anchorCtr="0" anchor="t" bIns="91425" lIns="91425" spcFirstLastPara="1" rIns="91425" wrap="square" tIns="91425">
+          <a:bodyPr spcFirstLastPara="1" wrap="square" lIns="91425" tIns="91425" rIns="91425" bIns="91425" anchor="t" anchorCtr="0">
             <a:spAutoFit/>
           </a:bodyPr>
           <a:lstStyle/>
           <a:p>
-            <a:pPr indent="0" lvl="0" marL="0" rtl="0" algn="ctr">
+            <a:pPr marL="0" lvl="0" indent="0" algn="ctr" rtl="0">
               <a:lnSpc>
                 <a:spcPct val="115000"/>
               </a:lnSpc>
@@ -11533,7 +11662,7 @@
             </a:endParaRPr>
           </a:p>
           <a:p>
-            <a:pPr indent="0" lvl="0" marL="0" rtl="0" algn="ctr">
+            <a:pPr marL="0" lvl="0" indent="0" algn="ctr" rtl="0">
               <a:lnSpc>
                 <a:spcPct val="115000"/>
               </a:lnSpc>
@@ -11601,11 +11730,11 @@
 </file>
 
 <file path=ppt/slides/slide17.xml><?xml version="1.0" encoding="utf-8"?>
-<p:sld xmlns:a="http://schemas.openxmlformats.org/drawingml/2006/main" xmlns:r="http://schemas.openxmlformats.org/officeDocument/2006/relationships" xmlns:mc="http://schemas.openxmlformats.org/markup-compatibility/2006" xmlns:mv="urn:schemas-microsoft-com:mac:vml" xmlns:p="http://schemas.openxmlformats.org/presentationml/2006/main" xmlns:c="http://schemas.openxmlformats.org/drawingml/2006/chart" xmlns:dgm="http://schemas.openxmlformats.org/drawingml/2006/diagram" xmlns:o="urn:schemas-microsoft-com:office:office" xmlns:v="urn:schemas-microsoft-com:vml" xmlns:pvml="urn:schemas-microsoft-com:office:powerpoint" xmlns:com="http://schemas.openxmlformats.org/drawingml/2006/compatibility" xmlns:p14="http://schemas.microsoft.com/office/powerpoint/2010/main" xmlns:p15="http://schemas.microsoft.com/office/powerpoint/2012/main" xmlns:ahyp="http://schemas.microsoft.com/office/drawing/2018/hyperlinkcolor">
+<p:sld xmlns:a="http://schemas.openxmlformats.org/drawingml/2006/main" xmlns:r="http://schemas.openxmlformats.org/officeDocument/2006/relationships" xmlns:p="http://schemas.openxmlformats.org/presentationml/2006/main">
   <p:cSld>
     <p:spTree>
       <p:nvGrpSpPr>
-        <p:cNvPr id="224" name="Shape 224"/>
+        <p:cNvPr id="1" name="Shape 224"/>
         <p:cNvGrpSpPr/>
         <p:nvPr/>
       </p:nvGrpSpPr>
@@ -11637,12 +11766,12 @@
           </a:ln>
         </p:spPr>
         <p:txBody>
-          <a:bodyPr anchorCtr="0" anchor="t" bIns="91425" lIns="91425" spcFirstLastPara="1" rIns="91425" wrap="square" tIns="91425">
+          <a:bodyPr spcFirstLastPara="1" wrap="square" lIns="91425" tIns="91425" rIns="91425" bIns="91425" anchor="t" anchorCtr="0">
             <a:spAutoFit/>
           </a:bodyPr>
           <a:lstStyle/>
           <a:p>
-            <a:pPr indent="0" lvl="0" marL="0" rtl="0" algn="l">
+            <a:pPr marL="0" lvl="0" indent="0" algn="l" rtl="0">
               <a:spcBef>
                 <a:spcPts val="0"/>
               </a:spcBef>
@@ -11723,12 +11852,12 @@
           </a:ln>
         </p:spPr>
         <p:txBody>
-          <a:bodyPr anchorCtr="0" anchor="t" bIns="91425" lIns="91425" spcFirstLastPara="1" rIns="91425" wrap="square" tIns="91425">
+          <a:bodyPr spcFirstLastPara="1" wrap="square" lIns="91425" tIns="91425" rIns="91425" bIns="91425" anchor="t" anchorCtr="0">
             <a:spAutoFit/>
           </a:bodyPr>
           <a:lstStyle/>
           <a:p>
-            <a:pPr indent="0" lvl="0" marL="0" rtl="0" algn="ctr">
+            <a:pPr marL="0" lvl="0" indent="0" algn="ctr" rtl="0">
               <a:lnSpc>
                 <a:spcPct val="115000"/>
               </a:lnSpc>
@@ -11809,7 +11938,7 @@
             </a:endParaRPr>
           </a:p>
           <a:p>
-            <a:pPr indent="0" lvl="0" marL="0" rtl="0" algn="ctr">
+            <a:pPr marL="0" lvl="0" indent="0" algn="ctr" rtl="0">
               <a:lnSpc>
                 <a:spcPct val="115000"/>
               </a:lnSpc>
@@ -11877,11 +12006,11 @@
 </file>
 
 <file path=ppt/slides/slide18.xml><?xml version="1.0" encoding="utf-8"?>
-<p:sld xmlns:a="http://schemas.openxmlformats.org/drawingml/2006/main" xmlns:r="http://schemas.openxmlformats.org/officeDocument/2006/relationships" xmlns:mc="http://schemas.openxmlformats.org/markup-compatibility/2006" xmlns:mv="urn:schemas-microsoft-com:mac:vml" xmlns:p="http://schemas.openxmlformats.org/presentationml/2006/main" xmlns:c="http://schemas.openxmlformats.org/drawingml/2006/chart" xmlns:dgm="http://schemas.openxmlformats.org/drawingml/2006/diagram" xmlns:o="urn:schemas-microsoft-com:office:office" xmlns:v="urn:schemas-microsoft-com:vml" xmlns:pvml="urn:schemas-microsoft-com:office:powerpoint" xmlns:com="http://schemas.openxmlformats.org/drawingml/2006/compatibility" xmlns:p14="http://schemas.microsoft.com/office/powerpoint/2010/main" xmlns:p15="http://schemas.microsoft.com/office/powerpoint/2012/main" xmlns:ahyp="http://schemas.microsoft.com/office/drawing/2018/hyperlinkcolor">
+<p:sld xmlns:a="http://schemas.openxmlformats.org/drawingml/2006/main" xmlns:r="http://schemas.openxmlformats.org/officeDocument/2006/relationships" xmlns:p="http://schemas.openxmlformats.org/presentationml/2006/main">
   <p:cSld>
     <p:spTree>
       <p:nvGrpSpPr>
-        <p:cNvPr id="231" name="Shape 231"/>
+        <p:cNvPr id="1" name="Shape 231"/>
         <p:cNvGrpSpPr/>
         <p:nvPr/>
       </p:nvGrpSpPr>
@@ -11913,12 +12042,12 @@
           </a:ln>
         </p:spPr>
         <p:txBody>
-          <a:bodyPr anchorCtr="0" anchor="t" bIns="91425" lIns="91425" spcFirstLastPara="1" rIns="91425" wrap="square" tIns="91425">
+          <a:bodyPr spcFirstLastPara="1" wrap="square" lIns="91425" tIns="91425" rIns="91425" bIns="91425" anchor="t" anchorCtr="0">
             <a:spAutoFit/>
           </a:bodyPr>
           <a:lstStyle/>
           <a:p>
-            <a:pPr indent="0" lvl="0" marL="0" rtl="0" algn="l">
+            <a:pPr marL="0" lvl="0" indent="0" algn="l" rtl="0">
               <a:spcBef>
                 <a:spcPts val="0"/>
               </a:spcBef>
@@ -11999,12 +12128,12 @@
           </a:ln>
         </p:spPr>
         <p:txBody>
-          <a:bodyPr anchorCtr="0" anchor="t" bIns="91425" lIns="91425" spcFirstLastPara="1" rIns="91425" wrap="square" tIns="91425">
+          <a:bodyPr spcFirstLastPara="1" wrap="square" lIns="91425" tIns="91425" rIns="91425" bIns="91425" anchor="t" anchorCtr="0">
             <a:spAutoFit/>
           </a:bodyPr>
           <a:lstStyle/>
           <a:p>
-            <a:pPr indent="0" lvl="0" marL="0" rtl="0" algn="ctr">
+            <a:pPr marL="0" lvl="0" indent="0" algn="ctr" rtl="0">
               <a:lnSpc>
                 <a:spcPct val="115000"/>
               </a:lnSpc>
@@ -12085,7 +12214,7 @@
             </a:endParaRPr>
           </a:p>
           <a:p>
-            <a:pPr indent="0" lvl="0" marL="0" rtl="0" algn="ctr">
+            <a:pPr marL="0" lvl="0" indent="0" algn="ctr" rtl="0">
               <a:lnSpc>
                 <a:spcPct val="115000"/>
               </a:lnSpc>
@@ -12153,11 +12282,11 @@
 </file>
 
 <file path=ppt/slides/slide19.xml><?xml version="1.0" encoding="utf-8"?>
-<p:sld xmlns:a="http://schemas.openxmlformats.org/drawingml/2006/main" xmlns:r="http://schemas.openxmlformats.org/officeDocument/2006/relationships" xmlns:mc="http://schemas.openxmlformats.org/markup-compatibility/2006" xmlns:mv="urn:schemas-microsoft-com:mac:vml" xmlns:p="http://schemas.openxmlformats.org/presentationml/2006/main" xmlns:c="http://schemas.openxmlformats.org/drawingml/2006/chart" xmlns:dgm="http://schemas.openxmlformats.org/drawingml/2006/diagram" xmlns:o="urn:schemas-microsoft-com:office:office" xmlns:v="urn:schemas-microsoft-com:vml" xmlns:pvml="urn:schemas-microsoft-com:office:powerpoint" xmlns:com="http://schemas.openxmlformats.org/drawingml/2006/compatibility" xmlns:p14="http://schemas.microsoft.com/office/powerpoint/2010/main" xmlns:p15="http://schemas.microsoft.com/office/powerpoint/2012/main" xmlns:ahyp="http://schemas.microsoft.com/office/drawing/2018/hyperlinkcolor">
+<p:sld xmlns:a="http://schemas.openxmlformats.org/drawingml/2006/main" xmlns:r="http://schemas.openxmlformats.org/officeDocument/2006/relationships" xmlns:p="http://schemas.openxmlformats.org/presentationml/2006/main">
   <p:cSld>
     <p:spTree>
       <p:nvGrpSpPr>
-        <p:cNvPr id="238" name="Shape 238"/>
+        <p:cNvPr id="1" name="Shape 238"/>
         <p:cNvGrpSpPr/>
         <p:nvPr/>
       </p:nvGrpSpPr>
@@ -12189,12 +12318,12 @@
           </a:ln>
         </p:spPr>
         <p:txBody>
-          <a:bodyPr anchorCtr="0" anchor="t" bIns="91425" lIns="91425" spcFirstLastPara="1" rIns="91425" wrap="square" tIns="91425">
+          <a:bodyPr spcFirstLastPara="1" wrap="square" lIns="91425" tIns="91425" rIns="91425" bIns="91425" anchor="t" anchorCtr="0">
             <a:spAutoFit/>
           </a:bodyPr>
           <a:lstStyle/>
           <a:p>
-            <a:pPr indent="0" lvl="0" marL="0" rtl="0" algn="l">
+            <a:pPr marL="0" lvl="0" indent="0" algn="l" rtl="0">
               <a:spcBef>
                 <a:spcPts val="0"/>
               </a:spcBef>
@@ -12303,12 +12432,12 @@
           </a:ln>
         </p:spPr>
         <p:txBody>
-          <a:bodyPr anchorCtr="0" anchor="t" bIns="91425" lIns="91425" spcFirstLastPara="1" rIns="91425" wrap="square" tIns="91425">
+          <a:bodyPr spcFirstLastPara="1" wrap="square" lIns="91425" tIns="91425" rIns="91425" bIns="91425" anchor="t" anchorCtr="0">
             <a:spAutoFit/>
           </a:bodyPr>
           <a:lstStyle/>
           <a:p>
-            <a:pPr indent="0" lvl="0" marL="0" rtl="0" algn="ctr">
+            <a:pPr marL="0" lvl="0" indent="0" algn="ctr" rtl="0">
               <a:lnSpc>
                 <a:spcPct val="115000"/>
               </a:lnSpc>
@@ -12343,7 +12472,7 @@
             </a:endParaRPr>
           </a:p>
           <a:p>
-            <a:pPr indent="0" lvl="0" marL="0" rtl="0" algn="ctr">
+            <a:pPr marL="0" lvl="0" indent="0" algn="ctr" rtl="0">
               <a:lnSpc>
                 <a:spcPct val="115000"/>
               </a:lnSpc>
@@ -12411,11 +12540,11 @@
 </file>
 
 <file path=ppt/slides/slide2.xml><?xml version="1.0" encoding="utf-8"?>
-<p:sld xmlns:a="http://schemas.openxmlformats.org/drawingml/2006/main" xmlns:r="http://schemas.openxmlformats.org/officeDocument/2006/relationships" xmlns:mc="http://schemas.openxmlformats.org/markup-compatibility/2006" xmlns:mv="urn:schemas-microsoft-com:mac:vml" xmlns:p="http://schemas.openxmlformats.org/presentationml/2006/main" xmlns:c="http://schemas.openxmlformats.org/drawingml/2006/chart" xmlns:dgm="http://schemas.openxmlformats.org/drawingml/2006/diagram" xmlns:o="urn:schemas-microsoft-com:office:office" xmlns:v="urn:schemas-microsoft-com:vml" xmlns:pvml="urn:schemas-microsoft-com:office:powerpoint" xmlns:com="http://schemas.openxmlformats.org/drawingml/2006/compatibility" xmlns:p14="http://schemas.microsoft.com/office/powerpoint/2010/main" xmlns:p15="http://schemas.microsoft.com/office/powerpoint/2012/main" xmlns:ahyp="http://schemas.microsoft.com/office/drawing/2018/hyperlinkcolor">
+<p:sld xmlns:a="http://schemas.openxmlformats.org/drawingml/2006/main" xmlns:r="http://schemas.openxmlformats.org/officeDocument/2006/relationships" xmlns:p="http://schemas.openxmlformats.org/presentationml/2006/main">
   <p:cSld>
     <p:spTree>
       <p:nvGrpSpPr>
-        <p:cNvPr id="90" name="Shape 90"/>
+        <p:cNvPr id="1" name="Shape 90"/>
         <p:cNvGrpSpPr/>
         <p:nvPr/>
       </p:nvGrpSpPr>
@@ -12447,12 +12576,12 @@
           </a:ln>
         </p:spPr>
         <p:txBody>
-          <a:bodyPr anchorCtr="0" anchor="t" bIns="91425" lIns="91425" spcFirstLastPara="1" rIns="91425" wrap="square" tIns="91425">
+          <a:bodyPr spcFirstLastPara="1" wrap="square" lIns="91425" tIns="91425" rIns="91425" bIns="91425" anchor="t" anchorCtr="0">
             <a:spAutoFit/>
           </a:bodyPr>
           <a:lstStyle/>
           <a:p>
-            <a:pPr indent="0" lvl="0" marL="0" rtl="0" algn="l">
+            <a:pPr marL="0" lvl="0" indent="0" algn="l" rtl="0">
               <a:spcBef>
                 <a:spcPts val="0"/>
               </a:spcBef>
@@ -12462,7 +12591,7 @@
               <a:buNone/>
             </a:pPr>
             <a:r>
-              <a:rPr b="1" lang="en-GB" sz="1800">
+              <a:rPr lang="en-GB" sz="1800" b="1">
                 <a:solidFill>
                   <a:schemeClr val="lt1"/>
                 </a:solidFill>
@@ -12473,7 +12602,7 @@
               </a:rPr>
               <a:t>INTRODUCTION</a:t>
             </a:r>
-            <a:endParaRPr b="1" sz="1800">
+            <a:endParaRPr sz="1800" b="1">
               <a:solidFill>
                 <a:schemeClr val="lt1"/>
               </a:solidFill>
@@ -12505,12 +12634,12 @@
           </a:ln>
         </p:spPr>
         <p:txBody>
-          <a:bodyPr anchorCtr="0" anchor="t" bIns="91425" lIns="91425" spcFirstLastPara="1" rIns="91425" wrap="square" tIns="91425">
+          <a:bodyPr spcFirstLastPara="1" wrap="square" lIns="91425" tIns="91425" rIns="91425" bIns="91425" anchor="t" anchorCtr="0">
             <a:spAutoFit/>
           </a:bodyPr>
           <a:lstStyle/>
           <a:p>
-            <a:pPr indent="0" lvl="0" marL="0" rtl="0" algn="just">
+            <a:pPr marL="0" lvl="0" indent="0" algn="just" rtl="0">
               <a:lnSpc>
                 <a:spcPct val="150000"/>
               </a:lnSpc>
@@ -12523,7 +12652,7 @@
               <a:buNone/>
             </a:pPr>
             <a:r>
-              <a:rPr b="1" lang="en-GB" sz="1800">
+              <a:rPr lang="en-GB" sz="1800" b="1">
                 <a:solidFill>
                   <a:schemeClr val="lt1"/>
                 </a:solidFill>
@@ -12534,7 +12663,7 @@
               </a:rPr>
               <a:t>Asynchronous programming :</a:t>
             </a:r>
-            <a:endParaRPr b="1" sz="1800">
+            <a:endParaRPr sz="1800" b="1">
               <a:solidFill>
                 <a:schemeClr val="lt1"/>
               </a:solidFill>
@@ -12545,7 +12674,7 @@
             </a:endParaRPr>
           </a:p>
           <a:p>
-            <a:pPr indent="-336550" lvl="0" marL="457200" rtl="0" algn="just">
+            <a:pPr marL="457200" lvl="0" indent="-336550" algn="just" rtl="0">
               <a:lnSpc>
                 <a:spcPct val="115000"/>
               </a:lnSpc>
@@ -12585,7 +12714,7 @@
             </a:endParaRPr>
           </a:p>
           <a:p>
-            <a:pPr indent="-336550" lvl="0" marL="457200" rtl="0" algn="just">
+            <a:pPr marL="457200" lvl="0" indent="-336550" algn="just" rtl="0">
               <a:lnSpc>
                 <a:spcPct val="115000"/>
               </a:lnSpc>
@@ -12646,12 +12775,12 @@
           </a:ln>
         </p:spPr>
         <p:txBody>
-          <a:bodyPr anchorCtr="0" anchor="t" bIns="91425" lIns="91425" spcFirstLastPara="1" rIns="91425" wrap="square" tIns="91425">
+          <a:bodyPr spcFirstLastPara="1" wrap="square" lIns="91425" tIns="91425" rIns="91425" bIns="91425" anchor="t" anchorCtr="0">
             <a:spAutoFit/>
           </a:bodyPr>
           <a:lstStyle/>
           <a:p>
-            <a:pPr indent="0" lvl="0" marL="0" rtl="0" algn="l">
+            <a:pPr marL="0" lvl="0" indent="0" algn="l" rtl="0">
               <a:lnSpc>
                 <a:spcPct val="150000"/>
               </a:lnSpc>
@@ -12664,7 +12793,7 @@
               <a:buNone/>
             </a:pPr>
             <a:r>
-              <a:rPr b="1" lang="en-GB" sz="1800">
+              <a:rPr lang="en-GB" sz="1800" b="1">
                 <a:solidFill>
                   <a:schemeClr val="lt1"/>
                 </a:solidFill>
@@ -12675,7 +12804,7 @@
               </a:rPr>
               <a:t>COLLECTIONS IN DART :</a:t>
             </a:r>
-            <a:endParaRPr b="1" sz="1800">
+            <a:endParaRPr sz="1800" b="1">
               <a:solidFill>
                 <a:schemeClr val="lt1"/>
               </a:solidFill>
@@ -12686,7 +12815,7 @@
             </a:endParaRPr>
           </a:p>
           <a:p>
-            <a:pPr indent="-336550" lvl="0" marL="457200" rtl="0" algn="l">
+            <a:pPr marL="457200" lvl="0" indent="-336550" algn="l" rtl="0">
               <a:lnSpc>
                 <a:spcPct val="150000"/>
               </a:lnSpc>
@@ -12726,7 +12855,7 @@
             </a:endParaRPr>
           </a:p>
           <a:p>
-            <a:pPr indent="-336550" lvl="0" marL="457200" rtl="0" algn="l">
+            <a:pPr marL="457200" lvl="0" indent="-336550" algn="l" rtl="0">
               <a:lnSpc>
                 <a:spcPct val="150000"/>
               </a:lnSpc>
@@ -12776,11 +12905,11 @@
 </file>
 
 <file path=ppt/slides/slide20.xml><?xml version="1.0" encoding="utf-8"?>
-<p:sld xmlns:a="http://schemas.openxmlformats.org/drawingml/2006/main" xmlns:r="http://schemas.openxmlformats.org/officeDocument/2006/relationships" xmlns:mc="http://schemas.openxmlformats.org/markup-compatibility/2006" xmlns:mv="urn:schemas-microsoft-com:mac:vml" xmlns:p="http://schemas.openxmlformats.org/presentationml/2006/main" xmlns:c="http://schemas.openxmlformats.org/drawingml/2006/chart" xmlns:dgm="http://schemas.openxmlformats.org/drawingml/2006/diagram" xmlns:o="urn:schemas-microsoft-com:office:office" xmlns:v="urn:schemas-microsoft-com:vml" xmlns:pvml="urn:schemas-microsoft-com:office:powerpoint" xmlns:com="http://schemas.openxmlformats.org/drawingml/2006/compatibility" xmlns:p14="http://schemas.microsoft.com/office/powerpoint/2010/main" xmlns:p15="http://schemas.microsoft.com/office/powerpoint/2012/main" xmlns:ahyp="http://schemas.microsoft.com/office/drawing/2018/hyperlinkcolor">
+<p:sld xmlns:a="http://schemas.openxmlformats.org/drawingml/2006/main" xmlns:r="http://schemas.openxmlformats.org/officeDocument/2006/relationships" xmlns:p="http://schemas.openxmlformats.org/presentationml/2006/main">
   <p:cSld>
     <p:spTree>
       <p:nvGrpSpPr>
-        <p:cNvPr id="246" name="Shape 246"/>
+        <p:cNvPr id="1" name="Shape 246"/>
         <p:cNvGrpSpPr/>
         <p:nvPr/>
       </p:nvGrpSpPr>
@@ -12812,12 +12941,12 @@
           </a:ln>
         </p:spPr>
         <p:txBody>
-          <a:bodyPr anchorCtr="0" anchor="t" bIns="91425" lIns="91425" spcFirstLastPara="1" rIns="91425" wrap="square" tIns="91425">
+          <a:bodyPr spcFirstLastPara="1" wrap="square" lIns="91425" tIns="91425" rIns="91425" bIns="91425" anchor="t" anchorCtr="0">
             <a:spAutoFit/>
           </a:bodyPr>
           <a:lstStyle/>
           <a:p>
-            <a:pPr indent="0" lvl="0" marL="0" rtl="0" algn="ctr">
+            <a:pPr marL="0" lvl="0" indent="0" algn="ctr" rtl="0">
               <a:lnSpc>
                 <a:spcPct val="150000"/>
               </a:lnSpc>
@@ -12830,7 +12959,7 @@
               <a:buNone/>
             </a:pPr>
             <a:r>
-              <a:rPr b="1" lang="en-GB" sz="4000">
+              <a:rPr lang="en-GB" sz="4000" b="1">
                 <a:solidFill>
                   <a:srgbClr val="FFFFFF"/>
                 </a:solidFill>
@@ -12842,7 +12971,7 @@
               <a:t>THANK</a:t>
             </a:r>
             <a:br>
-              <a:rPr b="1" lang="en-GB" sz="4000">
+              <a:rPr lang="en-GB" sz="4000" b="1">
                 <a:solidFill>
                   <a:srgbClr val="FFFFFF"/>
                 </a:solidFill>
@@ -12853,7 +12982,7 @@
               </a:rPr>
             </a:br>
             <a:r>
-              <a:rPr b="1" lang="en-GB" sz="4000">
+              <a:rPr lang="en-GB" sz="4000" b="1">
                 <a:solidFill>
                   <a:srgbClr val="FFFFFF"/>
                 </a:solidFill>
@@ -12864,7 +12993,7 @@
               </a:rPr>
               <a:t>YOU !!</a:t>
             </a:r>
-            <a:endParaRPr b="1" sz="4000">
+            <a:endParaRPr sz="4000" b="1">
               <a:solidFill>
                 <a:srgbClr val="FFFFFF"/>
               </a:solidFill>
@@ -12885,11 +13014,11 @@
 </file>
 
 <file path=ppt/slides/slide3.xml><?xml version="1.0" encoding="utf-8"?>
-<p:sld xmlns:a="http://schemas.openxmlformats.org/drawingml/2006/main" xmlns:r="http://schemas.openxmlformats.org/officeDocument/2006/relationships" xmlns:mc="http://schemas.openxmlformats.org/markup-compatibility/2006" xmlns:mv="urn:schemas-microsoft-com:mac:vml" xmlns:p="http://schemas.openxmlformats.org/presentationml/2006/main" xmlns:c="http://schemas.openxmlformats.org/drawingml/2006/chart" xmlns:dgm="http://schemas.openxmlformats.org/drawingml/2006/diagram" xmlns:o="urn:schemas-microsoft-com:office:office" xmlns:v="urn:schemas-microsoft-com:vml" xmlns:pvml="urn:schemas-microsoft-com:office:powerpoint" xmlns:com="http://schemas.openxmlformats.org/drawingml/2006/compatibility" xmlns:p14="http://schemas.microsoft.com/office/powerpoint/2010/main" xmlns:p15="http://schemas.microsoft.com/office/powerpoint/2012/main" xmlns:ahyp="http://schemas.microsoft.com/office/drawing/2018/hyperlinkcolor">
+<p:sld xmlns:a="http://schemas.openxmlformats.org/drawingml/2006/main" xmlns:r="http://schemas.openxmlformats.org/officeDocument/2006/relationships" xmlns:p="http://schemas.openxmlformats.org/presentationml/2006/main">
   <p:cSld>
     <p:spTree>
       <p:nvGrpSpPr>
-        <p:cNvPr id="97" name="Shape 97"/>
+        <p:cNvPr id="1" name="Shape 97"/>
         <p:cNvGrpSpPr/>
         <p:nvPr/>
       </p:nvGrpSpPr>
@@ -12921,12 +13050,12 @@
           </a:ln>
         </p:spPr>
         <p:txBody>
-          <a:bodyPr anchorCtr="0" anchor="t" bIns="91425" lIns="91425" spcFirstLastPara="1" rIns="91425" wrap="square" tIns="91425">
+          <a:bodyPr spcFirstLastPara="1" wrap="square" lIns="91425" tIns="91425" rIns="91425" bIns="91425" anchor="t" anchorCtr="0">
             <a:spAutoFit/>
           </a:bodyPr>
           <a:lstStyle/>
           <a:p>
-            <a:pPr indent="0" lvl="0" marL="0" rtl="0" algn="l">
+            <a:pPr marL="0" lvl="0" indent="0" algn="l" rtl="0">
               <a:spcBef>
                 <a:spcPts val="0"/>
               </a:spcBef>
@@ -12972,30 +13101,30 @@
           </a:xfrm>
           <a:prstGeom prst="round2DiagRect">
             <a:avLst>
-              <a:gd fmla="val 16667" name="adj1"/>
-              <a:gd fmla="val 0" name="adj2"/>
+              <a:gd name="adj1" fmla="val 16667"/>
+              <a:gd name="adj2" fmla="val 0"/>
             </a:avLst>
           </a:prstGeom>
           <a:solidFill>
             <a:srgbClr val="F3F3F3"/>
           </a:solidFill>
-          <a:ln cap="flat" cmpd="sng" w="9525">
+          <a:ln w="9525" cap="flat" cmpd="sng">
             <a:solidFill>
               <a:schemeClr val="dk2"/>
             </a:solidFill>
             <a:prstDash val="solid"/>
             <a:round/>
-            <a:headEnd len="sm" w="sm" type="none"/>
-            <a:tailEnd len="sm" w="sm" type="none"/>
+            <a:headEnd type="none" w="sm" len="sm"/>
+            <a:tailEnd type="none" w="sm" len="sm"/>
           </a:ln>
         </p:spPr>
         <p:txBody>
-          <a:bodyPr anchorCtr="0" anchor="ctr" bIns="91425" lIns="91425" spcFirstLastPara="1" rIns="91425" wrap="square" tIns="91425">
+          <a:bodyPr spcFirstLastPara="1" wrap="square" lIns="91425" tIns="91425" rIns="91425" bIns="91425" anchor="ctr" anchorCtr="0">
             <a:noAutofit/>
           </a:bodyPr>
           <a:lstStyle/>
           <a:p>
-            <a:pPr indent="0" lvl="0" marL="0" rtl="0" algn="ctr">
+            <a:pPr marL="0" lvl="0" indent="0" algn="ctr" rtl="0">
               <a:spcBef>
                 <a:spcPts val="0"/>
               </a:spcBef>
@@ -13004,9 +13133,6 @@
               </a:spcAft>
               <a:buNone/>
             </a:pPr>
-            <a:r>
-              <a:t/>
-            </a:r>
             <a:endParaRPr>
               <a:latin typeface="Roboto"/>
               <a:ea typeface="Roboto"/>
@@ -13029,30 +13155,30 @@
           </a:xfrm>
           <a:prstGeom prst="round2DiagRect">
             <a:avLst>
-              <a:gd fmla="val 16667" name="adj1"/>
-              <a:gd fmla="val 0" name="adj2"/>
+              <a:gd name="adj1" fmla="val 16667"/>
+              <a:gd name="adj2" fmla="val 0"/>
             </a:avLst>
           </a:prstGeom>
           <a:solidFill>
             <a:srgbClr val="F3F3F3"/>
           </a:solidFill>
-          <a:ln cap="flat" cmpd="sng" w="9525">
+          <a:ln w="9525" cap="flat" cmpd="sng">
             <a:solidFill>
               <a:schemeClr val="dk2"/>
             </a:solidFill>
             <a:prstDash val="solid"/>
             <a:round/>
-            <a:headEnd len="sm" w="sm" type="none"/>
-            <a:tailEnd len="sm" w="sm" type="none"/>
+            <a:headEnd type="none" w="sm" len="sm"/>
+            <a:tailEnd type="none" w="sm" len="sm"/>
           </a:ln>
         </p:spPr>
         <p:txBody>
-          <a:bodyPr anchorCtr="0" anchor="ctr" bIns="91425" lIns="91425" spcFirstLastPara="1" rIns="91425" wrap="square" tIns="91425">
+          <a:bodyPr spcFirstLastPara="1" wrap="square" lIns="91425" tIns="91425" rIns="91425" bIns="91425" anchor="ctr" anchorCtr="0">
             <a:noAutofit/>
           </a:bodyPr>
           <a:lstStyle/>
           <a:p>
-            <a:pPr indent="0" lvl="0" marL="0" rtl="0" algn="ctr">
+            <a:pPr marL="0" lvl="0" indent="0" algn="ctr" rtl="0">
               <a:spcBef>
                 <a:spcPts val="0"/>
               </a:spcBef>
@@ -13061,9 +13187,6 @@
               </a:spcAft>
               <a:buNone/>
             </a:pPr>
-            <a:r>
-              <a:t/>
-            </a:r>
             <a:endParaRPr>
               <a:latin typeface="Roboto"/>
               <a:ea typeface="Roboto"/>
@@ -13093,12 +13216,12 @@
           </a:ln>
         </p:spPr>
         <p:txBody>
-          <a:bodyPr anchorCtr="0" anchor="t" bIns="91425" lIns="91425" spcFirstLastPara="1" rIns="91425" wrap="square" tIns="91425">
+          <a:bodyPr spcFirstLastPara="1" wrap="square" lIns="91425" tIns="91425" rIns="91425" bIns="91425" anchor="t" anchorCtr="0">
             <a:spAutoFit/>
           </a:bodyPr>
           <a:lstStyle/>
           <a:p>
-            <a:pPr indent="0" lvl="0" marL="0" rtl="0" algn="l">
+            <a:pPr marL="0" lvl="0" indent="0" algn="l" rtl="0">
               <a:spcBef>
                 <a:spcPts val="0"/>
               </a:spcBef>
@@ -13108,7 +13231,7 @@
               <a:buNone/>
             </a:pPr>
             <a:r>
-              <a:rPr b="1" lang="en-GB" sz="1500" u="sng">
+              <a:rPr lang="en-GB" sz="1500" b="1" u="sng">
                 <a:solidFill>
                   <a:schemeClr val="dk2"/>
                 </a:solidFill>
@@ -13119,7 +13242,7 @@
               </a:rPr>
               <a:t>FUTURES :</a:t>
             </a:r>
-            <a:endParaRPr b="1" sz="1500" u="sng">
+            <a:endParaRPr sz="1500" b="1" u="sng">
               <a:solidFill>
                 <a:schemeClr val="dk2"/>
               </a:solidFill>
@@ -13151,12 +13274,12 @@
           </a:ln>
         </p:spPr>
         <p:txBody>
-          <a:bodyPr anchorCtr="0" anchor="t" bIns="91425" lIns="91425" spcFirstLastPara="1" rIns="91425" wrap="square" tIns="91425">
+          <a:bodyPr spcFirstLastPara="1" wrap="square" lIns="91425" tIns="91425" rIns="91425" bIns="91425" anchor="t" anchorCtr="0">
             <a:spAutoFit/>
           </a:bodyPr>
           <a:lstStyle/>
           <a:p>
-            <a:pPr indent="-317500" lvl="0" marL="457200" rtl="0" algn="just">
+            <a:pPr marL="457200" lvl="0" indent="-317500" algn="just" rtl="0">
               <a:lnSpc>
                 <a:spcPct val="115000"/>
               </a:lnSpc>
@@ -13187,7 +13310,7 @@
             </a:endParaRPr>
           </a:p>
           <a:p>
-            <a:pPr indent="-317500" lvl="0" marL="457200" rtl="0" algn="just">
+            <a:pPr marL="457200" lvl="0" indent="-317500" algn="just" rtl="0">
               <a:lnSpc>
                 <a:spcPct val="115000"/>
               </a:lnSpc>
@@ -13239,12 +13362,12 @@
           </a:ln>
         </p:spPr>
         <p:txBody>
-          <a:bodyPr anchorCtr="0" anchor="t" bIns="91425" lIns="91425" spcFirstLastPara="1" rIns="91425" wrap="square" tIns="91425">
+          <a:bodyPr spcFirstLastPara="1" wrap="square" lIns="91425" tIns="91425" rIns="91425" bIns="91425" anchor="t" anchorCtr="0">
             <a:spAutoFit/>
           </a:bodyPr>
           <a:lstStyle/>
           <a:p>
-            <a:pPr indent="0" lvl="0" marL="0" rtl="0" algn="l">
+            <a:pPr marL="0" lvl="0" indent="0" algn="l" rtl="0">
               <a:spcBef>
                 <a:spcPts val="0"/>
               </a:spcBef>
@@ -13254,7 +13377,7 @@
               <a:buNone/>
             </a:pPr>
             <a:r>
-              <a:rPr b="1" lang="en-GB" sz="1500" u="sng">
+              <a:rPr lang="en-GB" sz="1500" b="1" u="sng">
                 <a:solidFill>
                   <a:schemeClr val="dk2"/>
                 </a:solidFill>
@@ -13263,21 +13386,9 @@
                 <a:cs typeface="Cinzel"/>
                 <a:sym typeface="Cinzel"/>
               </a:rPr>
-              <a:t>STREAMS </a:t>
+              <a:t>STREAMS :</a:t>
             </a:r>
-            <a:r>
-              <a:rPr b="1" lang="en-GB" sz="1500" u="sng">
-                <a:solidFill>
-                  <a:schemeClr val="dk2"/>
-                </a:solidFill>
-                <a:latin typeface="Cinzel"/>
-                <a:ea typeface="Cinzel"/>
-                <a:cs typeface="Cinzel"/>
-                <a:sym typeface="Cinzel"/>
-              </a:rPr>
-              <a:t>:</a:t>
-            </a:r>
-            <a:endParaRPr b="1" sz="1500" u="sng">
+            <a:endParaRPr sz="1500" b="1" u="sng">
               <a:solidFill>
                 <a:schemeClr val="dk2"/>
               </a:solidFill>
@@ -13309,12 +13420,12 @@
           </a:ln>
         </p:spPr>
         <p:txBody>
-          <a:bodyPr anchorCtr="0" anchor="t" bIns="91425" lIns="91425" spcFirstLastPara="1" rIns="91425" wrap="square" tIns="91425">
+          <a:bodyPr spcFirstLastPara="1" wrap="square" lIns="91425" tIns="91425" rIns="91425" bIns="91425" anchor="t" anchorCtr="0">
             <a:spAutoFit/>
           </a:bodyPr>
           <a:lstStyle/>
           <a:p>
-            <a:pPr indent="-317500" lvl="0" marL="457200" rtl="0" algn="just">
+            <a:pPr marL="457200" lvl="0" indent="-317500" algn="just" rtl="0">
               <a:lnSpc>
                 <a:spcPct val="115000"/>
               </a:lnSpc>
@@ -13366,7 +13477,7 @@
             </a:endParaRPr>
           </a:p>
           <a:p>
-            <a:pPr indent="-317500" lvl="0" marL="457200" rtl="0" algn="just">
+            <a:pPr marL="457200" lvl="0" indent="-317500" algn="just" rtl="0">
               <a:lnSpc>
                 <a:spcPct val="115000"/>
               </a:lnSpc>
@@ -13407,11 +13518,11 @@
 </file>
 
 <file path=ppt/slides/slide4.xml><?xml version="1.0" encoding="utf-8"?>
-<p:sld xmlns:a="http://schemas.openxmlformats.org/drawingml/2006/main" xmlns:r="http://schemas.openxmlformats.org/officeDocument/2006/relationships" xmlns:mc="http://schemas.openxmlformats.org/markup-compatibility/2006" xmlns:mv="urn:schemas-microsoft-com:mac:vml" xmlns:p="http://schemas.openxmlformats.org/presentationml/2006/main" xmlns:c="http://schemas.openxmlformats.org/drawingml/2006/chart" xmlns:dgm="http://schemas.openxmlformats.org/drawingml/2006/diagram" xmlns:o="urn:schemas-microsoft-com:office:office" xmlns:v="urn:schemas-microsoft-com:vml" xmlns:pvml="urn:schemas-microsoft-com:office:powerpoint" xmlns:com="http://schemas.openxmlformats.org/drawingml/2006/compatibility" xmlns:p14="http://schemas.microsoft.com/office/powerpoint/2010/main" xmlns:p15="http://schemas.microsoft.com/office/powerpoint/2012/main" xmlns:ahyp="http://schemas.microsoft.com/office/drawing/2018/hyperlinkcolor">
+<p:sld xmlns:a="http://schemas.openxmlformats.org/drawingml/2006/main" xmlns:r="http://schemas.openxmlformats.org/officeDocument/2006/relationships" xmlns:p="http://schemas.openxmlformats.org/presentationml/2006/main">
   <p:cSld>
     <p:spTree>
       <p:nvGrpSpPr>
-        <p:cNvPr id="108" name="Shape 108"/>
+        <p:cNvPr id="1" name="Shape 108"/>
         <p:cNvGrpSpPr/>
         <p:nvPr/>
       </p:nvGrpSpPr>
@@ -13443,12 +13554,12 @@
           </a:ln>
         </p:spPr>
         <p:txBody>
-          <a:bodyPr anchorCtr="0" anchor="t" bIns="91425" lIns="91425" spcFirstLastPara="1" rIns="91425" wrap="square" tIns="91425">
+          <a:bodyPr spcFirstLastPara="1" wrap="square" lIns="91425" tIns="91425" rIns="91425" bIns="91425" anchor="t" anchorCtr="0">
             <a:spAutoFit/>
           </a:bodyPr>
           <a:lstStyle/>
           <a:p>
-            <a:pPr indent="0" lvl="0" marL="0" rtl="0" algn="l">
+            <a:pPr marL="0" lvl="0" indent="0" algn="l" rtl="0">
               <a:spcBef>
                 <a:spcPts val="0"/>
               </a:spcBef>
@@ -13518,11 +13629,11 @@
 </file>
 
 <file path=ppt/slides/slide5.xml><?xml version="1.0" encoding="utf-8"?>
-<p:sld xmlns:a="http://schemas.openxmlformats.org/drawingml/2006/main" xmlns:r="http://schemas.openxmlformats.org/officeDocument/2006/relationships" xmlns:mc="http://schemas.openxmlformats.org/markup-compatibility/2006" xmlns:mv="urn:schemas-microsoft-com:mac:vml" xmlns:p="http://schemas.openxmlformats.org/presentationml/2006/main" xmlns:c="http://schemas.openxmlformats.org/drawingml/2006/chart" xmlns:dgm="http://schemas.openxmlformats.org/drawingml/2006/diagram" xmlns:o="urn:schemas-microsoft-com:office:office" xmlns:v="urn:schemas-microsoft-com:vml" xmlns:pvml="urn:schemas-microsoft-com:office:powerpoint" xmlns:com="http://schemas.openxmlformats.org/drawingml/2006/compatibility" xmlns:p14="http://schemas.microsoft.com/office/powerpoint/2010/main" xmlns:p15="http://schemas.microsoft.com/office/powerpoint/2012/main" xmlns:ahyp="http://schemas.microsoft.com/office/drawing/2018/hyperlinkcolor">
+<p:sld xmlns:a="http://schemas.openxmlformats.org/drawingml/2006/main" xmlns:r="http://schemas.openxmlformats.org/officeDocument/2006/relationships" xmlns:p="http://schemas.openxmlformats.org/presentationml/2006/main">
   <p:cSld>
     <p:spTree>
       <p:nvGrpSpPr>
-        <p:cNvPr id="114" name="Shape 114"/>
+        <p:cNvPr id="1" name="Shape 114"/>
         <p:cNvGrpSpPr/>
         <p:nvPr/>
       </p:nvGrpSpPr>
@@ -13554,12 +13665,12 @@
           </a:ln>
         </p:spPr>
         <p:txBody>
-          <a:bodyPr anchorCtr="0" anchor="t" bIns="91425" lIns="91425" spcFirstLastPara="1" rIns="91425" wrap="square" tIns="91425">
+          <a:bodyPr spcFirstLastPara="1" wrap="square" lIns="91425" tIns="91425" rIns="91425" bIns="91425" anchor="t" anchorCtr="0">
             <a:spAutoFit/>
           </a:bodyPr>
           <a:lstStyle/>
           <a:p>
-            <a:pPr indent="0" lvl="0" marL="0" rtl="0" algn="l">
+            <a:pPr marL="0" lvl="0" indent="0" algn="l" rtl="0">
               <a:spcBef>
                 <a:spcPts val="0"/>
               </a:spcBef>
@@ -13629,11 +13740,11 @@
 </file>
 
 <file path=ppt/slides/slide6.xml><?xml version="1.0" encoding="utf-8"?>
-<p:sld xmlns:a="http://schemas.openxmlformats.org/drawingml/2006/main" xmlns:r="http://schemas.openxmlformats.org/officeDocument/2006/relationships" xmlns:mc="http://schemas.openxmlformats.org/markup-compatibility/2006" xmlns:mv="urn:schemas-microsoft-com:mac:vml" xmlns:p="http://schemas.openxmlformats.org/presentationml/2006/main" xmlns:c="http://schemas.openxmlformats.org/drawingml/2006/chart" xmlns:dgm="http://schemas.openxmlformats.org/drawingml/2006/diagram" xmlns:o="urn:schemas-microsoft-com:office:office" xmlns:v="urn:schemas-microsoft-com:vml" xmlns:pvml="urn:schemas-microsoft-com:office:powerpoint" xmlns:com="http://schemas.openxmlformats.org/drawingml/2006/compatibility" xmlns:p14="http://schemas.microsoft.com/office/powerpoint/2010/main" xmlns:p15="http://schemas.microsoft.com/office/powerpoint/2012/main" xmlns:ahyp="http://schemas.microsoft.com/office/drawing/2018/hyperlinkcolor">
+<p:sld xmlns:a="http://schemas.openxmlformats.org/drawingml/2006/main" xmlns:r="http://schemas.openxmlformats.org/officeDocument/2006/relationships" xmlns:p="http://schemas.openxmlformats.org/presentationml/2006/main">
   <p:cSld>
     <p:spTree>
       <p:nvGrpSpPr>
-        <p:cNvPr id="120" name="Shape 120"/>
+        <p:cNvPr id="1" name="Shape 120"/>
         <p:cNvGrpSpPr/>
         <p:nvPr/>
       </p:nvGrpSpPr>
@@ -13653,8 +13764,8 @@
         </p:nvSpPr>
         <p:spPr>
           <a:xfrm>
-            <a:off x="358850" y="347975"/>
-            <a:ext cx="2318400" cy="461700"/>
+            <a:off x="358849" y="347975"/>
+            <a:ext cx="2436389" cy="461700"/>
           </a:xfrm>
           <a:prstGeom prst="rect">
             <a:avLst/>
@@ -13665,12 +13776,12 @@
           </a:ln>
         </p:spPr>
         <p:txBody>
-          <a:bodyPr anchorCtr="0" anchor="t" bIns="91425" lIns="91425" spcFirstLastPara="1" rIns="91425" wrap="square" tIns="91425">
+          <a:bodyPr spcFirstLastPara="1" wrap="square" lIns="91425" tIns="91425" rIns="91425" bIns="91425" anchor="t" anchorCtr="0">
             <a:spAutoFit/>
           </a:bodyPr>
           <a:lstStyle/>
           <a:p>
-            <a:pPr indent="0" lvl="0" marL="0" rtl="0" algn="l">
+            <a:pPr marL="0" lvl="0" indent="0" algn="l" rtl="0">
               <a:spcBef>
                 <a:spcPts val="0"/>
               </a:spcBef>
@@ -13680,7 +13791,7 @@
               <a:buNone/>
             </a:pPr>
             <a:r>
-              <a:rPr lang="en-GB" sz="1800">
+              <a:rPr lang="en-GB" sz="1800" dirty="0">
                 <a:solidFill>
                   <a:schemeClr val="lt1"/>
                 </a:solidFill>
@@ -13691,7 +13802,7 @@
               </a:rPr>
               <a:t>ASYNC  and  AWAIT</a:t>
             </a:r>
-            <a:endParaRPr sz="1800">
+            <a:endParaRPr sz="1800" dirty="0">
               <a:solidFill>
                 <a:schemeClr val="lt1"/>
               </a:solidFill>
@@ -13716,29 +13827,29 @@
           </a:xfrm>
           <a:prstGeom prst="foldedCorner">
             <a:avLst>
-              <a:gd fmla="val 16667" name="adj"/>
+              <a:gd name="adj" fmla="val 16667"/>
             </a:avLst>
           </a:prstGeom>
           <a:solidFill>
             <a:srgbClr val="F3F3F3"/>
           </a:solidFill>
-          <a:ln cap="flat" cmpd="sng" w="9525">
+          <a:ln w="9525" cap="flat" cmpd="sng">
             <a:solidFill>
               <a:schemeClr val="dk2"/>
             </a:solidFill>
             <a:prstDash val="solid"/>
             <a:round/>
-            <a:headEnd len="sm" w="sm" type="none"/>
-            <a:tailEnd len="sm" w="sm" type="none"/>
+            <a:headEnd type="none" w="sm" len="sm"/>
+            <a:tailEnd type="none" w="sm" len="sm"/>
           </a:ln>
         </p:spPr>
         <p:txBody>
-          <a:bodyPr anchorCtr="0" anchor="ctr" bIns="91425" lIns="91425" spcFirstLastPara="1" rIns="91425" wrap="square" tIns="91425">
+          <a:bodyPr spcFirstLastPara="1" wrap="square" lIns="91425" tIns="91425" rIns="91425" bIns="91425" anchor="ctr" anchorCtr="0">
             <a:noAutofit/>
           </a:bodyPr>
           <a:lstStyle/>
           <a:p>
-            <a:pPr indent="0" lvl="0" marL="0" rtl="0" algn="ctr">
+            <a:pPr marL="0" lvl="0" indent="0" algn="ctr" rtl="0">
               <a:spcBef>
                 <a:spcPts val="0"/>
               </a:spcBef>
@@ -13747,9 +13858,6 @@
               </a:spcAft>
               <a:buNone/>
             </a:pPr>
-            <a:r>
-              <a:t/>
-            </a:r>
             <a:endParaRPr>
               <a:latin typeface="Roboto"/>
               <a:ea typeface="Roboto"/>
@@ -13807,12 +13915,12 @@
           </a:ln>
         </p:spPr>
         <p:txBody>
-          <a:bodyPr anchorCtr="0" anchor="t" bIns="91425" lIns="91425" spcFirstLastPara="1" rIns="91425" wrap="square" tIns="91425">
+          <a:bodyPr spcFirstLastPara="1" wrap="square" lIns="91425" tIns="91425" rIns="91425" bIns="91425" anchor="t" anchorCtr="0">
             <a:spAutoFit/>
           </a:bodyPr>
           <a:lstStyle/>
           <a:p>
-            <a:pPr indent="0" lvl="0" marL="0" rtl="0" algn="l">
+            <a:pPr marL="0" lvl="0" indent="0" algn="l" rtl="0">
               <a:spcBef>
                 <a:spcPts val="0"/>
               </a:spcBef>
@@ -13822,7 +13930,7 @@
               <a:buNone/>
             </a:pPr>
             <a:r>
-              <a:rPr b="1" lang="en-GB" sz="1500" u="sng">
+              <a:rPr lang="en-GB" sz="1500" b="1" u="sng">
                 <a:solidFill>
                   <a:schemeClr val="dk2"/>
                 </a:solidFill>
@@ -13831,21 +13939,9 @@
                 <a:cs typeface="Cinzel"/>
                 <a:sym typeface="Cinzel"/>
               </a:rPr>
-              <a:t>ASYNC </a:t>
+              <a:t>ASYNC :</a:t>
             </a:r>
-            <a:r>
-              <a:rPr b="1" lang="en-GB" sz="1500" u="sng">
-                <a:solidFill>
-                  <a:schemeClr val="dk2"/>
-                </a:solidFill>
-                <a:latin typeface="Cinzel"/>
-                <a:ea typeface="Cinzel"/>
-                <a:cs typeface="Cinzel"/>
-                <a:sym typeface="Cinzel"/>
-              </a:rPr>
-              <a:t>:</a:t>
-            </a:r>
-            <a:endParaRPr b="1" sz="1500" u="sng">
+            <a:endParaRPr sz="1500" b="1" u="sng">
               <a:solidFill>
                 <a:schemeClr val="dk2"/>
               </a:solidFill>
@@ -13877,12 +13973,12 @@
           </a:ln>
         </p:spPr>
         <p:txBody>
-          <a:bodyPr anchorCtr="0" anchor="t" bIns="91425" lIns="91425" spcFirstLastPara="1" rIns="91425" wrap="square" tIns="91425">
+          <a:bodyPr spcFirstLastPara="1" wrap="square" lIns="91425" tIns="91425" rIns="91425" bIns="91425" anchor="t" anchorCtr="0">
             <a:spAutoFit/>
           </a:bodyPr>
           <a:lstStyle/>
           <a:p>
-            <a:pPr indent="0" lvl="0" marL="0" rtl="0" algn="l">
+            <a:pPr marL="0" lvl="0" indent="0" algn="l" rtl="0">
               <a:spcBef>
                 <a:spcPts val="0"/>
               </a:spcBef>
@@ -13892,7 +13988,7 @@
               <a:buNone/>
             </a:pPr>
             <a:r>
-              <a:rPr b="1" lang="en-GB" sz="1500" u="sng">
+              <a:rPr lang="en-GB" sz="1500" b="1" u="sng">
                 <a:solidFill>
                   <a:schemeClr val="dk2"/>
                 </a:solidFill>
@@ -13901,21 +13997,9 @@
                 <a:cs typeface="Cinzel"/>
                 <a:sym typeface="Cinzel"/>
               </a:rPr>
-              <a:t>AWAIT</a:t>
+              <a:t>AWAIT :</a:t>
             </a:r>
-            <a:r>
-              <a:rPr b="1" lang="en-GB" sz="1500" u="sng">
-                <a:solidFill>
-                  <a:schemeClr val="dk2"/>
-                </a:solidFill>
-                <a:latin typeface="Cinzel"/>
-                <a:ea typeface="Cinzel"/>
-                <a:cs typeface="Cinzel"/>
-                <a:sym typeface="Cinzel"/>
-              </a:rPr>
-              <a:t> :</a:t>
-            </a:r>
-            <a:endParaRPr b="1" sz="1500" u="sng">
+            <a:endParaRPr sz="1500" b="1" u="sng">
               <a:solidFill>
                 <a:schemeClr val="dk2"/>
               </a:solidFill>
@@ -13947,12 +14031,12 @@
           </a:ln>
         </p:spPr>
         <p:txBody>
-          <a:bodyPr anchorCtr="0" anchor="t" bIns="91425" lIns="91425" spcFirstLastPara="1" rIns="91425" wrap="square" tIns="91425">
+          <a:bodyPr spcFirstLastPara="1" wrap="square" lIns="91425" tIns="91425" rIns="91425" bIns="91425" anchor="t" anchorCtr="0">
             <a:spAutoFit/>
           </a:bodyPr>
           <a:lstStyle/>
           <a:p>
-            <a:pPr indent="-317500" lvl="0" marL="457200" rtl="0" algn="l">
+            <a:pPr marL="457200" lvl="0" indent="-317500" algn="l" rtl="0">
               <a:lnSpc>
                 <a:spcPct val="115000"/>
               </a:lnSpc>
@@ -13995,7 +14079,7 @@
             </a:endParaRPr>
           </a:p>
           <a:p>
-            <a:pPr indent="-317500" lvl="0" marL="457200" rtl="0" algn="l">
+            <a:pPr marL="457200" lvl="0" indent="-317500" algn="l" rtl="0">
               <a:lnSpc>
                 <a:spcPct val="115000"/>
               </a:lnSpc>
@@ -14047,7 +14131,7 @@
             </a:endParaRPr>
           </a:p>
           <a:p>
-            <a:pPr indent="-317500" lvl="0" marL="457200" rtl="0" algn="l">
+            <a:pPr marL="457200" lvl="0" indent="-317500" algn="l" rtl="0">
               <a:lnSpc>
                 <a:spcPct val="115000"/>
               </a:lnSpc>
@@ -14099,7 +14183,7 @@
             </a:endParaRPr>
           </a:p>
           <a:p>
-            <a:pPr indent="-317500" lvl="0" marL="457200" rtl="0" algn="l">
+            <a:pPr marL="457200" lvl="0" indent="-317500" algn="l" rtl="0">
               <a:lnSpc>
                 <a:spcPct val="115000"/>
               </a:lnSpc>
@@ -14154,12 +14238,12 @@
           </a:ln>
         </p:spPr>
         <p:txBody>
-          <a:bodyPr anchorCtr="0" anchor="t" bIns="91425" lIns="91425" spcFirstLastPara="1" rIns="91425" wrap="square" tIns="91425">
+          <a:bodyPr spcFirstLastPara="1" wrap="square" lIns="91425" tIns="91425" rIns="91425" bIns="91425" anchor="t" anchorCtr="0">
             <a:spAutoFit/>
           </a:bodyPr>
           <a:lstStyle/>
           <a:p>
-            <a:pPr indent="-317500" lvl="0" marL="457200" rtl="0" algn="just">
+            <a:pPr marL="457200" lvl="0" indent="-317500" algn="just" rtl="0">
               <a:lnSpc>
                 <a:spcPct val="115000"/>
               </a:lnSpc>
@@ -14223,7 +14307,7 @@
             </a:endParaRPr>
           </a:p>
           <a:p>
-            <a:pPr indent="-317500" lvl="0" marL="457200" rtl="0" algn="just">
+            <a:pPr marL="457200" lvl="0" indent="-317500" algn="just" rtl="0">
               <a:lnSpc>
                 <a:spcPct val="115000"/>
               </a:lnSpc>
@@ -14288,11 +14372,11 @@
 </file>
 
 <file path=ppt/slides/slide7.xml><?xml version="1.0" encoding="utf-8"?>
-<p:sld xmlns:a="http://schemas.openxmlformats.org/drawingml/2006/main" xmlns:r="http://schemas.openxmlformats.org/officeDocument/2006/relationships" xmlns:mc="http://schemas.openxmlformats.org/markup-compatibility/2006" xmlns:mv="urn:schemas-microsoft-com:mac:vml" xmlns:p="http://schemas.openxmlformats.org/presentationml/2006/main" xmlns:c="http://schemas.openxmlformats.org/drawingml/2006/chart" xmlns:dgm="http://schemas.openxmlformats.org/drawingml/2006/diagram" xmlns:o="urn:schemas-microsoft-com:office:office" xmlns:v="urn:schemas-microsoft-com:vml" xmlns:pvml="urn:schemas-microsoft-com:office:powerpoint" xmlns:com="http://schemas.openxmlformats.org/drawingml/2006/compatibility" xmlns:p14="http://schemas.microsoft.com/office/powerpoint/2010/main" xmlns:p15="http://schemas.microsoft.com/office/powerpoint/2012/main" xmlns:ahyp="http://schemas.microsoft.com/office/drawing/2018/hyperlinkcolor">
+<p:sld xmlns:a="http://schemas.openxmlformats.org/drawingml/2006/main" xmlns:r="http://schemas.openxmlformats.org/officeDocument/2006/relationships" xmlns:p="http://schemas.openxmlformats.org/presentationml/2006/main">
   <p:cSld>
     <p:spTree>
       <p:nvGrpSpPr>
-        <p:cNvPr id="131" name="Shape 131"/>
+        <p:cNvPr id="1" name="Shape 131"/>
         <p:cNvGrpSpPr/>
         <p:nvPr/>
       </p:nvGrpSpPr>
@@ -14324,12 +14408,12 @@
           </a:ln>
         </p:spPr>
         <p:txBody>
-          <a:bodyPr anchorCtr="0" anchor="t" bIns="91425" lIns="91425" spcFirstLastPara="1" rIns="91425" wrap="square" tIns="91425">
+          <a:bodyPr spcFirstLastPara="1" wrap="square" lIns="91425" tIns="91425" rIns="91425" bIns="91425" anchor="t" anchorCtr="0">
             <a:spAutoFit/>
           </a:bodyPr>
           <a:lstStyle/>
           <a:p>
-            <a:pPr indent="0" lvl="0" marL="0" rtl="0" algn="l">
+            <a:pPr marL="0" lvl="0" indent="0" algn="l" rtl="0">
               <a:spcBef>
                 <a:spcPts val="0"/>
               </a:spcBef>
@@ -14375,29 +14459,29 @@
           </a:xfrm>
           <a:prstGeom prst="snip1Rect">
             <a:avLst>
-              <a:gd fmla="val 16667" name="adj"/>
+              <a:gd name="adj" fmla="val 16667"/>
             </a:avLst>
           </a:prstGeom>
           <a:solidFill>
             <a:srgbClr val="F3F3F3"/>
           </a:solidFill>
-          <a:ln cap="flat" cmpd="sng" w="9525">
+          <a:ln w="9525" cap="flat" cmpd="sng">
             <a:solidFill>
               <a:schemeClr val="dk2"/>
             </a:solidFill>
             <a:prstDash val="solid"/>
             <a:round/>
-            <a:headEnd len="sm" w="sm" type="none"/>
-            <a:tailEnd len="sm" w="sm" type="none"/>
+            <a:headEnd type="none" w="sm" len="sm"/>
+            <a:tailEnd type="none" w="sm" len="sm"/>
           </a:ln>
         </p:spPr>
         <p:txBody>
-          <a:bodyPr anchorCtr="0" anchor="ctr" bIns="91425" lIns="91425" spcFirstLastPara="1" rIns="91425" wrap="square" tIns="91425">
+          <a:bodyPr spcFirstLastPara="1" wrap="square" lIns="91425" tIns="91425" rIns="91425" bIns="91425" anchor="ctr" anchorCtr="0">
             <a:noAutofit/>
           </a:bodyPr>
           <a:lstStyle/>
           <a:p>
-            <a:pPr indent="0" lvl="0" marL="0" rtl="0" algn="ctr">
+            <a:pPr marL="0" lvl="0" indent="0" algn="ctr" rtl="0">
               <a:spcBef>
                 <a:spcPts val="0"/>
               </a:spcBef>
@@ -14406,9 +14490,6 @@
               </a:spcAft>
               <a:buNone/>
             </a:pPr>
-            <a:r>
-              <a:t/>
-            </a:r>
             <a:endParaRPr>
               <a:latin typeface="Roboto"/>
               <a:ea typeface="Roboto"/>
@@ -14431,29 +14512,29 @@
           </a:xfrm>
           <a:prstGeom prst="snip1Rect">
             <a:avLst>
-              <a:gd fmla="val 16667" name="adj"/>
+              <a:gd name="adj" fmla="val 16667"/>
             </a:avLst>
           </a:prstGeom>
           <a:solidFill>
             <a:srgbClr val="F3F3F3"/>
           </a:solidFill>
-          <a:ln cap="flat" cmpd="sng" w="9525">
+          <a:ln w="9525" cap="flat" cmpd="sng">
             <a:solidFill>
               <a:schemeClr val="dk2"/>
             </a:solidFill>
             <a:prstDash val="solid"/>
             <a:round/>
-            <a:headEnd len="sm" w="sm" type="none"/>
-            <a:tailEnd len="sm" w="sm" type="none"/>
+            <a:headEnd type="none" w="sm" len="sm"/>
+            <a:tailEnd type="none" w="sm" len="sm"/>
           </a:ln>
         </p:spPr>
         <p:txBody>
-          <a:bodyPr anchorCtr="0" anchor="ctr" bIns="91425" lIns="91425" spcFirstLastPara="1" rIns="91425" wrap="square" tIns="91425">
+          <a:bodyPr spcFirstLastPara="1" wrap="square" lIns="91425" tIns="91425" rIns="91425" bIns="91425" anchor="ctr" anchorCtr="0">
             <a:noAutofit/>
           </a:bodyPr>
           <a:lstStyle/>
           <a:p>
-            <a:pPr indent="0" lvl="0" marL="0" rtl="0" algn="ctr">
+            <a:pPr marL="0" lvl="0" indent="0" algn="ctr" rtl="0">
               <a:spcBef>
                 <a:spcPts val="0"/>
               </a:spcBef>
@@ -14462,9 +14543,6 @@
               </a:spcAft>
               <a:buNone/>
             </a:pPr>
-            <a:r>
-              <a:t/>
-            </a:r>
             <a:endParaRPr>
               <a:latin typeface="Roboto"/>
               <a:ea typeface="Roboto"/>
@@ -14481,35 +14559,35 @@
           <p:nvPr/>
         </p:nvSpPr>
         <p:spPr>
-          <a:xfrm flipH="1" rot="10800000">
+          <a:xfrm rot="10800000" flipH="1">
             <a:off x="5047825" y="2984200"/>
             <a:ext cx="3066600" cy="1980300"/>
           </a:xfrm>
           <a:prstGeom prst="snip1Rect">
             <a:avLst>
-              <a:gd fmla="val 16667" name="adj"/>
+              <a:gd name="adj" fmla="val 16667"/>
             </a:avLst>
           </a:prstGeom>
           <a:solidFill>
             <a:srgbClr val="F3F3F3"/>
           </a:solidFill>
-          <a:ln cap="flat" cmpd="sng" w="9525">
+          <a:ln w="9525" cap="flat" cmpd="sng">
             <a:solidFill>
               <a:schemeClr val="dk2"/>
             </a:solidFill>
             <a:prstDash val="solid"/>
             <a:round/>
-            <a:headEnd len="sm" w="sm" type="none"/>
-            <a:tailEnd len="sm" w="sm" type="none"/>
+            <a:headEnd type="none" w="sm" len="sm"/>
+            <a:tailEnd type="none" w="sm" len="sm"/>
           </a:ln>
         </p:spPr>
         <p:txBody>
-          <a:bodyPr anchorCtr="0" anchor="ctr" bIns="91425" lIns="91425" spcFirstLastPara="1" rIns="91425" wrap="square" tIns="91425">
+          <a:bodyPr spcFirstLastPara="1" wrap="square" lIns="91425" tIns="91425" rIns="91425" bIns="91425" anchor="ctr" anchorCtr="0">
             <a:noAutofit/>
           </a:bodyPr>
           <a:lstStyle/>
           <a:p>
-            <a:pPr indent="0" lvl="0" marL="0" rtl="0" algn="ctr">
+            <a:pPr marL="0" lvl="0" indent="0" algn="ctr" rtl="0">
               <a:spcBef>
                 <a:spcPts val="0"/>
               </a:spcBef>
@@ -14518,9 +14596,6 @@
               </a:spcAft>
               <a:buNone/>
             </a:pPr>
-            <a:r>
-              <a:t/>
-            </a:r>
             <a:endParaRPr>
               <a:latin typeface="Roboto"/>
               <a:ea typeface="Roboto"/>
@@ -14543,29 +14618,29 @@
           </a:xfrm>
           <a:prstGeom prst="snip1Rect">
             <a:avLst>
-              <a:gd fmla="val 16667" name="adj"/>
+              <a:gd name="adj" fmla="val 16667"/>
             </a:avLst>
           </a:prstGeom>
           <a:solidFill>
             <a:srgbClr val="F3F3F3"/>
           </a:solidFill>
-          <a:ln cap="flat" cmpd="sng" w="9525">
+          <a:ln w="9525" cap="flat" cmpd="sng">
             <a:solidFill>
               <a:schemeClr val="dk2"/>
             </a:solidFill>
             <a:prstDash val="solid"/>
             <a:round/>
-            <a:headEnd len="sm" w="sm" type="none"/>
-            <a:tailEnd len="sm" w="sm" type="none"/>
+            <a:headEnd type="none" w="sm" len="sm"/>
+            <a:tailEnd type="none" w="sm" len="sm"/>
           </a:ln>
         </p:spPr>
         <p:txBody>
-          <a:bodyPr anchorCtr="0" anchor="ctr" bIns="91425" lIns="91425" spcFirstLastPara="1" rIns="91425" wrap="square" tIns="91425">
+          <a:bodyPr spcFirstLastPara="1" wrap="square" lIns="91425" tIns="91425" rIns="91425" bIns="91425" anchor="ctr" anchorCtr="0">
             <a:noAutofit/>
           </a:bodyPr>
           <a:lstStyle/>
           <a:p>
-            <a:pPr indent="0" lvl="0" marL="0" rtl="0" algn="ctr">
+            <a:pPr marL="0" lvl="0" indent="0" algn="ctr" rtl="0">
               <a:spcBef>
                 <a:spcPts val="0"/>
               </a:spcBef>
@@ -14574,9 +14649,6 @@
               </a:spcAft>
               <a:buNone/>
             </a:pPr>
-            <a:r>
-              <a:t/>
-            </a:r>
             <a:endParaRPr>
               <a:latin typeface="Roboto"/>
               <a:ea typeface="Roboto"/>
@@ -14606,12 +14678,12 @@
           </a:ln>
         </p:spPr>
         <p:txBody>
-          <a:bodyPr anchorCtr="0" anchor="t" bIns="91425" lIns="91425" spcFirstLastPara="1" rIns="91425" wrap="square" tIns="91425">
+          <a:bodyPr spcFirstLastPara="1" wrap="square" lIns="91425" tIns="91425" rIns="91425" bIns="91425" anchor="t" anchorCtr="0">
             <a:spAutoFit/>
           </a:bodyPr>
           <a:lstStyle/>
           <a:p>
-            <a:pPr indent="0" lvl="0" marL="0" rtl="0" algn="l">
+            <a:pPr marL="0" lvl="0" indent="0" algn="l" rtl="0">
               <a:spcBef>
                 <a:spcPts val="0"/>
               </a:spcBef>
@@ -14621,7 +14693,7 @@
               <a:buNone/>
             </a:pPr>
             <a:r>
-              <a:rPr b="1" lang="en-GB" sz="1500" u="sng">
+              <a:rPr lang="en-GB" sz="1500" b="1" u="sng">
                 <a:solidFill>
                   <a:schemeClr val="dk2"/>
                 </a:solidFill>
@@ -14632,7 +14704,7 @@
               </a:rPr>
               <a:t>LIST</a:t>
             </a:r>
-            <a:endParaRPr b="1" sz="1500" u="sng">
+            <a:endParaRPr sz="1500" b="1" u="sng">
               <a:solidFill>
                 <a:schemeClr val="dk2"/>
               </a:solidFill>
@@ -14664,12 +14736,12 @@
           </a:ln>
         </p:spPr>
         <p:txBody>
-          <a:bodyPr anchorCtr="0" anchor="t" bIns="91425" lIns="91425" spcFirstLastPara="1" rIns="91425" wrap="square" tIns="91425">
+          <a:bodyPr spcFirstLastPara="1" wrap="square" lIns="91425" tIns="91425" rIns="91425" bIns="91425" anchor="t" anchorCtr="0">
             <a:spAutoFit/>
           </a:bodyPr>
           <a:lstStyle/>
           <a:p>
-            <a:pPr indent="0" lvl="0" marL="0" rtl="0" algn="l">
+            <a:pPr marL="0" lvl="0" indent="0" algn="l" rtl="0">
               <a:spcBef>
                 <a:spcPts val="0"/>
               </a:spcBef>
@@ -14679,7 +14751,7 @@
               <a:buNone/>
             </a:pPr>
             <a:r>
-              <a:rPr b="1" lang="en-GB" sz="1500" u="sng">
+              <a:rPr lang="en-GB" sz="1500" b="1" u="sng">
                 <a:solidFill>
                   <a:schemeClr val="dk2"/>
                 </a:solidFill>
@@ -14690,7 +14762,7 @@
               </a:rPr>
               <a:t>SET</a:t>
             </a:r>
-            <a:endParaRPr b="1" sz="1500" u="sng">
+            <a:endParaRPr sz="1500" b="1" u="sng">
               <a:solidFill>
                 <a:schemeClr val="dk2"/>
               </a:solidFill>
@@ -14722,12 +14794,12 @@
           </a:ln>
         </p:spPr>
         <p:txBody>
-          <a:bodyPr anchorCtr="0" anchor="t" bIns="91425" lIns="91425" spcFirstLastPara="1" rIns="91425" wrap="square" tIns="91425">
+          <a:bodyPr spcFirstLastPara="1" wrap="square" lIns="91425" tIns="91425" rIns="91425" bIns="91425" anchor="t" anchorCtr="0">
             <a:spAutoFit/>
           </a:bodyPr>
           <a:lstStyle/>
           <a:p>
-            <a:pPr indent="0" lvl="0" marL="0" rtl="0" algn="l">
+            <a:pPr marL="0" lvl="0" indent="0" algn="l" rtl="0">
               <a:spcBef>
                 <a:spcPts val="0"/>
               </a:spcBef>
@@ -14737,7 +14809,7 @@
               <a:buNone/>
             </a:pPr>
             <a:r>
-              <a:rPr b="1" lang="en-GB" sz="1500" u="sng">
+              <a:rPr lang="en-GB" sz="1500" b="1" u="sng">
                 <a:solidFill>
                   <a:schemeClr val="dk2"/>
                 </a:solidFill>
@@ -14748,7 +14820,7 @@
               </a:rPr>
               <a:t>MAP</a:t>
             </a:r>
-            <a:endParaRPr b="1" sz="1500" u="sng">
+            <a:endParaRPr sz="1500" b="1" u="sng">
               <a:solidFill>
                 <a:schemeClr val="dk2"/>
               </a:solidFill>
@@ -14780,12 +14852,12 @@
           </a:ln>
         </p:spPr>
         <p:txBody>
-          <a:bodyPr anchorCtr="0" anchor="t" bIns="91425" lIns="91425" spcFirstLastPara="1" rIns="91425" wrap="square" tIns="91425">
+          <a:bodyPr spcFirstLastPara="1" wrap="square" lIns="91425" tIns="91425" rIns="91425" bIns="91425" anchor="t" anchorCtr="0">
             <a:spAutoFit/>
           </a:bodyPr>
           <a:lstStyle/>
           <a:p>
-            <a:pPr indent="0" lvl="0" marL="0" rtl="0" algn="l">
+            <a:pPr marL="0" lvl="0" indent="0" algn="l" rtl="0">
               <a:spcBef>
                 <a:spcPts val="0"/>
               </a:spcBef>
@@ -14795,7 +14867,7 @@
               <a:buNone/>
             </a:pPr>
             <a:r>
-              <a:rPr b="1" lang="en-GB" sz="1500" u="sng">
+              <a:rPr lang="en-GB" sz="1500" b="1" u="sng">
                 <a:solidFill>
                   <a:schemeClr val="dk2"/>
                 </a:solidFill>
@@ -14806,7 +14878,7 @@
               </a:rPr>
               <a:t>QUEUE</a:t>
             </a:r>
-            <a:endParaRPr b="1" sz="1500" u="sng">
+            <a:endParaRPr sz="1500" b="1" u="sng">
               <a:solidFill>
                 <a:schemeClr val="dk2"/>
               </a:solidFill>
@@ -14838,12 +14910,12 @@
           </a:ln>
         </p:spPr>
         <p:txBody>
-          <a:bodyPr anchorCtr="0" anchor="t" bIns="91425" lIns="91425" spcFirstLastPara="1" rIns="91425" wrap="square" tIns="91425">
+          <a:bodyPr spcFirstLastPara="1" wrap="square" lIns="91425" tIns="91425" rIns="91425" bIns="91425" anchor="t" anchorCtr="0">
             <a:spAutoFit/>
           </a:bodyPr>
           <a:lstStyle/>
           <a:p>
-            <a:pPr indent="-317500" lvl="0" marL="457200" rtl="0" algn="just">
+            <a:pPr marL="457200" lvl="0" indent="-317500" algn="just" rtl="0">
               <a:lnSpc>
                 <a:spcPct val="115000"/>
               </a:lnSpc>
@@ -14874,7 +14946,7 @@
             </a:endParaRPr>
           </a:p>
           <a:p>
-            <a:pPr indent="-317500" lvl="0" marL="457200" rtl="0" algn="just">
+            <a:pPr marL="457200" lvl="0" indent="-317500" algn="just" rtl="0">
               <a:lnSpc>
                 <a:spcPct val="115000"/>
               </a:lnSpc>
@@ -14926,12 +14998,12 @@
           </a:ln>
         </p:spPr>
         <p:txBody>
-          <a:bodyPr anchorCtr="0" anchor="t" bIns="91425" lIns="91425" spcFirstLastPara="1" rIns="91425" wrap="square" tIns="91425">
+          <a:bodyPr spcFirstLastPara="1" wrap="square" lIns="91425" tIns="91425" rIns="91425" bIns="91425" anchor="t" anchorCtr="0">
             <a:spAutoFit/>
           </a:bodyPr>
           <a:lstStyle/>
           <a:p>
-            <a:pPr indent="-317500" lvl="0" marL="457200" rtl="0" algn="just">
+            <a:pPr marL="457200" lvl="0" indent="-317500" algn="just" rtl="0">
               <a:lnSpc>
                 <a:spcPct val="115000"/>
               </a:lnSpc>
@@ -14962,7 +15034,7 @@
             </a:endParaRPr>
           </a:p>
           <a:p>
-            <a:pPr indent="-317500" lvl="0" marL="457200" rtl="0" algn="just">
+            <a:pPr marL="457200" lvl="0" indent="-317500" algn="just" rtl="0">
               <a:lnSpc>
                 <a:spcPct val="115000"/>
               </a:lnSpc>
@@ -15014,12 +15086,12 @@
           </a:ln>
         </p:spPr>
         <p:txBody>
-          <a:bodyPr anchorCtr="0" anchor="t" bIns="91425" lIns="91425" spcFirstLastPara="1" rIns="91425" wrap="square" tIns="91425">
+          <a:bodyPr spcFirstLastPara="1" wrap="square" lIns="91425" tIns="91425" rIns="91425" bIns="91425" anchor="t" anchorCtr="0">
             <a:spAutoFit/>
           </a:bodyPr>
           <a:lstStyle/>
           <a:p>
-            <a:pPr indent="-317500" lvl="0" marL="457200" rtl="0" algn="just">
+            <a:pPr marL="457200" lvl="0" indent="-317500" algn="just" rtl="0">
               <a:lnSpc>
                 <a:spcPct val="115000"/>
               </a:lnSpc>
@@ -15050,7 +15122,7 @@
             </a:endParaRPr>
           </a:p>
           <a:p>
-            <a:pPr indent="-317500" lvl="0" marL="457200" rtl="0" algn="just">
+            <a:pPr marL="457200" lvl="0" indent="-317500" algn="just" rtl="0">
               <a:lnSpc>
                 <a:spcPct val="115000"/>
               </a:lnSpc>
@@ -15102,12 +15174,12 @@
           </a:ln>
         </p:spPr>
         <p:txBody>
-          <a:bodyPr anchorCtr="0" anchor="t" bIns="91425" lIns="91425" spcFirstLastPara="1" rIns="91425" wrap="square" tIns="91425">
+          <a:bodyPr spcFirstLastPara="1" wrap="square" lIns="91425" tIns="91425" rIns="91425" bIns="91425" anchor="t" anchorCtr="0">
             <a:spAutoFit/>
           </a:bodyPr>
           <a:lstStyle/>
           <a:p>
-            <a:pPr indent="-317500" lvl="0" marL="457200" rtl="0" algn="just">
+            <a:pPr marL="457200" lvl="0" indent="-317500" algn="just" rtl="0">
               <a:lnSpc>
                 <a:spcPct val="115000"/>
               </a:lnSpc>
@@ -15128,16 +15200,7 @@
                 <a:cs typeface="Josefin Sans SemiBold"/>
                 <a:sym typeface="Josefin Sans SemiBold"/>
               </a:rPr>
-              <a:t>A Queue</a:t>
-            </a:r>
-            <a:r>
-              <a:rPr lang="en-GB">
-                <a:latin typeface="Josefin Sans SemiBold"/>
-                <a:ea typeface="Josefin Sans SemiBold"/>
-                <a:cs typeface="Josefin Sans SemiBold"/>
-                <a:sym typeface="Josefin Sans SemiBold"/>
-              </a:rPr>
-              <a:t> is a collection that follows the FIFO (First In, First Out) rule.</a:t>
+              <a:t>A Queue is a collection that follows the FIFO (First In, First Out) rule.</a:t>
             </a:r>
             <a:endParaRPr>
               <a:latin typeface="Josefin Sans SemiBold"/>
@@ -15147,7 +15210,7 @@
             </a:endParaRPr>
           </a:p>
           <a:p>
-            <a:pPr indent="-317500" lvl="0" marL="457200" rtl="0" algn="just">
+            <a:pPr marL="457200" lvl="0" indent="-317500" algn="just" rtl="0">
               <a:lnSpc>
                 <a:spcPct val="115000"/>
               </a:lnSpc>
@@ -15188,11 +15251,11 @@
 </file>
 
 <file path=ppt/slides/slide8.xml><?xml version="1.0" encoding="utf-8"?>
-<p:sld xmlns:a="http://schemas.openxmlformats.org/drawingml/2006/main" xmlns:r="http://schemas.openxmlformats.org/officeDocument/2006/relationships" xmlns:mc="http://schemas.openxmlformats.org/markup-compatibility/2006" xmlns:mv="urn:schemas-microsoft-com:mac:vml" xmlns:p="http://schemas.openxmlformats.org/presentationml/2006/main" xmlns:c="http://schemas.openxmlformats.org/drawingml/2006/chart" xmlns:dgm="http://schemas.openxmlformats.org/drawingml/2006/diagram" xmlns:o="urn:schemas-microsoft-com:office:office" xmlns:v="urn:schemas-microsoft-com:vml" xmlns:pvml="urn:schemas-microsoft-com:office:powerpoint" xmlns:com="http://schemas.openxmlformats.org/drawingml/2006/compatibility" xmlns:p14="http://schemas.microsoft.com/office/powerpoint/2010/main" xmlns:p15="http://schemas.microsoft.com/office/powerpoint/2012/main" xmlns:ahyp="http://schemas.microsoft.com/office/drawing/2018/hyperlinkcolor">
+<p:sld xmlns:a="http://schemas.openxmlformats.org/drawingml/2006/main" xmlns:r="http://schemas.openxmlformats.org/officeDocument/2006/relationships" xmlns:p="http://schemas.openxmlformats.org/presentationml/2006/main">
   <p:cSld>
     <p:spTree>
       <p:nvGrpSpPr>
-        <p:cNvPr id="148" name="Shape 148"/>
+        <p:cNvPr id="1" name="Shape 148"/>
         <p:cNvGrpSpPr/>
         <p:nvPr/>
       </p:nvGrpSpPr>
@@ -15224,12 +15287,12 @@
           </a:ln>
         </p:spPr>
         <p:txBody>
-          <a:bodyPr anchorCtr="0" anchor="t" bIns="91425" lIns="91425" spcFirstLastPara="1" rIns="91425" wrap="square" tIns="91425">
+          <a:bodyPr spcFirstLastPara="1" wrap="square" lIns="91425" tIns="91425" rIns="91425" bIns="91425" anchor="t" anchorCtr="0">
             <a:spAutoFit/>
           </a:bodyPr>
           <a:lstStyle/>
           <a:p>
-            <a:pPr indent="0" lvl="0" marL="0" rtl="0" algn="l">
+            <a:pPr marL="0" lvl="0" indent="0" algn="l" rtl="0">
               <a:spcBef>
                 <a:spcPts val="0"/>
               </a:spcBef>
@@ -15275,30 +15338,30 @@
           </a:xfrm>
           <a:prstGeom prst="round2SameRect">
             <a:avLst>
-              <a:gd fmla="val 16667" name="adj1"/>
-              <a:gd fmla="val 0" name="adj2"/>
+              <a:gd name="adj1" fmla="val 16667"/>
+              <a:gd name="adj2" fmla="val 0"/>
             </a:avLst>
           </a:prstGeom>
           <a:solidFill>
             <a:srgbClr val="F3F3F3"/>
           </a:solidFill>
-          <a:ln cap="flat" cmpd="sng" w="9525">
+          <a:ln w="9525" cap="flat" cmpd="sng">
             <a:solidFill>
               <a:schemeClr val="dk2"/>
             </a:solidFill>
             <a:prstDash val="solid"/>
             <a:round/>
-            <a:headEnd len="sm" w="sm" type="none"/>
-            <a:tailEnd len="sm" w="sm" type="none"/>
+            <a:headEnd type="none" w="sm" len="sm"/>
+            <a:tailEnd type="none" w="sm" len="sm"/>
           </a:ln>
         </p:spPr>
         <p:txBody>
-          <a:bodyPr anchorCtr="0" anchor="ctr" bIns="91425" lIns="91425" spcFirstLastPara="1" rIns="91425" wrap="square" tIns="91425">
+          <a:bodyPr spcFirstLastPara="1" wrap="square" lIns="91425" tIns="91425" rIns="91425" bIns="91425" anchor="ctr" anchorCtr="0">
             <a:noAutofit/>
           </a:bodyPr>
           <a:lstStyle/>
           <a:p>
-            <a:pPr indent="0" lvl="0" marL="0" rtl="0" algn="ctr">
+            <a:pPr marL="0" lvl="0" indent="0" algn="ctr" rtl="0">
               <a:spcBef>
                 <a:spcPts val="0"/>
               </a:spcBef>
@@ -15307,9 +15370,6 @@
               </a:spcAft>
               <a:buNone/>
             </a:pPr>
-            <a:r>
-              <a:t/>
-            </a:r>
             <a:endParaRPr>
               <a:latin typeface="Roboto"/>
               <a:ea typeface="Roboto"/>
@@ -15339,12 +15399,12 @@
           </a:ln>
         </p:spPr>
         <p:txBody>
-          <a:bodyPr anchorCtr="0" anchor="t" bIns="91425" lIns="91425" spcFirstLastPara="1" rIns="91425" wrap="square" tIns="91425">
+          <a:bodyPr spcFirstLastPara="1" wrap="square" lIns="91425" tIns="91425" rIns="91425" bIns="91425" anchor="t" anchorCtr="0">
             <a:spAutoFit/>
           </a:bodyPr>
           <a:lstStyle/>
           <a:p>
-            <a:pPr indent="0" lvl="0" marL="0" rtl="0" algn="l">
+            <a:pPr marL="0" lvl="0" indent="0" algn="l" rtl="0">
               <a:spcBef>
                 <a:spcPts val="0"/>
               </a:spcBef>
@@ -15354,7 +15414,7 @@
               <a:buNone/>
             </a:pPr>
             <a:r>
-              <a:rPr b="1" lang="en-GB" sz="1500" u="sng">
+              <a:rPr lang="en-GB" sz="1500" b="1" u="sng">
                 <a:solidFill>
                   <a:schemeClr val="dk2"/>
                 </a:solidFill>
@@ -15365,7 +15425,7 @@
               </a:rPr>
               <a:t>FIXED LENGTH LIST</a:t>
             </a:r>
-            <a:endParaRPr b="1" sz="1500" u="sng">
+            <a:endParaRPr sz="1500" b="1" u="sng">
               <a:solidFill>
                 <a:schemeClr val="dk2"/>
               </a:solidFill>
@@ -15397,12 +15457,12 @@
           </a:ln>
         </p:spPr>
         <p:txBody>
-          <a:bodyPr anchorCtr="0" anchor="t" bIns="91425" lIns="91425" spcFirstLastPara="1" rIns="91425" wrap="square" tIns="91425">
+          <a:bodyPr spcFirstLastPara="1" wrap="square" lIns="91425" tIns="91425" rIns="91425" bIns="91425" anchor="t" anchorCtr="0">
             <a:spAutoFit/>
           </a:bodyPr>
           <a:lstStyle/>
           <a:p>
-            <a:pPr indent="-317500" lvl="0" marL="457200" rtl="0" algn="just">
+            <a:pPr marL="457200" lvl="0" indent="-317500" algn="just" rtl="0">
               <a:lnSpc>
                 <a:spcPct val="115000"/>
               </a:lnSpc>
@@ -15442,7 +15502,7 @@
             </a:endParaRPr>
           </a:p>
           <a:p>
-            <a:pPr indent="-317500" lvl="0" marL="457200" rtl="0" algn="just">
+            <a:pPr marL="457200" lvl="0" indent="-317500" algn="just" rtl="0">
               <a:lnSpc>
                 <a:spcPct val="115000"/>
               </a:lnSpc>
@@ -15482,7 +15542,7 @@
             </a:endParaRPr>
           </a:p>
           <a:p>
-            <a:pPr indent="-317500" lvl="0" marL="457200" rtl="0" algn="just">
+            <a:pPr marL="457200" lvl="0" indent="-317500" algn="just" rtl="0">
               <a:lnSpc>
                 <a:spcPct val="115000"/>
               </a:lnSpc>
@@ -15536,30 +15596,30 @@
           </a:xfrm>
           <a:prstGeom prst="round2SameRect">
             <a:avLst>
-              <a:gd fmla="val 16667" name="adj1"/>
-              <a:gd fmla="val 0" name="adj2"/>
+              <a:gd name="adj1" fmla="val 16667"/>
+              <a:gd name="adj2" fmla="val 0"/>
             </a:avLst>
           </a:prstGeom>
           <a:solidFill>
             <a:srgbClr val="F3F3F3"/>
           </a:solidFill>
-          <a:ln cap="flat" cmpd="sng" w="9525">
+          <a:ln w="9525" cap="flat" cmpd="sng">
             <a:solidFill>
               <a:schemeClr val="dk2"/>
             </a:solidFill>
             <a:prstDash val="solid"/>
             <a:round/>
-            <a:headEnd len="sm" w="sm" type="none"/>
-            <a:tailEnd len="sm" w="sm" type="none"/>
+            <a:headEnd type="none" w="sm" len="sm"/>
+            <a:tailEnd type="none" w="sm" len="sm"/>
           </a:ln>
         </p:spPr>
         <p:txBody>
-          <a:bodyPr anchorCtr="0" anchor="ctr" bIns="91425" lIns="91425" spcFirstLastPara="1" rIns="91425" wrap="square" tIns="91425">
+          <a:bodyPr spcFirstLastPara="1" wrap="square" lIns="91425" tIns="91425" rIns="91425" bIns="91425" anchor="ctr" anchorCtr="0">
             <a:noAutofit/>
           </a:bodyPr>
           <a:lstStyle/>
           <a:p>
-            <a:pPr indent="0" lvl="0" marL="0" rtl="0" algn="ctr">
+            <a:pPr marL="0" lvl="0" indent="0" algn="ctr" rtl="0">
               <a:spcBef>
                 <a:spcPts val="0"/>
               </a:spcBef>
@@ -15568,9 +15628,6 @@
               </a:spcAft>
               <a:buNone/>
             </a:pPr>
-            <a:r>
-              <a:t/>
-            </a:r>
             <a:endParaRPr>
               <a:latin typeface="Roboto"/>
               <a:ea typeface="Roboto"/>
@@ -15600,12 +15657,12 @@
           </a:ln>
         </p:spPr>
         <p:txBody>
-          <a:bodyPr anchorCtr="0" anchor="t" bIns="91425" lIns="91425" spcFirstLastPara="1" rIns="91425" wrap="square" tIns="91425">
+          <a:bodyPr spcFirstLastPara="1" wrap="square" lIns="91425" tIns="91425" rIns="91425" bIns="91425" anchor="t" anchorCtr="0">
             <a:spAutoFit/>
           </a:bodyPr>
           <a:lstStyle/>
           <a:p>
-            <a:pPr indent="0" lvl="0" marL="0" rtl="0" algn="l">
+            <a:pPr marL="0" lvl="0" indent="0" algn="l" rtl="0">
               <a:spcBef>
                 <a:spcPts val="0"/>
               </a:spcBef>
@@ -15615,7 +15672,7 @@
               <a:buNone/>
             </a:pPr>
             <a:r>
-              <a:rPr b="1" lang="en-GB" sz="1500" u="sng">
+              <a:rPr lang="en-GB" sz="1500" b="1" u="sng">
                 <a:solidFill>
                   <a:schemeClr val="dk2"/>
                 </a:solidFill>
@@ -15626,7 +15683,7 @@
               </a:rPr>
               <a:t>GROWABLE LIST</a:t>
             </a:r>
-            <a:endParaRPr b="1" sz="1500" u="sng">
+            <a:endParaRPr sz="1500" b="1" u="sng">
               <a:solidFill>
                 <a:schemeClr val="dk2"/>
               </a:solidFill>
@@ -15658,12 +15715,12 @@
           </a:ln>
         </p:spPr>
         <p:txBody>
-          <a:bodyPr anchorCtr="0" anchor="t" bIns="91425" lIns="91425" spcFirstLastPara="1" rIns="91425" wrap="square" tIns="91425">
+          <a:bodyPr spcFirstLastPara="1" wrap="square" lIns="91425" tIns="91425" rIns="91425" bIns="91425" anchor="t" anchorCtr="0">
             <a:spAutoFit/>
           </a:bodyPr>
           <a:lstStyle/>
           <a:p>
-            <a:pPr indent="-317500" lvl="0" marL="457200" rtl="0" algn="just">
+            <a:pPr marL="457200" lvl="0" indent="-317500" algn="just" rtl="0">
               <a:lnSpc>
                 <a:spcPct val="115000"/>
               </a:lnSpc>
@@ -15703,7 +15760,7 @@
             </a:endParaRPr>
           </a:p>
           <a:p>
-            <a:pPr indent="-317500" lvl="0" marL="457200" rtl="0" algn="just">
+            <a:pPr marL="457200" lvl="0" indent="-317500" algn="just" rtl="0">
               <a:lnSpc>
                 <a:spcPct val="115000"/>
               </a:lnSpc>
@@ -15743,7 +15800,7 @@
             </a:endParaRPr>
           </a:p>
           <a:p>
-            <a:pPr indent="-317500" lvl="0" marL="457200" rtl="0" algn="just">
+            <a:pPr marL="457200" lvl="0" indent="-317500" algn="just" rtl="0">
               <a:lnSpc>
                 <a:spcPct val="115000"/>
               </a:lnSpc>
@@ -15793,11 +15850,11 @@
 </file>
 
 <file path=ppt/slides/slide9.xml><?xml version="1.0" encoding="utf-8"?>
-<p:sld xmlns:a="http://schemas.openxmlformats.org/drawingml/2006/main" xmlns:r="http://schemas.openxmlformats.org/officeDocument/2006/relationships" xmlns:mc="http://schemas.openxmlformats.org/markup-compatibility/2006" xmlns:mv="urn:schemas-microsoft-com:mac:vml" xmlns:p="http://schemas.openxmlformats.org/presentationml/2006/main" xmlns:c="http://schemas.openxmlformats.org/drawingml/2006/chart" xmlns:dgm="http://schemas.openxmlformats.org/drawingml/2006/diagram" xmlns:o="urn:schemas-microsoft-com:office:office" xmlns:v="urn:schemas-microsoft-com:vml" xmlns:pvml="urn:schemas-microsoft-com:office:powerpoint" xmlns:com="http://schemas.openxmlformats.org/drawingml/2006/compatibility" xmlns:p14="http://schemas.microsoft.com/office/powerpoint/2010/main" xmlns:p15="http://schemas.microsoft.com/office/powerpoint/2012/main" xmlns:ahyp="http://schemas.microsoft.com/office/drawing/2018/hyperlinkcolor">
+<p:sld xmlns:a="http://schemas.openxmlformats.org/drawingml/2006/main" xmlns:r="http://schemas.openxmlformats.org/officeDocument/2006/relationships" xmlns:p="http://schemas.openxmlformats.org/presentationml/2006/main">
   <p:cSld>
     <p:spTree>
       <p:nvGrpSpPr>
-        <p:cNvPr id="159" name="Shape 159"/>
+        <p:cNvPr id="1" name="Shape 159"/>
         <p:cNvGrpSpPr/>
         <p:nvPr/>
       </p:nvGrpSpPr>
@@ -15829,12 +15886,12 @@
           </a:ln>
         </p:spPr>
         <p:txBody>
-          <a:bodyPr anchorCtr="0" anchor="t" bIns="91425" lIns="91425" spcFirstLastPara="1" rIns="91425" wrap="square" tIns="91425">
+          <a:bodyPr spcFirstLastPara="1" wrap="square" lIns="91425" tIns="91425" rIns="91425" bIns="91425" anchor="t" anchorCtr="0">
             <a:spAutoFit/>
           </a:bodyPr>
           <a:lstStyle/>
           <a:p>
-            <a:pPr indent="0" lvl="0" marL="0" rtl="0" algn="l">
+            <a:pPr marL="0" lvl="0" indent="0" algn="l" rtl="0">
               <a:spcBef>
                 <a:spcPts val="0"/>
               </a:spcBef>
@@ -15853,19 +15910,7 @@
                 <a:cs typeface="Fugaz One"/>
                 <a:sym typeface="Fugaz One"/>
               </a:rPr>
-              <a:t> FIXED LENGTH</a:t>
-            </a:r>
-            <a:r>
-              <a:rPr lang="en-GB" sz="1800">
-                <a:solidFill>
-                  <a:schemeClr val="lt1"/>
-                </a:solidFill>
-                <a:latin typeface="Fugaz One"/>
-                <a:ea typeface="Fugaz One"/>
-                <a:cs typeface="Fugaz One"/>
-                <a:sym typeface="Fugaz One"/>
-              </a:rPr>
-              <a:t> LIST</a:t>
+              <a:t> FIXED LENGTH LIST</a:t>
             </a:r>
             <a:endParaRPr sz="1800">
               <a:solidFill>
@@ -15955,12 +16000,12 @@
           </a:ln>
         </p:spPr>
         <p:txBody>
-          <a:bodyPr anchorCtr="0" anchor="t" bIns="91425" lIns="91425" spcFirstLastPara="1" rIns="91425" wrap="square" tIns="91425">
+          <a:bodyPr spcFirstLastPara="1" wrap="square" lIns="91425" tIns="91425" rIns="91425" bIns="91425" anchor="t" anchorCtr="0">
             <a:spAutoFit/>
           </a:bodyPr>
           <a:lstStyle/>
           <a:p>
-            <a:pPr indent="0" lvl="0" marL="0" rtl="0" algn="l">
+            <a:pPr marL="0" lvl="0" indent="0" algn="l" rtl="0">
               <a:spcBef>
                 <a:spcPts val="0"/>
               </a:spcBef>
@@ -16002,7 +16047,7 @@
 </file>
 
 <file path=ppt/theme/theme1.xml><?xml version="1.0" encoding="utf-8"?>
-<a:theme xmlns:a="http://schemas.openxmlformats.org/drawingml/2006/main" xmlns:r="http://schemas.openxmlformats.org/officeDocument/2006/relationships" name="Geometric">
+<a:theme xmlns:a="http://schemas.openxmlformats.org/drawingml/2006/main" name="Geometric">
   <a:themeElements>
     <a:clrScheme name="Geometric">
       <a:dk1>
@@ -16277,11 +16322,13 @@
       </a:bgFillStyleLst>
     </a:fmtScheme>
   </a:themeElements>
+  <a:objectDefaults/>
+  <a:extraClrSchemeLst/>
 </a:theme>
 </file>
 
 <file path=ppt/theme/theme2.xml><?xml version="1.0" encoding="utf-8"?>
-<a:theme xmlns:a="http://schemas.openxmlformats.org/drawingml/2006/main" xmlns:r="http://schemas.openxmlformats.org/officeDocument/2006/relationships">
+<a:theme xmlns:a="http://schemas.openxmlformats.org/drawingml/2006/main">
   <a:themeElements>
     <a:clrScheme name="Default">
       <a:dk1>
@@ -16556,5 +16603,7 @@
       </a:bgFillStyleLst>
     </a:fmtScheme>
   </a:themeElements>
+  <a:objectDefaults/>
+  <a:extraClrSchemeLst/>
 </a:theme>
 </file>